--- a/Slide.pptx
+++ b/Slide.pptx
@@ -29,23 +29,26 @@
     <p:sldId id="274" r:id="rId23"/>
     <p:sldId id="275" r:id="rId24"/>
     <p:sldId id="276" r:id="rId25"/>
+    <p:sldId id="277" r:id="rId26"/>
+    <p:sldId id="278" r:id="rId27"/>
+    <p:sldId id="279" r:id="rId28"/>
   </p:sldIdLst>
   <p:sldSz cy="5143500" cx="9144000"/>
   <p:notesSz cx="6858000" cy="9144000"/>
   <p:embeddedFontLst>
     <p:embeddedFont>
       <p:font typeface="Dosis"/>
-      <p:regular r:id="rId26"/>
-      <p:bold r:id="rId27"/>
+      <p:regular r:id="rId29"/>
+      <p:bold r:id="rId30"/>
     </p:embeddedFont>
     <p:embeddedFont>
       <p:font typeface="Bevan"/>
-      <p:regular r:id="rId28"/>
+      <p:regular r:id="rId31"/>
     </p:embeddedFont>
     <p:embeddedFont>
       <p:font typeface="Dosis ExtraLight"/>
-      <p:regular r:id="rId29"/>
-      <p:bold r:id="rId30"/>
+      <p:regular r:id="rId32"/>
+      <p:bold r:id="rId33"/>
     </p:embeddedFont>
   </p:embeddedFontLst>
   <p:defaultTextStyle>
@@ -810,7 +813,7 @@
   <p:cSld>
     <p:spTree>
       <p:nvGrpSpPr>
-        <p:cNvPr id="402" name="Shape 402"/>
+        <p:cNvPr id="405" name="Shape 405"/>
         <p:cNvGrpSpPr/>
         <p:nvPr/>
       </p:nvGrpSpPr>
@@ -824,7 +827,7 @@
       </p:grpSpPr>
       <p:sp>
         <p:nvSpPr>
-          <p:cNvPr id="403" name="Google Shape;403;gebbdda72dd_1_0:notes"/>
+          <p:cNvPr id="406" name="Google Shape;406;gebbdda72dd_1_0:notes"/>
           <p:cNvSpPr/>
           <p:nvPr>
             <p:ph idx="2" type="sldImg"/>
@@ -859,7 +862,7 @@
       </p:sp>
       <p:sp>
         <p:nvSpPr>
-          <p:cNvPr id="404" name="Google Shape;404;gebbdda72dd_1_0:notes"/>
+          <p:cNvPr id="407" name="Google Shape;407;gebbdda72dd_1_0:notes"/>
           <p:cNvSpPr txBox="1"/>
           <p:nvPr>
             <p:ph idx="1" type="body"/>
@@ -909,7 +912,7 @@
   <p:cSld>
     <p:spTree>
       <p:nvGrpSpPr>
-        <p:cNvPr id="415" name="Shape 415"/>
+        <p:cNvPr id="418" name="Shape 418"/>
         <p:cNvGrpSpPr/>
         <p:nvPr/>
       </p:nvGrpSpPr>
@@ -923,7 +926,7 @@
       </p:grpSpPr>
       <p:sp>
         <p:nvSpPr>
-          <p:cNvPr id="416" name="Google Shape;416;gef0cfdc965_0_17:notes"/>
+          <p:cNvPr id="419" name="Google Shape;419;gef0cfdc965_0_17:notes"/>
           <p:cNvSpPr/>
           <p:nvPr>
             <p:ph idx="2" type="sldImg"/>
@@ -958,7 +961,7 @@
       </p:sp>
       <p:sp>
         <p:nvSpPr>
-          <p:cNvPr id="417" name="Google Shape;417;gef0cfdc965_0_17:notes"/>
+          <p:cNvPr id="420" name="Google Shape;420;gef0cfdc965_0_17:notes"/>
           <p:cNvSpPr txBox="1"/>
           <p:nvPr>
             <p:ph idx="1" type="body"/>
@@ -1008,7 +1011,7 @@
   <p:cSld>
     <p:spTree>
       <p:nvGrpSpPr>
-        <p:cNvPr id="424" name="Shape 424"/>
+        <p:cNvPr id="427" name="Shape 427"/>
         <p:cNvGrpSpPr/>
         <p:nvPr/>
       </p:nvGrpSpPr>
@@ -1022,7 +1025,7 @@
       </p:grpSpPr>
       <p:sp>
         <p:nvSpPr>
-          <p:cNvPr id="425" name="Google Shape;425;gef0cfdc965_0_77:notes"/>
+          <p:cNvPr id="428" name="Google Shape;428;gef0cfdc965_0_77:notes"/>
           <p:cNvSpPr/>
           <p:nvPr>
             <p:ph idx="2" type="sldImg"/>
@@ -1057,7 +1060,7 @@
       </p:sp>
       <p:sp>
         <p:nvSpPr>
-          <p:cNvPr id="426" name="Google Shape;426;gef0cfdc965_0_77:notes"/>
+          <p:cNvPr id="429" name="Google Shape;429;gef0cfdc965_0_77:notes"/>
           <p:cNvSpPr txBox="1"/>
           <p:nvPr>
             <p:ph idx="1" type="body"/>
@@ -1107,7 +1110,7 @@
   <p:cSld>
     <p:spTree>
       <p:nvGrpSpPr>
-        <p:cNvPr id="431" name="Shape 431"/>
+        <p:cNvPr id="434" name="Shape 434"/>
         <p:cNvGrpSpPr/>
         <p:nvPr/>
       </p:nvGrpSpPr>
@@ -1121,7 +1124,7 @@
       </p:grpSpPr>
       <p:sp>
         <p:nvSpPr>
-          <p:cNvPr id="432" name="Google Shape;432;gef0cfdc965_0_139:notes"/>
+          <p:cNvPr id="435" name="Google Shape;435;gef0cfdc965_0_139:notes"/>
           <p:cNvSpPr/>
           <p:nvPr>
             <p:ph idx="2" type="sldImg"/>
@@ -1156,7 +1159,7 @@
       </p:sp>
       <p:sp>
         <p:nvSpPr>
-          <p:cNvPr id="433" name="Google Shape;433;gef0cfdc965_0_139:notes"/>
+          <p:cNvPr id="436" name="Google Shape;436;gef0cfdc965_0_139:notes"/>
           <p:cNvSpPr txBox="1"/>
           <p:nvPr>
             <p:ph idx="1" type="body"/>
@@ -1206,7 +1209,7 @@
   <p:cSld>
     <p:spTree>
       <p:nvGrpSpPr>
-        <p:cNvPr id="437" name="Shape 437"/>
+        <p:cNvPr id="440" name="Shape 440"/>
         <p:cNvGrpSpPr/>
         <p:nvPr/>
       </p:nvGrpSpPr>
@@ -1220,7 +1223,7 @@
       </p:grpSpPr>
       <p:sp>
         <p:nvSpPr>
-          <p:cNvPr id="438" name="Google Shape;438;gef0cfdc965_0_146:notes"/>
+          <p:cNvPr id="441" name="Google Shape;441;gef0cfdc965_0_146:notes"/>
           <p:cNvSpPr/>
           <p:nvPr>
             <p:ph idx="2" type="sldImg"/>
@@ -1255,7 +1258,7 @@
       </p:sp>
       <p:sp>
         <p:nvSpPr>
-          <p:cNvPr id="439" name="Google Shape;439;gef0cfdc965_0_146:notes"/>
+          <p:cNvPr id="442" name="Google Shape;442;gef0cfdc965_0_146:notes"/>
           <p:cNvSpPr txBox="1"/>
           <p:nvPr>
             <p:ph idx="1" type="body"/>
@@ -1305,7 +1308,7 @@
   <p:cSld>
     <p:spTree>
       <p:nvGrpSpPr>
-        <p:cNvPr id="443" name="Shape 443"/>
+        <p:cNvPr id="446" name="Shape 446"/>
         <p:cNvGrpSpPr/>
         <p:nvPr/>
       </p:nvGrpSpPr>
@@ -1319,7 +1322,7 @@
       </p:grpSpPr>
       <p:sp>
         <p:nvSpPr>
-          <p:cNvPr id="444" name="Google Shape;444;gef07bb8e0c_2_13:notes"/>
+          <p:cNvPr id="447" name="Google Shape;447;gef07bb8e0c_2_13:notes"/>
           <p:cNvSpPr/>
           <p:nvPr>
             <p:ph idx="2" type="sldImg"/>
@@ -1354,7 +1357,7 @@
       </p:sp>
       <p:sp>
         <p:nvSpPr>
-          <p:cNvPr id="445" name="Google Shape;445;gef07bb8e0c_2_13:notes"/>
+          <p:cNvPr id="448" name="Google Shape;448;gef07bb8e0c_2_13:notes"/>
           <p:cNvSpPr txBox="1"/>
           <p:nvPr>
             <p:ph idx="1" type="body"/>
@@ -1404,7 +1407,7 @@
   <p:cSld>
     <p:spTree>
       <p:nvGrpSpPr>
-        <p:cNvPr id="450" name="Shape 450"/>
+        <p:cNvPr id="453" name="Shape 453"/>
         <p:cNvGrpSpPr/>
         <p:nvPr/>
       </p:nvGrpSpPr>
@@ -1418,7 +1421,7 @@
       </p:grpSpPr>
       <p:sp>
         <p:nvSpPr>
-          <p:cNvPr id="451" name="Google Shape;451;gef0cfdc965_0_152:notes"/>
+          <p:cNvPr id="454" name="Google Shape;454;gef0cfdc965_0_152:notes"/>
           <p:cNvSpPr/>
           <p:nvPr>
             <p:ph idx="2" type="sldImg"/>
@@ -1453,7 +1456,7 @@
       </p:sp>
       <p:sp>
         <p:nvSpPr>
-          <p:cNvPr id="452" name="Google Shape;452;gef0cfdc965_0_152:notes"/>
+          <p:cNvPr id="455" name="Google Shape;455;gef0cfdc965_0_152:notes"/>
           <p:cNvSpPr txBox="1"/>
           <p:nvPr>
             <p:ph idx="1" type="body"/>
@@ -1503,7 +1506,7 @@
   <p:cSld>
     <p:spTree>
       <p:nvGrpSpPr>
-        <p:cNvPr id="456" name="Shape 456"/>
+        <p:cNvPr id="459" name="Shape 459"/>
         <p:cNvGrpSpPr/>
         <p:nvPr/>
       </p:nvGrpSpPr>
@@ -1517,7 +1520,7 @@
       </p:grpSpPr>
       <p:sp>
         <p:nvSpPr>
-          <p:cNvPr id="457" name="Google Shape;457;gef07bb8e0c_3_43:notes"/>
+          <p:cNvPr id="460" name="Google Shape;460;gef07bb8e0c_3_43:notes"/>
           <p:cNvSpPr/>
           <p:nvPr>
             <p:ph idx="2" type="sldImg"/>
@@ -1552,7 +1555,7 @@
       </p:sp>
       <p:sp>
         <p:nvSpPr>
-          <p:cNvPr id="458" name="Google Shape;458;gef07bb8e0c_3_43:notes"/>
+          <p:cNvPr id="461" name="Google Shape;461;gef07bb8e0c_3_43:notes"/>
           <p:cNvSpPr txBox="1"/>
           <p:nvPr>
             <p:ph idx="1" type="body"/>
@@ -1602,7 +1605,7 @@
   <p:cSld>
     <p:spTree>
       <p:nvGrpSpPr>
-        <p:cNvPr id="463" name="Shape 463"/>
+        <p:cNvPr id="466" name="Shape 466"/>
         <p:cNvGrpSpPr/>
         <p:nvPr/>
       </p:nvGrpSpPr>
@@ -1616,7 +1619,7 @@
       </p:grpSpPr>
       <p:sp>
         <p:nvSpPr>
-          <p:cNvPr id="464" name="Google Shape;464;gef0cfdc965_0_162:notes"/>
+          <p:cNvPr id="467" name="Google Shape;467;gef0cfdc965_0_162:notes"/>
           <p:cNvSpPr/>
           <p:nvPr>
             <p:ph idx="2" type="sldImg"/>
@@ -1651,7 +1654,7 @@
       </p:sp>
       <p:sp>
         <p:nvSpPr>
-          <p:cNvPr id="465" name="Google Shape;465;gef0cfdc965_0_162:notes"/>
+          <p:cNvPr id="468" name="Google Shape;468;gef0cfdc965_0_162:notes"/>
           <p:cNvSpPr txBox="1"/>
           <p:nvPr>
             <p:ph idx="1" type="body"/>
@@ -1701,7 +1704,7 @@
   <p:cSld>
     <p:spTree>
       <p:nvGrpSpPr>
-        <p:cNvPr id="470" name="Shape 470"/>
+        <p:cNvPr id="473" name="Shape 473"/>
         <p:cNvGrpSpPr/>
         <p:nvPr/>
       </p:nvGrpSpPr>
@@ -1715,7 +1718,7 @@
       </p:grpSpPr>
       <p:sp>
         <p:nvSpPr>
-          <p:cNvPr id="471" name="Google Shape;471;gef0cfdc965_0_178:notes"/>
+          <p:cNvPr id="474" name="Google Shape;474;gef0cfdc965_0_178:notes"/>
           <p:cNvSpPr/>
           <p:nvPr>
             <p:ph idx="2" type="sldImg"/>
@@ -1750,7 +1753,7 @@
       </p:sp>
       <p:sp>
         <p:nvSpPr>
-          <p:cNvPr id="472" name="Google Shape;472;gef0cfdc965_0_178:notes"/>
+          <p:cNvPr id="475" name="Google Shape;475;gef0cfdc965_0_178:notes"/>
           <p:cNvSpPr txBox="1"/>
           <p:nvPr>
             <p:ph idx="1" type="body"/>
@@ -1899,7 +1902,7 @@
   <p:cSld>
     <p:spTree>
       <p:nvGrpSpPr>
-        <p:cNvPr id="477" name="Shape 477"/>
+        <p:cNvPr id="480" name="Shape 480"/>
         <p:cNvGrpSpPr/>
         <p:nvPr/>
       </p:nvGrpSpPr>
@@ -1913,7 +1916,7 @@
       </p:grpSpPr>
       <p:sp>
         <p:nvSpPr>
-          <p:cNvPr id="478" name="Google Shape;478;g8fa4a6229d_0_262:notes"/>
+          <p:cNvPr id="481" name="Google Shape;481;gebbdda83d8_0_4:notes"/>
           <p:cNvSpPr/>
           <p:nvPr>
             <p:ph idx="2" type="sldImg"/>
@@ -1948,7 +1951,7 @@
       </p:sp>
       <p:sp>
         <p:nvSpPr>
-          <p:cNvPr id="479" name="Google Shape;479;g8fa4a6229d_0_262:notes"/>
+          <p:cNvPr id="482" name="Google Shape;482;gebbdda83d8_0_4:notes"/>
           <p:cNvSpPr txBox="1"/>
           <p:nvPr>
             <p:ph idx="1" type="body"/>
@@ -1998,7 +2001,7 @@
   <p:cSld>
     <p:spTree>
       <p:nvGrpSpPr>
-        <p:cNvPr id="483" name="Shape 483"/>
+        <p:cNvPr id="487" name="Shape 487"/>
         <p:cNvGrpSpPr/>
         <p:nvPr/>
       </p:nvGrpSpPr>
@@ -2012,7 +2015,7 @@
       </p:grpSpPr>
       <p:sp>
         <p:nvSpPr>
-          <p:cNvPr id="484" name="Google Shape;484;gef0cfdc965_0_7788:notes"/>
+          <p:cNvPr id="488" name="Google Shape;488;gebbdda83d8_0_10:notes"/>
           <p:cNvSpPr/>
           <p:nvPr>
             <p:ph idx="2" type="sldImg"/>
@@ -2047,7 +2050,7 @@
       </p:sp>
       <p:sp>
         <p:nvSpPr>
-          <p:cNvPr id="485" name="Google Shape;485;gef0cfdc965_0_7788:notes"/>
+          <p:cNvPr id="489" name="Google Shape;489;gebbdda83d8_0_10:notes"/>
           <p:cNvSpPr txBox="1"/>
           <p:nvPr>
             <p:ph idx="1" type="body"/>
@@ -2092,12 +2095,12 @@
 </p:notes>
 </file>
 
-<file path=ppt/notesSlides/notesSlide3.xml><?xml version="1.0" encoding="utf-8"?>
+<file path=ppt/notesSlides/notesSlide22.xml><?xml version="1.0" encoding="utf-8"?>
 <p:notes xmlns:a="http://schemas.openxmlformats.org/drawingml/2006/main" xmlns:r="http://schemas.openxmlformats.org/officeDocument/2006/relationships" xmlns:mc="http://schemas.openxmlformats.org/markup-compatibility/2006" xmlns:mv="urn:schemas-microsoft-com:mac:vml" xmlns:p="http://schemas.openxmlformats.org/presentationml/2006/main" xmlns:c="http://schemas.openxmlformats.org/drawingml/2006/chart" xmlns:dgm="http://schemas.openxmlformats.org/drawingml/2006/diagram" xmlns:o="urn:schemas-microsoft-com:office:office" xmlns:v="urn:schemas-microsoft-com:vml" xmlns:pvml="urn:schemas-microsoft-com:office:powerpoint" xmlns:com="http://schemas.openxmlformats.org/drawingml/2006/compatibility" xmlns:p14="http://schemas.microsoft.com/office/powerpoint/2010/main" xmlns:p15="http://schemas.microsoft.com/office/powerpoint/2012/main" xmlns:ahyp="http://schemas.microsoft.com/office/drawing/2018/hyperlinkcolor" showMasterPhAnim="0" showMasterSp="0">
   <p:cSld>
     <p:spTree>
       <p:nvGrpSpPr>
-        <p:cNvPr id="344" name="Shape 344"/>
+        <p:cNvPr id="493" name="Shape 493"/>
         <p:cNvGrpSpPr/>
         <p:nvPr/>
       </p:nvGrpSpPr>
@@ -2111,7 +2114,7 @@
       </p:grpSpPr>
       <p:sp>
         <p:nvSpPr>
-          <p:cNvPr id="345" name="Google Shape;345;g8fa4a6229d_0_187:notes"/>
+          <p:cNvPr id="494" name="Google Shape;494;gebbdda83d8_0_17:notes"/>
           <p:cNvSpPr/>
           <p:nvPr>
             <p:ph idx="2" type="sldImg"/>
@@ -2146,7 +2149,7 @@
       </p:sp>
       <p:sp>
         <p:nvSpPr>
-          <p:cNvPr id="346" name="Google Shape;346;g8fa4a6229d_0_187:notes"/>
+          <p:cNvPr id="495" name="Google Shape;495;gebbdda83d8_0_17:notes"/>
           <p:cNvSpPr txBox="1"/>
           <p:nvPr>
             <p:ph idx="1" type="body"/>
@@ -2191,12 +2194,12 @@
 </p:notes>
 </file>
 
-<file path=ppt/notesSlides/notesSlide4.xml><?xml version="1.0" encoding="utf-8"?>
+<file path=ppt/notesSlides/notesSlide23.xml><?xml version="1.0" encoding="utf-8"?>
 <p:notes xmlns:a="http://schemas.openxmlformats.org/drawingml/2006/main" xmlns:r="http://schemas.openxmlformats.org/officeDocument/2006/relationships" xmlns:mc="http://schemas.openxmlformats.org/markup-compatibility/2006" xmlns:mv="urn:schemas-microsoft-com:mac:vml" xmlns:p="http://schemas.openxmlformats.org/presentationml/2006/main" xmlns:c="http://schemas.openxmlformats.org/drawingml/2006/chart" xmlns:dgm="http://schemas.openxmlformats.org/drawingml/2006/diagram" xmlns:o="urn:schemas-microsoft-com:office:office" xmlns:v="urn:schemas-microsoft-com:vml" xmlns:pvml="urn:schemas-microsoft-com:office:powerpoint" xmlns:com="http://schemas.openxmlformats.org/drawingml/2006/compatibility" xmlns:p14="http://schemas.microsoft.com/office/powerpoint/2010/main" xmlns:p15="http://schemas.microsoft.com/office/powerpoint/2012/main" xmlns:ahyp="http://schemas.microsoft.com/office/drawing/2018/hyperlinkcolor" showMasterPhAnim="0" showMasterSp="0">
   <p:cSld>
     <p:spTree>
       <p:nvGrpSpPr>
-        <p:cNvPr id="351" name="Shape 351"/>
+        <p:cNvPr id="499" name="Shape 499"/>
         <p:cNvGrpSpPr/>
         <p:nvPr/>
       </p:nvGrpSpPr>
@@ -2210,7 +2213,7 @@
       </p:grpSpPr>
       <p:sp>
         <p:nvSpPr>
-          <p:cNvPr id="352" name="Google Shape;352;g8661939ed5_0_15964:notes"/>
+          <p:cNvPr id="500" name="Google Shape;500;g8fa4a6229d_0_262:notes"/>
           <p:cNvSpPr/>
           <p:nvPr>
             <p:ph idx="2" type="sldImg"/>
@@ -2245,7 +2248,7 @@
       </p:sp>
       <p:sp>
         <p:nvSpPr>
-          <p:cNvPr id="353" name="Google Shape;353;g8661939ed5_0_15964:notes"/>
+          <p:cNvPr id="501" name="Google Shape;501;g8fa4a6229d_0_262:notes"/>
           <p:cNvSpPr txBox="1"/>
           <p:nvPr>
             <p:ph idx="1" type="body"/>
@@ -2290,12 +2293,12 @@
 </p:notes>
 </file>
 
-<file path=ppt/notesSlides/notesSlide5.xml><?xml version="1.0" encoding="utf-8"?>
+<file path=ppt/notesSlides/notesSlide24.xml><?xml version="1.0" encoding="utf-8"?>
 <p:notes xmlns:a="http://schemas.openxmlformats.org/drawingml/2006/main" xmlns:r="http://schemas.openxmlformats.org/officeDocument/2006/relationships" xmlns:mc="http://schemas.openxmlformats.org/markup-compatibility/2006" xmlns:mv="urn:schemas-microsoft-com:mac:vml" xmlns:p="http://schemas.openxmlformats.org/presentationml/2006/main" xmlns:c="http://schemas.openxmlformats.org/drawingml/2006/chart" xmlns:dgm="http://schemas.openxmlformats.org/drawingml/2006/diagram" xmlns:o="urn:schemas-microsoft-com:office:office" xmlns:v="urn:schemas-microsoft-com:vml" xmlns:pvml="urn:schemas-microsoft-com:office:powerpoint" xmlns:com="http://schemas.openxmlformats.org/drawingml/2006/compatibility" xmlns:p14="http://schemas.microsoft.com/office/powerpoint/2010/main" xmlns:p15="http://schemas.microsoft.com/office/powerpoint/2012/main" xmlns:ahyp="http://schemas.microsoft.com/office/drawing/2018/hyperlinkcolor" showMasterPhAnim="0" showMasterSp="0">
   <p:cSld>
     <p:spTree>
       <p:nvGrpSpPr>
-        <p:cNvPr id="364" name="Shape 364"/>
+        <p:cNvPr id="505" name="Shape 505"/>
         <p:cNvGrpSpPr/>
         <p:nvPr/>
       </p:nvGrpSpPr>
@@ -2309,7 +2312,7 @@
       </p:grpSpPr>
       <p:sp>
         <p:nvSpPr>
-          <p:cNvPr id="365" name="Google Shape;365;gef07bb8e0c_3_0:notes"/>
+          <p:cNvPr id="506" name="Google Shape;506;gef0cfdc965_0_7788:notes"/>
           <p:cNvSpPr/>
           <p:nvPr>
             <p:ph idx="2" type="sldImg"/>
@@ -2344,7 +2347,7 @@
       </p:sp>
       <p:sp>
         <p:nvSpPr>
-          <p:cNvPr id="366" name="Google Shape;366;gef07bb8e0c_3_0:notes"/>
+          <p:cNvPr id="507" name="Google Shape;507;gef0cfdc965_0_7788:notes"/>
           <p:cNvSpPr txBox="1"/>
           <p:nvPr>
             <p:ph idx="1" type="body"/>
@@ -2389,12 +2392,12 @@
 </p:notes>
 </file>
 
-<file path=ppt/notesSlides/notesSlide6.xml><?xml version="1.0" encoding="utf-8"?>
+<file path=ppt/notesSlides/notesSlide3.xml><?xml version="1.0" encoding="utf-8"?>
 <p:notes xmlns:a="http://schemas.openxmlformats.org/drawingml/2006/main" xmlns:r="http://schemas.openxmlformats.org/officeDocument/2006/relationships" xmlns:mc="http://schemas.openxmlformats.org/markup-compatibility/2006" xmlns:mv="urn:schemas-microsoft-com:mac:vml" xmlns:p="http://schemas.openxmlformats.org/presentationml/2006/main" xmlns:c="http://schemas.openxmlformats.org/drawingml/2006/chart" xmlns:dgm="http://schemas.openxmlformats.org/drawingml/2006/diagram" xmlns:o="urn:schemas-microsoft-com:office:office" xmlns:v="urn:schemas-microsoft-com:vml" xmlns:pvml="urn:schemas-microsoft-com:office:powerpoint" xmlns:com="http://schemas.openxmlformats.org/drawingml/2006/compatibility" xmlns:p14="http://schemas.microsoft.com/office/powerpoint/2010/main" xmlns:p15="http://schemas.microsoft.com/office/powerpoint/2012/main" xmlns:ahyp="http://schemas.microsoft.com/office/drawing/2018/hyperlinkcolor" showMasterPhAnim="0" showMasterSp="0">
   <p:cSld>
     <p:spTree>
       <p:nvGrpSpPr>
-        <p:cNvPr id="373" name="Shape 373"/>
+        <p:cNvPr id="347" name="Shape 347"/>
         <p:cNvGrpSpPr/>
         <p:nvPr/>
       </p:nvGrpSpPr>
@@ -2408,7 +2411,7 @@
       </p:grpSpPr>
       <p:sp>
         <p:nvSpPr>
-          <p:cNvPr id="374" name="Google Shape;374;gef07bb8e0c_2_1:notes"/>
+          <p:cNvPr id="348" name="Google Shape;348;g8fa4a6229d_0_187:notes"/>
           <p:cNvSpPr/>
           <p:nvPr>
             <p:ph idx="2" type="sldImg"/>
@@ -2443,7 +2446,7 @@
       </p:sp>
       <p:sp>
         <p:nvSpPr>
-          <p:cNvPr id="375" name="Google Shape;375;gef07bb8e0c_2_1:notes"/>
+          <p:cNvPr id="349" name="Google Shape;349;g8fa4a6229d_0_187:notes"/>
           <p:cNvSpPr txBox="1"/>
           <p:nvPr>
             <p:ph idx="1" type="body"/>
@@ -2488,12 +2491,12 @@
 </p:notes>
 </file>
 
-<file path=ppt/notesSlides/notesSlide7.xml><?xml version="1.0" encoding="utf-8"?>
+<file path=ppt/notesSlides/notesSlide4.xml><?xml version="1.0" encoding="utf-8"?>
 <p:notes xmlns:a="http://schemas.openxmlformats.org/drawingml/2006/main" xmlns:r="http://schemas.openxmlformats.org/officeDocument/2006/relationships" xmlns:mc="http://schemas.openxmlformats.org/markup-compatibility/2006" xmlns:mv="urn:schemas-microsoft-com:mac:vml" xmlns:p="http://schemas.openxmlformats.org/presentationml/2006/main" xmlns:c="http://schemas.openxmlformats.org/drawingml/2006/chart" xmlns:dgm="http://schemas.openxmlformats.org/drawingml/2006/diagram" xmlns:o="urn:schemas-microsoft-com:office:office" xmlns:v="urn:schemas-microsoft-com:vml" xmlns:pvml="urn:schemas-microsoft-com:office:powerpoint" xmlns:com="http://schemas.openxmlformats.org/drawingml/2006/compatibility" xmlns:p14="http://schemas.microsoft.com/office/powerpoint/2010/main" xmlns:p15="http://schemas.microsoft.com/office/powerpoint/2012/main" xmlns:ahyp="http://schemas.microsoft.com/office/drawing/2018/hyperlinkcolor" showMasterPhAnim="0" showMasterSp="0">
   <p:cSld>
     <p:spTree>
       <p:nvGrpSpPr>
-        <p:cNvPr id="380" name="Shape 380"/>
+        <p:cNvPr id="354" name="Shape 354"/>
         <p:cNvGrpSpPr/>
         <p:nvPr/>
       </p:nvGrpSpPr>
@@ -2507,7 +2510,7 @@
       </p:grpSpPr>
       <p:sp>
         <p:nvSpPr>
-          <p:cNvPr id="381" name="Google Shape;381;g8661939ed5_0_16008:notes"/>
+          <p:cNvPr id="355" name="Google Shape;355;g8661939ed5_0_15964:notes"/>
           <p:cNvSpPr/>
           <p:nvPr>
             <p:ph idx="2" type="sldImg"/>
@@ -2542,7 +2545,7 @@
       </p:sp>
       <p:sp>
         <p:nvSpPr>
-          <p:cNvPr id="382" name="Google Shape;382;g8661939ed5_0_16008:notes"/>
+          <p:cNvPr id="356" name="Google Shape;356;g8661939ed5_0_15964:notes"/>
           <p:cNvSpPr txBox="1"/>
           <p:nvPr>
             <p:ph idx="1" type="body"/>
@@ -2587,12 +2590,12 @@
 </p:notes>
 </file>
 
-<file path=ppt/notesSlides/notesSlide8.xml><?xml version="1.0" encoding="utf-8"?>
+<file path=ppt/notesSlides/notesSlide5.xml><?xml version="1.0" encoding="utf-8"?>
 <p:notes xmlns:a="http://schemas.openxmlformats.org/drawingml/2006/main" xmlns:r="http://schemas.openxmlformats.org/officeDocument/2006/relationships" xmlns:mc="http://schemas.openxmlformats.org/markup-compatibility/2006" xmlns:mv="urn:schemas-microsoft-com:mac:vml" xmlns:p="http://schemas.openxmlformats.org/presentationml/2006/main" xmlns:c="http://schemas.openxmlformats.org/drawingml/2006/chart" xmlns:dgm="http://schemas.openxmlformats.org/drawingml/2006/diagram" xmlns:o="urn:schemas-microsoft-com:office:office" xmlns:v="urn:schemas-microsoft-com:vml" xmlns:pvml="urn:schemas-microsoft-com:office:powerpoint" xmlns:com="http://schemas.openxmlformats.org/drawingml/2006/compatibility" xmlns:p14="http://schemas.microsoft.com/office/powerpoint/2010/main" xmlns:p15="http://schemas.microsoft.com/office/powerpoint/2012/main" xmlns:ahyp="http://schemas.microsoft.com/office/drawing/2018/hyperlinkcolor" showMasterPhAnim="0" showMasterSp="0">
   <p:cSld>
     <p:spTree>
       <p:nvGrpSpPr>
-        <p:cNvPr id="389" name="Shape 389"/>
+        <p:cNvPr id="367" name="Shape 367"/>
         <p:cNvGrpSpPr/>
         <p:nvPr/>
       </p:nvGrpSpPr>
@@ -2606,7 +2609,7 @@
       </p:grpSpPr>
       <p:sp>
         <p:nvSpPr>
-          <p:cNvPr id="390" name="Google Shape;390;gef0cfdc965_0_4:notes"/>
+          <p:cNvPr id="368" name="Google Shape;368;gef07bb8e0c_3_0:notes"/>
           <p:cNvSpPr/>
           <p:nvPr>
             <p:ph idx="2" type="sldImg"/>
@@ -2641,7 +2644,7 @@
       </p:sp>
       <p:sp>
         <p:nvSpPr>
-          <p:cNvPr id="391" name="Google Shape;391;gef0cfdc965_0_4:notes"/>
+          <p:cNvPr id="369" name="Google Shape;369;gef07bb8e0c_3_0:notes"/>
           <p:cNvSpPr txBox="1"/>
           <p:nvPr>
             <p:ph idx="1" type="body"/>
@@ -2686,12 +2689,12 @@
 </p:notes>
 </file>
 
-<file path=ppt/notesSlides/notesSlide9.xml><?xml version="1.0" encoding="utf-8"?>
+<file path=ppt/notesSlides/notesSlide6.xml><?xml version="1.0" encoding="utf-8"?>
 <p:notes xmlns:a="http://schemas.openxmlformats.org/drawingml/2006/main" xmlns:r="http://schemas.openxmlformats.org/officeDocument/2006/relationships" xmlns:mc="http://schemas.openxmlformats.org/markup-compatibility/2006" xmlns:mv="urn:schemas-microsoft-com:mac:vml" xmlns:p="http://schemas.openxmlformats.org/presentationml/2006/main" xmlns:c="http://schemas.openxmlformats.org/drawingml/2006/chart" xmlns:dgm="http://schemas.openxmlformats.org/drawingml/2006/diagram" xmlns:o="urn:schemas-microsoft-com:office:office" xmlns:v="urn:schemas-microsoft-com:vml" xmlns:pvml="urn:schemas-microsoft-com:office:powerpoint" xmlns:com="http://schemas.openxmlformats.org/drawingml/2006/compatibility" xmlns:p14="http://schemas.microsoft.com/office/powerpoint/2010/main" xmlns:p15="http://schemas.microsoft.com/office/powerpoint/2012/main" xmlns:ahyp="http://schemas.microsoft.com/office/drawing/2018/hyperlinkcolor" showMasterPhAnim="0" showMasterSp="0">
   <p:cSld>
     <p:spTree>
       <p:nvGrpSpPr>
-        <p:cNvPr id="395" name="Shape 395"/>
+        <p:cNvPr id="376" name="Shape 376"/>
         <p:cNvGrpSpPr/>
         <p:nvPr/>
       </p:nvGrpSpPr>
@@ -2705,7 +2708,7 @@
       </p:grpSpPr>
       <p:sp>
         <p:nvSpPr>
-          <p:cNvPr id="396" name="Google Shape;396;gef07bb8e0c_2_7:notes"/>
+          <p:cNvPr id="377" name="Google Shape;377;gef07bb8e0c_2_1:notes"/>
           <p:cNvSpPr/>
           <p:nvPr>
             <p:ph idx="2" type="sldImg"/>
@@ -2740,7 +2743,304 @@
       </p:sp>
       <p:sp>
         <p:nvSpPr>
-          <p:cNvPr id="397" name="Google Shape;397;gef07bb8e0c_2_7:notes"/>
+          <p:cNvPr id="378" name="Google Shape;378;gef07bb8e0c_2_1:notes"/>
+          <p:cNvSpPr txBox="1"/>
+          <p:nvPr>
+            <p:ph idx="1" type="body"/>
+          </p:nvPr>
+        </p:nvSpPr>
+        <p:spPr>
+          <a:xfrm>
+            <a:off x="685800" y="4343400"/>
+            <a:ext cx="5486400" cy="4114800"/>
+          </a:xfrm>
+          <a:prstGeom prst="rect">
+            <a:avLst/>
+          </a:prstGeom>
+        </p:spPr>
+        <p:txBody>
+          <a:bodyPr anchorCtr="0" anchor="t" bIns="91425" lIns="91425" spcFirstLastPara="1" rIns="91425" wrap="square" tIns="91425">
+            <a:noAutofit/>
+          </a:bodyPr>
+          <a:lstStyle/>
+          <a:p>
+            <a:pPr indent="0" lvl="0" marL="0" rtl="0" algn="l">
+              <a:spcBef>
+                <a:spcPts val="0"/>
+              </a:spcBef>
+              <a:spcAft>
+                <a:spcPts val="0"/>
+              </a:spcAft>
+              <a:buNone/>
+            </a:pPr>
+            <a:r>
+              <a:t/>
+            </a:r>
+            <a:endParaRPr/>
+          </a:p>
+        </p:txBody>
+      </p:sp>
+    </p:spTree>
+  </p:cSld>
+  <p:clrMapOvr>
+    <a:masterClrMapping/>
+  </p:clrMapOvr>
+</p:notes>
+</file>
+
+<file path=ppt/notesSlides/notesSlide7.xml><?xml version="1.0" encoding="utf-8"?>
+<p:notes xmlns:a="http://schemas.openxmlformats.org/drawingml/2006/main" xmlns:r="http://schemas.openxmlformats.org/officeDocument/2006/relationships" xmlns:mc="http://schemas.openxmlformats.org/markup-compatibility/2006" xmlns:mv="urn:schemas-microsoft-com:mac:vml" xmlns:p="http://schemas.openxmlformats.org/presentationml/2006/main" xmlns:c="http://schemas.openxmlformats.org/drawingml/2006/chart" xmlns:dgm="http://schemas.openxmlformats.org/drawingml/2006/diagram" xmlns:o="urn:schemas-microsoft-com:office:office" xmlns:v="urn:schemas-microsoft-com:vml" xmlns:pvml="urn:schemas-microsoft-com:office:powerpoint" xmlns:com="http://schemas.openxmlformats.org/drawingml/2006/compatibility" xmlns:p14="http://schemas.microsoft.com/office/powerpoint/2010/main" xmlns:p15="http://schemas.microsoft.com/office/powerpoint/2012/main" xmlns:ahyp="http://schemas.microsoft.com/office/drawing/2018/hyperlinkcolor" showMasterPhAnim="0" showMasterSp="0">
+  <p:cSld>
+    <p:spTree>
+      <p:nvGrpSpPr>
+        <p:cNvPr id="383" name="Shape 383"/>
+        <p:cNvGrpSpPr/>
+        <p:nvPr/>
+      </p:nvGrpSpPr>
+      <p:grpSpPr>
+        <a:xfrm>
+          <a:off x="0" y="0"/>
+          <a:ext cx="0" cy="0"/>
+          <a:chOff x="0" y="0"/>
+          <a:chExt cx="0" cy="0"/>
+        </a:xfrm>
+      </p:grpSpPr>
+      <p:sp>
+        <p:nvSpPr>
+          <p:cNvPr id="384" name="Google Shape;384;g8661939ed5_0_16008:notes"/>
+          <p:cNvSpPr/>
+          <p:nvPr>
+            <p:ph idx="2" type="sldImg"/>
+          </p:nvPr>
+        </p:nvSpPr>
+        <p:spPr>
+          <a:xfrm>
+            <a:off x="381300" y="685800"/>
+            <a:ext cx="6096000" cy="3429000"/>
+          </a:xfrm>
+          <a:custGeom>
+            <a:rect b="b" l="l" r="r" t="t"/>
+            <a:pathLst>
+              <a:path extrusionOk="0" h="120000" w="120000">
+                <a:moveTo>
+                  <a:pt x="0" y="0"/>
+                </a:moveTo>
+                <a:lnTo>
+                  <a:pt x="120000" y="0"/>
+                </a:lnTo>
+                <a:lnTo>
+                  <a:pt x="120000" y="120000"/>
+                </a:lnTo>
+                <a:lnTo>
+                  <a:pt x="0" y="120000"/>
+                </a:lnTo>
+                <a:close/>
+              </a:path>
+            </a:pathLst>
+          </a:custGeom>
+        </p:spPr>
+      </p:sp>
+      <p:sp>
+        <p:nvSpPr>
+          <p:cNvPr id="385" name="Google Shape;385;g8661939ed5_0_16008:notes"/>
+          <p:cNvSpPr txBox="1"/>
+          <p:nvPr>
+            <p:ph idx="1" type="body"/>
+          </p:nvPr>
+        </p:nvSpPr>
+        <p:spPr>
+          <a:xfrm>
+            <a:off x="685800" y="4343400"/>
+            <a:ext cx="5486400" cy="4114800"/>
+          </a:xfrm>
+          <a:prstGeom prst="rect">
+            <a:avLst/>
+          </a:prstGeom>
+        </p:spPr>
+        <p:txBody>
+          <a:bodyPr anchorCtr="0" anchor="t" bIns="91425" lIns="91425" spcFirstLastPara="1" rIns="91425" wrap="square" tIns="91425">
+            <a:noAutofit/>
+          </a:bodyPr>
+          <a:lstStyle/>
+          <a:p>
+            <a:pPr indent="0" lvl="0" marL="0" rtl="0" algn="l">
+              <a:spcBef>
+                <a:spcPts val="0"/>
+              </a:spcBef>
+              <a:spcAft>
+                <a:spcPts val="0"/>
+              </a:spcAft>
+              <a:buNone/>
+            </a:pPr>
+            <a:r>
+              <a:t/>
+            </a:r>
+            <a:endParaRPr/>
+          </a:p>
+        </p:txBody>
+      </p:sp>
+    </p:spTree>
+  </p:cSld>
+  <p:clrMapOvr>
+    <a:masterClrMapping/>
+  </p:clrMapOvr>
+</p:notes>
+</file>
+
+<file path=ppt/notesSlides/notesSlide8.xml><?xml version="1.0" encoding="utf-8"?>
+<p:notes xmlns:a="http://schemas.openxmlformats.org/drawingml/2006/main" xmlns:r="http://schemas.openxmlformats.org/officeDocument/2006/relationships" xmlns:mc="http://schemas.openxmlformats.org/markup-compatibility/2006" xmlns:mv="urn:schemas-microsoft-com:mac:vml" xmlns:p="http://schemas.openxmlformats.org/presentationml/2006/main" xmlns:c="http://schemas.openxmlformats.org/drawingml/2006/chart" xmlns:dgm="http://schemas.openxmlformats.org/drawingml/2006/diagram" xmlns:o="urn:schemas-microsoft-com:office:office" xmlns:v="urn:schemas-microsoft-com:vml" xmlns:pvml="urn:schemas-microsoft-com:office:powerpoint" xmlns:com="http://schemas.openxmlformats.org/drawingml/2006/compatibility" xmlns:p14="http://schemas.microsoft.com/office/powerpoint/2010/main" xmlns:p15="http://schemas.microsoft.com/office/powerpoint/2012/main" xmlns:ahyp="http://schemas.microsoft.com/office/drawing/2018/hyperlinkcolor" showMasterPhAnim="0" showMasterSp="0">
+  <p:cSld>
+    <p:spTree>
+      <p:nvGrpSpPr>
+        <p:cNvPr id="392" name="Shape 392"/>
+        <p:cNvGrpSpPr/>
+        <p:nvPr/>
+      </p:nvGrpSpPr>
+      <p:grpSpPr>
+        <a:xfrm>
+          <a:off x="0" y="0"/>
+          <a:ext cx="0" cy="0"/>
+          <a:chOff x="0" y="0"/>
+          <a:chExt cx="0" cy="0"/>
+        </a:xfrm>
+      </p:grpSpPr>
+      <p:sp>
+        <p:nvSpPr>
+          <p:cNvPr id="393" name="Google Shape;393;gef0cfdc965_0_4:notes"/>
+          <p:cNvSpPr/>
+          <p:nvPr>
+            <p:ph idx="2" type="sldImg"/>
+          </p:nvPr>
+        </p:nvSpPr>
+        <p:spPr>
+          <a:xfrm>
+            <a:off x="381300" y="685800"/>
+            <a:ext cx="6096000" cy="3429000"/>
+          </a:xfrm>
+          <a:custGeom>
+            <a:rect b="b" l="l" r="r" t="t"/>
+            <a:pathLst>
+              <a:path extrusionOk="0" h="120000" w="120000">
+                <a:moveTo>
+                  <a:pt x="0" y="0"/>
+                </a:moveTo>
+                <a:lnTo>
+                  <a:pt x="120000" y="0"/>
+                </a:lnTo>
+                <a:lnTo>
+                  <a:pt x="120000" y="120000"/>
+                </a:lnTo>
+                <a:lnTo>
+                  <a:pt x="0" y="120000"/>
+                </a:lnTo>
+                <a:close/>
+              </a:path>
+            </a:pathLst>
+          </a:custGeom>
+        </p:spPr>
+      </p:sp>
+      <p:sp>
+        <p:nvSpPr>
+          <p:cNvPr id="394" name="Google Shape;394;gef0cfdc965_0_4:notes"/>
+          <p:cNvSpPr txBox="1"/>
+          <p:nvPr>
+            <p:ph idx="1" type="body"/>
+          </p:nvPr>
+        </p:nvSpPr>
+        <p:spPr>
+          <a:xfrm>
+            <a:off x="685800" y="4343400"/>
+            <a:ext cx="5486400" cy="4114800"/>
+          </a:xfrm>
+          <a:prstGeom prst="rect">
+            <a:avLst/>
+          </a:prstGeom>
+        </p:spPr>
+        <p:txBody>
+          <a:bodyPr anchorCtr="0" anchor="t" bIns="91425" lIns="91425" spcFirstLastPara="1" rIns="91425" wrap="square" tIns="91425">
+            <a:noAutofit/>
+          </a:bodyPr>
+          <a:lstStyle/>
+          <a:p>
+            <a:pPr indent="0" lvl="0" marL="0" rtl="0" algn="l">
+              <a:spcBef>
+                <a:spcPts val="0"/>
+              </a:spcBef>
+              <a:spcAft>
+                <a:spcPts val="0"/>
+              </a:spcAft>
+              <a:buNone/>
+            </a:pPr>
+            <a:r>
+              <a:t/>
+            </a:r>
+            <a:endParaRPr/>
+          </a:p>
+        </p:txBody>
+      </p:sp>
+    </p:spTree>
+  </p:cSld>
+  <p:clrMapOvr>
+    <a:masterClrMapping/>
+  </p:clrMapOvr>
+</p:notes>
+</file>
+
+<file path=ppt/notesSlides/notesSlide9.xml><?xml version="1.0" encoding="utf-8"?>
+<p:notes xmlns:a="http://schemas.openxmlformats.org/drawingml/2006/main" xmlns:r="http://schemas.openxmlformats.org/officeDocument/2006/relationships" xmlns:mc="http://schemas.openxmlformats.org/markup-compatibility/2006" xmlns:mv="urn:schemas-microsoft-com:mac:vml" xmlns:p="http://schemas.openxmlformats.org/presentationml/2006/main" xmlns:c="http://schemas.openxmlformats.org/drawingml/2006/chart" xmlns:dgm="http://schemas.openxmlformats.org/drawingml/2006/diagram" xmlns:o="urn:schemas-microsoft-com:office:office" xmlns:v="urn:schemas-microsoft-com:vml" xmlns:pvml="urn:schemas-microsoft-com:office:powerpoint" xmlns:com="http://schemas.openxmlformats.org/drawingml/2006/compatibility" xmlns:p14="http://schemas.microsoft.com/office/powerpoint/2010/main" xmlns:p15="http://schemas.microsoft.com/office/powerpoint/2012/main" xmlns:ahyp="http://schemas.microsoft.com/office/drawing/2018/hyperlinkcolor" showMasterPhAnim="0" showMasterSp="0">
+  <p:cSld>
+    <p:spTree>
+      <p:nvGrpSpPr>
+        <p:cNvPr id="398" name="Shape 398"/>
+        <p:cNvGrpSpPr/>
+        <p:nvPr/>
+      </p:nvGrpSpPr>
+      <p:grpSpPr>
+        <a:xfrm>
+          <a:off x="0" y="0"/>
+          <a:ext cx="0" cy="0"/>
+          <a:chOff x="0" y="0"/>
+          <a:chExt cx="0" cy="0"/>
+        </a:xfrm>
+      </p:grpSpPr>
+      <p:sp>
+        <p:nvSpPr>
+          <p:cNvPr id="399" name="Google Shape;399;gef07bb8e0c_2_7:notes"/>
+          <p:cNvSpPr/>
+          <p:nvPr>
+            <p:ph idx="2" type="sldImg"/>
+          </p:nvPr>
+        </p:nvSpPr>
+        <p:spPr>
+          <a:xfrm>
+            <a:off x="381300" y="685800"/>
+            <a:ext cx="6096000" cy="3429000"/>
+          </a:xfrm>
+          <a:custGeom>
+            <a:rect b="b" l="l" r="r" t="t"/>
+            <a:pathLst>
+              <a:path extrusionOk="0" h="120000" w="120000">
+                <a:moveTo>
+                  <a:pt x="0" y="0"/>
+                </a:moveTo>
+                <a:lnTo>
+                  <a:pt x="120000" y="0"/>
+                </a:lnTo>
+                <a:lnTo>
+                  <a:pt x="120000" y="120000"/>
+                </a:lnTo>
+                <a:lnTo>
+                  <a:pt x="0" y="120000"/>
+                </a:lnTo>
+                <a:close/>
+              </a:path>
+            </a:pathLst>
+          </a:custGeom>
+        </p:spPr>
+      </p:sp>
+      <p:sp>
+        <p:nvSpPr>
+          <p:cNvPr id="400" name="Google Shape;400;gef07bb8e0c_2_7:notes"/>
           <p:cNvSpPr txBox="1"/>
           <p:nvPr>
             <p:ph idx="1" type="body"/>
@@ -46037,7 +46337,7 @@
   <p:cSld>
     <p:spTree>
       <p:nvGrpSpPr>
-        <p:cNvPr id="405" name="Shape 405"/>
+        <p:cNvPr id="408" name="Shape 408"/>
         <p:cNvGrpSpPr/>
         <p:nvPr/>
       </p:nvGrpSpPr>
@@ -46051,7 +46351,7 @@
       </p:grpSpPr>
       <p:sp>
         <p:nvSpPr>
-          <p:cNvPr id="406" name="Google Shape;406;p40"/>
+          <p:cNvPr id="409" name="Google Shape;409;p40"/>
           <p:cNvSpPr txBox="1"/>
           <p:nvPr>
             <p:ph type="title"/>
@@ -46091,7 +46391,7 @@
       </p:sp>
       <p:pic>
         <p:nvPicPr>
-          <p:cNvPr id="407" name="Google Shape;407;p40"/>
+          <p:cNvPr id="410" name="Google Shape;410;p40"/>
           <p:cNvPicPr preferRelativeResize="0"/>
           <p:nvPr/>
         </p:nvPicPr>
@@ -46119,7 +46419,7 @@
       </p:pic>
       <p:sp>
         <p:nvSpPr>
-          <p:cNvPr id="408" name="Google Shape;408;p40"/>
+          <p:cNvPr id="411" name="Google Shape;411;p40"/>
           <p:cNvSpPr/>
           <p:nvPr/>
         </p:nvSpPr>
@@ -46166,7 +46466,7 @@
       </p:sp>
       <p:sp>
         <p:nvSpPr>
-          <p:cNvPr id="409" name="Google Shape;409;p40"/>
+          <p:cNvPr id="412" name="Google Shape;412;p40"/>
           <p:cNvSpPr/>
           <p:nvPr/>
         </p:nvSpPr>
@@ -46213,7 +46513,7 @@
       </p:sp>
       <p:sp>
         <p:nvSpPr>
-          <p:cNvPr id="410" name="Google Shape;410;p40"/>
+          <p:cNvPr id="413" name="Google Shape;413;p40"/>
           <p:cNvSpPr/>
           <p:nvPr/>
         </p:nvSpPr>
@@ -46260,7 +46560,7 @@
       </p:sp>
       <p:sp>
         <p:nvSpPr>
-          <p:cNvPr id="411" name="Google Shape;411;p40"/>
+          <p:cNvPr id="414" name="Google Shape;414;p40"/>
           <p:cNvSpPr/>
           <p:nvPr/>
         </p:nvSpPr>
@@ -46307,7 +46607,7 @@
       </p:sp>
       <p:sp>
         <p:nvSpPr>
-          <p:cNvPr id="412" name="Google Shape;412;p40"/>
+          <p:cNvPr id="415" name="Google Shape;415;p40"/>
           <p:cNvSpPr/>
           <p:nvPr/>
         </p:nvSpPr>
@@ -46354,7 +46654,7 @@
       </p:sp>
       <p:sp>
         <p:nvSpPr>
-          <p:cNvPr id="413" name="Google Shape;413;p40"/>
+          <p:cNvPr id="416" name="Google Shape;416;p40"/>
           <p:cNvSpPr/>
           <p:nvPr/>
         </p:nvSpPr>
@@ -46401,7 +46701,7 @@
       </p:sp>
       <p:sp>
         <p:nvSpPr>
-          <p:cNvPr id="414" name="Google Shape;414;p40"/>
+          <p:cNvPr id="417" name="Google Shape;417;p40"/>
           <p:cNvSpPr/>
           <p:nvPr/>
         </p:nvSpPr>
@@ -46459,7 +46759,7 @@
   <p:cSld>
     <p:spTree>
       <p:nvGrpSpPr>
-        <p:cNvPr id="418" name="Shape 418"/>
+        <p:cNvPr id="421" name="Shape 421"/>
         <p:cNvGrpSpPr/>
         <p:nvPr/>
       </p:nvGrpSpPr>
@@ -46473,7 +46773,7 @@
       </p:grpSpPr>
       <p:sp>
         <p:nvSpPr>
-          <p:cNvPr id="419" name="Google Shape;419;p41"/>
+          <p:cNvPr id="422" name="Google Shape;422;p41"/>
           <p:cNvSpPr txBox="1"/>
           <p:nvPr>
             <p:ph type="title"/>
@@ -46513,7 +46813,7 @@
       </p:sp>
       <p:pic>
         <p:nvPicPr>
-          <p:cNvPr id="420" name="Google Shape;420;p41"/>
+          <p:cNvPr id="423" name="Google Shape;423;p41"/>
           <p:cNvPicPr preferRelativeResize="0"/>
           <p:nvPr/>
         </p:nvPicPr>
@@ -46541,7 +46841,7 @@
       </p:pic>
       <p:sp>
         <p:nvSpPr>
-          <p:cNvPr id="421" name="Google Shape;421;p41"/>
+          <p:cNvPr id="424" name="Google Shape;424;p41"/>
           <p:cNvSpPr/>
           <p:nvPr/>
         </p:nvSpPr>
@@ -46588,7 +46888,7 @@
       </p:sp>
       <p:sp>
         <p:nvSpPr>
-          <p:cNvPr id="422" name="Google Shape;422;p41"/>
+          <p:cNvPr id="425" name="Google Shape;425;p41"/>
           <p:cNvSpPr/>
           <p:nvPr/>
         </p:nvSpPr>
@@ -46635,7 +46935,7 @@
       </p:sp>
       <p:sp>
         <p:nvSpPr>
-          <p:cNvPr id="423" name="Google Shape;423;p41"/>
+          <p:cNvPr id="426" name="Google Shape;426;p41"/>
           <p:cNvSpPr/>
           <p:nvPr/>
         </p:nvSpPr>
@@ -46693,7 +46993,7 @@
   <p:cSld>
     <p:spTree>
       <p:nvGrpSpPr>
-        <p:cNvPr id="427" name="Shape 427"/>
+        <p:cNvPr id="430" name="Shape 430"/>
         <p:cNvGrpSpPr/>
         <p:nvPr/>
       </p:nvGrpSpPr>
@@ -46707,7 +47007,7 @@
       </p:grpSpPr>
       <p:sp>
         <p:nvSpPr>
-          <p:cNvPr id="428" name="Google Shape;428;p42"/>
+          <p:cNvPr id="431" name="Google Shape;431;p42"/>
           <p:cNvSpPr txBox="1"/>
           <p:nvPr>
             <p:ph type="title"/>
@@ -46751,7 +47051,7 @@
       </p:sp>
       <p:pic>
         <p:nvPicPr>
-          <p:cNvPr id="429" name="Google Shape;429;p42"/>
+          <p:cNvPr id="432" name="Google Shape;432;p42"/>
           <p:cNvPicPr preferRelativeResize="0"/>
           <p:nvPr/>
         </p:nvPicPr>
@@ -46779,7 +47079,7 @@
       </p:pic>
       <p:sp>
         <p:nvSpPr>
-          <p:cNvPr id="430" name="Google Shape;430;p42"/>
+          <p:cNvPr id="433" name="Google Shape;433;p42"/>
           <p:cNvSpPr/>
           <p:nvPr/>
         </p:nvSpPr>
@@ -46837,7 +47137,7 @@
   <p:cSld>
     <p:spTree>
       <p:nvGrpSpPr>
-        <p:cNvPr id="434" name="Shape 434"/>
+        <p:cNvPr id="437" name="Shape 437"/>
         <p:cNvGrpSpPr/>
         <p:nvPr/>
       </p:nvGrpSpPr>
@@ -46851,7 +47151,7 @@
       </p:grpSpPr>
       <p:sp>
         <p:nvSpPr>
-          <p:cNvPr id="435" name="Google Shape;435;p43"/>
+          <p:cNvPr id="438" name="Google Shape;438;p43"/>
           <p:cNvSpPr txBox="1"/>
           <p:nvPr>
             <p:ph type="title"/>
@@ -46891,7 +47191,7 @@
       </p:sp>
       <p:pic>
         <p:nvPicPr>
-          <p:cNvPr id="436" name="Google Shape;436;p43"/>
+          <p:cNvPr id="439" name="Google Shape;439;p43"/>
           <p:cNvPicPr preferRelativeResize="0"/>
           <p:nvPr/>
         </p:nvPicPr>
@@ -46930,7 +47230,7 @@
   <p:cSld>
     <p:spTree>
       <p:nvGrpSpPr>
-        <p:cNvPr id="440" name="Shape 440"/>
+        <p:cNvPr id="443" name="Shape 443"/>
         <p:cNvGrpSpPr/>
         <p:nvPr/>
       </p:nvGrpSpPr>
@@ -46944,7 +47244,7 @@
       </p:grpSpPr>
       <p:sp>
         <p:nvSpPr>
-          <p:cNvPr id="441" name="Google Shape;441;p44"/>
+          <p:cNvPr id="444" name="Google Shape;444;p44"/>
           <p:cNvSpPr txBox="1"/>
           <p:nvPr>
             <p:ph type="title"/>
@@ -46984,7 +47284,7 @@
       </p:sp>
       <p:pic>
         <p:nvPicPr>
-          <p:cNvPr id="442" name="Google Shape;442;p44"/>
+          <p:cNvPr id="445" name="Google Shape;445;p44"/>
           <p:cNvPicPr preferRelativeResize="0"/>
           <p:nvPr/>
         </p:nvPicPr>
@@ -47023,7 +47323,7 @@
   <p:cSld>
     <p:spTree>
       <p:nvGrpSpPr>
-        <p:cNvPr id="446" name="Shape 446"/>
+        <p:cNvPr id="449" name="Shape 449"/>
         <p:cNvGrpSpPr/>
         <p:nvPr/>
       </p:nvGrpSpPr>
@@ -47037,7 +47337,7 @@
       </p:grpSpPr>
       <p:sp>
         <p:nvSpPr>
-          <p:cNvPr id="447" name="Google Shape;447;p45"/>
+          <p:cNvPr id="450" name="Google Shape;450;p45"/>
           <p:cNvSpPr/>
           <p:nvPr/>
         </p:nvSpPr>
@@ -47103,7 +47403,7 @@
       </p:sp>
       <p:sp>
         <p:nvSpPr>
-          <p:cNvPr id="448" name="Google Shape;448;p45"/>
+          <p:cNvPr id="451" name="Google Shape;451;p45"/>
           <p:cNvSpPr txBox="1"/>
           <p:nvPr>
             <p:ph type="ctrTitle"/>
@@ -47175,7 +47475,7 @@
       </p:sp>
       <p:sp>
         <p:nvSpPr>
-          <p:cNvPr id="449" name="Google Shape;449;p45"/>
+          <p:cNvPr id="452" name="Google Shape;452;p45"/>
           <p:cNvSpPr txBox="1"/>
           <p:nvPr>
             <p:ph idx="2" type="title"/>
@@ -47226,7 +47526,7 @@
   <p:cSld>
     <p:spTree>
       <p:nvGrpSpPr>
-        <p:cNvPr id="453" name="Shape 453"/>
+        <p:cNvPr id="456" name="Shape 456"/>
         <p:cNvGrpSpPr/>
         <p:nvPr/>
       </p:nvGrpSpPr>
@@ -47240,7 +47540,7 @@
       </p:grpSpPr>
       <p:sp>
         <p:nvSpPr>
-          <p:cNvPr id="454" name="Google Shape;454;p46"/>
+          <p:cNvPr id="457" name="Google Shape;457;p46"/>
           <p:cNvSpPr txBox="1"/>
           <p:nvPr>
             <p:ph idx="1" type="subTitle"/>
@@ -47484,7 +47784,7 @@
       </p:sp>
       <p:sp>
         <p:nvSpPr>
-          <p:cNvPr id="455" name="Google Shape;455;p46"/>
+          <p:cNvPr id="458" name="Google Shape;458;p46"/>
           <p:cNvSpPr txBox="1"/>
           <p:nvPr>
             <p:ph type="title"/>
@@ -47535,7 +47835,7 @@
   <p:cSld>
     <p:spTree>
       <p:nvGrpSpPr>
-        <p:cNvPr id="459" name="Shape 459"/>
+        <p:cNvPr id="462" name="Shape 462"/>
         <p:cNvGrpSpPr/>
         <p:nvPr/>
       </p:nvGrpSpPr>
@@ -47549,7 +47849,7 @@
       </p:grpSpPr>
       <p:pic>
         <p:nvPicPr>
-          <p:cNvPr id="460" name="Google Shape;460;p47"/>
+          <p:cNvPr id="463" name="Google Shape;463;p47"/>
           <p:cNvPicPr preferRelativeResize="0"/>
           <p:nvPr/>
         </p:nvPicPr>
@@ -47577,7 +47877,7 @@
       </p:pic>
       <p:pic>
         <p:nvPicPr>
-          <p:cNvPr id="461" name="Google Shape;461;p47"/>
+          <p:cNvPr id="464" name="Google Shape;464;p47"/>
           <p:cNvPicPr preferRelativeResize="0"/>
           <p:nvPr/>
         </p:nvPicPr>
@@ -47605,7 +47905,7 @@
       </p:pic>
       <p:sp>
         <p:nvSpPr>
-          <p:cNvPr id="462" name="Google Shape;462;p47"/>
+          <p:cNvPr id="465" name="Google Shape;465;p47"/>
           <p:cNvSpPr txBox="1"/>
           <p:nvPr>
             <p:ph type="title"/>
@@ -47656,7 +47956,7 @@
   <p:cSld>
     <p:spTree>
       <p:nvGrpSpPr>
-        <p:cNvPr id="466" name="Shape 466"/>
+        <p:cNvPr id="469" name="Shape 469"/>
         <p:cNvGrpSpPr/>
         <p:nvPr/>
       </p:nvGrpSpPr>
@@ -47670,7 +47970,7 @@
       </p:grpSpPr>
       <p:sp>
         <p:nvSpPr>
-          <p:cNvPr id="467" name="Google Shape;467;p48"/>
+          <p:cNvPr id="470" name="Google Shape;470;p48"/>
           <p:cNvSpPr txBox="1"/>
           <p:nvPr>
             <p:ph type="title"/>
@@ -47710,7 +48010,7 @@
       </p:sp>
       <p:pic>
         <p:nvPicPr>
-          <p:cNvPr id="468" name="Google Shape;468;p48"/>
+          <p:cNvPr id="471" name="Google Shape;471;p48"/>
           <p:cNvPicPr preferRelativeResize="0"/>
           <p:nvPr/>
         </p:nvPicPr>
@@ -47738,7 +48038,7 @@
       </p:pic>
       <p:pic>
         <p:nvPicPr>
-          <p:cNvPr id="469" name="Google Shape;469;p48"/>
+          <p:cNvPr id="472" name="Google Shape;472;p48"/>
           <p:cNvPicPr preferRelativeResize="0"/>
           <p:nvPr/>
         </p:nvPicPr>
@@ -47777,7 +48077,7 @@
   <p:cSld>
     <p:spTree>
       <p:nvGrpSpPr>
-        <p:cNvPr id="473" name="Shape 473"/>
+        <p:cNvPr id="476" name="Shape 476"/>
         <p:cNvGrpSpPr/>
         <p:nvPr/>
       </p:nvGrpSpPr>
@@ -47791,7 +48091,7 @@
       </p:grpSpPr>
       <p:sp>
         <p:nvSpPr>
-          <p:cNvPr id="474" name="Google Shape;474;p49"/>
+          <p:cNvPr id="477" name="Google Shape;477;p49"/>
           <p:cNvSpPr txBox="1"/>
           <p:nvPr>
             <p:ph type="title"/>
@@ -47831,7 +48131,7 @@
       </p:sp>
       <p:pic>
         <p:nvPicPr>
-          <p:cNvPr id="475" name="Google Shape;475;p49"/>
+          <p:cNvPr id="478" name="Google Shape;478;p49"/>
           <p:cNvPicPr preferRelativeResize="0"/>
           <p:nvPr/>
         </p:nvPicPr>
@@ -47859,7 +48159,7 @@
       </p:pic>
       <p:pic>
         <p:nvPicPr>
-          <p:cNvPr id="476" name="Google Shape;476;p49"/>
+          <p:cNvPr id="479" name="Google Shape;479;p49"/>
           <p:cNvPicPr preferRelativeResize="0"/>
           <p:nvPr/>
         </p:nvPicPr>
@@ -47960,7 +48260,7 @@
         </p:nvSpPr>
         <p:spPr>
           <a:xfrm>
-            <a:off x="1522525" y="2181950"/>
+            <a:off x="1460475" y="1730250"/>
             <a:ext cx="2032200" cy="385800"/>
           </a:xfrm>
           <a:prstGeom prst="rect">
@@ -47998,7 +48298,7 @@
         </p:nvSpPr>
         <p:spPr>
           <a:xfrm>
-            <a:off x="534501" y="3153061"/>
+            <a:off x="445126" y="2611674"/>
             <a:ext cx="847635" cy="478187"/>
           </a:xfrm>
           <a:custGeom>
@@ -48064,7 +48364,7 @@
         </p:nvSpPr>
         <p:spPr>
           <a:xfrm>
-            <a:off x="534500" y="4042824"/>
+            <a:off x="474975" y="3387662"/>
             <a:ext cx="847635" cy="478187"/>
           </a:xfrm>
           <a:custGeom>
@@ -48130,7 +48430,7 @@
         </p:nvSpPr>
         <p:spPr>
           <a:xfrm>
-            <a:off x="534501" y="2258119"/>
+            <a:off x="472451" y="1806419"/>
             <a:ext cx="847635" cy="478187"/>
           </a:xfrm>
           <a:custGeom>
@@ -48196,7 +48496,7 @@
         </p:nvSpPr>
         <p:spPr>
           <a:xfrm>
-            <a:off x="534501" y="1353350"/>
+            <a:off x="445126" y="1017700"/>
             <a:ext cx="847635" cy="478187"/>
           </a:xfrm>
           <a:custGeom>
@@ -48264,7 +48564,7 @@
         </p:nvSpPr>
         <p:spPr>
           <a:xfrm>
-            <a:off x="619475" y="2269951"/>
+            <a:off x="557425" y="1818251"/>
             <a:ext cx="603000" cy="485100"/>
           </a:xfrm>
           <a:prstGeom prst="rect">
@@ -48304,7 +48604,7 @@
         </p:nvSpPr>
         <p:spPr>
           <a:xfrm>
-            <a:off x="619475" y="3160000"/>
+            <a:off x="530100" y="2618613"/>
             <a:ext cx="603000" cy="485100"/>
           </a:xfrm>
           <a:prstGeom prst="rect">
@@ -48344,7 +48644,7 @@
         </p:nvSpPr>
         <p:spPr>
           <a:xfrm>
-            <a:off x="1522525" y="3075938"/>
+            <a:off x="1433150" y="2534550"/>
             <a:ext cx="3660600" cy="385800"/>
           </a:xfrm>
           <a:prstGeom prst="rect">
@@ -48384,7 +48684,7 @@
         </p:nvSpPr>
         <p:spPr>
           <a:xfrm>
-            <a:off x="619475" y="4044875"/>
+            <a:off x="559950" y="3389712"/>
             <a:ext cx="603000" cy="485100"/>
           </a:xfrm>
           <a:prstGeom prst="rect">
@@ -48424,7 +48724,7 @@
         </p:nvSpPr>
         <p:spPr>
           <a:xfrm>
-            <a:off x="1522525" y="3969950"/>
+            <a:off x="1463000" y="3314788"/>
             <a:ext cx="4455000" cy="385800"/>
           </a:xfrm>
           <a:prstGeom prst="rect">
@@ -48464,7 +48764,7 @@
         </p:nvSpPr>
         <p:spPr>
           <a:xfrm>
-            <a:off x="619475" y="1367487"/>
+            <a:off x="530100" y="1031837"/>
             <a:ext cx="603000" cy="485100"/>
           </a:xfrm>
           <a:prstGeom prst="rect">
@@ -48504,7 +48804,7 @@
         </p:nvSpPr>
         <p:spPr>
           <a:xfrm>
-            <a:off x="1522525" y="1353350"/>
+            <a:off x="1433150" y="1017700"/>
             <a:ext cx="2876400" cy="385800"/>
           </a:xfrm>
           <a:prstGeom prst="rect">
@@ -48544,7 +48844,7 @@
         </p:nvSpPr>
         <p:spPr>
           <a:xfrm>
-            <a:off x="1691350" y="2479450"/>
+            <a:off x="1629300" y="2027750"/>
             <a:ext cx="3134400" cy="385800"/>
           </a:xfrm>
           <a:prstGeom prst="rect">
@@ -48584,7 +48884,7 @@
         </p:nvSpPr>
         <p:spPr>
           <a:xfrm>
-            <a:off x="1691350" y="3371363"/>
+            <a:off x="1601975" y="2829975"/>
             <a:ext cx="2727300" cy="385800"/>
           </a:xfrm>
           <a:prstGeom prst="rect">
@@ -48624,7 +48924,7 @@
         </p:nvSpPr>
         <p:spPr>
           <a:xfrm>
-            <a:off x="1691350" y="4263300"/>
+            <a:off x="1631825" y="3608138"/>
             <a:ext cx="2876400" cy="385800"/>
           </a:xfrm>
           <a:prstGeom prst="rect">
@@ -48664,7 +48964,7 @@
         </p:nvSpPr>
         <p:spPr>
           <a:xfrm>
-            <a:off x="1691350" y="1663075"/>
+            <a:off x="1601975" y="1327425"/>
             <a:ext cx="2032200" cy="385800"/>
           </a:xfrm>
           <a:prstGeom prst="rect">
@@ -48691,6 +48991,152 @@
               <a:t>What is this topic about</a:t>
             </a:r>
             <a:endParaRPr/>
+          </a:p>
+        </p:txBody>
+      </p:sp>
+      <p:sp>
+        <p:nvSpPr>
+          <p:cNvPr id="344" name="Google Shape;344;p32"/>
+          <p:cNvSpPr/>
+          <p:nvPr/>
+        </p:nvSpPr>
+        <p:spPr>
+          <a:xfrm>
+            <a:off x="474988" y="4167924"/>
+            <a:ext cx="847635" cy="478187"/>
+          </a:xfrm>
+          <a:custGeom>
+            <a:rect b="b" l="l" r="r" t="t"/>
+            <a:pathLst>
+              <a:path extrusionOk="0" h="15735" w="29046">
+                <a:moveTo>
+                  <a:pt x="1" y="0"/>
+                </a:moveTo>
+                <a:lnTo>
+                  <a:pt x="4600" y="7867"/>
+                </a:lnTo>
+                <a:lnTo>
+                  <a:pt x="1" y="15735"/>
+                </a:lnTo>
+                <a:lnTo>
+                  <a:pt x="29045" y="15735"/>
+                </a:lnTo>
+                <a:lnTo>
+                  <a:pt x="24444" y="7867"/>
+                </a:lnTo>
+                <a:lnTo>
+                  <a:pt x="29045" y="0"/>
+                </a:lnTo>
+                <a:close/>
+              </a:path>
+            </a:pathLst>
+          </a:custGeom>
+          <a:solidFill>
+            <a:schemeClr val="dk2"/>
+          </a:solidFill>
+          <a:ln>
+            <a:noFill/>
+          </a:ln>
+        </p:spPr>
+        <p:txBody>
+          <a:bodyPr anchorCtr="0" anchor="ctr" bIns="91425" lIns="91425" spcFirstLastPara="1" rIns="91425" wrap="square" tIns="91425">
+            <a:noAutofit/>
+          </a:bodyPr>
+          <a:lstStyle/>
+          <a:p>
+            <a:pPr indent="0" lvl="0" marL="0" rtl="0" algn="l">
+              <a:spcBef>
+                <a:spcPts val="0"/>
+              </a:spcBef>
+              <a:spcAft>
+                <a:spcPts val="0"/>
+              </a:spcAft>
+              <a:buNone/>
+            </a:pPr>
+            <a:r>
+              <a:t/>
+            </a:r>
+            <a:endParaRPr/>
+          </a:p>
+        </p:txBody>
+      </p:sp>
+      <p:sp>
+        <p:nvSpPr>
+          <p:cNvPr id="345" name="Google Shape;345;p32"/>
+          <p:cNvSpPr txBox="1"/>
+          <p:nvPr>
+            <p:ph idx="4" type="title"/>
+          </p:nvPr>
+        </p:nvSpPr>
+        <p:spPr>
+          <a:xfrm>
+            <a:off x="559963" y="4169975"/>
+            <a:ext cx="603000" cy="485100"/>
+          </a:xfrm>
+          <a:prstGeom prst="rect">
+            <a:avLst/>
+          </a:prstGeom>
+        </p:spPr>
+        <p:txBody>
+          <a:bodyPr anchorCtr="0" anchor="b" bIns="91425" lIns="91425" spcFirstLastPara="1" rIns="91425" wrap="square" tIns="91425">
+            <a:noAutofit/>
+          </a:bodyPr>
+          <a:lstStyle/>
+          <a:p>
+            <a:pPr indent="0" lvl="0" marL="0" rtl="0" algn="r">
+              <a:spcBef>
+                <a:spcPts val="0"/>
+              </a:spcBef>
+              <a:spcAft>
+                <a:spcPts val="0"/>
+              </a:spcAft>
+              <a:buNone/>
+            </a:pPr>
+            <a:r>
+              <a:rPr lang="en"/>
+              <a:t>05</a:t>
+            </a:r>
+            <a:endParaRPr/>
+          </a:p>
+        </p:txBody>
+      </p:sp>
+      <p:sp>
+        <p:nvSpPr>
+          <p:cNvPr id="346" name="Google Shape;346;p32"/>
+          <p:cNvSpPr txBox="1"/>
+          <p:nvPr>
+            <p:ph idx="5" type="subTitle"/>
+          </p:nvPr>
+        </p:nvSpPr>
+        <p:spPr>
+          <a:xfrm>
+            <a:off x="1462993" y="4219625"/>
+            <a:ext cx="1794000" cy="385800"/>
+          </a:xfrm>
+          <a:prstGeom prst="rect">
+            <a:avLst/>
+          </a:prstGeom>
+        </p:spPr>
+        <p:txBody>
+          <a:bodyPr anchorCtr="0" anchor="ctr" bIns="91425" lIns="91425" spcFirstLastPara="1" rIns="91425" wrap="square" tIns="91425">
+            <a:noAutofit/>
+          </a:bodyPr>
+          <a:lstStyle/>
+          <a:p>
+            <a:pPr indent="0" lvl="0" marL="0" rtl="0" algn="l">
+              <a:spcBef>
+                <a:spcPts val="0"/>
+              </a:spcBef>
+              <a:spcAft>
+                <a:spcPts val="0"/>
+              </a:spcAft>
+              <a:buNone/>
+            </a:pPr>
+            <a:r>
+              <a:rPr lang="en" sz="2400"/>
+              <a:t>REFLECTION</a:t>
+            </a:r>
+            <a:endParaRPr sz="2400"/>
           </a:p>
         </p:txBody>
       </p:sp>
@@ -48707,7 +49153,7 @@
   <p:cSld>
     <p:spTree>
       <p:nvGrpSpPr>
-        <p:cNvPr id="480" name="Shape 480"/>
+        <p:cNvPr id="483" name="Shape 483"/>
         <p:cNvGrpSpPr/>
         <p:nvPr/>
       </p:nvGrpSpPr>
@@ -48721,7 +49167,632 @@
       </p:grpSpPr>
       <p:sp>
         <p:nvSpPr>
-          <p:cNvPr id="481" name="Google Shape;481;p50"/>
+          <p:cNvPr id="484" name="Google Shape;484;p50"/>
+          <p:cNvSpPr/>
+          <p:nvPr/>
+        </p:nvSpPr>
+        <p:spPr>
+          <a:xfrm>
+            <a:off x="1321225" y="2269200"/>
+            <a:ext cx="1703548" cy="997717"/>
+          </a:xfrm>
+          <a:custGeom>
+            <a:rect b="b" l="l" r="r" t="t"/>
+            <a:pathLst>
+              <a:path extrusionOk="0" h="15735" w="29046">
+                <a:moveTo>
+                  <a:pt x="1" y="0"/>
+                </a:moveTo>
+                <a:lnTo>
+                  <a:pt x="4600" y="7867"/>
+                </a:lnTo>
+                <a:lnTo>
+                  <a:pt x="1" y="15735"/>
+                </a:lnTo>
+                <a:lnTo>
+                  <a:pt x="29045" y="15735"/>
+                </a:lnTo>
+                <a:lnTo>
+                  <a:pt x="24444" y="7867"/>
+                </a:lnTo>
+                <a:lnTo>
+                  <a:pt x="29045" y="0"/>
+                </a:lnTo>
+                <a:close/>
+              </a:path>
+            </a:pathLst>
+          </a:custGeom>
+          <a:solidFill>
+            <a:schemeClr val="lt1"/>
+          </a:solidFill>
+          <a:ln>
+            <a:noFill/>
+          </a:ln>
+        </p:spPr>
+        <p:txBody>
+          <a:bodyPr anchorCtr="0" anchor="ctr" bIns="91425" lIns="91425" spcFirstLastPara="1" rIns="91425" wrap="square" tIns="91425">
+            <a:noAutofit/>
+          </a:bodyPr>
+          <a:lstStyle/>
+          <a:p>
+            <a:pPr indent="0" lvl="0" marL="0" rtl="0" algn="ctr">
+              <a:spcBef>
+                <a:spcPts val="0"/>
+              </a:spcBef>
+              <a:spcAft>
+                <a:spcPts val="0"/>
+              </a:spcAft>
+              <a:buNone/>
+            </a:pPr>
+            <a:r>
+              <a:t/>
+            </a:r>
+            <a:endParaRPr/>
+          </a:p>
+        </p:txBody>
+      </p:sp>
+      <p:sp>
+        <p:nvSpPr>
+          <p:cNvPr id="485" name="Google Shape;485;p50"/>
+          <p:cNvSpPr txBox="1"/>
+          <p:nvPr>
+            <p:ph type="ctrTitle"/>
+          </p:nvPr>
+        </p:nvSpPr>
+        <p:spPr>
+          <a:xfrm>
+            <a:off x="3092250" y="2366176"/>
+            <a:ext cx="5137200" cy="795600"/>
+          </a:xfrm>
+          <a:prstGeom prst="rect">
+            <a:avLst/>
+          </a:prstGeom>
+        </p:spPr>
+        <p:txBody>
+          <a:bodyPr anchorCtr="0" anchor="b" bIns="91425" lIns="91425" spcFirstLastPara="1" rIns="91425" wrap="square" tIns="91425">
+            <a:noAutofit/>
+          </a:bodyPr>
+          <a:lstStyle/>
+          <a:p>
+            <a:pPr indent="0" lvl="0" marL="0" rtl="0" algn="ctr">
+              <a:spcBef>
+                <a:spcPts val="0"/>
+              </a:spcBef>
+              <a:spcAft>
+                <a:spcPts val="0"/>
+              </a:spcAft>
+              <a:buNone/>
+            </a:pPr>
+            <a:r>
+              <a:rPr lang="en" sz="3900"/>
+              <a:t>REFLECTION</a:t>
+            </a:r>
+            <a:endParaRPr sz="3900"/>
+          </a:p>
+        </p:txBody>
+      </p:sp>
+      <p:sp>
+        <p:nvSpPr>
+          <p:cNvPr id="486" name="Google Shape;486;p50"/>
+          <p:cNvSpPr txBox="1"/>
+          <p:nvPr>
+            <p:ph idx="2" type="title"/>
+          </p:nvPr>
+        </p:nvSpPr>
+        <p:spPr>
+          <a:xfrm>
+            <a:off x="1241538" y="2091225"/>
+            <a:ext cx="1850700" cy="1345500"/>
+          </a:xfrm>
+          <a:prstGeom prst="rect">
+            <a:avLst/>
+          </a:prstGeom>
+        </p:spPr>
+        <p:txBody>
+          <a:bodyPr anchorCtr="0" anchor="ctr" bIns="91425" lIns="91425" spcFirstLastPara="1" rIns="91425" wrap="square" tIns="91425">
+            <a:noAutofit/>
+          </a:bodyPr>
+          <a:lstStyle/>
+          <a:p>
+            <a:pPr indent="0" lvl="0" marL="0" rtl="0" algn="ctr">
+              <a:spcBef>
+                <a:spcPts val="0"/>
+              </a:spcBef>
+              <a:spcAft>
+                <a:spcPts val="0"/>
+              </a:spcAft>
+              <a:buNone/>
+            </a:pPr>
+            <a:r>
+              <a:rPr lang="en"/>
+              <a:t>05</a:t>
+            </a:r>
+            <a:endParaRPr/>
+          </a:p>
+        </p:txBody>
+      </p:sp>
+    </p:spTree>
+  </p:cSld>
+  <p:clrMapOvr>
+    <a:masterClrMapping/>
+  </p:clrMapOvr>
+</p:sld>
+</file>
+
+<file path=ppt/slides/slide21.xml><?xml version="1.0" encoding="utf-8"?>
+<p:sld xmlns:a="http://schemas.openxmlformats.org/drawingml/2006/main" xmlns:r="http://schemas.openxmlformats.org/officeDocument/2006/relationships" xmlns:mc="http://schemas.openxmlformats.org/markup-compatibility/2006" xmlns:mv="urn:schemas-microsoft-com:mac:vml" xmlns:p="http://schemas.openxmlformats.org/presentationml/2006/main" xmlns:c="http://schemas.openxmlformats.org/drawingml/2006/chart" xmlns:dgm="http://schemas.openxmlformats.org/drawingml/2006/diagram" xmlns:o="urn:schemas-microsoft-com:office:office" xmlns:v="urn:schemas-microsoft-com:vml" xmlns:pvml="urn:schemas-microsoft-com:office:powerpoint" xmlns:com="http://schemas.openxmlformats.org/drawingml/2006/compatibility" xmlns:p14="http://schemas.microsoft.com/office/powerpoint/2010/main" xmlns:p15="http://schemas.microsoft.com/office/powerpoint/2012/main" xmlns:ahyp="http://schemas.microsoft.com/office/drawing/2018/hyperlinkcolor">
+  <p:cSld>
+    <p:spTree>
+      <p:nvGrpSpPr>
+        <p:cNvPr id="490" name="Shape 490"/>
+        <p:cNvGrpSpPr/>
+        <p:nvPr/>
+      </p:nvGrpSpPr>
+      <p:grpSpPr>
+        <a:xfrm>
+          <a:off x="0" y="0"/>
+          <a:ext cx="0" cy="0"/>
+          <a:chOff x="0" y="0"/>
+          <a:chExt cx="0" cy="0"/>
+        </a:xfrm>
+      </p:grpSpPr>
+      <p:sp>
+        <p:nvSpPr>
+          <p:cNvPr id="491" name="Google Shape;491;p51"/>
+          <p:cNvSpPr txBox="1"/>
+          <p:nvPr>
+            <p:ph idx="1" type="subTitle"/>
+          </p:nvPr>
+        </p:nvSpPr>
+        <p:spPr>
+          <a:xfrm>
+            <a:off x="713225" y="1148225"/>
+            <a:ext cx="7717500" cy="3827100"/>
+          </a:xfrm>
+          <a:prstGeom prst="rect">
+            <a:avLst/>
+          </a:prstGeom>
+        </p:spPr>
+        <p:txBody>
+          <a:bodyPr anchorCtr="0" anchor="t" bIns="91425" lIns="91425" spcFirstLastPara="1" rIns="91425" wrap="square" tIns="91425">
+            <a:noAutofit/>
+          </a:bodyPr>
+          <a:lstStyle/>
+          <a:p>
+            <a:pPr indent="0" lvl="0" marL="0" rtl="0" algn="l">
+              <a:spcBef>
+                <a:spcPts val="0"/>
+              </a:spcBef>
+              <a:spcAft>
+                <a:spcPts val="0"/>
+              </a:spcAft>
+              <a:buNone/>
+            </a:pPr>
+            <a:r>
+              <a:rPr lang="en" sz="2400">
+                <a:solidFill>
+                  <a:schemeClr val="dk2"/>
+                </a:solidFill>
+                <a:latin typeface="Dosis ExtraLight"/>
+                <a:ea typeface="Dosis ExtraLight"/>
+                <a:cs typeface="Dosis ExtraLight"/>
+                <a:sym typeface="Dosis ExtraLight"/>
+              </a:rPr>
+              <a:t>VÕ NGỌC MINH:</a:t>
+            </a:r>
+            <a:endParaRPr sz="2400"/>
+          </a:p>
+          <a:p>
+            <a:pPr indent="-355600" lvl="0" marL="457200" rtl="0" algn="l">
+              <a:lnSpc>
+                <a:spcPct val="150000"/>
+              </a:lnSpc>
+              <a:spcBef>
+                <a:spcPts val="0"/>
+              </a:spcBef>
+              <a:spcAft>
+                <a:spcPts val="0"/>
+              </a:spcAft>
+              <a:buSzPts val="2000"/>
+              <a:buChar char="●"/>
+            </a:pPr>
+            <a:r>
+              <a:rPr lang="en" sz="2000"/>
+              <a:t>Working late at night.</a:t>
+            </a:r>
+            <a:endParaRPr sz="2000"/>
+          </a:p>
+          <a:p>
+            <a:pPr indent="-355600" lvl="0" marL="457200" rtl="0" algn="l">
+              <a:lnSpc>
+                <a:spcPct val="150000"/>
+              </a:lnSpc>
+              <a:spcBef>
+                <a:spcPts val="0"/>
+              </a:spcBef>
+              <a:spcAft>
+                <a:spcPts val="0"/>
+              </a:spcAft>
+              <a:buSzPts val="2000"/>
+              <a:buChar char="●"/>
+            </a:pPr>
+            <a:r>
+              <a:rPr lang="en" sz="2000"/>
+              <a:t>Using selenium better, learn more about tuning hyperparameters.</a:t>
+            </a:r>
+            <a:endParaRPr sz="2000"/>
+          </a:p>
+          <a:p>
+            <a:pPr indent="0" lvl="0" marL="0" rtl="0" algn="l">
+              <a:spcBef>
+                <a:spcPts val="0"/>
+              </a:spcBef>
+              <a:spcAft>
+                <a:spcPts val="0"/>
+              </a:spcAft>
+              <a:buNone/>
+            </a:pPr>
+            <a:r>
+              <a:rPr lang="en" sz="2400">
+                <a:solidFill>
+                  <a:schemeClr val="dk2"/>
+                </a:solidFill>
+                <a:latin typeface="Dosis ExtraLight"/>
+                <a:ea typeface="Dosis ExtraLight"/>
+                <a:cs typeface="Dosis ExtraLight"/>
+                <a:sym typeface="Dosis ExtraLight"/>
+              </a:rPr>
+              <a:t>VŨ CÔNG MINH:</a:t>
+            </a:r>
+            <a:endParaRPr sz="2000"/>
+          </a:p>
+          <a:p>
+            <a:pPr indent="-355600" lvl="0" marL="457200" rtl="0" algn="l">
+              <a:lnSpc>
+                <a:spcPct val="150000"/>
+              </a:lnSpc>
+              <a:spcBef>
+                <a:spcPts val="0"/>
+              </a:spcBef>
+              <a:spcAft>
+                <a:spcPts val="0"/>
+              </a:spcAft>
+              <a:buSzPts val="2000"/>
+              <a:buChar char="●"/>
+            </a:pPr>
+            <a:r>
+              <a:rPr lang="en" sz="2000"/>
+              <a:t>Waste time in handling large data.</a:t>
+            </a:r>
+            <a:endParaRPr sz="2000"/>
+          </a:p>
+          <a:p>
+            <a:pPr indent="-355600" lvl="0" marL="457200" rtl="0" algn="l">
+              <a:lnSpc>
+                <a:spcPct val="150000"/>
+              </a:lnSpc>
+              <a:spcBef>
+                <a:spcPts val="0"/>
+              </a:spcBef>
+              <a:spcAft>
+                <a:spcPts val="0"/>
+              </a:spcAft>
+              <a:buSzPts val="2000"/>
+              <a:buChar char="●"/>
+            </a:pPr>
+            <a:r>
+              <a:rPr lang="en" sz="2000"/>
+              <a:t>Difficulties in researching predictive algorithms and their parameters.</a:t>
+            </a:r>
+            <a:endParaRPr sz="2000"/>
+          </a:p>
+          <a:p>
+            <a:pPr indent="-355600" lvl="0" marL="457200" rtl="0" algn="l">
+              <a:lnSpc>
+                <a:spcPct val="150000"/>
+              </a:lnSpc>
+              <a:spcBef>
+                <a:spcPts val="0"/>
+              </a:spcBef>
+              <a:spcAft>
+                <a:spcPts val="0"/>
+              </a:spcAft>
+              <a:buSzPts val="2000"/>
+              <a:buChar char="●"/>
+            </a:pPr>
+            <a:r>
+              <a:rPr lang="en" sz="2000"/>
+              <a:t>Work is often delayed compared to the plan</a:t>
+            </a:r>
+            <a:endParaRPr sz="2000"/>
+          </a:p>
+          <a:p>
+            <a:pPr indent="-355600" lvl="0" marL="457200" rtl="0" algn="l">
+              <a:lnSpc>
+                <a:spcPct val="150000"/>
+              </a:lnSpc>
+              <a:spcBef>
+                <a:spcPts val="0"/>
+              </a:spcBef>
+              <a:spcAft>
+                <a:spcPts val="0"/>
+              </a:spcAft>
+              <a:buSzPts val="2000"/>
+              <a:buChar char="●"/>
+            </a:pPr>
+            <a:r>
+              <a:rPr lang="en" sz="2000"/>
+              <a:t>Learn more about tuning hyperparameters, predictive algorithms, web scraping with events, …</a:t>
+            </a:r>
+            <a:endParaRPr sz="2000"/>
+          </a:p>
+        </p:txBody>
+      </p:sp>
+      <p:sp>
+        <p:nvSpPr>
+          <p:cNvPr id="492" name="Google Shape;492;p51"/>
+          <p:cNvSpPr txBox="1"/>
+          <p:nvPr>
+            <p:ph type="title"/>
+          </p:nvPr>
+        </p:nvSpPr>
+        <p:spPr>
+          <a:xfrm>
+            <a:off x="713225" y="539500"/>
+            <a:ext cx="7717500" cy="478200"/>
+          </a:xfrm>
+          <a:prstGeom prst="rect">
+            <a:avLst/>
+          </a:prstGeom>
+        </p:spPr>
+        <p:txBody>
+          <a:bodyPr anchorCtr="0" anchor="ctr" bIns="91425" lIns="91425" spcFirstLastPara="1" rIns="91425" wrap="square" tIns="91425">
+            <a:noAutofit/>
+          </a:bodyPr>
+          <a:lstStyle/>
+          <a:p>
+            <a:pPr indent="0" lvl="0" marL="0" rtl="0" algn="ctr">
+              <a:spcBef>
+                <a:spcPts val="0"/>
+              </a:spcBef>
+              <a:spcAft>
+                <a:spcPts val="0"/>
+              </a:spcAft>
+              <a:buNone/>
+            </a:pPr>
+            <a:r>
+              <a:rPr lang="en"/>
+              <a:t>SELF-REFLECTION</a:t>
+            </a:r>
+            <a:endParaRPr/>
+          </a:p>
+        </p:txBody>
+      </p:sp>
+    </p:spTree>
+  </p:cSld>
+  <p:clrMapOvr>
+    <a:masterClrMapping/>
+  </p:clrMapOvr>
+</p:sld>
+</file>
+
+<file path=ppt/slides/slide22.xml><?xml version="1.0" encoding="utf-8"?>
+<p:sld xmlns:a="http://schemas.openxmlformats.org/drawingml/2006/main" xmlns:r="http://schemas.openxmlformats.org/officeDocument/2006/relationships" xmlns:mc="http://schemas.openxmlformats.org/markup-compatibility/2006" xmlns:mv="urn:schemas-microsoft-com:mac:vml" xmlns:p="http://schemas.openxmlformats.org/presentationml/2006/main" xmlns:c="http://schemas.openxmlformats.org/drawingml/2006/chart" xmlns:dgm="http://schemas.openxmlformats.org/drawingml/2006/diagram" xmlns:o="urn:schemas-microsoft-com:office:office" xmlns:v="urn:schemas-microsoft-com:vml" xmlns:pvml="urn:schemas-microsoft-com:office:powerpoint" xmlns:com="http://schemas.openxmlformats.org/drawingml/2006/compatibility" xmlns:p14="http://schemas.microsoft.com/office/powerpoint/2010/main" xmlns:p15="http://schemas.microsoft.com/office/powerpoint/2012/main" xmlns:ahyp="http://schemas.microsoft.com/office/drawing/2018/hyperlinkcolor">
+  <p:cSld>
+    <p:spTree>
+      <p:nvGrpSpPr>
+        <p:cNvPr id="496" name="Shape 496"/>
+        <p:cNvGrpSpPr/>
+        <p:nvPr/>
+      </p:nvGrpSpPr>
+      <p:grpSpPr>
+        <a:xfrm>
+          <a:off x="0" y="0"/>
+          <a:ext cx="0" cy="0"/>
+          <a:chOff x="0" y="0"/>
+          <a:chExt cx="0" cy="0"/>
+        </a:xfrm>
+      </p:grpSpPr>
+      <p:sp>
+        <p:nvSpPr>
+          <p:cNvPr id="497" name="Google Shape;497;p52"/>
+          <p:cNvSpPr txBox="1"/>
+          <p:nvPr>
+            <p:ph idx="1" type="subTitle"/>
+          </p:nvPr>
+        </p:nvSpPr>
+        <p:spPr>
+          <a:xfrm>
+            <a:off x="713225" y="1148225"/>
+            <a:ext cx="7717500" cy="3827100"/>
+          </a:xfrm>
+          <a:prstGeom prst="rect">
+            <a:avLst/>
+          </a:prstGeom>
+        </p:spPr>
+        <p:txBody>
+          <a:bodyPr anchorCtr="0" anchor="t" bIns="91425" lIns="91425" spcFirstLastPara="1" rIns="91425" wrap="square" tIns="91425">
+            <a:noAutofit/>
+          </a:bodyPr>
+          <a:lstStyle/>
+          <a:p>
+            <a:pPr indent="0" lvl="0" marL="0" rtl="0" algn="l">
+              <a:spcBef>
+                <a:spcPts val="0"/>
+              </a:spcBef>
+              <a:spcAft>
+                <a:spcPts val="0"/>
+              </a:spcAft>
+              <a:buNone/>
+            </a:pPr>
+            <a:r>
+              <a:rPr lang="en" sz="2400">
+                <a:solidFill>
+                  <a:schemeClr val="dk2"/>
+                </a:solidFill>
+                <a:latin typeface="Dosis ExtraLight"/>
+                <a:ea typeface="Dosis ExtraLight"/>
+                <a:cs typeface="Dosis ExtraLight"/>
+                <a:sym typeface="Dosis ExtraLight"/>
+              </a:rPr>
+              <a:t>WHAT WILL WE DO:</a:t>
+            </a:r>
+            <a:endParaRPr sz="2400"/>
+          </a:p>
+          <a:p>
+            <a:pPr indent="-355600" lvl="0" marL="457200" rtl="0" algn="l">
+              <a:lnSpc>
+                <a:spcPct val="150000"/>
+              </a:lnSpc>
+              <a:spcBef>
+                <a:spcPts val="0"/>
+              </a:spcBef>
+              <a:spcAft>
+                <a:spcPts val="0"/>
+              </a:spcAft>
+              <a:buSzPts val="2000"/>
+              <a:buChar char="●"/>
+            </a:pPr>
+            <a:r>
+              <a:rPr lang="en" sz="2000"/>
+              <a:t>Make the code cleaner.</a:t>
+            </a:r>
+            <a:endParaRPr sz="2000"/>
+          </a:p>
+          <a:p>
+            <a:pPr indent="-355600" lvl="0" marL="457200" rtl="0" algn="l">
+              <a:lnSpc>
+                <a:spcPct val="150000"/>
+              </a:lnSpc>
+              <a:spcBef>
+                <a:spcPts val="0"/>
+              </a:spcBef>
+              <a:spcAft>
+                <a:spcPts val="0"/>
+              </a:spcAft>
+              <a:buSzPts val="2000"/>
+              <a:buChar char="●"/>
+            </a:pPr>
+            <a:r>
+              <a:rPr lang="en" sz="2000"/>
+              <a:t>Tuning with moret various parameters to get better parameters.</a:t>
+            </a:r>
+            <a:endParaRPr sz="2000"/>
+          </a:p>
+          <a:p>
+            <a:pPr indent="-355600" lvl="0" marL="457200" rtl="0" algn="l">
+              <a:lnSpc>
+                <a:spcPct val="150000"/>
+              </a:lnSpc>
+              <a:spcBef>
+                <a:spcPts val="0"/>
+              </a:spcBef>
+              <a:spcAft>
+                <a:spcPts val="0"/>
+              </a:spcAft>
+              <a:buSzPts val="2000"/>
+              <a:buChar char="●"/>
+            </a:pPr>
+            <a:r>
+              <a:rPr lang="en" sz="2000"/>
+              <a:t>Instead of predicting win/lose, we can predict what the range outcome will be in.</a:t>
+            </a:r>
+            <a:endParaRPr sz="2000"/>
+          </a:p>
+          <a:p>
+            <a:pPr indent="-355600" lvl="0" marL="457200" rtl="0" algn="l">
+              <a:lnSpc>
+                <a:spcPct val="150000"/>
+              </a:lnSpc>
+              <a:spcBef>
+                <a:spcPts val="0"/>
+              </a:spcBef>
+              <a:spcAft>
+                <a:spcPts val="0"/>
+              </a:spcAft>
+              <a:buSzPts val="2000"/>
+              <a:buChar char="●"/>
+            </a:pPr>
+            <a:r>
+              <a:rPr lang="en" sz="2000"/>
+              <a:t>Predict upcoming NBA season ( 2021-2022 )</a:t>
+            </a:r>
+            <a:endParaRPr sz="2000"/>
+          </a:p>
+        </p:txBody>
+      </p:sp>
+      <p:sp>
+        <p:nvSpPr>
+          <p:cNvPr id="498" name="Google Shape;498;p52"/>
+          <p:cNvSpPr txBox="1"/>
+          <p:nvPr>
+            <p:ph type="title"/>
+          </p:nvPr>
+        </p:nvSpPr>
+        <p:spPr>
+          <a:xfrm>
+            <a:off x="713225" y="539500"/>
+            <a:ext cx="7717500" cy="478200"/>
+          </a:xfrm>
+          <a:prstGeom prst="rect">
+            <a:avLst/>
+          </a:prstGeom>
+        </p:spPr>
+        <p:txBody>
+          <a:bodyPr anchorCtr="0" anchor="ctr" bIns="91425" lIns="91425" spcFirstLastPara="1" rIns="91425" wrap="square" tIns="91425">
+            <a:noAutofit/>
+          </a:bodyPr>
+          <a:lstStyle/>
+          <a:p>
+            <a:pPr indent="0" lvl="0" marL="0" rtl="0" algn="ctr">
+              <a:spcBef>
+                <a:spcPts val="0"/>
+              </a:spcBef>
+              <a:spcAft>
+                <a:spcPts val="0"/>
+              </a:spcAft>
+              <a:buNone/>
+            </a:pPr>
+            <a:r>
+              <a:rPr lang="en"/>
+              <a:t>GROUP</a:t>
+            </a:r>
+            <a:r>
+              <a:rPr lang="en"/>
+              <a:t>-REFLECTION</a:t>
+            </a:r>
+            <a:endParaRPr/>
+          </a:p>
+        </p:txBody>
+      </p:sp>
+    </p:spTree>
+  </p:cSld>
+  <p:clrMapOvr>
+    <a:masterClrMapping/>
+  </p:clrMapOvr>
+</p:sld>
+</file>
+
+<file path=ppt/slides/slide23.xml><?xml version="1.0" encoding="utf-8"?>
+<p:sld xmlns:a="http://schemas.openxmlformats.org/drawingml/2006/main" xmlns:r="http://schemas.openxmlformats.org/officeDocument/2006/relationships" xmlns:mc="http://schemas.openxmlformats.org/markup-compatibility/2006" xmlns:mv="urn:schemas-microsoft-com:mac:vml" xmlns:p="http://schemas.openxmlformats.org/presentationml/2006/main" xmlns:c="http://schemas.openxmlformats.org/drawingml/2006/chart" xmlns:dgm="http://schemas.openxmlformats.org/drawingml/2006/diagram" xmlns:o="urn:schemas-microsoft-com:office:office" xmlns:v="urn:schemas-microsoft-com:vml" xmlns:pvml="urn:schemas-microsoft-com:office:powerpoint" xmlns:com="http://schemas.openxmlformats.org/drawingml/2006/compatibility" xmlns:p14="http://schemas.microsoft.com/office/powerpoint/2010/main" xmlns:p15="http://schemas.microsoft.com/office/powerpoint/2012/main" xmlns:ahyp="http://schemas.microsoft.com/office/drawing/2018/hyperlinkcolor">
+  <p:cSld>
+    <p:spTree>
+      <p:nvGrpSpPr>
+        <p:cNvPr id="502" name="Shape 502"/>
+        <p:cNvGrpSpPr/>
+        <p:nvPr/>
+      </p:nvGrpSpPr>
+      <p:grpSpPr>
+        <a:xfrm>
+          <a:off x="0" y="0"/>
+          <a:ext cx="0" cy="0"/>
+          <a:chOff x="0" y="0"/>
+          <a:chExt cx="0" cy="0"/>
+        </a:xfrm>
+      </p:grpSpPr>
+      <p:sp>
+        <p:nvSpPr>
+          <p:cNvPr id="503" name="Google Shape;503;p53"/>
           <p:cNvSpPr/>
           <p:nvPr/>
         </p:nvSpPr>
@@ -48787,7 +49858,7 @@
       </p:sp>
       <p:sp>
         <p:nvSpPr>
-          <p:cNvPr id="482" name="Google Shape;482;p50"/>
+          <p:cNvPr id="504" name="Google Shape;504;p53"/>
           <p:cNvSpPr txBox="1"/>
           <p:nvPr>
             <p:ph idx="4294967295" type="ctrTitle"/>
@@ -48833,12 +49904,12 @@
 </p:sld>
 </file>
 
-<file path=ppt/slides/slide21.xml><?xml version="1.0" encoding="utf-8"?>
+<file path=ppt/slides/slide24.xml><?xml version="1.0" encoding="utf-8"?>
 <p:sld xmlns:a="http://schemas.openxmlformats.org/drawingml/2006/main" xmlns:r="http://schemas.openxmlformats.org/officeDocument/2006/relationships" xmlns:mc="http://schemas.openxmlformats.org/markup-compatibility/2006" xmlns:mv="urn:schemas-microsoft-com:mac:vml" xmlns:p="http://schemas.openxmlformats.org/presentationml/2006/main" xmlns:c="http://schemas.openxmlformats.org/drawingml/2006/chart" xmlns:dgm="http://schemas.openxmlformats.org/drawingml/2006/diagram" xmlns:o="urn:schemas-microsoft-com:office:office" xmlns:v="urn:schemas-microsoft-com:vml" xmlns:pvml="urn:schemas-microsoft-com:office:powerpoint" xmlns:com="http://schemas.openxmlformats.org/drawingml/2006/compatibility" xmlns:p14="http://schemas.microsoft.com/office/powerpoint/2010/main" xmlns:p15="http://schemas.microsoft.com/office/powerpoint/2012/main" xmlns:ahyp="http://schemas.microsoft.com/office/drawing/2018/hyperlinkcolor">
   <p:cSld>
     <p:spTree>
       <p:nvGrpSpPr>
-        <p:cNvPr id="486" name="Shape 486"/>
+        <p:cNvPr id="508" name="Shape 508"/>
         <p:cNvGrpSpPr/>
         <p:nvPr/>
       </p:nvGrpSpPr>
@@ -48852,7 +49923,7 @@
       </p:grpSpPr>
       <p:sp>
         <p:nvSpPr>
-          <p:cNvPr id="487" name="Google Shape;487;p51"/>
+          <p:cNvPr id="509" name="Google Shape;509;p54"/>
           <p:cNvSpPr txBox="1"/>
           <p:nvPr>
             <p:ph type="title"/>
@@ -48892,7 +49963,7 @@
       </p:sp>
       <p:sp>
         <p:nvSpPr>
-          <p:cNvPr id="488" name="Google Shape;488;p51"/>
+          <p:cNvPr id="510" name="Google Shape;510;p54"/>
           <p:cNvSpPr txBox="1"/>
           <p:nvPr>
             <p:ph idx="4294967295" type="subTitle"/>
@@ -49088,7 +50159,7 @@
   <p:cSld>
     <p:spTree>
       <p:nvGrpSpPr>
-        <p:cNvPr id="347" name="Shape 347"/>
+        <p:cNvPr id="350" name="Shape 350"/>
         <p:cNvGrpSpPr/>
         <p:nvPr/>
       </p:nvGrpSpPr>
@@ -49102,7 +50173,7 @@
       </p:grpSpPr>
       <p:sp>
         <p:nvSpPr>
-          <p:cNvPr id="348" name="Google Shape;348;p33"/>
+          <p:cNvPr id="351" name="Google Shape;351;p33"/>
           <p:cNvSpPr/>
           <p:nvPr/>
         </p:nvSpPr>
@@ -49168,7 +50239,7 @@
       </p:sp>
       <p:sp>
         <p:nvSpPr>
-          <p:cNvPr id="349" name="Google Shape;349;p33"/>
+          <p:cNvPr id="352" name="Google Shape;352;p33"/>
           <p:cNvSpPr txBox="1"/>
           <p:nvPr>
             <p:ph type="ctrTitle"/>
@@ -49208,7 +50279,7 @@
       </p:sp>
       <p:sp>
         <p:nvSpPr>
-          <p:cNvPr id="350" name="Google Shape;350;p33"/>
+          <p:cNvPr id="353" name="Google Shape;353;p33"/>
           <p:cNvSpPr txBox="1"/>
           <p:nvPr>
             <p:ph idx="2" type="title"/>
@@ -49259,7 +50330,7 @@
   <p:cSld>
     <p:spTree>
       <p:nvGrpSpPr>
-        <p:cNvPr id="354" name="Shape 354"/>
+        <p:cNvPr id="357" name="Shape 357"/>
         <p:cNvGrpSpPr/>
         <p:nvPr/>
       </p:nvGrpSpPr>
@@ -49273,7 +50344,7 @@
       </p:grpSpPr>
       <p:sp>
         <p:nvSpPr>
-          <p:cNvPr id="355" name="Google Shape;355;p34"/>
+          <p:cNvPr id="358" name="Google Shape;358;p34"/>
           <p:cNvSpPr txBox="1"/>
           <p:nvPr>
             <p:ph type="title"/>
@@ -49313,7 +50384,7 @@
       </p:sp>
       <p:sp>
         <p:nvSpPr>
-          <p:cNvPr id="356" name="Google Shape;356;p34"/>
+          <p:cNvPr id="359" name="Google Shape;359;p34"/>
           <p:cNvSpPr txBox="1"/>
           <p:nvPr>
             <p:ph idx="1" type="subTitle"/>
@@ -49353,7 +50424,7 @@
       </p:sp>
       <p:grpSp>
         <p:nvGrpSpPr>
-          <p:cNvPr id="357" name="Google Shape;357;p34"/>
+          <p:cNvPr id="360" name="Google Shape;360;p34"/>
           <p:cNvGrpSpPr/>
           <p:nvPr/>
         </p:nvGrpSpPr>
@@ -49367,7 +50438,7 @@
         </p:grpSpPr>
         <p:grpSp>
           <p:nvGrpSpPr>
-            <p:cNvPr id="358" name="Google Shape;358;p34"/>
+            <p:cNvPr id="361" name="Google Shape;361;p34"/>
             <p:cNvGrpSpPr/>
             <p:nvPr/>
           </p:nvGrpSpPr>
@@ -49381,7 +50452,7 @@
           </p:grpSpPr>
           <p:sp>
             <p:nvSpPr>
-              <p:cNvPr id="359" name="Google Shape;359;p34"/>
+              <p:cNvPr id="362" name="Google Shape;362;p34"/>
               <p:cNvSpPr/>
               <p:nvPr/>
             </p:nvSpPr>
@@ -49440,7 +50511,7 @@
           </p:sp>
           <p:sp>
             <p:nvSpPr>
-              <p:cNvPr id="360" name="Google Shape;360;p34"/>
+              <p:cNvPr id="363" name="Google Shape;363;p34"/>
               <p:cNvSpPr/>
               <p:nvPr/>
             </p:nvSpPr>
@@ -49501,7 +50572,7 @@
           </p:sp>
           <p:sp>
             <p:nvSpPr>
-              <p:cNvPr id="361" name="Google Shape;361;p34"/>
+              <p:cNvPr id="364" name="Google Shape;364;p34"/>
               <p:cNvSpPr/>
               <p:nvPr/>
             </p:nvSpPr>
@@ -52014,7 +53085,7 @@
           </p:sp>
           <p:sp>
             <p:nvSpPr>
-              <p:cNvPr id="362" name="Google Shape;362;p34"/>
+              <p:cNvPr id="365" name="Google Shape;365;p34"/>
               <p:cNvSpPr/>
               <p:nvPr/>
             </p:nvSpPr>
@@ -52079,7 +53150,7 @@
         </p:grpSp>
         <p:sp>
           <p:nvSpPr>
-            <p:cNvPr id="363" name="Google Shape;363;p34"/>
+            <p:cNvPr id="366" name="Google Shape;366;p34"/>
             <p:cNvSpPr/>
             <p:nvPr/>
           </p:nvSpPr>
@@ -52134,7 +53205,7 @@
   <p:cSld>
     <p:spTree>
       <p:nvGrpSpPr>
-        <p:cNvPr id="367" name="Shape 367"/>
+        <p:cNvPr id="370" name="Shape 370"/>
         <p:cNvGrpSpPr/>
         <p:nvPr/>
       </p:nvGrpSpPr>
@@ -52148,7 +53219,7 @@
       </p:grpSpPr>
       <p:sp>
         <p:nvSpPr>
-          <p:cNvPr id="368" name="Google Shape;368;p35"/>
+          <p:cNvPr id="371" name="Google Shape;371;p35"/>
           <p:cNvSpPr txBox="1"/>
           <p:nvPr>
             <p:ph idx="1" type="subTitle"/>
@@ -52188,7 +53259,7 @@
       </p:sp>
       <p:sp>
         <p:nvSpPr>
-          <p:cNvPr id="369" name="Google Shape;369;p35"/>
+          <p:cNvPr id="372" name="Google Shape;372;p35"/>
           <p:cNvSpPr txBox="1"/>
           <p:nvPr>
             <p:ph type="title"/>
@@ -52228,7 +53299,7 @@
       </p:sp>
       <p:grpSp>
         <p:nvGrpSpPr>
-          <p:cNvPr id="370" name="Google Shape;370;p35"/>
+          <p:cNvPr id="373" name="Google Shape;373;p35"/>
           <p:cNvGrpSpPr/>
           <p:nvPr/>
         </p:nvGrpSpPr>
@@ -52242,7 +53313,7 @@
         </p:grpSpPr>
         <p:sp>
           <p:nvSpPr>
-            <p:cNvPr id="371" name="Google Shape;371;p35"/>
+            <p:cNvPr id="374" name="Google Shape;374;p35"/>
             <p:cNvSpPr/>
             <p:nvPr/>
           </p:nvSpPr>
@@ -52869,7 +53940,7 @@
         </p:sp>
         <p:sp>
           <p:nvSpPr>
-            <p:cNvPr id="372" name="Google Shape;372;p35"/>
+            <p:cNvPr id="375" name="Google Shape;375;p35"/>
             <p:cNvSpPr/>
             <p:nvPr/>
           </p:nvSpPr>
@@ -52924,7 +53995,7 @@
   <p:cSld>
     <p:spTree>
       <p:nvGrpSpPr>
-        <p:cNvPr id="376" name="Shape 376"/>
+        <p:cNvPr id="379" name="Shape 379"/>
         <p:cNvGrpSpPr/>
         <p:nvPr/>
       </p:nvGrpSpPr>
@@ -52938,7 +54009,7 @@
       </p:grpSpPr>
       <p:sp>
         <p:nvSpPr>
-          <p:cNvPr id="377" name="Google Shape;377;p36"/>
+          <p:cNvPr id="380" name="Google Shape;380;p36"/>
           <p:cNvSpPr/>
           <p:nvPr/>
         </p:nvSpPr>
@@ -53004,7 +54075,7 @@
       </p:sp>
       <p:sp>
         <p:nvSpPr>
-          <p:cNvPr id="378" name="Google Shape;378;p36"/>
+          <p:cNvPr id="381" name="Google Shape;381;p36"/>
           <p:cNvSpPr txBox="1"/>
           <p:nvPr>
             <p:ph type="ctrTitle"/>
@@ -53044,7 +54115,7 @@
       </p:sp>
       <p:sp>
         <p:nvSpPr>
-          <p:cNvPr id="379" name="Google Shape;379;p36"/>
+          <p:cNvPr id="382" name="Google Shape;382;p36"/>
           <p:cNvSpPr txBox="1"/>
           <p:nvPr>
             <p:ph idx="2" type="title"/>
@@ -53095,7 +54166,7 @@
   <p:cSld>
     <p:spTree>
       <p:nvGrpSpPr>
-        <p:cNvPr id="383" name="Shape 383"/>
+        <p:cNvPr id="386" name="Shape 386"/>
         <p:cNvGrpSpPr/>
         <p:nvPr/>
       </p:nvGrpSpPr>
@@ -53109,7 +54180,7 @@
       </p:grpSpPr>
       <p:sp>
         <p:nvSpPr>
-          <p:cNvPr id="384" name="Google Shape;384;p37"/>
+          <p:cNvPr id="387" name="Google Shape;387;p37"/>
           <p:cNvSpPr txBox="1"/>
           <p:nvPr>
             <p:ph type="title"/>
@@ -53149,7 +54220,7 @@
       </p:sp>
       <p:sp>
         <p:nvSpPr>
-          <p:cNvPr id="385" name="Google Shape;385;p37"/>
+          <p:cNvPr id="388" name="Google Shape;388;p37"/>
           <p:cNvSpPr txBox="1"/>
           <p:nvPr>
             <p:ph idx="1" type="subTitle"/>
@@ -53207,7 +54278,7 @@
       </p:sp>
       <p:pic>
         <p:nvPicPr>
-          <p:cNvPr id="386" name="Google Shape;386;p37"/>
+          <p:cNvPr id="389" name="Google Shape;389;p37"/>
           <p:cNvPicPr preferRelativeResize="0"/>
           <p:nvPr/>
         </p:nvPicPr>
@@ -53235,7 +54306,7 @@
       </p:pic>
       <p:sp>
         <p:nvSpPr>
-          <p:cNvPr id="387" name="Google Shape;387;p37"/>
+          <p:cNvPr id="390" name="Google Shape;390;p37"/>
           <p:cNvSpPr txBox="1"/>
           <p:nvPr>
             <p:ph idx="1" type="subTitle"/>
@@ -53280,7 +54351,7 @@
       </p:sp>
       <p:pic>
         <p:nvPicPr>
-          <p:cNvPr id="388" name="Google Shape;388;p37"/>
+          <p:cNvPr id="391" name="Google Shape;391;p37"/>
           <p:cNvPicPr preferRelativeResize="0"/>
           <p:nvPr/>
         </p:nvPicPr>
@@ -53319,7 +54390,7 @@
   <p:cSld>
     <p:spTree>
       <p:nvGrpSpPr>
-        <p:cNvPr id="392" name="Shape 392"/>
+        <p:cNvPr id="395" name="Shape 395"/>
         <p:cNvGrpSpPr/>
         <p:nvPr/>
       </p:nvGrpSpPr>
@@ -53333,7 +54404,7 @@
       </p:grpSpPr>
       <p:sp>
         <p:nvSpPr>
-          <p:cNvPr id="393" name="Google Shape;393;p38"/>
+          <p:cNvPr id="396" name="Google Shape;396;p38"/>
           <p:cNvSpPr txBox="1"/>
           <p:nvPr>
             <p:ph idx="1" type="subTitle"/>
@@ -53561,7 +54632,7 @@
       </p:sp>
       <p:sp>
         <p:nvSpPr>
-          <p:cNvPr id="394" name="Google Shape;394;p38"/>
+          <p:cNvPr id="397" name="Google Shape;397;p38"/>
           <p:cNvSpPr txBox="1"/>
           <p:nvPr>
             <p:ph type="title"/>
@@ -53612,7 +54683,7 @@
   <p:cSld>
     <p:spTree>
       <p:nvGrpSpPr>
-        <p:cNvPr id="398" name="Shape 398"/>
+        <p:cNvPr id="401" name="Shape 401"/>
         <p:cNvGrpSpPr/>
         <p:nvPr/>
       </p:nvGrpSpPr>
@@ -53626,7 +54697,7 @@
       </p:grpSpPr>
       <p:sp>
         <p:nvSpPr>
-          <p:cNvPr id="399" name="Google Shape;399;p39"/>
+          <p:cNvPr id="402" name="Google Shape;402;p39"/>
           <p:cNvSpPr/>
           <p:nvPr/>
         </p:nvSpPr>
@@ -53692,7 +54763,7 @@
       </p:sp>
       <p:sp>
         <p:nvSpPr>
-          <p:cNvPr id="400" name="Google Shape;400;p39"/>
+          <p:cNvPr id="403" name="Google Shape;403;p39"/>
           <p:cNvSpPr txBox="1"/>
           <p:nvPr>
             <p:ph type="ctrTitle"/>
@@ -53764,7 +54835,7 @@
       </p:sp>
       <p:sp>
         <p:nvSpPr>
-          <p:cNvPr id="401" name="Google Shape;401;p39"/>
+          <p:cNvPr id="404" name="Google Shape;404;p39"/>
           <p:cNvSpPr txBox="1"/>
           <p:nvPr>
             <p:ph idx="2" type="title"/>

--- a/Slide.pptx
+++ b/Slide.pptx
@@ -32,23 +32,25 @@
     <p:sldId id="277" r:id="rId26"/>
     <p:sldId id="278" r:id="rId27"/>
     <p:sldId id="279" r:id="rId28"/>
+    <p:sldId id="280" r:id="rId29"/>
+    <p:sldId id="281" r:id="rId30"/>
   </p:sldIdLst>
   <p:sldSz cy="5143500" cx="9144000"/>
   <p:notesSz cx="6858000" cy="9144000"/>
   <p:embeddedFontLst>
     <p:embeddedFont>
       <p:font typeface="Dosis"/>
-      <p:regular r:id="rId29"/>
-      <p:bold r:id="rId30"/>
+      <p:regular r:id="rId31"/>
+      <p:bold r:id="rId32"/>
     </p:embeddedFont>
     <p:embeddedFont>
       <p:font typeface="Bevan"/>
-      <p:regular r:id="rId31"/>
+      <p:regular r:id="rId33"/>
     </p:embeddedFont>
     <p:embeddedFont>
       <p:font typeface="Dosis ExtraLight"/>
-      <p:regular r:id="rId32"/>
-      <p:bold r:id="rId33"/>
+      <p:regular r:id="rId34"/>
+      <p:bold r:id="rId35"/>
     </p:embeddedFont>
   </p:embeddedFontLst>
   <p:defaultTextStyle>
@@ -827,7 +829,7 @@
       </p:grpSpPr>
       <p:sp>
         <p:nvSpPr>
-          <p:cNvPr id="406" name="Google Shape;406;gebbdda72dd_1_0:notes"/>
+          <p:cNvPr id="406" name="Google Shape;406;gef07bb8e0c_2_7:notes"/>
           <p:cNvSpPr/>
           <p:nvPr>
             <p:ph idx="2" type="sldImg"/>
@@ -862,7 +864,7 @@
       </p:sp>
       <p:sp>
         <p:nvSpPr>
-          <p:cNvPr id="407" name="Google Shape;407;gebbdda72dd_1_0:notes"/>
+          <p:cNvPr id="407" name="Google Shape;407;gef07bb8e0c_2_7:notes"/>
           <p:cNvSpPr txBox="1"/>
           <p:nvPr>
             <p:ph idx="1" type="body"/>
@@ -912,7 +914,7 @@
   <p:cSld>
     <p:spTree>
       <p:nvGrpSpPr>
-        <p:cNvPr id="418" name="Shape 418"/>
+        <p:cNvPr id="412" name="Shape 412"/>
         <p:cNvGrpSpPr/>
         <p:nvPr/>
       </p:nvGrpSpPr>
@@ -926,7 +928,7 @@
       </p:grpSpPr>
       <p:sp>
         <p:nvSpPr>
-          <p:cNvPr id="419" name="Google Shape;419;gef0cfdc965_0_17:notes"/>
+          <p:cNvPr id="413" name="Google Shape;413;gebbdda72dd_1_0:notes"/>
           <p:cNvSpPr/>
           <p:nvPr>
             <p:ph idx="2" type="sldImg"/>
@@ -961,7 +963,7 @@
       </p:sp>
       <p:sp>
         <p:nvSpPr>
-          <p:cNvPr id="420" name="Google Shape;420;gef0cfdc965_0_17:notes"/>
+          <p:cNvPr id="414" name="Google Shape;414;gebbdda72dd_1_0:notes"/>
           <p:cNvSpPr txBox="1"/>
           <p:nvPr>
             <p:ph idx="1" type="body"/>
@@ -1011,7 +1013,7 @@
   <p:cSld>
     <p:spTree>
       <p:nvGrpSpPr>
-        <p:cNvPr id="427" name="Shape 427"/>
+        <p:cNvPr id="425" name="Shape 425"/>
         <p:cNvGrpSpPr/>
         <p:nvPr/>
       </p:nvGrpSpPr>
@@ -1025,7 +1027,7 @@
       </p:grpSpPr>
       <p:sp>
         <p:nvSpPr>
-          <p:cNvPr id="428" name="Google Shape;428;gef0cfdc965_0_77:notes"/>
+          <p:cNvPr id="426" name="Google Shape;426;gef0cfdc965_0_17:notes"/>
           <p:cNvSpPr/>
           <p:nvPr>
             <p:ph idx="2" type="sldImg"/>
@@ -1060,7 +1062,7 @@
       </p:sp>
       <p:sp>
         <p:nvSpPr>
-          <p:cNvPr id="429" name="Google Shape;429;gef0cfdc965_0_77:notes"/>
+          <p:cNvPr id="427" name="Google Shape;427;gef0cfdc965_0_17:notes"/>
           <p:cNvSpPr txBox="1"/>
           <p:nvPr>
             <p:ph idx="1" type="body"/>
@@ -1124,7 +1126,7 @@
       </p:grpSpPr>
       <p:sp>
         <p:nvSpPr>
-          <p:cNvPr id="435" name="Google Shape;435;gef0cfdc965_0_139:notes"/>
+          <p:cNvPr id="435" name="Google Shape;435;gef0cfdc965_0_77:notes"/>
           <p:cNvSpPr/>
           <p:nvPr>
             <p:ph idx="2" type="sldImg"/>
@@ -1159,7 +1161,7 @@
       </p:sp>
       <p:sp>
         <p:nvSpPr>
-          <p:cNvPr id="436" name="Google Shape;436;gef0cfdc965_0_139:notes"/>
+          <p:cNvPr id="436" name="Google Shape;436;gef0cfdc965_0_77:notes"/>
           <p:cNvSpPr txBox="1"/>
           <p:nvPr>
             <p:ph idx="1" type="body"/>
@@ -1209,7 +1211,7 @@
   <p:cSld>
     <p:spTree>
       <p:nvGrpSpPr>
-        <p:cNvPr id="440" name="Shape 440"/>
+        <p:cNvPr id="441" name="Shape 441"/>
         <p:cNvGrpSpPr/>
         <p:nvPr/>
       </p:nvGrpSpPr>
@@ -1223,7 +1225,7 @@
       </p:grpSpPr>
       <p:sp>
         <p:nvSpPr>
-          <p:cNvPr id="441" name="Google Shape;441;gef0cfdc965_0_146:notes"/>
+          <p:cNvPr id="442" name="Google Shape;442;gef0cfdc965_0_139:notes"/>
           <p:cNvSpPr/>
           <p:nvPr>
             <p:ph idx="2" type="sldImg"/>
@@ -1258,7 +1260,7 @@
       </p:sp>
       <p:sp>
         <p:nvSpPr>
-          <p:cNvPr id="442" name="Google Shape;442;gef0cfdc965_0_146:notes"/>
+          <p:cNvPr id="443" name="Google Shape;443;gef0cfdc965_0_139:notes"/>
           <p:cNvSpPr txBox="1"/>
           <p:nvPr>
             <p:ph idx="1" type="body"/>
@@ -1308,7 +1310,7 @@
   <p:cSld>
     <p:spTree>
       <p:nvGrpSpPr>
-        <p:cNvPr id="446" name="Shape 446"/>
+        <p:cNvPr id="447" name="Shape 447"/>
         <p:cNvGrpSpPr/>
         <p:nvPr/>
       </p:nvGrpSpPr>
@@ -1322,7 +1324,7 @@
       </p:grpSpPr>
       <p:sp>
         <p:nvSpPr>
-          <p:cNvPr id="447" name="Google Shape;447;gef07bb8e0c_2_13:notes"/>
+          <p:cNvPr id="448" name="Google Shape;448;gef0cfdc965_0_146:notes"/>
           <p:cNvSpPr/>
           <p:nvPr>
             <p:ph idx="2" type="sldImg"/>
@@ -1357,7 +1359,7 @@
       </p:sp>
       <p:sp>
         <p:nvSpPr>
-          <p:cNvPr id="448" name="Google Shape;448;gef07bb8e0c_2_13:notes"/>
+          <p:cNvPr id="449" name="Google Shape;449;gef0cfdc965_0_146:notes"/>
           <p:cNvSpPr txBox="1"/>
           <p:nvPr>
             <p:ph idx="1" type="body"/>
@@ -1421,7 +1423,7 @@
       </p:grpSpPr>
       <p:sp>
         <p:nvSpPr>
-          <p:cNvPr id="454" name="Google Shape;454;gef0cfdc965_0_152:notes"/>
+          <p:cNvPr id="454" name="Google Shape;454;gef07bb8e0c_2_13:notes"/>
           <p:cNvSpPr/>
           <p:nvPr>
             <p:ph idx="2" type="sldImg"/>
@@ -1456,7 +1458,7 @@
       </p:sp>
       <p:sp>
         <p:nvSpPr>
-          <p:cNvPr id="455" name="Google Shape;455;gef0cfdc965_0_152:notes"/>
+          <p:cNvPr id="455" name="Google Shape;455;gef07bb8e0c_2_13:notes"/>
           <p:cNvSpPr txBox="1"/>
           <p:nvPr>
             <p:ph idx="1" type="body"/>
@@ -1506,7 +1508,7 @@
   <p:cSld>
     <p:spTree>
       <p:nvGrpSpPr>
-        <p:cNvPr id="459" name="Shape 459"/>
+        <p:cNvPr id="460" name="Shape 460"/>
         <p:cNvGrpSpPr/>
         <p:nvPr/>
       </p:nvGrpSpPr>
@@ -1520,7 +1522,7 @@
       </p:grpSpPr>
       <p:sp>
         <p:nvSpPr>
-          <p:cNvPr id="460" name="Google Shape;460;gef07bb8e0c_3_43:notes"/>
+          <p:cNvPr id="461" name="Google Shape;461;gef0cfdc965_0_152:notes"/>
           <p:cNvSpPr/>
           <p:nvPr>
             <p:ph idx="2" type="sldImg"/>
@@ -1555,7 +1557,7 @@
       </p:sp>
       <p:sp>
         <p:nvSpPr>
-          <p:cNvPr id="461" name="Google Shape;461;gef07bb8e0c_3_43:notes"/>
+          <p:cNvPr id="462" name="Google Shape;462;gef0cfdc965_0_152:notes"/>
           <p:cNvSpPr txBox="1"/>
           <p:nvPr>
             <p:ph idx="1" type="body"/>
@@ -1619,7 +1621,7 @@
       </p:grpSpPr>
       <p:sp>
         <p:nvSpPr>
-          <p:cNvPr id="467" name="Google Shape;467;gef0cfdc965_0_162:notes"/>
+          <p:cNvPr id="467" name="Google Shape;467;gef07bb8e0c_3_43:notes"/>
           <p:cNvSpPr/>
           <p:nvPr>
             <p:ph idx="2" type="sldImg"/>
@@ -1654,7 +1656,7 @@
       </p:sp>
       <p:sp>
         <p:nvSpPr>
-          <p:cNvPr id="468" name="Google Shape;468;gef0cfdc965_0_162:notes"/>
+          <p:cNvPr id="468" name="Google Shape;468;gef07bb8e0c_3_43:notes"/>
           <p:cNvSpPr txBox="1"/>
           <p:nvPr>
             <p:ph idx="1" type="body"/>
@@ -1902,7 +1904,7 @@
   <p:cSld>
     <p:spTree>
       <p:nvGrpSpPr>
-        <p:cNvPr id="480" name="Shape 480"/>
+        <p:cNvPr id="481" name="Shape 481"/>
         <p:cNvGrpSpPr/>
         <p:nvPr/>
       </p:nvGrpSpPr>
@@ -1916,7 +1918,7 @@
       </p:grpSpPr>
       <p:sp>
         <p:nvSpPr>
-          <p:cNvPr id="481" name="Google Shape;481;gebbdda83d8_0_4:notes"/>
+          <p:cNvPr id="482" name="Google Shape;482;gef0cfdc965_0_162:notes"/>
           <p:cNvSpPr/>
           <p:nvPr>
             <p:ph idx="2" type="sldImg"/>
@@ -1951,7 +1953,7 @@
       </p:sp>
       <p:sp>
         <p:nvSpPr>
-          <p:cNvPr id="482" name="Google Shape;482;gebbdda83d8_0_4:notes"/>
+          <p:cNvPr id="483" name="Google Shape;483;gef0cfdc965_0_162:notes"/>
           <p:cNvSpPr txBox="1"/>
           <p:nvPr>
             <p:ph idx="1" type="body"/>
@@ -2015,7 +2017,7 @@
       </p:grpSpPr>
       <p:sp>
         <p:nvSpPr>
-          <p:cNvPr id="488" name="Google Shape;488;gebbdda83d8_0_10:notes"/>
+          <p:cNvPr id="488" name="Google Shape;488;gebd8a7df60_0_0:notes"/>
           <p:cNvSpPr/>
           <p:nvPr>
             <p:ph idx="2" type="sldImg"/>
@@ -2050,7 +2052,7 @@
       </p:sp>
       <p:sp>
         <p:nvSpPr>
-          <p:cNvPr id="489" name="Google Shape;489;gebbdda83d8_0_10:notes"/>
+          <p:cNvPr id="489" name="Google Shape;489;gebd8a7df60_0_0:notes"/>
           <p:cNvSpPr txBox="1"/>
           <p:nvPr>
             <p:ph idx="1" type="body"/>
@@ -2114,7 +2116,7 @@
       </p:grpSpPr>
       <p:sp>
         <p:nvSpPr>
-          <p:cNvPr id="494" name="Google Shape;494;gebbdda83d8_0_17:notes"/>
+          <p:cNvPr id="494" name="Google Shape;494;gebbdda83d8_0_4:notes"/>
           <p:cNvSpPr/>
           <p:nvPr>
             <p:ph idx="2" type="sldImg"/>
@@ -2149,7 +2151,7 @@
       </p:sp>
       <p:sp>
         <p:nvSpPr>
-          <p:cNvPr id="495" name="Google Shape;495;gebbdda83d8_0_17:notes"/>
+          <p:cNvPr id="495" name="Google Shape;495;gebbdda83d8_0_4:notes"/>
           <p:cNvSpPr txBox="1"/>
           <p:nvPr>
             <p:ph idx="1" type="body"/>
@@ -2199,7 +2201,7 @@
   <p:cSld>
     <p:spTree>
       <p:nvGrpSpPr>
-        <p:cNvPr id="499" name="Shape 499"/>
+        <p:cNvPr id="500" name="Shape 500"/>
         <p:cNvGrpSpPr/>
         <p:nvPr/>
       </p:nvGrpSpPr>
@@ -2213,7 +2215,7 @@
       </p:grpSpPr>
       <p:sp>
         <p:nvSpPr>
-          <p:cNvPr id="500" name="Google Shape;500;g8fa4a6229d_0_262:notes"/>
+          <p:cNvPr id="501" name="Google Shape;501;gebbdda83d8_0_10:notes"/>
           <p:cNvSpPr/>
           <p:nvPr>
             <p:ph idx="2" type="sldImg"/>
@@ -2248,7 +2250,7 @@
       </p:sp>
       <p:sp>
         <p:nvSpPr>
-          <p:cNvPr id="501" name="Google Shape;501;g8fa4a6229d_0_262:notes"/>
+          <p:cNvPr id="502" name="Google Shape;502;gebbdda83d8_0_10:notes"/>
           <p:cNvSpPr txBox="1"/>
           <p:nvPr>
             <p:ph idx="1" type="body"/>
@@ -2298,7 +2300,7 @@
   <p:cSld>
     <p:spTree>
       <p:nvGrpSpPr>
-        <p:cNvPr id="505" name="Shape 505"/>
+        <p:cNvPr id="506" name="Shape 506"/>
         <p:cNvGrpSpPr/>
         <p:nvPr/>
       </p:nvGrpSpPr>
@@ -2312,7 +2314,7 @@
       </p:grpSpPr>
       <p:sp>
         <p:nvSpPr>
-          <p:cNvPr id="506" name="Google Shape;506;gef0cfdc965_0_7788:notes"/>
+          <p:cNvPr id="507" name="Google Shape;507;gebbdda83d8_0_17:notes"/>
           <p:cNvSpPr/>
           <p:nvPr>
             <p:ph idx="2" type="sldImg"/>
@@ -2347,7 +2349,7 @@
       </p:sp>
       <p:sp>
         <p:nvSpPr>
-          <p:cNvPr id="507" name="Google Shape;507;gef0cfdc965_0_7788:notes"/>
+          <p:cNvPr id="508" name="Google Shape;508;gebbdda83d8_0_17:notes"/>
           <p:cNvSpPr txBox="1"/>
           <p:nvPr>
             <p:ph idx="1" type="body"/>
@@ -2392,12 +2394,12 @@
 </p:notes>
 </file>
 
-<file path=ppt/notesSlides/notesSlide3.xml><?xml version="1.0" encoding="utf-8"?>
+<file path=ppt/notesSlides/notesSlide25.xml><?xml version="1.0" encoding="utf-8"?>
 <p:notes xmlns:a="http://schemas.openxmlformats.org/drawingml/2006/main" xmlns:r="http://schemas.openxmlformats.org/officeDocument/2006/relationships" xmlns:mc="http://schemas.openxmlformats.org/markup-compatibility/2006" xmlns:mv="urn:schemas-microsoft-com:mac:vml" xmlns:p="http://schemas.openxmlformats.org/presentationml/2006/main" xmlns:c="http://schemas.openxmlformats.org/drawingml/2006/chart" xmlns:dgm="http://schemas.openxmlformats.org/drawingml/2006/diagram" xmlns:o="urn:schemas-microsoft-com:office:office" xmlns:v="urn:schemas-microsoft-com:vml" xmlns:pvml="urn:schemas-microsoft-com:office:powerpoint" xmlns:com="http://schemas.openxmlformats.org/drawingml/2006/compatibility" xmlns:p14="http://schemas.microsoft.com/office/powerpoint/2010/main" xmlns:p15="http://schemas.microsoft.com/office/powerpoint/2012/main" xmlns:ahyp="http://schemas.microsoft.com/office/drawing/2018/hyperlinkcolor" showMasterPhAnim="0" showMasterSp="0">
   <p:cSld>
     <p:spTree>
       <p:nvGrpSpPr>
-        <p:cNvPr id="347" name="Shape 347"/>
+        <p:cNvPr id="512" name="Shape 512"/>
         <p:cNvGrpSpPr/>
         <p:nvPr/>
       </p:nvGrpSpPr>
@@ -2411,7 +2413,7 @@
       </p:grpSpPr>
       <p:sp>
         <p:nvSpPr>
-          <p:cNvPr id="348" name="Google Shape;348;g8fa4a6229d_0_187:notes"/>
+          <p:cNvPr id="513" name="Google Shape;513;g8fa4a6229d_0_262:notes"/>
           <p:cNvSpPr/>
           <p:nvPr>
             <p:ph idx="2" type="sldImg"/>
@@ -2446,7 +2448,7 @@
       </p:sp>
       <p:sp>
         <p:nvSpPr>
-          <p:cNvPr id="349" name="Google Shape;349;g8fa4a6229d_0_187:notes"/>
+          <p:cNvPr id="514" name="Google Shape;514;g8fa4a6229d_0_262:notes"/>
           <p:cNvSpPr txBox="1"/>
           <p:nvPr>
             <p:ph idx="1" type="body"/>
@@ -2491,12 +2493,12 @@
 </p:notes>
 </file>
 
-<file path=ppt/notesSlides/notesSlide4.xml><?xml version="1.0" encoding="utf-8"?>
+<file path=ppt/notesSlides/notesSlide26.xml><?xml version="1.0" encoding="utf-8"?>
 <p:notes xmlns:a="http://schemas.openxmlformats.org/drawingml/2006/main" xmlns:r="http://schemas.openxmlformats.org/officeDocument/2006/relationships" xmlns:mc="http://schemas.openxmlformats.org/markup-compatibility/2006" xmlns:mv="urn:schemas-microsoft-com:mac:vml" xmlns:p="http://schemas.openxmlformats.org/presentationml/2006/main" xmlns:c="http://schemas.openxmlformats.org/drawingml/2006/chart" xmlns:dgm="http://schemas.openxmlformats.org/drawingml/2006/diagram" xmlns:o="urn:schemas-microsoft-com:office:office" xmlns:v="urn:schemas-microsoft-com:vml" xmlns:pvml="urn:schemas-microsoft-com:office:powerpoint" xmlns:com="http://schemas.openxmlformats.org/drawingml/2006/compatibility" xmlns:p14="http://schemas.microsoft.com/office/powerpoint/2010/main" xmlns:p15="http://schemas.microsoft.com/office/powerpoint/2012/main" xmlns:ahyp="http://schemas.microsoft.com/office/drawing/2018/hyperlinkcolor" showMasterPhAnim="0" showMasterSp="0">
   <p:cSld>
     <p:spTree>
       <p:nvGrpSpPr>
-        <p:cNvPr id="354" name="Shape 354"/>
+        <p:cNvPr id="518" name="Shape 518"/>
         <p:cNvGrpSpPr/>
         <p:nvPr/>
       </p:nvGrpSpPr>
@@ -2510,7 +2512,7 @@
       </p:grpSpPr>
       <p:sp>
         <p:nvSpPr>
-          <p:cNvPr id="355" name="Google Shape;355;g8661939ed5_0_15964:notes"/>
+          <p:cNvPr id="519" name="Google Shape;519;gef0cfdc965_0_7788:notes"/>
           <p:cNvSpPr/>
           <p:nvPr>
             <p:ph idx="2" type="sldImg"/>
@@ -2545,7 +2547,7 @@
       </p:sp>
       <p:sp>
         <p:nvSpPr>
-          <p:cNvPr id="356" name="Google Shape;356;g8661939ed5_0_15964:notes"/>
+          <p:cNvPr id="520" name="Google Shape;520;gef0cfdc965_0_7788:notes"/>
           <p:cNvSpPr txBox="1"/>
           <p:nvPr>
             <p:ph idx="1" type="body"/>
@@ -2590,12 +2592,12 @@
 </p:notes>
 </file>
 
-<file path=ppt/notesSlides/notesSlide5.xml><?xml version="1.0" encoding="utf-8"?>
+<file path=ppt/notesSlides/notesSlide3.xml><?xml version="1.0" encoding="utf-8"?>
 <p:notes xmlns:a="http://schemas.openxmlformats.org/drawingml/2006/main" xmlns:r="http://schemas.openxmlformats.org/officeDocument/2006/relationships" xmlns:mc="http://schemas.openxmlformats.org/markup-compatibility/2006" xmlns:mv="urn:schemas-microsoft-com:mac:vml" xmlns:p="http://schemas.openxmlformats.org/presentationml/2006/main" xmlns:c="http://schemas.openxmlformats.org/drawingml/2006/chart" xmlns:dgm="http://schemas.openxmlformats.org/drawingml/2006/diagram" xmlns:o="urn:schemas-microsoft-com:office:office" xmlns:v="urn:schemas-microsoft-com:vml" xmlns:pvml="urn:schemas-microsoft-com:office:powerpoint" xmlns:com="http://schemas.openxmlformats.org/drawingml/2006/compatibility" xmlns:p14="http://schemas.microsoft.com/office/powerpoint/2010/main" xmlns:p15="http://schemas.microsoft.com/office/powerpoint/2012/main" xmlns:ahyp="http://schemas.microsoft.com/office/drawing/2018/hyperlinkcolor" showMasterPhAnim="0" showMasterSp="0">
   <p:cSld>
     <p:spTree>
       <p:nvGrpSpPr>
-        <p:cNvPr id="367" name="Shape 367"/>
+        <p:cNvPr id="348" name="Shape 348"/>
         <p:cNvGrpSpPr/>
         <p:nvPr/>
       </p:nvGrpSpPr>
@@ -2609,7 +2611,7 @@
       </p:grpSpPr>
       <p:sp>
         <p:nvSpPr>
-          <p:cNvPr id="368" name="Google Shape;368;gef07bb8e0c_3_0:notes"/>
+          <p:cNvPr id="349" name="Google Shape;349;g8fa4a6229d_0_187:notes"/>
           <p:cNvSpPr/>
           <p:nvPr>
             <p:ph idx="2" type="sldImg"/>
@@ -2644,7 +2646,7 @@
       </p:sp>
       <p:sp>
         <p:nvSpPr>
-          <p:cNvPr id="369" name="Google Shape;369;gef07bb8e0c_3_0:notes"/>
+          <p:cNvPr id="350" name="Google Shape;350;g8fa4a6229d_0_187:notes"/>
           <p:cNvSpPr txBox="1"/>
           <p:nvPr>
             <p:ph idx="1" type="body"/>
@@ -2689,12 +2691,12 @@
 </p:notes>
 </file>
 
-<file path=ppt/notesSlides/notesSlide6.xml><?xml version="1.0" encoding="utf-8"?>
+<file path=ppt/notesSlides/notesSlide4.xml><?xml version="1.0" encoding="utf-8"?>
 <p:notes xmlns:a="http://schemas.openxmlformats.org/drawingml/2006/main" xmlns:r="http://schemas.openxmlformats.org/officeDocument/2006/relationships" xmlns:mc="http://schemas.openxmlformats.org/markup-compatibility/2006" xmlns:mv="urn:schemas-microsoft-com:mac:vml" xmlns:p="http://schemas.openxmlformats.org/presentationml/2006/main" xmlns:c="http://schemas.openxmlformats.org/drawingml/2006/chart" xmlns:dgm="http://schemas.openxmlformats.org/drawingml/2006/diagram" xmlns:o="urn:schemas-microsoft-com:office:office" xmlns:v="urn:schemas-microsoft-com:vml" xmlns:pvml="urn:schemas-microsoft-com:office:powerpoint" xmlns:com="http://schemas.openxmlformats.org/drawingml/2006/compatibility" xmlns:p14="http://schemas.microsoft.com/office/powerpoint/2010/main" xmlns:p15="http://schemas.microsoft.com/office/powerpoint/2012/main" xmlns:ahyp="http://schemas.microsoft.com/office/drawing/2018/hyperlinkcolor" showMasterPhAnim="0" showMasterSp="0">
   <p:cSld>
     <p:spTree>
       <p:nvGrpSpPr>
-        <p:cNvPr id="376" name="Shape 376"/>
+        <p:cNvPr id="355" name="Shape 355"/>
         <p:cNvGrpSpPr/>
         <p:nvPr/>
       </p:nvGrpSpPr>
@@ -2708,7 +2710,7 @@
       </p:grpSpPr>
       <p:sp>
         <p:nvSpPr>
-          <p:cNvPr id="377" name="Google Shape;377;gef07bb8e0c_2_1:notes"/>
+          <p:cNvPr id="356" name="Google Shape;356;g8661939ed5_0_15964:notes"/>
           <p:cNvSpPr/>
           <p:nvPr>
             <p:ph idx="2" type="sldImg"/>
@@ -2743,7 +2745,7 @@
       </p:sp>
       <p:sp>
         <p:nvSpPr>
-          <p:cNvPr id="378" name="Google Shape;378;gef07bb8e0c_2_1:notes"/>
+          <p:cNvPr id="357" name="Google Shape;357;g8661939ed5_0_15964:notes"/>
           <p:cNvSpPr txBox="1"/>
           <p:nvPr>
             <p:ph idx="1" type="body"/>
@@ -2788,12 +2790,12 @@
 </p:notes>
 </file>
 
-<file path=ppt/notesSlides/notesSlide7.xml><?xml version="1.0" encoding="utf-8"?>
+<file path=ppt/notesSlides/notesSlide5.xml><?xml version="1.0" encoding="utf-8"?>
 <p:notes xmlns:a="http://schemas.openxmlformats.org/drawingml/2006/main" xmlns:r="http://schemas.openxmlformats.org/officeDocument/2006/relationships" xmlns:mc="http://schemas.openxmlformats.org/markup-compatibility/2006" xmlns:mv="urn:schemas-microsoft-com:mac:vml" xmlns:p="http://schemas.openxmlformats.org/presentationml/2006/main" xmlns:c="http://schemas.openxmlformats.org/drawingml/2006/chart" xmlns:dgm="http://schemas.openxmlformats.org/drawingml/2006/diagram" xmlns:o="urn:schemas-microsoft-com:office:office" xmlns:v="urn:schemas-microsoft-com:vml" xmlns:pvml="urn:schemas-microsoft-com:office:powerpoint" xmlns:com="http://schemas.openxmlformats.org/drawingml/2006/compatibility" xmlns:p14="http://schemas.microsoft.com/office/powerpoint/2010/main" xmlns:p15="http://schemas.microsoft.com/office/powerpoint/2012/main" xmlns:ahyp="http://schemas.microsoft.com/office/drawing/2018/hyperlinkcolor" showMasterPhAnim="0" showMasterSp="0">
   <p:cSld>
     <p:spTree>
       <p:nvGrpSpPr>
-        <p:cNvPr id="383" name="Shape 383"/>
+        <p:cNvPr id="368" name="Shape 368"/>
         <p:cNvGrpSpPr/>
         <p:nvPr/>
       </p:nvGrpSpPr>
@@ -2807,7 +2809,7 @@
       </p:grpSpPr>
       <p:sp>
         <p:nvSpPr>
-          <p:cNvPr id="384" name="Google Shape;384;g8661939ed5_0_16008:notes"/>
+          <p:cNvPr id="369" name="Google Shape;369;gef07bb8e0c_3_0:notes"/>
           <p:cNvSpPr/>
           <p:nvPr>
             <p:ph idx="2" type="sldImg"/>
@@ -2842,7 +2844,205 @@
       </p:sp>
       <p:sp>
         <p:nvSpPr>
-          <p:cNvPr id="385" name="Google Shape;385;g8661939ed5_0_16008:notes"/>
+          <p:cNvPr id="370" name="Google Shape;370;gef07bb8e0c_3_0:notes"/>
+          <p:cNvSpPr txBox="1"/>
+          <p:nvPr>
+            <p:ph idx="1" type="body"/>
+          </p:nvPr>
+        </p:nvSpPr>
+        <p:spPr>
+          <a:xfrm>
+            <a:off x="685800" y="4343400"/>
+            <a:ext cx="5486400" cy="4114800"/>
+          </a:xfrm>
+          <a:prstGeom prst="rect">
+            <a:avLst/>
+          </a:prstGeom>
+        </p:spPr>
+        <p:txBody>
+          <a:bodyPr anchorCtr="0" anchor="t" bIns="91425" lIns="91425" spcFirstLastPara="1" rIns="91425" wrap="square" tIns="91425">
+            <a:noAutofit/>
+          </a:bodyPr>
+          <a:lstStyle/>
+          <a:p>
+            <a:pPr indent="0" lvl="0" marL="0" rtl="0" algn="l">
+              <a:spcBef>
+                <a:spcPts val="0"/>
+              </a:spcBef>
+              <a:spcAft>
+                <a:spcPts val="0"/>
+              </a:spcAft>
+              <a:buNone/>
+            </a:pPr>
+            <a:r>
+              <a:t/>
+            </a:r>
+            <a:endParaRPr/>
+          </a:p>
+        </p:txBody>
+      </p:sp>
+    </p:spTree>
+  </p:cSld>
+  <p:clrMapOvr>
+    <a:masterClrMapping/>
+  </p:clrMapOvr>
+</p:notes>
+</file>
+
+<file path=ppt/notesSlides/notesSlide6.xml><?xml version="1.0" encoding="utf-8"?>
+<p:notes xmlns:a="http://schemas.openxmlformats.org/drawingml/2006/main" xmlns:r="http://schemas.openxmlformats.org/officeDocument/2006/relationships" xmlns:mc="http://schemas.openxmlformats.org/markup-compatibility/2006" xmlns:mv="urn:schemas-microsoft-com:mac:vml" xmlns:p="http://schemas.openxmlformats.org/presentationml/2006/main" xmlns:c="http://schemas.openxmlformats.org/drawingml/2006/chart" xmlns:dgm="http://schemas.openxmlformats.org/drawingml/2006/diagram" xmlns:o="urn:schemas-microsoft-com:office:office" xmlns:v="urn:schemas-microsoft-com:vml" xmlns:pvml="urn:schemas-microsoft-com:office:powerpoint" xmlns:com="http://schemas.openxmlformats.org/drawingml/2006/compatibility" xmlns:p14="http://schemas.microsoft.com/office/powerpoint/2010/main" xmlns:p15="http://schemas.microsoft.com/office/powerpoint/2012/main" xmlns:ahyp="http://schemas.microsoft.com/office/drawing/2018/hyperlinkcolor" showMasterPhAnim="0" showMasterSp="0">
+  <p:cSld>
+    <p:spTree>
+      <p:nvGrpSpPr>
+        <p:cNvPr id="377" name="Shape 377"/>
+        <p:cNvGrpSpPr/>
+        <p:nvPr/>
+      </p:nvGrpSpPr>
+      <p:grpSpPr>
+        <a:xfrm>
+          <a:off x="0" y="0"/>
+          <a:ext cx="0" cy="0"/>
+          <a:chOff x="0" y="0"/>
+          <a:chExt cx="0" cy="0"/>
+        </a:xfrm>
+      </p:grpSpPr>
+      <p:sp>
+        <p:nvSpPr>
+          <p:cNvPr id="378" name="Google Shape;378;gef07bb8e0c_2_1:notes"/>
+          <p:cNvSpPr/>
+          <p:nvPr>
+            <p:ph idx="2" type="sldImg"/>
+          </p:nvPr>
+        </p:nvSpPr>
+        <p:spPr>
+          <a:xfrm>
+            <a:off x="381300" y="685800"/>
+            <a:ext cx="6096000" cy="3429000"/>
+          </a:xfrm>
+          <a:custGeom>
+            <a:rect b="b" l="l" r="r" t="t"/>
+            <a:pathLst>
+              <a:path extrusionOk="0" h="120000" w="120000">
+                <a:moveTo>
+                  <a:pt x="0" y="0"/>
+                </a:moveTo>
+                <a:lnTo>
+                  <a:pt x="120000" y="0"/>
+                </a:lnTo>
+                <a:lnTo>
+                  <a:pt x="120000" y="120000"/>
+                </a:lnTo>
+                <a:lnTo>
+                  <a:pt x="0" y="120000"/>
+                </a:lnTo>
+                <a:close/>
+              </a:path>
+            </a:pathLst>
+          </a:custGeom>
+        </p:spPr>
+      </p:sp>
+      <p:sp>
+        <p:nvSpPr>
+          <p:cNvPr id="379" name="Google Shape;379;gef07bb8e0c_2_1:notes"/>
+          <p:cNvSpPr txBox="1"/>
+          <p:nvPr>
+            <p:ph idx="1" type="body"/>
+          </p:nvPr>
+        </p:nvSpPr>
+        <p:spPr>
+          <a:xfrm>
+            <a:off x="685800" y="4343400"/>
+            <a:ext cx="5486400" cy="4114800"/>
+          </a:xfrm>
+          <a:prstGeom prst="rect">
+            <a:avLst/>
+          </a:prstGeom>
+        </p:spPr>
+        <p:txBody>
+          <a:bodyPr anchorCtr="0" anchor="t" bIns="91425" lIns="91425" spcFirstLastPara="1" rIns="91425" wrap="square" tIns="91425">
+            <a:noAutofit/>
+          </a:bodyPr>
+          <a:lstStyle/>
+          <a:p>
+            <a:pPr indent="0" lvl="0" marL="0" rtl="0" algn="l">
+              <a:spcBef>
+                <a:spcPts val="0"/>
+              </a:spcBef>
+              <a:spcAft>
+                <a:spcPts val="0"/>
+              </a:spcAft>
+              <a:buNone/>
+            </a:pPr>
+            <a:r>
+              <a:t/>
+            </a:r>
+            <a:endParaRPr/>
+          </a:p>
+        </p:txBody>
+      </p:sp>
+    </p:spTree>
+  </p:cSld>
+  <p:clrMapOvr>
+    <a:masterClrMapping/>
+  </p:clrMapOvr>
+</p:notes>
+</file>
+
+<file path=ppt/notesSlides/notesSlide7.xml><?xml version="1.0" encoding="utf-8"?>
+<p:notes xmlns:a="http://schemas.openxmlformats.org/drawingml/2006/main" xmlns:r="http://schemas.openxmlformats.org/officeDocument/2006/relationships" xmlns:mc="http://schemas.openxmlformats.org/markup-compatibility/2006" xmlns:mv="urn:schemas-microsoft-com:mac:vml" xmlns:p="http://schemas.openxmlformats.org/presentationml/2006/main" xmlns:c="http://schemas.openxmlformats.org/drawingml/2006/chart" xmlns:dgm="http://schemas.openxmlformats.org/drawingml/2006/diagram" xmlns:o="urn:schemas-microsoft-com:office:office" xmlns:v="urn:schemas-microsoft-com:vml" xmlns:pvml="urn:schemas-microsoft-com:office:powerpoint" xmlns:com="http://schemas.openxmlformats.org/drawingml/2006/compatibility" xmlns:p14="http://schemas.microsoft.com/office/powerpoint/2010/main" xmlns:p15="http://schemas.microsoft.com/office/powerpoint/2012/main" xmlns:ahyp="http://schemas.microsoft.com/office/drawing/2018/hyperlinkcolor" showMasterPhAnim="0" showMasterSp="0">
+  <p:cSld>
+    <p:spTree>
+      <p:nvGrpSpPr>
+        <p:cNvPr id="384" name="Shape 384"/>
+        <p:cNvGrpSpPr/>
+        <p:nvPr/>
+      </p:nvGrpSpPr>
+      <p:grpSpPr>
+        <a:xfrm>
+          <a:off x="0" y="0"/>
+          <a:ext cx="0" cy="0"/>
+          <a:chOff x="0" y="0"/>
+          <a:chExt cx="0" cy="0"/>
+        </a:xfrm>
+      </p:grpSpPr>
+      <p:sp>
+        <p:nvSpPr>
+          <p:cNvPr id="385" name="Google Shape;385;gebd9ca7e52_0_2:notes"/>
+          <p:cNvSpPr/>
+          <p:nvPr>
+            <p:ph idx="2" type="sldImg"/>
+          </p:nvPr>
+        </p:nvSpPr>
+        <p:spPr>
+          <a:xfrm>
+            <a:off x="381300" y="685800"/>
+            <a:ext cx="6096000" cy="3429000"/>
+          </a:xfrm>
+          <a:custGeom>
+            <a:rect b="b" l="l" r="r" t="t"/>
+            <a:pathLst>
+              <a:path extrusionOk="0" h="120000" w="120000">
+                <a:moveTo>
+                  <a:pt x="0" y="0"/>
+                </a:moveTo>
+                <a:lnTo>
+                  <a:pt x="120000" y="0"/>
+                </a:lnTo>
+                <a:lnTo>
+                  <a:pt x="120000" y="120000"/>
+                </a:lnTo>
+                <a:lnTo>
+                  <a:pt x="0" y="120000"/>
+                </a:lnTo>
+                <a:close/>
+              </a:path>
+            </a:pathLst>
+          </a:custGeom>
+        </p:spPr>
+      </p:sp>
+      <p:sp>
+        <p:nvSpPr>
+          <p:cNvPr id="386" name="Google Shape;386;gebd9ca7e52_0_2:notes"/>
           <p:cNvSpPr txBox="1"/>
           <p:nvPr>
             <p:ph idx="1" type="body"/>
@@ -2906,7 +3106,7 @@
       </p:grpSpPr>
       <p:sp>
         <p:nvSpPr>
-          <p:cNvPr id="393" name="Google Shape;393;gef0cfdc965_0_4:notes"/>
+          <p:cNvPr id="393" name="Google Shape;393;g8661939ed5_0_16008:notes"/>
           <p:cNvSpPr/>
           <p:nvPr>
             <p:ph idx="2" type="sldImg"/>
@@ -2941,7 +3141,7 @@
       </p:sp>
       <p:sp>
         <p:nvSpPr>
-          <p:cNvPr id="394" name="Google Shape;394;gef0cfdc965_0_4:notes"/>
+          <p:cNvPr id="394" name="Google Shape;394;g8661939ed5_0_16008:notes"/>
           <p:cNvSpPr txBox="1"/>
           <p:nvPr>
             <p:ph idx="1" type="body"/>
@@ -2991,7 +3191,7 @@
   <p:cSld>
     <p:spTree>
       <p:nvGrpSpPr>
-        <p:cNvPr id="398" name="Shape 398"/>
+        <p:cNvPr id="399" name="Shape 399"/>
         <p:cNvGrpSpPr/>
         <p:nvPr/>
       </p:nvGrpSpPr>
@@ -3005,7 +3205,7 @@
       </p:grpSpPr>
       <p:sp>
         <p:nvSpPr>
-          <p:cNvPr id="399" name="Google Shape;399;gef07bb8e0c_2_7:notes"/>
+          <p:cNvPr id="400" name="Google Shape;400;gef0cfdc965_0_4:notes"/>
           <p:cNvSpPr/>
           <p:nvPr>
             <p:ph idx="2" type="sldImg"/>
@@ -3040,7 +3240,7 @@
       </p:sp>
       <p:sp>
         <p:nvSpPr>
-          <p:cNvPr id="400" name="Google Shape;400;gef07bb8e0c_2_7:notes"/>
+          <p:cNvPr id="401" name="Google Shape;401;gef0cfdc965_0_4:notes"/>
           <p:cNvSpPr txBox="1"/>
           <p:nvPr>
             <p:ph idx="1" type="body"/>
@@ -46352,6 +46552,209 @@
       <p:sp>
         <p:nvSpPr>
           <p:cNvPr id="409" name="Google Shape;409;p40"/>
+          <p:cNvSpPr/>
+          <p:nvPr/>
+        </p:nvSpPr>
+        <p:spPr>
+          <a:xfrm>
+            <a:off x="1321225" y="2269200"/>
+            <a:ext cx="1703548" cy="997717"/>
+          </a:xfrm>
+          <a:custGeom>
+            <a:rect b="b" l="l" r="r" t="t"/>
+            <a:pathLst>
+              <a:path extrusionOk="0" h="15735" w="29046">
+                <a:moveTo>
+                  <a:pt x="1" y="0"/>
+                </a:moveTo>
+                <a:lnTo>
+                  <a:pt x="4600" y="7867"/>
+                </a:lnTo>
+                <a:lnTo>
+                  <a:pt x="1" y="15735"/>
+                </a:lnTo>
+                <a:lnTo>
+                  <a:pt x="29045" y="15735"/>
+                </a:lnTo>
+                <a:lnTo>
+                  <a:pt x="24444" y="7867"/>
+                </a:lnTo>
+                <a:lnTo>
+                  <a:pt x="29045" y="0"/>
+                </a:lnTo>
+                <a:close/>
+              </a:path>
+            </a:pathLst>
+          </a:custGeom>
+          <a:solidFill>
+            <a:schemeClr val="lt1"/>
+          </a:solidFill>
+          <a:ln>
+            <a:noFill/>
+          </a:ln>
+        </p:spPr>
+        <p:txBody>
+          <a:bodyPr anchorCtr="0" anchor="ctr" bIns="91425" lIns="91425" spcFirstLastPara="1" rIns="91425" wrap="square" tIns="91425">
+            <a:noAutofit/>
+          </a:bodyPr>
+          <a:lstStyle/>
+          <a:p>
+            <a:pPr indent="0" lvl="0" marL="0" rtl="0" algn="ctr">
+              <a:spcBef>
+                <a:spcPts val="0"/>
+              </a:spcBef>
+              <a:spcAft>
+                <a:spcPts val="0"/>
+              </a:spcAft>
+              <a:buNone/>
+            </a:pPr>
+            <a:r>
+              <a:t/>
+            </a:r>
+            <a:endParaRPr/>
+          </a:p>
+        </p:txBody>
+      </p:sp>
+      <p:sp>
+        <p:nvSpPr>
+          <p:cNvPr id="410" name="Google Shape;410;p40"/>
+          <p:cNvSpPr txBox="1"/>
+          <p:nvPr>
+            <p:ph type="ctrTitle"/>
+          </p:nvPr>
+        </p:nvSpPr>
+        <p:spPr>
+          <a:xfrm>
+            <a:off x="3092250" y="1813127"/>
+            <a:ext cx="5137200" cy="1901700"/>
+          </a:xfrm>
+          <a:prstGeom prst="rect">
+            <a:avLst/>
+          </a:prstGeom>
+        </p:spPr>
+        <p:txBody>
+          <a:bodyPr anchorCtr="0" anchor="b" bIns="91425" lIns="91425" spcFirstLastPara="1" rIns="91425" wrap="square" tIns="91425">
+            <a:noAutofit/>
+          </a:bodyPr>
+          <a:lstStyle/>
+          <a:p>
+            <a:pPr indent="0" lvl="0" marL="0" rtl="0" algn="ctr">
+              <a:spcBef>
+                <a:spcPts val="0"/>
+              </a:spcBef>
+              <a:spcAft>
+                <a:spcPts val="0"/>
+              </a:spcAft>
+              <a:buNone/>
+            </a:pPr>
+            <a:r>
+              <a:rPr lang="en" sz="3900"/>
+              <a:t>CLEANING </a:t>
+            </a:r>
+            <a:endParaRPr sz="3900"/>
+          </a:p>
+          <a:p>
+            <a:pPr indent="0" lvl="0" marL="0" rtl="0" algn="ctr">
+              <a:spcBef>
+                <a:spcPts val="0"/>
+              </a:spcBef>
+              <a:spcAft>
+                <a:spcPts val="0"/>
+              </a:spcAft>
+              <a:buNone/>
+            </a:pPr>
+            <a:r>
+              <a:rPr lang="en" sz="3900"/>
+              <a:t>AND</a:t>
+            </a:r>
+            <a:endParaRPr sz="3900"/>
+          </a:p>
+          <a:p>
+            <a:pPr indent="0" lvl="0" marL="0" rtl="0" algn="ctr">
+              <a:spcBef>
+                <a:spcPts val="0"/>
+              </a:spcBef>
+              <a:spcAft>
+                <a:spcPts val="0"/>
+              </a:spcAft>
+              <a:buNone/>
+            </a:pPr>
+            <a:r>
+              <a:rPr lang="en" sz="3900"/>
+              <a:t>PROCESSING</a:t>
+            </a:r>
+            <a:endParaRPr sz="3900"/>
+          </a:p>
+        </p:txBody>
+      </p:sp>
+      <p:sp>
+        <p:nvSpPr>
+          <p:cNvPr id="411" name="Google Shape;411;p40"/>
+          <p:cNvSpPr txBox="1"/>
+          <p:nvPr>
+            <p:ph idx="2" type="title"/>
+          </p:nvPr>
+        </p:nvSpPr>
+        <p:spPr>
+          <a:xfrm>
+            <a:off x="1241538" y="2091225"/>
+            <a:ext cx="1850700" cy="1345500"/>
+          </a:xfrm>
+          <a:prstGeom prst="rect">
+            <a:avLst/>
+          </a:prstGeom>
+        </p:spPr>
+        <p:txBody>
+          <a:bodyPr anchorCtr="0" anchor="ctr" bIns="91425" lIns="91425" spcFirstLastPara="1" rIns="91425" wrap="square" tIns="91425">
+            <a:noAutofit/>
+          </a:bodyPr>
+          <a:lstStyle/>
+          <a:p>
+            <a:pPr indent="0" lvl="0" marL="0" rtl="0" algn="ctr">
+              <a:spcBef>
+                <a:spcPts val="0"/>
+              </a:spcBef>
+              <a:spcAft>
+                <a:spcPts val="0"/>
+              </a:spcAft>
+              <a:buNone/>
+            </a:pPr>
+            <a:r>
+              <a:rPr lang="en"/>
+              <a:t>03</a:t>
+            </a:r>
+            <a:endParaRPr/>
+          </a:p>
+        </p:txBody>
+      </p:sp>
+    </p:spTree>
+  </p:cSld>
+  <p:clrMapOvr>
+    <a:masterClrMapping/>
+  </p:clrMapOvr>
+</p:sld>
+</file>
+
+<file path=ppt/slides/slide11.xml><?xml version="1.0" encoding="utf-8"?>
+<p:sld xmlns:a="http://schemas.openxmlformats.org/drawingml/2006/main" xmlns:r="http://schemas.openxmlformats.org/officeDocument/2006/relationships" xmlns:mc="http://schemas.openxmlformats.org/markup-compatibility/2006" xmlns:mv="urn:schemas-microsoft-com:mac:vml" xmlns:p="http://schemas.openxmlformats.org/presentationml/2006/main" xmlns:c="http://schemas.openxmlformats.org/drawingml/2006/chart" xmlns:dgm="http://schemas.openxmlformats.org/drawingml/2006/diagram" xmlns:o="urn:schemas-microsoft-com:office:office" xmlns:v="urn:schemas-microsoft-com:vml" xmlns:pvml="urn:schemas-microsoft-com:office:powerpoint" xmlns:com="http://schemas.openxmlformats.org/drawingml/2006/compatibility" xmlns:p14="http://schemas.microsoft.com/office/powerpoint/2010/main" xmlns:p15="http://schemas.microsoft.com/office/powerpoint/2012/main" xmlns:ahyp="http://schemas.microsoft.com/office/drawing/2018/hyperlinkcolor">
+  <p:cSld>
+    <p:spTree>
+      <p:nvGrpSpPr>
+        <p:cNvPr id="415" name="Shape 415"/>
+        <p:cNvGrpSpPr/>
+        <p:nvPr/>
+      </p:nvGrpSpPr>
+      <p:grpSpPr>
+        <a:xfrm>
+          <a:off x="0" y="0"/>
+          <a:ext cx="0" cy="0"/>
+          <a:chOff x="0" y="0"/>
+          <a:chExt cx="0" cy="0"/>
+        </a:xfrm>
+      </p:grpSpPr>
+      <p:sp>
+        <p:nvSpPr>
+          <p:cNvPr id="416" name="Google Shape;416;p41"/>
           <p:cNvSpPr txBox="1"/>
           <p:nvPr>
             <p:ph type="title"/>
@@ -46391,7 +46794,7 @@
       </p:sp>
       <p:pic>
         <p:nvPicPr>
-          <p:cNvPr id="410" name="Google Shape;410;p40"/>
+          <p:cNvPr id="417" name="Google Shape;417;p41"/>
           <p:cNvPicPr preferRelativeResize="0"/>
           <p:nvPr/>
         </p:nvPicPr>
@@ -46405,8 +46808,8 @@
         </p:blipFill>
         <p:spPr>
           <a:xfrm>
-            <a:off x="152400" y="1160175"/>
-            <a:ext cx="8839201" cy="3174255"/>
+            <a:off x="-94000" y="1107381"/>
+            <a:ext cx="9143999" cy="3793787"/>
           </a:xfrm>
           <a:prstGeom prst="rect">
             <a:avLst/>
@@ -46419,13 +46822,60 @@
       </p:pic>
       <p:sp>
         <p:nvSpPr>
-          <p:cNvPr id="411" name="Google Shape;411;p40"/>
+          <p:cNvPr id="418" name="Google Shape;418;p41"/>
           <p:cNvSpPr/>
           <p:nvPr/>
         </p:nvSpPr>
         <p:spPr>
           <a:xfrm>
-            <a:off x="1391650" y="1231800"/>
+            <a:off x="930175" y="1664325"/>
+            <a:ext cx="367500" cy="2313300"/>
+          </a:xfrm>
+          <a:prstGeom prst="rect">
+            <a:avLst/>
+          </a:prstGeom>
+          <a:noFill/>
+          <a:ln cap="flat" cmpd="sng" w="28575">
+            <a:solidFill>
+              <a:schemeClr val="dk2"/>
+            </a:solidFill>
+            <a:prstDash val="solid"/>
+            <a:round/>
+            <a:headEnd len="sm" w="sm" type="none"/>
+            <a:tailEnd len="sm" w="sm" type="none"/>
+          </a:ln>
+        </p:spPr>
+        <p:txBody>
+          <a:bodyPr anchorCtr="0" anchor="ctr" bIns="91425" lIns="91425" spcFirstLastPara="1" rIns="91425" wrap="square" tIns="91425">
+            <a:noAutofit/>
+          </a:bodyPr>
+          <a:lstStyle/>
+          <a:p>
+            <a:pPr indent="0" lvl="0" marL="0" rtl="0" algn="l">
+              <a:spcBef>
+                <a:spcPts val="0"/>
+              </a:spcBef>
+              <a:spcAft>
+                <a:spcPts val="0"/>
+              </a:spcAft>
+              <a:buNone/>
+            </a:pPr>
+            <a:r>
+              <a:t/>
+            </a:r>
+            <a:endParaRPr/>
+          </a:p>
+        </p:txBody>
+      </p:sp>
+      <p:sp>
+        <p:nvSpPr>
+          <p:cNvPr id="419" name="Google Shape;419;p41"/>
+          <p:cNvSpPr/>
+          <p:nvPr/>
+        </p:nvSpPr>
+        <p:spPr>
+          <a:xfrm>
+            <a:off x="2070600" y="1664325"/>
             <a:ext cx="451500" cy="2313300"/>
           </a:xfrm>
           <a:prstGeom prst="rect">
@@ -46466,107 +46916,13 @@
       </p:sp>
       <p:sp>
         <p:nvSpPr>
-          <p:cNvPr id="412" name="Google Shape;412;p40"/>
+          <p:cNvPr id="420" name="Google Shape;420;p41"/>
           <p:cNvSpPr/>
           <p:nvPr/>
         </p:nvSpPr>
         <p:spPr>
           <a:xfrm>
-            <a:off x="2540775" y="1231800"/>
-            <a:ext cx="451500" cy="2313300"/>
-          </a:xfrm>
-          <a:prstGeom prst="rect">
-            <a:avLst/>
-          </a:prstGeom>
-          <a:noFill/>
-          <a:ln cap="flat" cmpd="sng" w="28575">
-            <a:solidFill>
-              <a:schemeClr val="dk2"/>
-            </a:solidFill>
-            <a:prstDash val="solid"/>
-            <a:round/>
-            <a:headEnd len="sm" w="sm" type="none"/>
-            <a:tailEnd len="sm" w="sm" type="none"/>
-          </a:ln>
-        </p:spPr>
-        <p:txBody>
-          <a:bodyPr anchorCtr="0" anchor="ctr" bIns="91425" lIns="91425" spcFirstLastPara="1" rIns="91425" wrap="square" tIns="91425">
-            <a:noAutofit/>
-          </a:bodyPr>
-          <a:lstStyle/>
-          <a:p>
-            <a:pPr indent="0" lvl="0" marL="0" rtl="0" algn="l">
-              <a:spcBef>
-                <a:spcPts val="0"/>
-              </a:spcBef>
-              <a:spcAft>
-                <a:spcPts val="0"/>
-              </a:spcAft>
-              <a:buNone/>
-            </a:pPr>
-            <a:r>
-              <a:t/>
-            </a:r>
-            <a:endParaRPr/>
-          </a:p>
-        </p:txBody>
-      </p:sp>
-      <p:sp>
-        <p:nvSpPr>
-          <p:cNvPr id="413" name="Google Shape;413;p40"/>
-          <p:cNvSpPr/>
-          <p:nvPr/>
-        </p:nvSpPr>
-        <p:spPr>
-          <a:xfrm>
-            <a:off x="3689900" y="1231800"/>
-            <a:ext cx="451500" cy="2313300"/>
-          </a:xfrm>
-          <a:prstGeom prst="rect">
-            <a:avLst/>
-          </a:prstGeom>
-          <a:noFill/>
-          <a:ln cap="flat" cmpd="sng" w="28575">
-            <a:solidFill>
-              <a:schemeClr val="dk2"/>
-            </a:solidFill>
-            <a:prstDash val="solid"/>
-            <a:round/>
-            <a:headEnd len="sm" w="sm" type="none"/>
-            <a:tailEnd len="sm" w="sm" type="none"/>
-          </a:ln>
-        </p:spPr>
-        <p:txBody>
-          <a:bodyPr anchorCtr="0" anchor="ctr" bIns="91425" lIns="91425" spcFirstLastPara="1" rIns="91425" wrap="square" tIns="91425">
-            <a:noAutofit/>
-          </a:bodyPr>
-          <a:lstStyle/>
-          <a:p>
-            <a:pPr indent="0" lvl="0" marL="0" rtl="0" algn="l">
-              <a:spcBef>
-                <a:spcPts val="0"/>
-              </a:spcBef>
-              <a:spcAft>
-                <a:spcPts val="0"/>
-              </a:spcAft>
-              <a:buNone/>
-            </a:pPr>
-            <a:r>
-              <a:t/>
-            </a:r>
-            <a:endParaRPr/>
-          </a:p>
-        </p:txBody>
-      </p:sp>
-      <p:sp>
-        <p:nvSpPr>
-          <p:cNvPr id="414" name="Google Shape;414;p40"/>
-          <p:cNvSpPr/>
-          <p:nvPr/>
-        </p:nvSpPr>
-        <p:spPr>
-          <a:xfrm>
-            <a:off x="4961275" y="1231800"/>
+            <a:off x="3295025" y="1664325"/>
             <a:ext cx="414600" cy="2313300"/>
           </a:xfrm>
           <a:prstGeom prst="rect">
@@ -46607,13 +46963,107 @@
       </p:sp>
       <p:sp>
         <p:nvSpPr>
-          <p:cNvPr id="415" name="Google Shape;415;p40"/>
+          <p:cNvPr id="421" name="Google Shape;421;p41"/>
           <p:cNvSpPr/>
           <p:nvPr/>
         </p:nvSpPr>
         <p:spPr>
           <a:xfrm>
-            <a:off x="7727750" y="1231800"/>
+            <a:off x="4435450" y="1664325"/>
+            <a:ext cx="414600" cy="2313300"/>
+          </a:xfrm>
+          <a:prstGeom prst="rect">
+            <a:avLst/>
+          </a:prstGeom>
+          <a:noFill/>
+          <a:ln cap="flat" cmpd="sng" w="28575">
+            <a:solidFill>
+              <a:schemeClr val="dk2"/>
+            </a:solidFill>
+            <a:prstDash val="solid"/>
+            <a:round/>
+            <a:headEnd len="sm" w="sm" type="none"/>
+            <a:tailEnd len="sm" w="sm" type="none"/>
+          </a:ln>
+        </p:spPr>
+        <p:txBody>
+          <a:bodyPr anchorCtr="0" anchor="ctr" bIns="91425" lIns="91425" spcFirstLastPara="1" rIns="91425" wrap="square" tIns="91425">
+            <a:noAutofit/>
+          </a:bodyPr>
+          <a:lstStyle/>
+          <a:p>
+            <a:pPr indent="0" lvl="0" marL="0" rtl="0" algn="l">
+              <a:spcBef>
+                <a:spcPts val="0"/>
+              </a:spcBef>
+              <a:spcAft>
+                <a:spcPts val="0"/>
+              </a:spcAft>
+              <a:buNone/>
+            </a:pPr>
+            <a:r>
+              <a:t/>
+            </a:r>
+            <a:endParaRPr/>
+          </a:p>
+        </p:txBody>
+      </p:sp>
+      <p:sp>
+        <p:nvSpPr>
+          <p:cNvPr id="422" name="Google Shape;422;p41"/>
+          <p:cNvSpPr/>
+          <p:nvPr/>
+        </p:nvSpPr>
+        <p:spPr>
+          <a:xfrm>
+            <a:off x="5753100" y="1607925"/>
+            <a:ext cx="367500" cy="2313300"/>
+          </a:xfrm>
+          <a:prstGeom prst="rect">
+            <a:avLst/>
+          </a:prstGeom>
+          <a:noFill/>
+          <a:ln cap="flat" cmpd="sng" w="28575">
+            <a:solidFill>
+              <a:schemeClr val="dk2"/>
+            </a:solidFill>
+            <a:prstDash val="solid"/>
+            <a:round/>
+            <a:headEnd len="sm" w="sm" type="none"/>
+            <a:tailEnd len="sm" w="sm" type="none"/>
+          </a:ln>
+        </p:spPr>
+        <p:txBody>
+          <a:bodyPr anchorCtr="0" anchor="ctr" bIns="91425" lIns="91425" spcFirstLastPara="1" rIns="91425" wrap="square" tIns="91425">
+            <a:noAutofit/>
+          </a:bodyPr>
+          <a:lstStyle/>
+          <a:p>
+            <a:pPr indent="0" lvl="0" marL="0" rtl="0" algn="l">
+              <a:spcBef>
+                <a:spcPts val="0"/>
+              </a:spcBef>
+              <a:spcAft>
+                <a:spcPts val="0"/>
+              </a:spcAft>
+              <a:buNone/>
+            </a:pPr>
+            <a:r>
+              <a:t/>
+            </a:r>
+            <a:endParaRPr/>
+          </a:p>
+        </p:txBody>
+      </p:sp>
+      <p:sp>
+        <p:nvSpPr>
+          <p:cNvPr id="423" name="Google Shape;423;p41"/>
+          <p:cNvSpPr/>
+          <p:nvPr/>
+        </p:nvSpPr>
+        <p:spPr>
+          <a:xfrm>
+            <a:off x="8585350" y="1607925"/>
             <a:ext cx="321300" cy="2313300"/>
           </a:xfrm>
           <a:prstGeom prst="rect">
@@ -46654,60 +47104,13 @@
       </p:sp>
       <p:sp>
         <p:nvSpPr>
-          <p:cNvPr id="416" name="Google Shape;416;p40"/>
+          <p:cNvPr id="424" name="Google Shape;424;p41"/>
           <p:cNvSpPr/>
           <p:nvPr/>
         </p:nvSpPr>
         <p:spPr>
           <a:xfrm>
-            <a:off x="8528925" y="1231800"/>
-            <a:ext cx="321300" cy="2313300"/>
-          </a:xfrm>
-          <a:prstGeom prst="rect">
-            <a:avLst/>
-          </a:prstGeom>
-          <a:noFill/>
-          <a:ln cap="flat" cmpd="sng" w="28575">
-            <a:solidFill>
-              <a:schemeClr val="dk2"/>
-            </a:solidFill>
-            <a:prstDash val="solid"/>
-            <a:round/>
-            <a:headEnd len="sm" w="sm" type="none"/>
-            <a:tailEnd len="sm" w="sm" type="none"/>
-          </a:ln>
-        </p:spPr>
-        <p:txBody>
-          <a:bodyPr anchorCtr="0" anchor="ctr" bIns="91425" lIns="91425" spcFirstLastPara="1" rIns="91425" wrap="square" tIns="91425">
-            <a:noAutofit/>
-          </a:bodyPr>
-          <a:lstStyle/>
-          <a:p>
-            <a:pPr indent="0" lvl="0" marL="0" rtl="0" algn="l">
-              <a:spcBef>
-                <a:spcPts val="0"/>
-              </a:spcBef>
-              <a:spcAft>
-                <a:spcPts val="0"/>
-              </a:spcAft>
-              <a:buNone/>
-            </a:pPr>
-            <a:r>
-              <a:t/>
-            </a:r>
-            <a:endParaRPr/>
-          </a:p>
-        </p:txBody>
-      </p:sp>
-      <p:sp>
-        <p:nvSpPr>
-          <p:cNvPr id="417" name="Google Shape;417;p40"/>
-          <p:cNvSpPr/>
-          <p:nvPr/>
-        </p:nvSpPr>
-        <p:spPr>
-          <a:xfrm>
-            <a:off x="998700" y="3856225"/>
+            <a:off x="763625" y="4364000"/>
             <a:ext cx="1032300" cy="478200"/>
           </a:xfrm>
           <a:prstGeom prst="rect">
@@ -46754,12 +47157,12 @@
 </p:sld>
 </file>
 
-<file path=ppt/slides/slide11.xml><?xml version="1.0" encoding="utf-8"?>
+<file path=ppt/slides/slide12.xml><?xml version="1.0" encoding="utf-8"?>
 <p:sld xmlns:a="http://schemas.openxmlformats.org/drawingml/2006/main" xmlns:r="http://schemas.openxmlformats.org/officeDocument/2006/relationships" xmlns:mc="http://schemas.openxmlformats.org/markup-compatibility/2006" xmlns:mv="urn:schemas-microsoft-com:mac:vml" xmlns:p="http://schemas.openxmlformats.org/presentationml/2006/main" xmlns:c="http://schemas.openxmlformats.org/drawingml/2006/chart" xmlns:dgm="http://schemas.openxmlformats.org/drawingml/2006/diagram" xmlns:o="urn:schemas-microsoft-com:office:office" xmlns:v="urn:schemas-microsoft-com:vml" xmlns:pvml="urn:schemas-microsoft-com:office:powerpoint" xmlns:com="http://schemas.openxmlformats.org/drawingml/2006/compatibility" xmlns:p14="http://schemas.microsoft.com/office/powerpoint/2010/main" xmlns:p15="http://schemas.microsoft.com/office/powerpoint/2012/main" xmlns:ahyp="http://schemas.microsoft.com/office/drawing/2018/hyperlinkcolor">
   <p:cSld>
     <p:spTree>
       <p:nvGrpSpPr>
-        <p:cNvPr id="421" name="Shape 421"/>
+        <p:cNvPr id="428" name="Shape 428"/>
         <p:cNvGrpSpPr/>
         <p:nvPr/>
       </p:nvGrpSpPr>
@@ -46771,9 +47174,37 @@
           <a:chExt cx="0" cy="0"/>
         </a:xfrm>
       </p:grpSpPr>
+      <p:pic>
+        <p:nvPicPr>
+          <p:cNvPr id="429" name="Google Shape;429;p42"/>
+          <p:cNvPicPr preferRelativeResize="0"/>
+          <p:nvPr/>
+        </p:nvPicPr>
+        <p:blipFill>
+          <a:blip r:embed="rId3">
+            <a:alphaModFix/>
+          </a:blip>
+          <a:stretch>
+            <a:fillRect/>
+          </a:stretch>
+        </p:blipFill>
+        <p:spPr>
+          <a:xfrm>
+            <a:off x="0" y="1138301"/>
+            <a:ext cx="9143999" cy="3431097"/>
+          </a:xfrm>
+          <a:prstGeom prst="rect">
+            <a:avLst/>
+          </a:prstGeom>
+          <a:noFill/>
+          <a:ln>
+            <a:noFill/>
+          </a:ln>
+        </p:spPr>
+      </p:pic>
       <p:sp>
         <p:nvSpPr>
-          <p:cNvPr id="422" name="Google Shape;422;p41"/>
+          <p:cNvPr id="430" name="Google Shape;430;p42"/>
           <p:cNvSpPr txBox="1"/>
           <p:nvPr>
             <p:ph type="title"/>
@@ -46811,44 +47242,16 @@
           </a:p>
         </p:txBody>
       </p:sp>
-      <p:pic>
-        <p:nvPicPr>
-          <p:cNvPr id="423" name="Google Shape;423;p41"/>
-          <p:cNvPicPr preferRelativeResize="0"/>
-          <p:nvPr/>
-        </p:nvPicPr>
-        <p:blipFill>
-          <a:blip r:embed="rId3">
-            <a:alphaModFix/>
-          </a:blip>
-          <a:stretch>
-            <a:fillRect/>
-          </a:stretch>
-        </p:blipFill>
-        <p:spPr>
-          <a:xfrm>
-            <a:off x="269598" y="1160175"/>
-            <a:ext cx="8722002" cy="3209275"/>
-          </a:xfrm>
-          <a:prstGeom prst="rect">
-            <a:avLst/>
-          </a:prstGeom>
-          <a:noFill/>
-          <a:ln>
-            <a:noFill/>
-          </a:ln>
-        </p:spPr>
-      </p:pic>
       <p:sp>
         <p:nvSpPr>
-          <p:cNvPr id="424" name="Google Shape;424;p41"/>
+          <p:cNvPr id="431" name="Google Shape;431;p42"/>
           <p:cNvSpPr/>
           <p:nvPr/>
         </p:nvSpPr>
         <p:spPr>
           <a:xfrm>
-            <a:off x="4306625" y="1241200"/>
-            <a:ext cx="733500" cy="2313300"/>
+            <a:off x="4127950" y="1203575"/>
+            <a:ext cx="752400" cy="2390400"/>
           </a:xfrm>
           <a:prstGeom prst="rect">
             <a:avLst/>
@@ -46888,13 +47291,13 @@
       </p:sp>
       <p:sp>
         <p:nvSpPr>
-          <p:cNvPr id="425" name="Google Shape;425;p41"/>
+          <p:cNvPr id="432" name="Google Shape;432;p42"/>
           <p:cNvSpPr/>
           <p:nvPr/>
         </p:nvSpPr>
         <p:spPr>
           <a:xfrm>
-            <a:off x="904650" y="3891250"/>
+            <a:off x="603750" y="3994675"/>
             <a:ext cx="985500" cy="478200"/>
           </a:xfrm>
           <a:prstGeom prst="rect">
@@ -46935,158 +47338,14 @@
       </p:sp>
       <p:sp>
         <p:nvSpPr>
-          <p:cNvPr id="426" name="Google Shape;426;p41"/>
-          <p:cNvSpPr/>
-          <p:nvPr/>
-        </p:nvSpPr>
-        <p:spPr>
-          <a:xfrm>
-            <a:off x="8519225" y="1280750"/>
-            <a:ext cx="378000" cy="2313300"/>
-          </a:xfrm>
-          <a:prstGeom prst="rect">
-            <a:avLst/>
-          </a:prstGeom>
-          <a:noFill/>
-          <a:ln cap="flat" cmpd="sng" w="28575">
-            <a:solidFill>
-              <a:schemeClr val="dk2"/>
-            </a:solidFill>
-            <a:prstDash val="solid"/>
-            <a:round/>
-            <a:headEnd len="sm" w="sm" type="none"/>
-            <a:tailEnd len="sm" w="sm" type="none"/>
-          </a:ln>
-        </p:spPr>
-        <p:txBody>
-          <a:bodyPr anchorCtr="0" anchor="ctr" bIns="91425" lIns="91425" spcFirstLastPara="1" rIns="91425" wrap="square" tIns="91425">
-            <a:noAutofit/>
-          </a:bodyPr>
-          <a:lstStyle/>
-          <a:p>
-            <a:pPr indent="0" lvl="0" marL="0" rtl="0" algn="l">
-              <a:spcBef>
-                <a:spcPts val="0"/>
-              </a:spcBef>
-              <a:spcAft>
-                <a:spcPts val="0"/>
-              </a:spcAft>
-              <a:buNone/>
-            </a:pPr>
-            <a:r>
-              <a:t/>
-            </a:r>
-            <a:endParaRPr/>
-          </a:p>
-        </p:txBody>
-      </p:sp>
-    </p:spTree>
-  </p:cSld>
-  <p:clrMapOvr>
-    <a:masterClrMapping/>
-  </p:clrMapOvr>
-</p:sld>
-</file>
-
-<file path=ppt/slides/slide12.xml><?xml version="1.0" encoding="utf-8"?>
-<p:sld xmlns:a="http://schemas.openxmlformats.org/drawingml/2006/main" xmlns:r="http://schemas.openxmlformats.org/officeDocument/2006/relationships" xmlns:mc="http://schemas.openxmlformats.org/markup-compatibility/2006" xmlns:mv="urn:schemas-microsoft-com:mac:vml" xmlns:p="http://schemas.openxmlformats.org/presentationml/2006/main" xmlns:c="http://schemas.openxmlformats.org/drawingml/2006/chart" xmlns:dgm="http://schemas.openxmlformats.org/drawingml/2006/diagram" xmlns:o="urn:schemas-microsoft-com:office:office" xmlns:v="urn:schemas-microsoft-com:vml" xmlns:pvml="urn:schemas-microsoft-com:office:powerpoint" xmlns:com="http://schemas.openxmlformats.org/drawingml/2006/compatibility" xmlns:p14="http://schemas.microsoft.com/office/powerpoint/2010/main" xmlns:p15="http://schemas.microsoft.com/office/powerpoint/2012/main" xmlns:ahyp="http://schemas.microsoft.com/office/drawing/2018/hyperlinkcolor">
-  <p:cSld>
-    <p:spTree>
-      <p:nvGrpSpPr>
-        <p:cNvPr id="430" name="Shape 430"/>
-        <p:cNvGrpSpPr/>
-        <p:nvPr/>
-      </p:nvGrpSpPr>
-      <p:grpSpPr>
-        <a:xfrm>
-          <a:off x="0" y="0"/>
-          <a:ext cx="0" cy="0"/>
-          <a:chOff x="0" y="0"/>
-          <a:chExt cx="0" cy="0"/>
-        </a:xfrm>
-      </p:grpSpPr>
-      <p:sp>
-        <p:nvSpPr>
-          <p:cNvPr id="431" name="Google Shape;431;p42"/>
-          <p:cNvSpPr txBox="1"/>
-          <p:nvPr>
-            <p:ph type="title"/>
-          </p:nvPr>
-        </p:nvSpPr>
-        <p:spPr>
-          <a:xfrm>
-            <a:off x="713250" y="529575"/>
-            <a:ext cx="7717500" cy="478200"/>
-          </a:xfrm>
-          <a:prstGeom prst="rect">
-            <a:avLst/>
-          </a:prstGeom>
-        </p:spPr>
-        <p:txBody>
-          <a:bodyPr anchorCtr="0" anchor="ctr" bIns="91425" lIns="91425" spcFirstLastPara="1" rIns="91425" wrap="square" tIns="91425">
-            <a:noAutofit/>
-          </a:bodyPr>
-          <a:lstStyle/>
-          <a:p>
-            <a:pPr indent="0" lvl="0" marL="0" rtl="0" algn="ctr">
-              <a:spcBef>
-                <a:spcPts val="0"/>
-              </a:spcBef>
-              <a:spcAft>
-                <a:spcPts val="0"/>
-              </a:spcAft>
-              <a:buNone/>
-            </a:pPr>
-            <a:r>
-              <a:rPr lang="en" sz="3200"/>
-              <a:t>PROCESSING</a:t>
-            </a:r>
-            <a:r>
-              <a:rPr lang="en" sz="3200"/>
-              <a:t> DATA</a:t>
-            </a:r>
-            <a:endParaRPr sz="3200"/>
-          </a:p>
-        </p:txBody>
-      </p:sp>
-      <p:pic>
-        <p:nvPicPr>
-          <p:cNvPr id="432" name="Google Shape;432;p42"/>
-          <p:cNvPicPr preferRelativeResize="0"/>
-          <p:nvPr/>
-        </p:nvPicPr>
-        <p:blipFill>
-          <a:blip r:embed="rId3">
-            <a:alphaModFix/>
-          </a:blip>
-          <a:stretch>
-            <a:fillRect/>
-          </a:stretch>
-        </p:blipFill>
-        <p:spPr>
-          <a:xfrm>
-            <a:off x="152400" y="1602125"/>
-            <a:ext cx="8839201" cy="2784954"/>
-          </a:xfrm>
-          <a:prstGeom prst="rect">
-            <a:avLst/>
-          </a:prstGeom>
-          <a:noFill/>
-          <a:ln>
-            <a:noFill/>
-          </a:ln>
-        </p:spPr>
-      </p:pic>
-      <p:sp>
-        <p:nvSpPr>
           <p:cNvPr id="433" name="Google Shape;433;p42"/>
           <p:cNvSpPr/>
           <p:nvPr/>
         </p:nvSpPr>
         <p:spPr>
           <a:xfrm>
-            <a:off x="820025" y="1602125"/>
-            <a:ext cx="8171700" cy="372600"/>
+            <a:off x="8632100" y="1203575"/>
+            <a:ext cx="378000" cy="2454300"/>
           </a:xfrm>
           <a:prstGeom prst="rect">
             <a:avLst/>
@@ -47183,6 +47442,150 @@
             </a:pPr>
             <a:r>
               <a:rPr lang="en" sz="3200"/>
+              <a:t>PROCESSING</a:t>
+            </a:r>
+            <a:r>
+              <a:rPr lang="en" sz="3200"/>
+              <a:t> DATA</a:t>
+            </a:r>
+            <a:endParaRPr sz="3200"/>
+          </a:p>
+        </p:txBody>
+      </p:sp>
+      <p:pic>
+        <p:nvPicPr>
+          <p:cNvPr id="439" name="Google Shape;439;p43"/>
+          <p:cNvPicPr preferRelativeResize="0"/>
+          <p:nvPr/>
+        </p:nvPicPr>
+        <p:blipFill>
+          <a:blip r:embed="rId3">
+            <a:alphaModFix/>
+          </a:blip>
+          <a:stretch>
+            <a:fillRect/>
+          </a:stretch>
+        </p:blipFill>
+        <p:spPr>
+          <a:xfrm>
+            <a:off x="201375" y="1602125"/>
+            <a:ext cx="8839201" cy="2742920"/>
+          </a:xfrm>
+          <a:prstGeom prst="rect">
+            <a:avLst/>
+          </a:prstGeom>
+          <a:noFill/>
+          <a:ln>
+            <a:noFill/>
+          </a:ln>
+        </p:spPr>
+      </p:pic>
+      <p:sp>
+        <p:nvSpPr>
+          <p:cNvPr id="440" name="Google Shape;440;p43"/>
+          <p:cNvSpPr/>
+          <p:nvPr/>
+        </p:nvSpPr>
+        <p:spPr>
+          <a:xfrm>
+            <a:off x="713250" y="1649150"/>
+            <a:ext cx="8257200" cy="278400"/>
+          </a:xfrm>
+          <a:prstGeom prst="rect">
+            <a:avLst/>
+          </a:prstGeom>
+          <a:noFill/>
+          <a:ln cap="flat" cmpd="sng" w="28575">
+            <a:solidFill>
+              <a:schemeClr val="dk2"/>
+            </a:solidFill>
+            <a:prstDash val="solid"/>
+            <a:round/>
+            <a:headEnd len="sm" w="sm" type="none"/>
+            <a:tailEnd len="sm" w="sm" type="none"/>
+          </a:ln>
+        </p:spPr>
+        <p:txBody>
+          <a:bodyPr anchorCtr="0" anchor="ctr" bIns="91425" lIns="91425" spcFirstLastPara="1" rIns="91425" wrap="square" tIns="91425">
+            <a:noAutofit/>
+          </a:bodyPr>
+          <a:lstStyle/>
+          <a:p>
+            <a:pPr indent="0" lvl="0" marL="0" rtl="0" algn="l">
+              <a:spcBef>
+                <a:spcPts val="0"/>
+              </a:spcBef>
+              <a:spcAft>
+                <a:spcPts val="0"/>
+              </a:spcAft>
+              <a:buNone/>
+            </a:pPr>
+            <a:r>
+              <a:t/>
+            </a:r>
+            <a:endParaRPr/>
+          </a:p>
+        </p:txBody>
+      </p:sp>
+    </p:spTree>
+  </p:cSld>
+  <p:clrMapOvr>
+    <a:masterClrMapping/>
+  </p:clrMapOvr>
+</p:sld>
+</file>
+
+<file path=ppt/slides/slide14.xml><?xml version="1.0" encoding="utf-8"?>
+<p:sld xmlns:a="http://schemas.openxmlformats.org/drawingml/2006/main" xmlns:r="http://schemas.openxmlformats.org/officeDocument/2006/relationships" xmlns:mc="http://schemas.openxmlformats.org/markup-compatibility/2006" xmlns:mv="urn:schemas-microsoft-com:mac:vml" xmlns:p="http://schemas.openxmlformats.org/presentationml/2006/main" xmlns:c="http://schemas.openxmlformats.org/drawingml/2006/chart" xmlns:dgm="http://schemas.openxmlformats.org/drawingml/2006/diagram" xmlns:o="urn:schemas-microsoft-com:office:office" xmlns:v="urn:schemas-microsoft-com:vml" xmlns:pvml="urn:schemas-microsoft-com:office:powerpoint" xmlns:com="http://schemas.openxmlformats.org/drawingml/2006/compatibility" xmlns:p14="http://schemas.microsoft.com/office/powerpoint/2010/main" xmlns:p15="http://schemas.microsoft.com/office/powerpoint/2012/main" xmlns:ahyp="http://schemas.microsoft.com/office/drawing/2018/hyperlinkcolor">
+  <p:cSld>
+    <p:spTree>
+      <p:nvGrpSpPr>
+        <p:cNvPr id="444" name="Shape 444"/>
+        <p:cNvGrpSpPr/>
+        <p:nvPr/>
+      </p:nvGrpSpPr>
+      <p:grpSpPr>
+        <a:xfrm>
+          <a:off x="0" y="0"/>
+          <a:ext cx="0" cy="0"/>
+          <a:chOff x="0" y="0"/>
+          <a:chExt cx="0" cy="0"/>
+        </a:xfrm>
+      </p:grpSpPr>
+      <p:sp>
+        <p:nvSpPr>
+          <p:cNvPr id="445" name="Google Shape;445;p44"/>
+          <p:cNvSpPr txBox="1"/>
+          <p:nvPr>
+            <p:ph type="title"/>
+          </p:nvPr>
+        </p:nvSpPr>
+        <p:spPr>
+          <a:xfrm>
+            <a:off x="713250" y="529575"/>
+            <a:ext cx="7717500" cy="478200"/>
+          </a:xfrm>
+          <a:prstGeom prst="rect">
+            <a:avLst/>
+          </a:prstGeom>
+        </p:spPr>
+        <p:txBody>
+          <a:bodyPr anchorCtr="0" anchor="ctr" bIns="91425" lIns="91425" spcFirstLastPara="1" rIns="91425" wrap="square" tIns="91425">
+            <a:noAutofit/>
+          </a:bodyPr>
+          <a:lstStyle/>
+          <a:p>
+            <a:pPr indent="0" lvl="0" marL="0" rtl="0" algn="ctr">
+              <a:spcBef>
+                <a:spcPts val="0"/>
+              </a:spcBef>
+              <a:spcAft>
+                <a:spcPts val="0"/>
+              </a:spcAft>
+              <a:buNone/>
+            </a:pPr>
+            <a:r>
+              <a:rPr lang="en" sz="3200"/>
               <a:t>VISUALIZATION</a:t>
             </a:r>
             <a:endParaRPr sz="3200"/>
@@ -47191,7 +47594,7 @@
       </p:sp>
       <p:pic>
         <p:nvPicPr>
-          <p:cNvPr id="439" name="Google Shape;439;p43"/>
+          <p:cNvPr id="446" name="Google Shape;446;p44"/>
           <p:cNvPicPr preferRelativeResize="0"/>
           <p:nvPr/>
         </p:nvPicPr>
@@ -47225,12 +47628,12 @@
 </p:sld>
 </file>
 
-<file path=ppt/slides/slide14.xml><?xml version="1.0" encoding="utf-8"?>
+<file path=ppt/slides/slide15.xml><?xml version="1.0" encoding="utf-8"?>
 <p:sld xmlns:a="http://schemas.openxmlformats.org/drawingml/2006/main" xmlns:r="http://schemas.openxmlformats.org/officeDocument/2006/relationships" xmlns:mc="http://schemas.openxmlformats.org/markup-compatibility/2006" xmlns:mv="urn:schemas-microsoft-com:mac:vml" xmlns:p="http://schemas.openxmlformats.org/presentationml/2006/main" xmlns:c="http://schemas.openxmlformats.org/drawingml/2006/chart" xmlns:dgm="http://schemas.openxmlformats.org/drawingml/2006/diagram" xmlns:o="urn:schemas-microsoft-com:office:office" xmlns:v="urn:schemas-microsoft-com:vml" xmlns:pvml="urn:schemas-microsoft-com:office:powerpoint" xmlns:com="http://schemas.openxmlformats.org/drawingml/2006/compatibility" xmlns:p14="http://schemas.microsoft.com/office/powerpoint/2010/main" xmlns:p15="http://schemas.microsoft.com/office/powerpoint/2012/main" xmlns:ahyp="http://schemas.microsoft.com/office/drawing/2018/hyperlinkcolor">
   <p:cSld>
     <p:spTree>
       <p:nvGrpSpPr>
-        <p:cNvPr id="443" name="Shape 443"/>
+        <p:cNvPr id="450" name="Shape 450"/>
         <p:cNvGrpSpPr/>
         <p:nvPr/>
       </p:nvGrpSpPr>
@@ -47244,7 +47647,7 @@
       </p:grpSpPr>
       <p:sp>
         <p:nvSpPr>
-          <p:cNvPr id="444" name="Google Shape;444;p44"/>
+          <p:cNvPr id="451" name="Google Shape;451;p45"/>
           <p:cNvSpPr txBox="1"/>
           <p:nvPr>
             <p:ph type="title"/>
@@ -47284,7 +47687,7 @@
       </p:sp>
       <p:pic>
         <p:nvPicPr>
-          <p:cNvPr id="445" name="Google Shape;445;p44"/>
+          <p:cNvPr id="452" name="Google Shape;452;p45"/>
           <p:cNvPicPr preferRelativeResize="0"/>
           <p:nvPr/>
         </p:nvPicPr>
@@ -47318,12 +47721,12 @@
 </p:sld>
 </file>
 
-<file path=ppt/slides/slide15.xml><?xml version="1.0" encoding="utf-8"?>
+<file path=ppt/slides/slide16.xml><?xml version="1.0" encoding="utf-8"?>
 <p:sld xmlns:a="http://schemas.openxmlformats.org/drawingml/2006/main" xmlns:r="http://schemas.openxmlformats.org/officeDocument/2006/relationships" xmlns:mc="http://schemas.openxmlformats.org/markup-compatibility/2006" xmlns:mv="urn:schemas-microsoft-com:mac:vml" xmlns:p="http://schemas.openxmlformats.org/presentationml/2006/main" xmlns:c="http://schemas.openxmlformats.org/drawingml/2006/chart" xmlns:dgm="http://schemas.openxmlformats.org/drawingml/2006/diagram" xmlns:o="urn:schemas-microsoft-com:office:office" xmlns:v="urn:schemas-microsoft-com:vml" xmlns:pvml="urn:schemas-microsoft-com:office:powerpoint" xmlns:com="http://schemas.openxmlformats.org/drawingml/2006/compatibility" xmlns:p14="http://schemas.microsoft.com/office/powerpoint/2010/main" xmlns:p15="http://schemas.microsoft.com/office/powerpoint/2012/main" xmlns:ahyp="http://schemas.microsoft.com/office/drawing/2018/hyperlinkcolor">
   <p:cSld>
     <p:spTree>
       <p:nvGrpSpPr>
-        <p:cNvPr id="449" name="Shape 449"/>
+        <p:cNvPr id="456" name="Shape 456"/>
         <p:cNvGrpSpPr/>
         <p:nvPr/>
       </p:nvGrpSpPr>
@@ -47337,7 +47740,7 @@
       </p:grpSpPr>
       <p:sp>
         <p:nvSpPr>
-          <p:cNvPr id="450" name="Google Shape;450;p45"/>
+          <p:cNvPr id="457" name="Google Shape;457;p46"/>
           <p:cNvSpPr/>
           <p:nvPr/>
         </p:nvSpPr>
@@ -47403,7 +47806,7 @@
       </p:sp>
       <p:sp>
         <p:nvSpPr>
-          <p:cNvPr id="451" name="Google Shape;451;p45"/>
+          <p:cNvPr id="458" name="Google Shape;458;p46"/>
           <p:cNvSpPr txBox="1"/>
           <p:nvPr>
             <p:ph type="ctrTitle"/>
@@ -47475,7 +47878,7 @@
       </p:sp>
       <p:sp>
         <p:nvSpPr>
-          <p:cNvPr id="452" name="Google Shape;452;p45"/>
+          <p:cNvPr id="459" name="Google Shape;459;p46"/>
           <p:cNvSpPr txBox="1"/>
           <p:nvPr>
             <p:ph idx="2" type="title"/>
@@ -47521,12 +47924,12 @@
 </p:sld>
 </file>
 
-<file path=ppt/slides/slide16.xml><?xml version="1.0" encoding="utf-8"?>
+<file path=ppt/slides/slide17.xml><?xml version="1.0" encoding="utf-8"?>
 <p:sld xmlns:a="http://schemas.openxmlformats.org/drawingml/2006/main" xmlns:r="http://schemas.openxmlformats.org/officeDocument/2006/relationships" xmlns:mc="http://schemas.openxmlformats.org/markup-compatibility/2006" xmlns:mv="urn:schemas-microsoft-com:mac:vml" xmlns:p="http://schemas.openxmlformats.org/presentationml/2006/main" xmlns:c="http://schemas.openxmlformats.org/drawingml/2006/chart" xmlns:dgm="http://schemas.openxmlformats.org/drawingml/2006/diagram" xmlns:o="urn:schemas-microsoft-com:office:office" xmlns:v="urn:schemas-microsoft-com:vml" xmlns:pvml="urn:schemas-microsoft-com:office:powerpoint" xmlns:com="http://schemas.openxmlformats.org/drawingml/2006/compatibility" xmlns:p14="http://schemas.microsoft.com/office/powerpoint/2010/main" xmlns:p15="http://schemas.microsoft.com/office/powerpoint/2012/main" xmlns:ahyp="http://schemas.microsoft.com/office/drawing/2018/hyperlinkcolor">
   <p:cSld>
     <p:spTree>
       <p:nvGrpSpPr>
-        <p:cNvPr id="456" name="Shape 456"/>
+        <p:cNvPr id="463" name="Shape 463"/>
         <p:cNvGrpSpPr/>
         <p:nvPr/>
       </p:nvGrpSpPr>
@@ -47540,7 +47943,7 @@
       </p:grpSpPr>
       <p:sp>
         <p:nvSpPr>
-          <p:cNvPr id="457" name="Google Shape;457;p46"/>
+          <p:cNvPr id="464" name="Google Shape;464;p47"/>
           <p:cNvSpPr txBox="1"/>
           <p:nvPr>
             <p:ph idx="1" type="subTitle"/>
@@ -47653,26 +48056,6 @@
             <a:r>
               <a:rPr lang="en" sz="2000"/>
               <a:t>Neural Network</a:t>
-            </a:r>
-            <a:endParaRPr sz="2000"/>
-          </a:p>
-          <a:p>
-            <a:pPr indent="-355600" lvl="0" marL="457200" rtl="0" algn="l">
-              <a:lnSpc>
-                <a:spcPct val="150000"/>
-              </a:lnSpc>
-              <a:spcBef>
-                <a:spcPts val="0"/>
-              </a:spcBef>
-              <a:spcAft>
-                <a:spcPts val="0"/>
-              </a:spcAft>
-              <a:buSzPts val="2000"/>
-              <a:buChar char="●"/>
-            </a:pPr>
-            <a:r>
-              <a:rPr lang="en" sz="2000"/>
-              <a:t>Linear SVC</a:t>
             </a:r>
             <a:endParaRPr sz="2000"/>
           </a:p>
@@ -47784,7 +48167,7 @@
       </p:sp>
       <p:sp>
         <p:nvSpPr>
-          <p:cNvPr id="458" name="Google Shape;458;p46"/>
+          <p:cNvPr id="465" name="Google Shape;465;p47"/>
           <p:cNvSpPr txBox="1"/>
           <p:nvPr>
             <p:ph type="title"/>
@@ -47819,127 +48202,6 @@
               <a:t>TRAIN MODEL</a:t>
             </a:r>
             <a:endParaRPr/>
-          </a:p>
-        </p:txBody>
-      </p:sp>
-    </p:spTree>
-  </p:cSld>
-  <p:clrMapOvr>
-    <a:masterClrMapping/>
-  </p:clrMapOvr>
-</p:sld>
-</file>
-
-<file path=ppt/slides/slide17.xml><?xml version="1.0" encoding="utf-8"?>
-<p:sld xmlns:a="http://schemas.openxmlformats.org/drawingml/2006/main" xmlns:r="http://schemas.openxmlformats.org/officeDocument/2006/relationships" xmlns:mc="http://schemas.openxmlformats.org/markup-compatibility/2006" xmlns:mv="urn:schemas-microsoft-com:mac:vml" xmlns:p="http://schemas.openxmlformats.org/presentationml/2006/main" xmlns:c="http://schemas.openxmlformats.org/drawingml/2006/chart" xmlns:dgm="http://schemas.openxmlformats.org/drawingml/2006/diagram" xmlns:o="urn:schemas-microsoft-com:office:office" xmlns:v="urn:schemas-microsoft-com:vml" xmlns:pvml="urn:schemas-microsoft-com:office:powerpoint" xmlns:com="http://schemas.openxmlformats.org/drawingml/2006/compatibility" xmlns:p14="http://schemas.microsoft.com/office/powerpoint/2010/main" xmlns:p15="http://schemas.microsoft.com/office/powerpoint/2012/main" xmlns:ahyp="http://schemas.microsoft.com/office/drawing/2018/hyperlinkcolor">
-  <p:cSld>
-    <p:spTree>
-      <p:nvGrpSpPr>
-        <p:cNvPr id="462" name="Shape 462"/>
-        <p:cNvGrpSpPr/>
-        <p:nvPr/>
-      </p:nvGrpSpPr>
-      <p:grpSpPr>
-        <a:xfrm>
-          <a:off x="0" y="0"/>
-          <a:ext cx="0" cy="0"/>
-          <a:chOff x="0" y="0"/>
-          <a:chExt cx="0" cy="0"/>
-        </a:xfrm>
-      </p:grpSpPr>
-      <p:pic>
-        <p:nvPicPr>
-          <p:cNvPr id="463" name="Google Shape;463;p47"/>
-          <p:cNvPicPr preferRelativeResize="0"/>
-          <p:nvPr/>
-        </p:nvPicPr>
-        <p:blipFill>
-          <a:blip r:embed="rId3">
-            <a:alphaModFix/>
-          </a:blip>
-          <a:stretch>
-            <a:fillRect/>
-          </a:stretch>
-        </p:blipFill>
-        <p:spPr>
-          <a:xfrm>
-            <a:off x="2523700" y="2460650"/>
-            <a:ext cx="3858900" cy="2578784"/>
-          </a:xfrm>
-          <a:prstGeom prst="rect">
-            <a:avLst/>
-          </a:prstGeom>
-          <a:noFill/>
-          <a:ln>
-            <a:noFill/>
-          </a:ln>
-        </p:spPr>
-      </p:pic>
-      <p:pic>
-        <p:nvPicPr>
-          <p:cNvPr id="464" name="Google Shape;464;p47"/>
-          <p:cNvPicPr preferRelativeResize="0"/>
-          <p:nvPr/>
-        </p:nvPicPr>
-        <p:blipFill>
-          <a:blip r:embed="rId4">
-            <a:alphaModFix/>
-          </a:blip>
-          <a:stretch>
-            <a:fillRect/>
-          </a:stretch>
-        </p:blipFill>
-        <p:spPr>
-          <a:xfrm>
-            <a:off x="1140512" y="1276363"/>
-            <a:ext cx="6625275" cy="915700"/>
-          </a:xfrm>
-          <a:prstGeom prst="rect">
-            <a:avLst/>
-          </a:prstGeom>
-          <a:noFill/>
-          <a:ln>
-            <a:noFill/>
-          </a:ln>
-        </p:spPr>
-      </p:pic>
-      <p:sp>
-        <p:nvSpPr>
-          <p:cNvPr id="465" name="Google Shape;465;p47"/>
-          <p:cNvSpPr txBox="1"/>
-          <p:nvPr>
-            <p:ph type="title"/>
-          </p:nvPr>
-        </p:nvSpPr>
-        <p:spPr>
-          <a:xfrm>
-            <a:off x="713250" y="318275"/>
-            <a:ext cx="7717500" cy="478200"/>
-          </a:xfrm>
-          <a:prstGeom prst="rect">
-            <a:avLst/>
-          </a:prstGeom>
-        </p:spPr>
-        <p:txBody>
-          <a:bodyPr anchorCtr="0" anchor="t" bIns="91425" lIns="91425" spcFirstLastPara="1" rIns="91425" wrap="square" tIns="91425">
-            <a:noAutofit/>
-          </a:bodyPr>
-          <a:lstStyle/>
-          <a:p>
-            <a:pPr indent="0" lvl="0" marL="0" rtl="0" algn="ctr">
-              <a:spcBef>
-                <a:spcPts val="0"/>
-              </a:spcBef>
-              <a:spcAft>
-                <a:spcPts val="0"/>
-              </a:spcAft>
-              <a:buNone/>
-            </a:pPr>
-            <a:r>
-              <a:rPr lang="en" sz="3200"/>
-              <a:t>PIPELINE</a:t>
-            </a:r>
-            <a:endParaRPr sz="3200"/>
           </a:p>
         </p:txBody>
       </p:sp>
@@ -47968,9 +48230,37 @@
           <a:chExt cx="0" cy="0"/>
         </a:xfrm>
       </p:grpSpPr>
+      <p:pic>
+        <p:nvPicPr>
+          <p:cNvPr id="470" name="Google Shape;470;p48"/>
+          <p:cNvPicPr preferRelativeResize="0"/>
+          <p:nvPr/>
+        </p:nvPicPr>
+        <p:blipFill>
+          <a:blip r:embed="rId3">
+            <a:alphaModFix/>
+          </a:blip>
+          <a:stretch>
+            <a:fillRect/>
+          </a:stretch>
+        </p:blipFill>
+        <p:spPr>
+          <a:xfrm>
+            <a:off x="1140512" y="1276363"/>
+            <a:ext cx="6625275" cy="915700"/>
+          </a:xfrm>
+          <a:prstGeom prst="rect">
+            <a:avLst/>
+          </a:prstGeom>
+          <a:noFill/>
+          <a:ln>
+            <a:noFill/>
+          </a:ln>
+        </p:spPr>
+      </p:pic>
       <p:sp>
         <p:nvSpPr>
-          <p:cNvPr id="470" name="Google Shape;470;p48"/>
+          <p:cNvPr id="471" name="Google Shape;471;p48"/>
           <p:cNvSpPr txBox="1"/>
           <p:nvPr>
             <p:ph type="title"/>
@@ -47978,7 +48268,7 @@
         </p:nvSpPr>
         <p:spPr>
           <a:xfrm>
-            <a:off x="713250" y="318250"/>
+            <a:off x="713250" y="318275"/>
             <a:ext cx="7717500" cy="478200"/>
           </a:xfrm>
           <a:prstGeom prst="rect">
@@ -48002,40 +48292,12 @@
             </a:pPr>
             <a:r>
               <a:rPr lang="en" sz="3200"/>
-              <a:t>PREDICTION</a:t>
+              <a:t>PREPROCESS PIPELINE</a:t>
             </a:r>
             <a:endParaRPr sz="3200"/>
           </a:p>
         </p:txBody>
       </p:sp>
-      <p:pic>
-        <p:nvPicPr>
-          <p:cNvPr id="471" name="Google Shape;471;p48"/>
-          <p:cNvPicPr preferRelativeResize="0"/>
-          <p:nvPr/>
-        </p:nvPicPr>
-        <p:blipFill>
-          <a:blip r:embed="rId3">
-            <a:alphaModFix/>
-          </a:blip>
-          <a:stretch>
-            <a:fillRect/>
-          </a:stretch>
-        </p:blipFill>
-        <p:spPr>
-          <a:xfrm>
-            <a:off x="1403575" y="3112225"/>
-            <a:ext cx="6109750" cy="1911499"/>
-          </a:xfrm>
-          <a:prstGeom prst="rect">
-            <a:avLst/>
-          </a:prstGeom>
-          <a:noFill/>
-          <a:ln>
-            <a:noFill/>
-          </a:ln>
-        </p:spPr>
-      </p:pic>
       <p:pic>
         <p:nvPicPr>
           <p:cNvPr id="472" name="Google Shape;472;p48"/>
@@ -48052,8 +48314,8 @@
         </p:blipFill>
         <p:spPr>
           <a:xfrm>
-            <a:off x="1403575" y="1025700"/>
-            <a:ext cx="6109745" cy="1982550"/>
+            <a:off x="2827925" y="2671986"/>
+            <a:ext cx="3250450" cy="1651850"/>
           </a:xfrm>
           <a:prstGeom prst="rect">
             <a:avLst/>
@@ -48145,8 +48407,8 @@
         </p:blipFill>
         <p:spPr>
           <a:xfrm>
-            <a:off x="599700" y="1139563"/>
-            <a:ext cx="7717500" cy="1629540"/>
+            <a:off x="152400" y="948850"/>
+            <a:ext cx="8839201" cy="1065952"/>
           </a:xfrm>
           <a:prstGeom prst="rect">
             <a:avLst/>
@@ -48173,8 +48435,36 @@
         </p:blipFill>
         <p:spPr>
           <a:xfrm>
-            <a:off x="1225525" y="2921499"/>
-            <a:ext cx="6692950" cy="1938650"/>
+            <a:off x="152400" y="2167202"/>
+            <a:ext cx="8839202" cy="1084515"/>
+          </a:xfrm>
+          <a:prstGeom prst="rect">
+            <a:avLst/>
+          </a:prstGeom>
+          <a:noFill/>
+          <a:ln>
+            <a:noFill/>
+          </a:ln>
+        </p:spPr>
+      </p:pic>
+      <p:pic>
+        <p:nvPicPr>
+          <p:cNvPr id="480" name="Google Shape;480;p49"/>
+          <p:cNvPicPr preferRelativeResize="0"/>
+          <p:nvPr/>
+        </p:nvPicPr>
+        <p:blipFill>
+          <a:blip r:embed="rId5">
+            <a:alphaModFix/>
+          </a:blip>
+          <a:stretch>
+            <a:fillRect/>
+          </a:stretch>
+        </p:blipFill>
+        <p:spPr>
+          <a:xfrm>
+            <a:off x="152400" y="3404116"/>
+            <a:ext cx="8680318" cy="1586983"/>
           </a:xfrm>
           <a:prstGeom prst="rect">
             <a:avLst/>
@@ -48220,7 +48510,7 @@
         </p:nvSpPr>
         <p:spPr>
           <a:xfrm>
-            <a:off x="713225" y="539500"/>
+            <a:off x="713250" y="354950"/>
             <a:ext cx="7717500" cy="478200"/>
           </a:xfrm>
           <a:prstGeom prst="rect">
@@ -49110,7 +49400,7 @@
         </p:nvSpPr>
         <p:spPr>
           <a:xfrm>
-            <a:off x="1462993" y="4219625"/>
+            <a:off x="1460468" y="4169975"/>
             <a:ext cx="1794000" cy="385800"/>
           </a:xfrm>
           <a:prstGeom prst="rect">
@@ -49137,6 +49427,46 @@
               <a:t>REFLECTION</a:t>
             </a:r>
             <a:endParaRPr sz="2400"/>
+          </a:p>
+        </p:txBody>
+      </p:sp>
+      <p:sp>
+        <p:nvSpPr>
+          <p:cNvPr id="347" name="Google Shape;347;p32"/>
+          <p:cNvSpPr txBox="1"/>
+          <p:nvPr>
+            <p:ph idx="14" type="subTitle"/>
+          </p:nvPr>
+        </p:nvSpPr>
+        <p:spPr>
+          <a:xfrm>
+            <a:off x="1631825" y="4493988"/>
+            <a:ext cx="2876400" cy="385800"/>
+          </a:xfrm>
+          <a:prstGeom prst="rect">
+            <a:avLst/>
+          </a:prstGeom>
+        </p:spPr>
+        <p:txBody>
+          <a:bodyPr anchorCtr="0" anchor="t" bIns="91425" lIns="91425" spcFirstLastPara="1" rIns="91425" wrap="square" tIns="91425">
+            <a:noAutofit/>
+          </a:bodyPr>
+          <a:lstStyle/>
+          <a:p>
+            <a:pPr indent="0" lvl="0" marL="0" rtl="0" algn="l">
+              <a:spcBef>
+                <a:spcPts val="0"/>
+              </a:spcBef>
+              <a:spcAft>
+                <a:spcPts val="0"/>
+              </a:spcAft>
+              <a:buNone/>
+            </a:pPr>
+            <a:r>
+              <a:rPr lang="en"/>
+              <a:t>Summary the working progress</a:t>
+            </a:r>
+            <a:endParaRPr/>
           </a:p>
         </p:txBody>
       </p:sp>
@@ -49153,7 +49483,7 @@
   <p:cSld>
     <p:spTree>
       <p:nvGrpSpPr>
-        <p:cNvPr id="483" name="Shape 483"/>
+        <p:cNvPr id="484" name="Shape 484"/>
         <p:cNvGrpSpPr/>
         <p:nvPr/>
       </p:nvGrpSpPr>
@@ -49167,7 +49497,193 @@
       </p:grpSpPr>
       <p:sp>
         <p:nvSpPr>
-          <p:cNvPr id="484" name="Google Shape;484;p50"/>
+          <p:cNvPr id="485" name="Google Shape;485;p50"/>
+          <p:cNvSpPr txBox="1"/>
+          <p:nvPr>
+            <p:ph type="title"/>
+          </p:nvPr>
+        </p:nvSpPr>
+        <p:spPr>
+          <a:xfrm>
+            <a:off x="713250" y="318250"/>
+            <a:ext cx="7717500" cy="478200"/>
+          </a:xfrm>
+          <a:prstGeom prst="rect">
+            <a:avLst/>
+          </a:prstGeom>
+        </p:spPr>
+        <p:txBody>
+          <a:bodyPr anchorCtr="0" anchor="t" bIns="91425" lIns="91425" spcFirstLastPara="1" rIns="91425" wrap="square" tIns="91425">
+            <a:noAutofit/>
+          </a:bodyPr>
+          <a:lstStyle/>
+          <a:p>
+            <a:pPr indent="0" lvl="0" marL="0" rtl="0" algn="ctr">
+              <a:spcBef>
+                <a:spcPts val="0"/>
+              </a:spcBef>
+              <a:spcAft>
+                <a:spcPts val="0"/>
+              </a:spcAft>
+              <a:buNone/>
+            </a:pPr>
+            <a:r>
+              <a:rPr lang="en" sz="3200"/>
+              <a:t>PREDICTION</a:t>
+            </a:r>
+            <a:endParaRPr sz="3200"/>
+          </a:p>
+        </p:txBody>
+      </p:sp>
+      <p:pic>
+        <p:nvPicPr>
+          <p:cNvPr id="486" name="Google Shape;486;p50"/>
+          <p:cNvPicPr preferRelativeResize="0"/>
+          <p:nvPr/>
+        </p:nvPicPr>
+        <p:blipFill>
+          <a:blip r:embed="rId3">
+            <a:alphaModFix/>
+          </a:blip>
+          <a:stretch>
+            <a:fillRect/>
+          </a:stretch>
+        </p:blipFill>
+        <p:spPr>
+          <a:xfrm>
+            <a:off x="1120988" y="967650"/>
+            <a:ext cx="6902029" cy="4042250"/>
+          </a:xfrm>
+          <a:prstGeom prst="rect">
+            <a:avLst/>
+          </a:prstGeom>
+          <a:noFill/>
+          <a:ln>
+            <a:noFill/>
+          </a:ln>
+        </p:spPr>
+      </p:pic>
+    </p:spTree>
+  </p:cSld>
+  <p:clrMapOvr>
+    <a:masterClrMapping/>
+  </p:clrMapOvr>
+</p:sld>
+</file>
+
+<file path=ppt/slides/slide21.xml><?xml version="1.0" encoding="utf-8"?>
+<p:sld xmlns:a="http://schemas.openxmlformats.org/drawingml/2006/main" xmlns:r="http://schemas.openxmlformats.org/officeDocument/2006/relationships" xmlns:mc="http://schemas.openxmlformats.org/markup-compatibility/2006" xmlns:mv="urn:schemas-microsoft-com:mac:vml" xmlns:p="http://schemas.openxmlformats.org/presentationml/2006/main" xmlns:c="http://schemas.openxmlformats.org/drawingml/2006/chart" xmlns:dgm="http://schemas.openxmlformats.org/drawingml/2006/diagram" xmlns:o="urn:schemas-microsoft-com:office:office" xmlns:v="urn:schemas-microsoft-com:vml" xmlns:pvml="urn:schemas-microsoft-com:office:powerpoint" xmlns:com="http://schemas.openxmlformats.org/drawingml/2006/compatibility" xmlns:p14="http://schemas.microsoft.com/office/powerpoint/2010/main" xmlns:p15="http://schemas.microsoft.com/office/powerpoint/2012/main" xmlns:ahyp="http://schemas.microsoft.com/office/drawing/2018/hyperlinkcolor">
+  <p:cSld>
+    <p:spTree>
+      <p:nvGrpSpPr>
+        <p:cNvPr id="490" name="Shape 490"/>
+        <p:cNvGrpSpPr/>
+        <p:nvPr/>
+      </p:nvGrpSpPr>
+      <p:grpSpPr>
+        <a:xfrm>
+          <a:off x="0" y="0"/>
+          <a:ext cx="0" cy="0"/>
+          <a:chOff x="0" y="0"/>
+          <a:chExt cx="0" cy="0"/>
+        </a:xfrm>
+      </p:grpSpPr>
+      <p:sp>
+        <p:nvSpPr>
+          <p:cNvPr id="491" name="Google Shape;491;p51"/>
+          <p:cNvSpPr txBox="1"/>
+          <p:nvPr>
+            <p:ph type="title"/>
+          </p:nvPr>
+        </p:nvSpPr>
+        <p:spPr>
+          <a:xfrm>
+            <a:off x="713250" y="318250"/>
+            <a:ext cx="7717500" cy="478200"/>
+          </a:xfrm>
+          <a:prstGeom prst="rect">
+            <a:avLst/>
+          </a:prstGeom>
+        </p:spPr>
+        <p:txBody>
+          <a:bodyPr anchorCtr="0" anchor="t" bIns="91425" lIns="91425" spcFirstLastPara="1" rIns="91425" wrap="square" tIns="91425">
+            <a:noAutofit/>
+          </a:bodyPr>
+          <a:lstStyle/>
+          <a:p>
+            <a:pPr indent="0" lvl="0" marL="0" rtl="0" algn="ctr">
+              <a:spcBef>
+                <a:spcPts val="0"/>
+              </a:spcBef>
+              <a:spcAft>
+                <a:spcPts val="0"/>
+              </a:spcAft>
+              <a:buNone/>
+            </a:pPr>
+            <a:r>
+              <a:rPr lang="en" sz="3200"/>
+              <a:t>PREDICTION</a:t>
+            </a:r>
+            <a:endParaRPr sz="3200"/>
+          </a:p>
+        </p:txBody>
+      </p:sp>
+      <p:pic>
+        <p:nvPicPr>
+          <p:cNvPr id="492" name="Google Shape;492;p51"/>
+          <p:cNvPicPr preferRelativeResize="0"/>
+          <p:nvPr/>
+        </p:nvPicPr>
+        <p:blipFill>
+          <a:blip r:embed="rId3">
+            <a:alphaModFix/>
+          </a:blip>
+          <a:stretch>
+            <a:fillRect/>
+          </a:stretch>
+        </p:blipFill>
+        <p:spPr>
+          <a:xfrm>
+            <a:off x="152400" y="948850"/>
+            <a:ext cx="8839202" cy="3839579"/>
+          </a:xfrm>
+          <a:prstGeom prst="rect">
+            <a:avLst/>
+          </a:prstGeom>
+          <a:noFill/>
+          <a:ln>
+            <a:noFill/>
+          </a:ln>
+        </p:spPr>
+      </p:pic>
+    </p:spTree>
+  </p:cSld>
+  <p:clrMapOvr>
+    <a:masterClrMapping/>
+  </p:clrMapOvr>
+</p:sld>
+</file>
+
+<file path=ppt/slides/slide22.xml><?xml version="1.0" encoding="utf-8"?>
+<p:sld xmlns:a="http://schemas.openxmlformats.org/drawingml/2006/main" xmlns:r="http://schemas.openxmlformats.org/officeDocument/2006/relationships" xmlns:mc="http://schemas.openxmlformats.org/markup-compatibility/2006" xmlns:mv="urn:schemas-microsoft-com:mac:vml" xmlns:p="http://schemas.openxmlformats.org/presentationml/2006/main" xmlns:c="http://schemas.openxmlformats.org/drawingml/2006/chart" xmlns:dgm="http://schemas.openxmlformats.org/drawingml/2006/diagram" xmlns:o="urn:schemas-microsoft-com:office:office" xmlns:v="urn:schemas-microsoft-com:vml" xmlns:pvml="urn:schemas-microsoft-com:office:powerpoint" xmlns:com="http://schemas.openxmlformats.org/drawingml/2006/compatibility" xmlns:p14="http://schemas.microsoft.com/office/powerpoint/2010/main" xmlns:p15="http://schemas.microsoft.com/office/powerpoint/2012/main" xmlns:ahyp="http://schemas.microsoft.com/office/drawing/2018/hyperlinkcolor">
+  <p:cSld>
+    <p:spTree>
+      <p:nvGrpSpPr>
+        <p:cNvPr id="496" name="Shape 496"/>
+        <p:cNvGrpSpPr/>
+        <p:nvPr/>
+      </p:nvGrpSpPr>
+      <p:grpSpPr>
+        <a:xfrm>
+          <a:off x="0" y="0"/>
+          <a:ext cx="0" cy="0"/>
+          <a:chOff x="0" y="0"/>
+          <a:chExt cx="0" cy="0"/>
+        </a:xfrm>
+      </p:grpSpPr>
+      <p:sp>
+        <p:nvSpPr>
+          <p:cNvPr id="497" name="Google Shape;497;p52"/>
           <p:cNvSpPr/>
           <p:nvPr/>
         </p:nvSpPr>
@@ -49233,7 +49749,7 @@
       </p:sp>
       <p:sp>
         <p:nvSpPr>
-          <p:cNvPr id="485" name="Google Shape;485;p50"/>
+          <p:cNvPr id="498" name="Google Shape;498;p52"/>
           <p:cNvSpPr txBox="1"/>
           <p:nvPr>
             <p:ph type="ctrTitle"/>
@@ -49273,7 +49789,7 @@
       </p:sp>
       <p:sp>
         <p:nvSpPr>
-          <p:cNvPr id="486" name="Google Shape;486;p50"/>
+          <p:cNvPr id="499" name="Google Shape;499;p52"/>
           <p:cNvSpPr txBox="1"/>
           <p:nvPr>
             <p:ph idx="2" type="title"/>
@@ -49319,12 +49835,12 @@
 </p:sld>
 </file>
 
-<file path=ppt/slides/slide21.xml><?xml version="1.0" encoding="utf-8"?>
+<file path=ppt/slides/slide23.xml><?xml version="1.0" encoding="utf-8"?>
 <p:sld xmlns:a="http://schemas.openxmlformats.org/drawingml/2006/main" xmlns:r="http://schemas.openxmlformats.org/officeDocument/2006/relationships" xmlns:mc="http://schemas.openxmlformats.org/markup-compatibility/2006" xmlns:mv="urn:schemas-microsoft-com:mac:vml" xmlns:p="http://schemas.openxmlformats.org/presentationml/2006/main" xmlns:c="http://schemas.openxmlformats.org/drawingml/2006/chart" xmlns:dgm="http://schemas.openxmlformats.org/drawingml/2006/diagram" xmlns:o="urn:schemas-microsoft-com:office:office" xmlns:v="urn:schemas-microsoft-com:vml" xmlns:pvml="urn:schemas-microsoft-com:office:powerpoint" xmlns:com="http://schemas.openxmlformats.org/drawingml/2006/compatibility" xmlns:p14="http://schemas.microsoft.com/office/powerpoint/2010/main" xmlns:p15="http://schemas.microsoft.com/office/powerpoint/2012/main" xmlns:ahyp="http://schemas.microsoft.com/office/drawing/2018/hyperlinkcolor">
   <p:cSld>
     <p:spTree>
       <p:nvGrpSpPr>
-        <p:cNvPr id="490" name="Shape 490"/>
+        <p:cNvPr id="503" name="Shape 503"/>
         <p:cNvGrpSpPr/>
         <p:nvPr/>
       </p:nvGrpSpPr>
@@ -49338,7 +49854,7 @@
       </p:grpSpPr>
       <p:sp>
         <p:nvSpPr>
-          <p:cNvPr id="491" name="Google Shape;491;p51"/>
+          <p:cNvPr id="504" name="Google Shape;504;p53"/>
           <p:cNvSpPr txBox="1"/>
           <p:nvPr>
             <p:ph idx="1" type="subTitle"/>
@@ -49482,7 +49998,7 @@
             </a:pPr>
             <a:r>
               <a:rPr lang="en" sz="2000"/>
-              <a:t>Difficulties in researching predictive algorithms and their parameters.</a:t>
+              <a:t>Difficulty in researching predictive algorithms and their parameters.</a:t>
             </a:r>
             <a:endParaRPr sz="2000"/>
           </a:p>
@@ -49530,7 +50046,7 @@
       </p:sp>
       <p:sp>
         <p:nvSpPr>
-          <p:cNvPr id="492" name="Google Shape;492;p51"/>
+          <p:cNvPr id="505" name="Google Shape;505;p53"/>
           <p:cNvSpPr txBox="1"/>
           <p:nvPr>
             <p:ph type="title"/>
@@ -49576,12 +50092,12 @@
 </p:sld>
 </file>
 
-<file path=ppt/slides/slide22.xml><?xml version="1.0" encoding="utf-8"?>
+<file path=ppt/slides/slide24.xml><?xml version="1.0" encoding="utf-8"?>
 <p:sld xmlns:a="http://schemas.openxmlformats.org/drawingml/2006/main" xmlns:r="http://schemas.openxmlformats.org/officeDocument/2006/relationships" xmlns:mc="http://schemas.openxmlformats.org/markup-compatibility/2006" xmlns:mv="urn:schemas-microsoft-com:mac:vml" xmlns:p="http://schemas.openxmlformats.org/presentationml/2006/main" xmlns:c="http://schemas.openxmlformats.org/drawingml/2006/chart" xmlns:dgm="http://schemas.openxmlformats.org/drawingml/2006/diagram" xmlns:o="urn:schemas-microsoft-com:office:office" xmlns:v="urn:schemas-microsoft-com:vml" xmlns:pvml="urn:schemas-microsoft-com:office:powerpoint" xmlns:com="http://schemas.openxmlformats.org/drawingml/2006/compatibility" xmlns:p14="http://schemas.microsoft.com/office/powerpoint/2010/main" xmlns:p15="http://schemas.microsoft.com/office/powerpoint/2012/main" xmlns:ahyp="http://schemas.microsoft.com/office/drawing/2018/hyperlinkcolor">
   <p:cSld>
     <p:spTree>
       <p:nvGrpSpPr>
-        <p:cNvPr id="496" name="Shape 496"/>
+        <p:cNvPr id="509" name="Shape 509"/>
         <p:cNvGrpSpPr/>
         <p:nvPr/>
       </p:nvGrpSpPr>
@@ -49595,7 +50111,7 @@
       </p:grpSpPr>
       <p:sp>
         <p:nvSpPr>
-          <p:cNvPr id="497" name="Google Shape;497;p52"/>
+          <p:cNvPr id="510" name="Google Shape;510;p54"/>
           <p:cNvSpPr txBox="1"/>
           <p:nvPr>
             <p:ph idx="1" type="subTitle"/>
@@ -49637,7 +50153,38 @@
               </a:rPr>
               <a:t>WHAT WILL WE DO:</a:t>
             </a:r>
-            <a:endParaRPr sz="2400"/>
+            <a:endParaRPr sz="2400">
+              <a:solidFill>
+                <a:schemeClr val="dk2"/>
+              </a:solidFill>
+              <a:latin typeface="Dosis ExtraLight"/>
+              <a:ea typeface="Dosis ExtraLight"/>
+              <a:cs typeface="Dosis ExtraLight"/>
+              <a:sym typeface="Dosis ExtraLight"/>
+            </a:endParaRPr>
+          </a:p>
+          <a:p>
+            <a:pPr indent="0" lvl="0" marL="0" rtl="0" algn="l">
+              <a:spcBef>
+                <a:spcPts val="0"/>
+              </a:spcBef>
+              <a:spcAft>
+                <a:spcPts val="0"/>
+              </a:spcAft>
+              <a:buNone/>
+            </a:pPr>
+            <a:r>
+              <a:t/>
+            </a:r>
+            <a:endParaRPr sz="2400">
+              <a:solidFill>
+                <a:schemeClr val="dk2"/>
+              </a:solidFill>
+              <a:latin typeface="Dosis ExtraLight"/>
+              <a:ea typeface="Dosis ExtraLight"/>
+              <a:cs typeface="Dosis ExtraLight"/>
+              <a:sym typeface="Dosis ExtraLight"/>
+            </a:endParaRPr>
           </a:p>
           <a:p>
             <a:pPr indent="-355600" lvl="0" marL="457200" rtl="0" algn="l">
@@ -49699,31 +50246,11 @@
             </a:r>
             <a:endParaRPr sz="2000"/>
           </a:p>
-          <a:p>
-            <a:pPr indent="-355600" lvl="0" marL="457200" rtl="0" algn="l">
-              <a:lnSpc>
-                <a:spcPct val="150000"/>
-              </a:lnSpc>
-              <a:spcBef>
-                <a:spcPts val="0"/>
-              </a:spcBef>
-              <a:spcAft>
-                <a:spcPts val="0"/>
-              </a:spcAft>
-              <a:buSzPts val="2000"/>
-              <a:buChar char="●"/>
-            </a:pPr>
-            <a:r>
-              <a:rPr lang="en" sz="2000"/>
-              <a:t>Predict upcoming NBA season ( 2021-2022 )</a:t>
-            </a:r>
-            <a:endParaRPr sz="2000"/>
-          </a:p>
         </p:txBody>
       </p:sp>
       <p:sp>
         <p:nvSpPr>
-          <p:cNvPr id="498" name="Google Shape;498;p52"/>
+          <p:cNvPr id="511" name="Google Shape;511;p54"/>
           <p:cNvSpPr txBox="1"/>
           <p:nvPr>
             <p:ph type="title"/>
@@ -49773,12 +50300,12 @@
 </p:sld>
 </file>
 
-<file path=ppt/slides/slide23.xml><?xml version="1.0" encoding="utf-8"?>
+<file path=ppt/slides/slide25.xml><?xml version="1.0" encoding="utf-8"?>
 <p:sld xmlns:a="http://schemas.openxmlformats.org/drawingml/2006/main" xmlns:r="http://schemas.openxmlformats.org/officeDocument/2006/relationships" xmlns:mc="http://schemas.openxmlformats.org/markup-compatibility/2006" xmlns:mv="urn:schemas-microsoft-com:mac:vml" xmlns:p="http://schemas.openxmlformats.org/presentationml/2006/main" xmlns:c="http://schemas.openxmlformats.org/drawingml/2006/chart" xmlns:dgm="http://schemas.openxmlformats.org/drawingml/2006/diagram" xmlns:o="urn:schemas-microsoft-com:office:office" xmlns:v="urn:schemas-microsoft-com:vml" xmlns:pvml="urn:schemas-microsoft-com:office:powerpoint" xmlns:com="http://schemas.openxmlformats.org/drawingml/2006/compatibility" xmlns:p14="http://schemas.microsoft.com/office/powerpoint/2010/main" xmlns:p15="http://schemas.microsoft.com/office/powerpoint/2012/main" xmlns:ahyp="http://schemas.microsoft.com/office/drawing/2018/hyperlinkcolor">
   <p:cSld>
     <p:spTree>
       <p:nvGrpSpPr>
-        <p:cNvPr id="502" name="Shape 502"/>
+        <p:cNvPr id="515" name="Shape 515"/>
         <p:cNvGrpSpPr/>
         <p:nvPr/>
       </p:nvGrpSpPr>
@@ -49792,7 +50319,7 @@
       </p:grpSpPr>
       <p:sp>
         <p:nvSpPr>
-          <p:cNvPr id="503" name="Google Shape;503;p53"/>
+          <p:cNvPr id="516" name="Google Shape;516;p55"/>
           <p:cNvSpPr/>
           <p:nvPr/>
         </p:nvSpPr>
@@ -49858,7 +50385,7 @@
       </p:sp>
       <p:sp>
         <p:nvSpPr>
-          <p:cNvPr id="504" name="Google Shape;504;p53"/>
+          <p:cNvPr id="517" name="Google Shape;517;p55"/>
           <p:cNvSpPr txBox="1"/>
           <p:nvPr>
             <p:ph idx="4294967295" type="ctrTitle"/>
@@ -49904,12 +50431,12 @@
 </p:sld>
 </file>
 
-<file path=ppt/slides/slide24.xml><?xml version="1.0" encoding="utf-8"?>
+<file path=ppt/slides/slide26.xml><?xml version="1.0" encoding="utf-8"?>
 <p:sld xmlns:a="http://schemas.openxmlformats.org/drawingml/2006/main" xmlns:r="http://schemas.openxmlformats.org/officeDocument/2006/relationships" xmlns:mc="http://schemas.openxmlformats.org/markup-compatibility/2006" xmlns:mv="urn:schemas-microsoft-com:mac:vml" xmlns:p="http://schemas.openxmlformats.org/presentationml/2006/main" xmlns:c="http://schemas.openxmlformats.org/drawingml/2006/chart" xmlns:dgm="http://schemas.openxmlformats.org/drawingml/2006/diagram" xmlns:o="urn:schemas-microsoft-com:office:office" xmlns:v="urn:schemas-microsoft-com:vml" xmlns:pvml="urn:schemas-microsoft-com:office:powerpoint" xmlns:com="http://schemas.openxmlformats.org/drawingml/2006/compatibility" xmlns:p14="http://schemas.microsoft.com/office/powerpoint/2010/main" xmlns:p15="http://schemas.microsoft.com/office/powerpoint/2012/main" xmlns:ahyp="http://schemas.microsoft.com/office/drawing/2018/hyperlinkcolor">
   <p:cSld>
     <p:spTree>
       <p:nvGrpSpPr>
-        <p:cNvPr id="508" name="Shape 508"/>
+        <p:cNvPr id="521" name="Shape 521"/>
         <p:cNvGrpSpPr/>
         <p:nvPr/>
       </p:nvGrpSpPr>
@@ -49923,7 +50450,7 @@
       </p:grpSpPr>
       <p:sp>
         <p:nvSpPr>
-          <p:cNvPr id="509" name="Google Shape;509;p54"/>
+          <p:cNvPr id="522" name="Google Shape;522;p56"/>
           <p:cNvSpPr txBox="1"/>
           <p:nvPr>
             <p:ph type="title"/>
@@ -49963,7 +50490,7 @@
       </p:sp>
       <p:sp>
         <p:nvSpPr>
-          <p:cNvPr id="510" name="Google Shape;510;p54"/>
+          <p:cNvPr id="523" name="Google Shape;523;p56"/>
           <p:cNvSpPr txBox="1"/>
           <p:nvPr>
             <p:ph idx="4294967295" type="subTitle"/>
@@ -50042,7 +50569,11 @@
                 </a:solidFill>
                 <a:hlinkClick r:id="rId5"/>
               </a:rPr>
-              <a:t>https://www.kaggle.com/viznrvn/optimal-parameters-for-svc-using-gridsearch</a:t>
+              <a:t>https://www.kaggle.com/hatone/mlpclassifier-with-gridsearchcv</a:t>
+            </a:r>
+            <a:r>
+              <a:rPr lang="en" sz="1400"/>
+              <a:t> </a:t>
             </a:r>
             <a:endParaRPr sz="1400"/>
           </a:p>
@@ -50124,8 +50655,17 @@
               <a:buNone/>
             </a:pPr>
             <a:r>
+              <a:rPr lang="en" sz="1400" u="sng">
+                <a:solidFill>
+                  <a:schemeClr val="hlink"/>
+                </a:solidFill>
+                <a:hlinkClick r:id="rId9"/>
+              </a:rPr>
+              <a:t>https://scikit-learn.org/stable/index.html</a:t>
+            </a:r>
+            <a:r>
               <a:rPr lang="en" sz="1400"/>
-              <a:t>https://scikit-learn.org/stable/index.html</a:t>
+              <a:t> </a:t>
             </a:r>
             <a:endParaRPr sz="1400"/>
           </a:p>
@@ -50159,7 +50699,7 @@
   <p:cSld>
     <p:spTree>
       <p:nvGrpSpPr>
-        <p:cNvPr id="350" name="Shape 350"/>
+        <p:cNvPr id="351" name="Shape 351"/>
         <p:cNvGrpSpPr/>
         <p:nvPr/>
       </p:nvGrpSpPr>
@@ -50173,7 +50713,7 @@
       </p:grpSpPr>
       <p:sp>
         <p:nvSpPr>
-          <p:cNvPr id="351" name="Google Shape;351;p33"/>
+          <p:cNvPr id="352" name="Google Shape;352;p33"/>
           <p:cNvSpPr/>
           <p:nvPr/>
         </p:nvSpPr>
@@ -50239,7 +50779,7 @@
       </p:sp>
       <p:sp>
         <p:nvSpPr>
-          <p:cNvPr id="352" name="Google Shape;352;p33"/>
+          <p:cNvPr id="353" name="Google Shape;353;p33"/>
           <p:cNvSpPr txBox="1"/>
           <p:nvPr>
             <p:ph type="ctrTitle"/>
@@ -50279,7 +50819,7 @@
       </p:sp>
       <p:sp>
         <p:nvSpPr>
-          <p:cNvPr id="353" name="Google Shape;353;p33"/>
+          <p:cNvPr id="354" name="Google Shape;354;p33"/>
           <p:cNvSpPr txBox="1"/>
           <p:nvPr>
             <p:ph idx="2" type="title"/>
@@ -50330,7 +50870,7 @@
   <p:cSld>
     <p:spTree>
       <p:nvGrpSpPr>
-        <p:cNvPr id="357" name="Shape 357"/>
+        <p:cNvPr id="358" name="Shape 358"/>
         <p:cNvGrpSpPr/>
         <p:nvPr/>
       </p:nvGrpSpPr>
@@ -50344,7 +50884,7 @@
       </p:grpSpPr>
       <p:sp>
         <p:nvSpPr>
-          <p:cNvPr id="358" name="Google Shape;358;p34"/>
+          <p:cNvPr id="359" name="Google Shape;359;p34"/>
           <p:cNvSpPr txBox="1"/>
           <p:nvPr>
             <p:ph type="title"/>
@@ -50384,7 +50924,7 @@
       </p:sp>
       <p:sp>
         <p:nvSpPr>
-          <p:cNvPr id="359" name="Google Shape;359;p34"/>
+          <p:cNvPr id="360" name="Google Shape;360;p34"/>
           <p:cNvSpPr txBox="1"/>
           <p:nvPr>
             <p:ph idx="1" type="subTitle"/>
@@ -50424,7 +50964,7 @@
       </p:sp>
       <p:grpSp>
         <p:nvGrpSpPr>
-          <p:cNvPr id="360" name="Google Shape;360;p34"/>
+          <p:cNvPr id="361" name="Google Shape;361;p34"/>
           <p:cNvGrpSpPr/>
           <p:nvPr/>
         </p:nvGrpSpPr>
@@ -50438,7 +50978,7 @@
         </p:grpSpPr>
         <p:grpSp>
           <p:nvGrpSpPr>
-            <p:cNvPr id="361" name="Google Shape;361;p34"/>
+            <p:cNvPr id="362" name="Google Shape;362;p34"/>
             <p:cNvGrpSpPr/>
             <p:nvPr/>
           </p:nvGrpSpPr>
@@ -50452,7 +50992,7 @@
           </p:grpSpPr>
           <p:sp>
             <p:nvSpPr>
-              <p:cNvPr id="362" name="Google Shape;362;p34"/>
+              <p:cNvPr id="363" name="Google Shape;363;p34"/>
               <p:cNvSpPr/>
               <p:nvPr/>
             </p:nvSpPr>
@@ -50475,67 +51015,6 @@
                       <a:pt x="2" y="1"/>
                       <a:pt x="1" y="1"/>
                       <a:pt x="7" y="1"/>
-                    </a:cubicBezTo>
-                    <a:close/>
-                  </a:path>
-                </a:pathLst>
-              </a:custGeom>
-              <a:solidFill>
-                <a:schemeClr val="accent4"/>
-              </a:solidFill>
-              <a:ln>
-                <a:noFill/>
-              </a:ln>
-            </p:spPr>
-            <p:txBody>
-              <a:bodyPr anchorCtr="0" anchor="ctr" bIns="91425" lIns="91425" spcFirstLastPara="1" rIns="91425" wrap="square" tIns="91425">
-                <a:noAutofit/>
-              </a:bodyPr>
-              <a:lstStyle/>
-              <a:p>
-                <a:pPr indent="0" lvl="0" marL="0" rtl="0" algn="l">
-                  <a:spcBef>
-                    <a:spcPts val="0"/>
-                  </a:spcBef>
-                  <a:spcAft>
-                    <a:spcPts val="0"/>
-                  </a:spcAft>
-                  <a:buNone/>
-                </a:pPr>
-                <a:r>
-                  <a:t/>
-                </a:r>
-                <a:endParaRPr/>
-              </a:p>
-            </p:txBody>
-          </p:sp>
-          <p:sp>
-            <p:nvSpPr>
-              <p:cNvPr id="363" name="Google Shape;363;p34"/>
-              <p:cNvSpPr/>
-              <p:nvPr/>
-            </p:nvSpPr>
-            <p:spPr>
-              <a:xfrm>
-                <a:off x="6430588" y="3180275"/>
-                <a:ext cx="125" cy="50"/>
-              </a:xfrm>
-              <a:custGeom>
-                <a:rect b="b" l="l" r="r" t="t"/>
-                <a:pathLst>
-                  <a:path extrusionOk="0" h="2" w="5">
-                    <a:moveTo>
-                      <a:pt x="3" y="0"/>
-                    </a:moveTo>
-                    <a:cubicBezTo>
-                      <a:pt x="0" y="0"/>
-                      <a:pt x="3" y="0"/>
-                      <a:pt x="4" y="2"/>
-                    </a:cubicBezTo>
-                    <a:cubicBezTo>
-                      <a:pt x="4" y="2"/>
-                      <a:pt x="3" y="0"/>
-                      <a:pt x="3" y="0"/>
                     </a:cubicBezTo>
                     <a:close/>
                   </a:path>
@@ -50578,2477 +51057,25 @@
             </p:nvSpPr>
             <p:spPr>
               <a:xfrm>
-                <a:off x="6411063" y="3140125"/>
-                <a:ext cx="62100" cy="209275"/>
+                <a:off x="6430588" y="3180275"/>
+                <a:ext cx="125" cy="50"/>
               </a:xfrm>
               <a:custGeom>
                 <a:rect b="b" l="l" r="r" t="t"/>
                 <a:pathLst>
-                  <a:path extrusionOk="0" h="8371" w="2484">
+                  <a:path extrusionOk="0" h="2" w="5">
                     <a:moveTo>
-                      <a:pt x="1808" y="754"/>
+                      <a:pt x="3" y="0"/>
                     </a:moveTo>
                     <a:cubicBezTo>
-                      <a:pt x="1812" y="757"/>
-                      <a:pt x="1816" y="760"/>
-                      <a:pt x="1820" y="763"/>
-                    </a:cubicBezTo>
-                    <a:cubicBezTo>
-                      <a:pt x="1813" y="759"/>
-                      <a:pt x="1809" y="756"/>
-                      <a:pt x="1808" y="754"/>
-                    </a:cubicBezTo>
-                    <a:close/>
-                    <a:moveTo>
-                      <a:pt x="912" y="1582"/>
-                    </a:moveTo>
-                    <a:cubicBezTo>
-                      <a:pt x="912" y="1582"/>
-                      <a:pt x="912" y="1583"/>
-                      <a:pt x="912" y="1584"/>
-                    </a:cubicBezTo>
-                    <a:lnTo>
-                      <a:pt x="912" y="1584"/>
-                    </a:lnTo>
-                    <a:cubicBezTo>
-                      <a:pt x="912" y="1583"/>
-                      <a:pt x="912" y="1582"/>
-                      <a:pt x="912" y="1582"/>
-                    </a:cubicBezTo>
-                    <a:close/>
-                    <a:moveTo>
-                      <a:pt x="854" y="1621"/>
-                    </a:moveTo>
-                    <a:cubicBezTo>
-                      <a:pt x="854" y="1622"/>
-                      <a:pt x="854" y="1622"/>
-                      <a:pt x="853" y="1623"/>
-                    </a:cubicBezTo>
-                    <a:lnTo>
-                      <a:pt x="853" y="1623"/>
-                    </a:lnTo>
-                    <a:cubicBezTo>
-                      <a:pt x="854" y="1623"/>
-                      <a:pt x="854" y="1622"/>
-                      <a:pt x="854" y="1621"/>
-                    </a:cubicBezTo>
-                    <a:close/>
-                    <a:moveTo>
-                      <a:pt x="732" y="1633"/>
-                    </a:moveTo>
-                    <a:cubicBezTo>
-                      <a:pt x="732" y="1633"/>
-                      <a:pt x="732" y="1633"/>
-                      <a:pt x="733" y="1633"/>
-                    </a:cubicBezTo>
-                    <a:lnTo>
-                      <a:pt x="733" y="1633"/>
-                    </a:lnTo>
-                    <a:cubicBezTo>
-                      <a:pt x="732" y="1633"/>
-                      <a:pt x="732" y="1633"/>
-                      <a:pt x="732" y="1633"/>
-                    </a:cubicBezTo>
-                    <a:close/>
-                    <a:moveTo>
-                      <a:pt x="657" y="1714"/>
-                    </a:moveTo>
-                    <a:cubicBezTo>
-                      <a:pt x="659" y="1716"/>
-                      <a:pt x="659" y="1717"/>
-                      <a:pt x="657" y="1717"/>
-                    </a:cubicBezTo>
-                    <a:cubicBezTo>
-                      <a:pt x="657" y="1716"/>
-                      <a:pt x="657" y="1714"/>
-                      <a:pt x="657" y="1714"/>
-                    </a:cubicBezTo>
-                    <a:close/>
-                    <a:moveTo>
-                      <a:pt x="643" y="2118"/>
-                    </a:moveTo>
-                    <a:lnTo>
-                      <a:pt x="643" y="2118"/>
-                    </a:lnTo>
-                    <a:cubicBezTo>
-                      <a:pt x="639" y="2127"/>
-                      <a:pt x="635" y="2136"/>
-                      <a:pt x="634" y="2143"/>
-                    </a:cubicBezTo>
-                    <a:lnTo>
-                      <a:pt x="634" y="2143"/>
-                    </a:lnTo>
-                    <a:cubicBezTo>
-                      <a:pt x="634" y="2140"/>
-                      <a:pt x="632" y="2137"/>
-                      <a:pt x="630" y="2135"/>
-                    </a:cubicBezTo>
-                    <a:lnTo>
-                      <a:pt x="630" y="2135"/>
-                    </a:lnTo>
-                    <a:cubicBezTo>
-                      <a:pt x="634" y="2129"/>
-                      <a:pt x="639" y="2124"/>
-                      <a:pt x="643" y="2118"/>
-                    </a:cubicBezTo>
-                    <a:close/>
-                    <a:moveTo>
-                      <a:pt x="639" y="2225"/>
-                    </a:moveTo>
-                    <a:cubicBezTo>
-                      <a:pt x="638" y="2226"/>
-                      <a:pt x="638" y="2227"/>
-                      <a:pt x="638" y="2228"/>
-                    </a:cubicBezTo>
-                    <a:cubicBezTo>
-                      <a:pt x="639" y="2227"/>
-                      <a:pt x="639" y="2226"/>
-                      <a:pt x="639" y="2225"/>
-                    </a:cubicBezTo>
-                    <a:close/>
-                    <a:moveTo>
-                      <a:pt x="618" y="2148"/>
-                    </a:moveTo>
-                    <a:lnTo>
-                      <a:pt x="618" y="2148"/>
-                    </a:lnTo>
-                    <a:cubicBezTo>
-                      <a:pt x="619" y="2155"/>
-                      <a:pt x="620" y="2161"/>
-                      <a:pt x="621" y="2169"/>
-                    </a:cubicBezTo>
-                    <a:cubicBezTo>
-                      <a:pt x="621" y="2167"/>
-                      <a:pt x="621" y="2167"/>
-                      <a:pt x="622" y="2167"/>
-                    </a:cubicBezTo>
-                    <a:cubicBezTo>
-                      <a:pt x="622" y="2167"/>
-                      <a:pt x="622" y="2167"/>
-                      <a:pt x="622" y="2167"/>
-                    </a:cubicBezTo>
-                    <a:cubicBezTo>
-                      <a:pt x="622" y="2167"/>
-                      <a:pt x="624" y="2180"/>
-                      <a:pt x="624" y="2182"/>
-                    </a:cubicBezTo>
-                    <a:cubicBezTo>
-                      <a:pt x="622" y="2177"/>
-                      <a:pt x="622" y="2173"/>
-                      <a:pt x="621" y="2169"/>
-                    </a:cubicBezTo>
-                    <a:lnTo>
-                      <a:pt x="621" y="2169"/>
-                    </a:lnTo>
-                    <a:cubicBezTo>
-                      <a:pt x="617" y="2174"/>
-                      <a:pt x="627" y="2195"/>
-                      <a:pt x="627" y="2201"/>
-                    </a:cubicBezTo>
-                    <a:cubicBezTo>
-                      <a:pt x="628" y="2205"/>
-                      <a:pt x="629" y="2207"/>
-                      <a:pt x="629" y="2207"/>
-                    </a:cubicBezTo>
-                    <a:cubicBezTo>
-                      <a:pt x="630" y="2207"/>
-                      <a:pt x="630" y="2206"/>
-                      <a:pt x="630" y="2205"/>
-                    </a:cubicBezTo>
-                    <a:cubicBezTo>
-                      <a:pt x="627" y="2198"/>
-                      <a:pt x="624" y="2190"/>
-                      <a:pt x="628" y="2183"/>
-                    </a:cubicBezTo>
-                    <a:cubicBezTo>
-                      <a:pt x="628" y="2183"/>
-                      <a:pt x="628" y="2183"/>
-                      <a:pt x="628" y="2183"/>
-                    </a:cubicBezTo>
-                    <a:cubicBezTo>
-                      <a:pt x="628" y="2183"/>
-                      <a:pt x="630" y="2198"/>
-                      <a:pt x="630" y="2205"/>
-                    </a:cubicBezTo>
-                    <a:cubicBezTo>
-                      <a:pt x="633" y="2211"/>
-                      <a:pt x="638" y="2218"/>
-                      <a:pt x="639" y="2225"/>
-                    </a:cubicBezTo>
-                    <a:lnTo>
-                      <a:pt x="639" y="2225"/>
-                    </a:lnTo>
-                    <a:cubicBezTo>
-                      <a:pt x="639" y="2217"/>
-                      <a:pt x="639" y="2214"/>
-                      <a:pt x="639" y="2214"/>
-                    </a:cubicBezTo>
-                    <a:cubicBezTo>
-                      <a:pt x="639" y="2214"/>
-                      <a:pt x="641" y="2226"/>
-                      <a:pt x="647" y="2237"/>
-                    </a:cubicBezTo>
-                    <a:cubicBezTo>
-                      <a:pt x="647" y="2228"/>
-                      <a:pt x="647" y="2220"/>
-                      <a:pt x="649" y="2211"/>
-                    </a:cubicBezTo>
-                    <a:lnTo>
-                      <a:pt x="649" y="2211"/>
-                    </a:lnTo>
-                    <a:cubicBezTo>
-                      <a:pt x="647" y="2224"/>
-                      <a:pt x="653" y="2234"/>
-                      <a:pt x="653" y="2246"/>
-                    </a:cubicBezTo>
-                    <a:lnTo>
-                      <a:pt x="653" y="2225"/>
-                    </a:lnTo>
-                    <a:cubicBezTo>
-                      <a:pt x="653" y="2238"/>
-                      <a:pt x="662" y="2250"/>
-                      <a:pt x="666" y="2260"/>
-                    </a:cubicBezTo>
-                    <a:cubicBezTo>
-                      <a:pt x="667" y="2255"/>
-                      <a:pt x="667" y="2247"/>
-                      <a:pt x="669" y="2241"/>
-                    </a:cubicBezTo>
-                    <a:cubicBezTo>
-                      <a:pt x="670" y="2249"/>
-                      <a:pt x="672" y="2253"/>
-                      <a:pt x="675" y="2259"/>
-                    </a:cubicBezTo>
-                    <a:cubicBezTo>
-                      <a:pt x="676" y="2256"/>
-                      <a:pt x="678" y="2252"/>
-                      <a:pt x="678" y="2247"/>
-                    </a:cubicBezTo>
-                    <a:cubicBezTo>
-                      <a:pt x="679" y="2254"/>
-                      <a:pt x="682" y="2261"/>
-                      <a:pt x="685" y="2261"/>
-                    </a:cubicBezTo>
-                    <a:cubicBezTo>
-                      <a:pt x="686" y="2261"/>
-                      <a:pt x="687" y="2258"/>
-                      <a:pt x="688" y="2250"/>
-                    </a:cubicBezTo>
-                    <a:cubicBezTo>
-                      <a:pt x="689" y="2256"/>
-                      <a:pt x="692" y="2260"/>
-                      <a:pt x="695" y="2265"/>
-                    </a:cubicBezTo>
-                    <a:cubicBezTo>
-                      <a:pt x="696" y="2261"/>
-                      <a:pt x="697" y="2258"/>
-                      <a:pt x="698" y="2254"/>
-                    </a:cubicBezTo>
-                    <a:lnTo>
-                      <a:pt x="698" y="2254"/>
-                    </a:lnTo>
-                    <a:cubicBezTo>
-                      <a:pt x="698" y="2260"/>
-                      <a:pt x="700" y="2265"/>
-                      <a:pt x="703" y="2265"/>
-                    </a:cubicBezTo>
-                    <a:cubicBezTo>
-                      <a:pt x="705" y="2265"/>
-                      <a:pt x="708" y="2263"/>
-                      <a:pt x="710" y="2257"/>
-                    </a:cubicBezTo>
-                    <a:cubicBezTo>
-                      <a:pt x="714" y="2262"/>
-                      <a:pt x="714" y="2266"/>
-                      <a:pt x="717" y="2271"/>
-                    </a:cubicBezTo>
-                    <a:cubicBezTo>
-                      <a:pt x="720" y="2267"/>
-                      <a:pt x="722" y="2266"/>
-                      <a:pt x="723" y="2266"/>
-                    </a:cubicBezTo>
-                    <a:cubicBezTo>
-                      <a:pt x="727" y="2266"/>
-                      <a:pt x="727" y="2274"/>
-                      <a:pt x="730" y="2274"/>
-                    </a:cubicBezTo>
-                    <a:cubicBezTo>
-                      <a:pt x="731" y="2274"/>
-                      <a:pt x="731" y="2274"/>
-                      <a:pt x="732" y="2273"/>
-                    </a:cubicBezTo>
-                    <a:cubicBezTo>
-                      <a:pt x="733" y="2272"/>
-                      <a:pt x="734" y="2265"/>
-                      <a:pt x="736" y="2263"/>
-                    </a:cubicBezTo>
-                    <a:cubicBezTo>
-                      <a:pt x="737" y="2266"/>
-                      <a:pt x="738" y="2268"/>
-                      <a:pt x="739" y="2268"/>
-                    </a:cubicBezTo>
-                    <a:cubicBezTo>
-                      <a:pt x="741" y="2268"/>
-                      <a:pt x="742" y="2264"/>
-                      <a:pt x="742" y="2259"/>
-                    </a:cubicBezTo>
-                    <a:cubicBezTo>
-                      <a:pt x="742" y="2260"/>
-                      <a:pt x="742" y="2260"/>
-                      <a:pt x="743" y="2262"/>
-                    </a:cubicBezTo>
-                    <a:cubicBezTo>
-                      <a:pt x="743" y="2260"/>
-                      <a:pt x="743" y="2259"/>
-                      <a:pt x="740" y="2253"/>
-                    </a:cubicBezTo>
-                    <a:cubicBezTo>
-                      <a:pt x="741" y="2252"/>
-                      <a:pt x="742" y="2251"/>
-                      <a:pt x="744" y="2251"/>
-                    </a:cubicBezTo>
-                    <a:cubicBezTo>
-                      <a:pt x="747" y="2251"/>
-                      <a:pt x="753" y="2257"/>
-                      <a:pt x="762" y="2287"/>
-                    </a:cubicBezTo>
-                    <a:cubicBezTo>
-                      <a:pt x="774" y="2320"/>
-                      <a:pt x="762" y="2378"/>
-                      <a:pt x="753" y="2418"/>
-                    </a:cubicBezTo>
-                    <a:cubicBezTo>
-                      <a:pt x="752" y="2418"/>
-                      <a:pt x="751" y="2416"/>
-                      <a:pt x="749" y="2416"/>
-                    </a:cubicBezTo>
-                    <a:cubicBezTo>
-                      <a:pt x="737" y="2416"/>
-                      <a:pt x="713" y="2375"/>
-                      <a:pt x="689" y="2361"/>
-                    </a:cubicBezTo>
-                    <a:cubicBezTo>
-                      <a:pt x="688" y="2361"/>
-                      <a:pt x="682" y="2359"/>
-                      <a:pt x="682" y="2358"/>
-                    </a:cubicBezTo>
-                    <a:cubicBezTo>
-                      <a:pt x="682" y="2354"/>
-                      <a:pt x="672" y="2346"/>
-                      <a:pt x="667" y="2339"/>
-                    </a:cubicBezTo>
-                    <a:lnTo>
-                      <a:pt x="669" y="2336"/>
-                    </a:lnTo>
-                    <a:cubicBezTo>
-                      <a:pt x="666" y="2332"/>
-                      <a:pt x="663" y="2326"/>
-                      <a:pt x="660" y="2320"/>
-                    </a:cubicBezTo>
-                    <a:cubicBezTo>
-                      <a:pt x="657" y="2314"/>
-                      <a:pt x="656" y="2310"/>
-                      <a:pt x="653" y="2307"/>
-                    </a:cubicBezTo>
-                    <a:cubicBezTo>
-                      <a:pt x="643" y="2291"/>
-                      <a:pt x="631" y="2271"/>
-                      <a:pt x="618" y="2247"/>
-                    </a:cubicBezTo>
-                    <a:cubicBezTo>
-                      <a:pt x="595" y="2209"/>
-                      <a:pt x="603" y="2196"/>
-                      <a:pt x="608" y="2164"/>
-                    </a:cubicBezTo>
-                    <a:cubicBezTo>
-                      <a:pt x="608" y="2160"/>
-                      <a:pt x="612" y="2156"/>
-                      <a:pt x="616" y="2150"/>
-                    </a:cubicBezTo>
-                    <a:lnTo>
-                      <a:pt x="616" y="2150"/>
-                    </a:lnTo>
-                    <a:cubicBezTo>
-                      <a:pt x="616" y="2150"/>
-                      <a:pt x="616" y="2151"/>
-                      <a:pt x="617" y="2151"/>
-                    </a:cubicBezTo>
-                    <a:cubicBezTo>
-                      <a:pt x="617" y="2151"/>
-                      <a:pt x="616" y="2150"/>
-                      <a:pt x="616" y="2150"/>
-                    </a:cubicBezTo>
-                    <a:lnTo>
-                      <a:pt x="616" y="2150"/>
-                    </a:lnTo>
-                    <a:cubicBezTo>
-                      <a:pt x="617" y="2149"/>
-                      <a:pt x="617" y="2149"/>
-                      <a:pt x="618" y="2148"/>
-                    </a:cubicBezTo>
-                    <a:close/>
-                    <a:moveTo>
-                      <a:pt x="2060" y="0"/>
-                    </a:moveTo>
-                    <a:cubicBezTo>
-                      <a:pt x="2027" y="0"/>
-                      <a:pt x="1992" y="4"/>
-                      <a:pt x="1958" y="13"/>
-                    </a:cubicBezTo>
-                    <a:cubicBezTo>
-                      <a:pt x="1878" y="33"/>
-                      <a:pt x="1810" y="75"/>
-                      <a:pt x="1757" y="132"/>
-                    </a:cubicBezTo>
-                    <a:lnTo>
-                      <a:pt x="1756" y="132"/>
-                    </a:lnTo>
-                    <a:lnTo>
-                      <a:pt x="1754" y="135"/>
-                    </a:lnTo>
-                    <a:cubicBezTo>
-                      <a:pt x="1728" y="163"/>
-                      <a:pt x="1706" y="193"/>
-                      <a:pt x="1689" y="228"/>
-                    </a:cubicBezTo>
-                    <a:lnTo>
-                      <a:pt x="1687" y="230"/>
-                    </a:lnTo>
-                    <a:cubicBezTo>
-                      <a:pt x="1643" y="317"/>
-                      <a:pt x="1629" y="421"/>
-                      <a:pt x="1655" y="524"/>
-                    </a:cubicBezTo>
-                    <a:cubicBezTo>
-                      <a:pt x="1679" y="619"/>
-                      <a:pt x="1735" y="699"/>
-                      <a:pt x="1808" y="754"/>
-                    </a:cubicBezTo>
-                    <a:lnTo>
-                      <a:pt x="1808" y="754"/>
-                    </a:lnTo>
-                    <a:cubicBezTo>
-                      <a:pt x="1808" y="769"/>
-                      <a:pt x="1811" y="796"/>
-                      <a:pt x="1821" y="808"/>
-                    </a:cubicBezTo>
-                    <a:cubicBezTo>
-                      <a:pt x="1831" y="820"/>
-                      <a:pt x="1885" y="881"/>
-                      <a:pt x="1898" y="903"/>
-                    </a:cubicBezTo>
-                    <a:cubicBezTo>
-                      <a:pt x="1913" y="926"/>
-                      <a:pt x="1949" y="984"/>
-                      <a:pt x="1964" y="1027"/>
-                    </a:cubicBezTo>
-                    <a:cubicBezTo>
-                      <a:pt x="1979" y="1070"/>
-                      <a:pt x="2030" y="1316"/>
-                      <a:pt x="2038" y="1369"/>
-                    </a:cubicBezTo>
-                    <a:cubicBezTo>
-                      <a:pt x="2046" y="1420"/>
-                      <a:pt x="2075" y="1618"/>
-                      <a:pt x="2085" y="1701"/>
-                    </a:cubicBezTo>
-                    <a:cubicBezTo>
-                      <a:pt x="2095" y="1784"/>
-                      <a:pt x="2107" y="1871"/>
-                      <a:pt x="2108" y="1889"/>
-                    </a:cubicBezTo>
-                    <a:cubicBezTo>
-                      <a:pt x="2110" y="1906"/>
-                      <a:pt x="2114" y="1937"/>
-                      <a:pt x="2089" y="1957"/>
-                    </a:cubicBezTo>
-                    <a:cubicBezTo>
-                      <a:pt x="2063" y="1976"/>
-                      <a:pt x="1971" y="2036"/>
-                      <a:pt x="1914" y="2110"/>
-                    </a:cubicBezTo>
-                    <a:cubicBezTo>
-                      <a:pt x="1856" y="2186"/>
-                      <a:pt x="1801" y="2282"/>
-                      <a:pt x="1759" y="2289"/>
-                    </a:cubicBezTo>
-                    <a:cubicBezTo>
-                      <a:pt x="1716" y="2295"/>
-                      <a:pt x="1693" y="2300"/>
-                      <a:pt x="1610" y="2329"/>
-                    </a:cubicBezTo>
-                    <a:cubicBezTo>
-                      <a:pt x="1527" y="2358"/>
-                      <a:pt x="1445" y="2396"/>
-                      <a:pt x="1394" y="2440"/>
-                    </a:cubicBezTo>
-                    <a:cubicBezTo>
-                      <a:pt x="1370" y="2460"/>
-                      <a:pt x="1346" y="2477"/>
-                      <a:pt x="1327" y="2492"/>
-                    </a:cubicBezTo>
-                    <a:cubicBezTo>
-                      <a:pt x="1323" y="2483"/>
-                      <a:pt x="1322" y="2477"/>
-                      <a:pt x="1322" y="2474"/>
-                    </a:cubicBezTo>
-                    <a:cubicBezTo>
-                      <a:pt x="1323" y="2461"/>
-                      <a:pt x="1300" y="2426"/>
-                      <a:pt x="1288" y="2407"/>
-                    </a:cubicBezTo>
-                    <a:cubicBezTo>
-                      <a:pt x="1287" y="2409"/>
-                      <a:pt x="1285" y="2409"/>
-                      <a:pt x="1285" y="2409"/>
-                    </a:cubicBezTo>
-                    <a:lnTo>
-                      <a:pt x="1284" y="2409"/>
-                    </a:lnTo>
-                    <a:cubicBezTo>
-                      <a:pt x="1284" y="2410"/>
-                      <a:pt x="1282" y="2410"/>
-                      <a:pt x="1282" y="2410"/>
-                    </a:cubicBezTo>
-                    <a:cubicBezTo>
-                      <a:pt x="1277" y="2414"/>
-                      <a:pt x="1283" y="2416"/>
-                      <a:pt x="1281" y="2416"/>
-                    </a:cubicBezTo>
-                    <a:cubicBezTo>
-                      <a:pt x="1280" y="2416"/>
-                      <a:pt x="1276" y="2416"/>
-                      <a:pt x="1263" y="2413"/>
-                    </a:cubicBezTo>
-                    <a:cubicBezTo>
-                      <a:pt x="1263" y="2412"/>
-                      <a:pt x="1253" y="2409"/>
-                      <a:pt x="1244" y="2406"/>
-                    </a:cubicBezTo>
-                    <a:cubicBezTo>
-                      <a:pt x="1195" y="2390"/>
-                      <a:pt x="1161" y="2384"/>
-                      <a:pt x="1145" y="2380"/>
-                    </a:cubicBezTo>
-                    <a:cubicBezTo>
-                      <a:pt x="1142" y="2387"/>
-                      <a:pt x="1141" y="2397"/>
-                      <a:pt x="1138" y="2407"/>
-                    </a:cubicBezTo>
-                    <a:cubicBezTo>
-                      <a:pt x="1137" y="2409"/>
-                      <a:pt x="1137" y="2410"/>
-                      <a:pt x="1137" y="2412"/>
-                    </a:cubicBezTo>
-                    <a:cubicBezTo>
-                      <a:pt x="1131" y="2386"/>
-                      <a:pt x="1122" y="2351"/>
-                      <a:pt x="1119" y="2323"/>
-                    </a:cubicBezTo>
-                    <a:cubicBezTo>
-                      <a:pt x="1116" y="2281"/>
-                      <a:pt x="1141" y="2282"/>
-                      <a:pt x="1174" y="2275"/>
-                    </a:cubicBezTo>
-                    <a:cubicBezTo>
-                      <a:pt x="1206" y="2269"/>
-                      <a:pt x="1205" y="2252"/>
-                      <a:pt x="1208" y="2233"/>
-                    </a:cubicBezTo>
-                    <a:cubicBezTo>
-                      <a:pt x="1211" y="2214"/>
-                      <a:pt x="1205" y="2186"/>
-                      <a:pt x="1222" y="2163"/>
-                    </a:cubicBezTo>
-                    <a:cubicBezTo>
-                      <a:pt x="1240" y="2139"/>
-                      <a:pt x="1231" y="2075"/>
-                      <a:pt x="1221" y="2046"/>
-                    </a:cubicBezTo>
-                    <a:cubicBezTo>
-                      <a:pt x="1209" y="2019"/>
-                      <a:pt x="1198" y="1973"/>
-                      <a:pt x="1201" y="1941"/>
-                    </a:cubicBezTo>
-                    <a:cubicBezTo>
-                      <a:pt x="1202" y="1908"/>
-                      <a:pt x="1204" y="1870"/>
-                      <a:pt x="1196" y="1852"/>
-                    </a:cubicBezTo>
-                    <a:cubicBezTo>
-                      <a:pt x="1189" y="1835"/>
-                      <a:pt x="1148" y="1761"/>
-                      <a:pt x="1148" y="1756"/>
-                    </a:cubicBezTo>
-                    <a:cubicBezTo>
-                      <a:pt x="1167" y="1734"/>
-                      <a:pt x="1193" y="1700"/>
-                      <a:pt x="1183" y="1665"/>
-                    </a:cubicBezTo>
-                    <a:cubicBezTo>
-                      <a:pt x="1182" y="1660"/>
-                      <a:pt x="1180" y="1637"/>
-                      <a:pt x="1176" y="1635"/>
-                    </a:cubicBezTo>
-                    <a:cubicBezTo>
-                      <a:pt x="1173" y="1635"/>
-                      <a:pt x="1176" y="1641"/>
-                      <a:pt x="1176" y="1641"/>
-                    </a:cubicBezTo>
-                    <a:cubicBezTo>
-                      <a:pt x="1179" y="1649"/>
-                      <a:pt x="1179" y="1654"/>
-                      <a:pt x="1177" y="1662"/>
-                    </a:cubicBezTo>
-                    <a:cubicBezTo>
-                      <a:pt x="1177" y="1673"/>
-                      <a:pt x="1169" y="1685"/>
-                      <a:pt x="1161" y="1692"/>
-                    </a:cubicBezTo>
-                    <a:cubicBezTo>
-                      <a:pt x="1158" y="1696"/>
-                      <a:pt x="1156" y="1698"/>
-                      <a:pt x="1155" y="1698"/>
-                    </a:cubicBezTo>
-                    <a:cubicBezTo>
-                      <a:pt x="1151" y="1698"/>
-                      <a:pt x="1164" y="1667"/>
-                      <a:pt x="1166" y="1654"/>
-                    </a:cubicBezTo>
-                    <a:cubicBezTo>
-                      <a:pt x="1166" y="1648"/>
-                      <a:pt x="1154" y="1627"/>
-                      <a:pt x="1153" y="1627"/>
-                    </a:cubicBezTo>
-                    <a:lnTo>
-                      <a:pt x="1153" y="1627"/>
-                    </a:lnTo>
-                    <a:cubicBezTo>
-                      <a:pt x="1152" y="1627"/>
-                      <a:pt x="1152" y="1628"/>
-                      <a:pt x="1153" y="1630"/>
-                    </a:cubicBezTo>
-                    <a:cubicBezTo>
-                      <a:pt x="1157" y="1650"/>
-                      <a:pt x="1153" y="1665"/>
-                      <a:pt x="1141" y="1682"/>
-                    </a:cubicBezTo>
-                    <a:cubicBezTo>
-                      <a:pt x="1144" y="1665"/>
-                      <a:pt x="1153" y="1651"/>
-                      <a:pt x="1148" y="1633"/>
-                    </a:cubicBezTo>
-                    <a:cubicBezTo>
-                      <a:pt x="1145" y="1621"/>
-                      <a:pt x="1138" y="1612"/>
-                      <a:pt x="1134" y="1600"/>
-                    </a:cubicBezTo>
-                    <a:lnTo>
-                      <a:pt x="1134" y="1600"/>
-                    </a:lnTo>
-                    <a:cubicBezTo>
-                      <a:pt x="1132" y="1611"/>
-                      <a:pt x="1135" y="1621"/>
-                      <a:pt x="1134" y="1631"/>
-                    </a:cubicBezTo>
-                    <a:cubicBezTo>
-                      <a:pt x="1131" y="1660"/>
-                      <a:pt x="1128" y="1666"/>
-                      <a:pt x="1123" y="1666"/>
-                    </a:cubicBezTo>
-                    <a:cubicBezTo>
-                      <a:pt x="1123" y="1659"/>
-                      <a:pt x="1125" y="1650"/>
-                      <a:pt x="1125" y="1641"/>
-                    </a:cubicBezTo>
-                    <a:cubicBezTo>
-                      <a:pt x="1126" y="1635"/>
-                      <a:pt x="1123" y="1630"/>
-                      <a:pt x="1122" y="1625"/>
-                    </a:cubicBezTo>
-                    <a:lnTo>
-                      <a:pt x="1122" y="1625"/>
-                    </a:lnTo>
-                    <a:cubicBezTo>
-                      <a:pt x="1123" y="1633"/>
-                      <a:pt x="1119" y="1646"/>
-                      <a:pt x="1116" y="1651"/>
-                    </a:cubicBezTo>
-                    <a:cubicBezTo>
-                      <a:pt x="1115" y="1646"/>
-                      <a:pt x="1118" y="1638"/>
-                      <a:pt x="1116" y="1633"/>
-                    </a:cubicBezTo>
-                    <a:cubicBezTo>
-                      <a:pt x="1116" y="1631"/>
-                      <a:pt x="1115" y="1630"/>
-                      <a:pt x="1115" y="1627"/>
-                    </a:cubicBezTo>
-                    <a:cubicBezTo>
-                      <a:pt x="1113" y="1631"/>
-                      <a:pt x="1115" y="1635"/>
-                      <a:pt x="1113" y="1638"/>
-                    </a:cubicBezTo>
-                    <a:cubicBezTo>
-                      <a:pt x="1112" y="1643"/>
-                      <a:pt x="1109" y="1644"/>
-                      <a:pt x="1104" y="1647"/>
-                    </a:cubicBezTo>
-                    <a:cubicBezTo>
-                      <a:pt x="1100" y="1633"/>
-                      <a:pt x="1094" y="1619"/>
-                      <a:pt x="1090" y="1603"/>
-                    </a:cubicBezTo>
-                    <a:cubicBezTo>
-                      <a:pt x="1089" y="1599"/>
-                      <a:pt x="1086" y="1576"/>
-                      <a:pt x="1086" y="1576"/>
-                    </a:cubicBezTo>
-                    <a:cubicBezTo>
-                      <a:pt x="1086" y="1576"/>
-                      <a:pt x="1086" y="1577"/>
-                      <a:pt x="1086" y="1577"/>
-                    </a:cubicBezTo>
-                    <a:cubicBezTo>
-                      <a:pt x="1086" y="1596"/>
-                      <a:pt x="1071" y="1614"/>
-                      <a:pt x="1077" y="1631"/>
-                    </a:cubicBezTo>
-                    <a:cubicBezTo>
-                      <a:pt x="1067" y="1621"/>
-                      <a:pt x="1058" y="1592"/>
-                      <a:pt x="1059" y="1576"/>
-                    </a:cubicBezTo>
-                    <a:lnTo>
-                      <a:pt x="1059" y="1576"/>
-                    </a:lnTo>
-                    <a:cubicBezTo>
-                      <a:pt x="1058" y="1592"/>
-                      <a:pt x="1054" y="1603"/>
-                      <a:pt x="1052" y="1619"/>
-                    </a:cubicBezTo>
-                    <a:cubicBezTo>
-                      <a:pt x="1049" y="1603"/>
-                      <a:pt x="1030" y="1565"/>
-                      <a:pt x="1013" y="1564"/>
-                    </a:cubicBezTo>
-                    <a:lnTo>
-                      <a:pt x="1013" y="1564"/>
-                    </a:lnTo>
-                    <a:cubicBezTo>
-                      <a:pt x="1017" y="1571"/>
-                      <a:pt x="1029" y="1611"/>
-                      <a:pt x="1019" y="1619"/>
-                    </a:cubicBezTo>
-                    <a:cubicBezTo>
-                      <a:pt x="1016" y="1614"/>
-                      <a:pt x="1017" y="1606"/>
-                      <a:pt x="1014" y="1600"/>
-                    </a:cubicBezTo>
-                    <a:cubicBezTo>
-                      <a:pt x="1013" y="1595"/>
-                      <a:pt x="1007" y="1590"/>
-                      <a:pt x="1003" y="1587"/>
-                    </a:cubicBezTo>
-                    <a:lnTo>
-                      <a:pt x="1003" y="1587"/>
-                    </a:lnTo>
-                    <a:cubicBezTo>
-                      <a:pt x="1004" y="1590"/>
-                      <a:pt x="1008" y="1599"/>
-                      <a:pt x="1005" y="1603"/>
-                    </a:cubicBezTo>
-                    <a:cubicBezTo>
-                      <a:pt x="1005" y="1603"/>
-                      <a:pt x="1001" y="1592"/>
-                      <a:pt x="998" y="1589"/>
-                    </a:cubicBezTo>
-                    <a:cubicBezTo>
-                      <a:pt x="994" y="1583"/>
-                      <a:pt x="987" y="1577"/>
-                      <a:pt x="978" y="1574"/>
-                    </a:cubicBezTo>
-                    <a:lnTo>
-                      <a:pt x="978" y="1574"/>
-                    </a:lnTo>
-                    <a:cubicBezTo>
-                      <a:pt x="978" y="1574"/>
-                      <a:pt x="979" y="1576"/>
-                      <a:pt x="979" y="1576"/>
-                    </a:cubicBezTo>
-                    <a:cubicBezTo>
-                      <a:pt x="982" y="1580"/>
-                      <a:pt x="987" y="1583"/>
-                      <a:pt x="989" y="1586"/>
-                    </a:cubicBezTo>
-                    <a:cubicBezTo>
-                      <a:pt x="989" y="1587"/>
-                      <a:pt x="989" y="1590"/>
-                      <a:pt x="989" y="1592"/>
-                    </a:cubicBezTo>
-                    <a:cubicBezTo>
-                      <a:pt x="991" y="1592"/>
-                      <a:pt x="991" y="1593"/>
-                      <a:pt x="989" y="1593"/>
-                    </a:cubicBezTo>
-                    <a:cubicBezTo>
-                      <a:pt x="988" y="1593"/>
-                      <a:pt x="988" y="1590"/>
-                      <a:pt x="988" y="1589"/>
-                    </a:cubicBezTo>
-                    <a:cubicBezTo>
-                      <a:pt x="984" y="1584"/>
-                      <a:pt x="979" y="1579"/>
-                      <a:pt x="973" y="1576"/>
-                    </a:cubicBezTo>
-                    <a:lnTo>
-                      <a:pt x="973" y="1576"/>
-                    </a:lnTo>
-                    <a:cubicBezTo>
-                      <a:pt x="975" y="1579"/>
-                      <a:pt x="976" y="1583"/>
-                      <a:pt x="976" y="1587"/>
-                    </a:cubicBezTo>
-                    <a:cubicBezTo>
-                      <a:pt x="972" y="1584"/>
-                      <a:pt x="969" y="1582"/>
-                      <a:pt x="965" y="1579"/>
-                    </a:cubicBezTo>
-                    <a:cubicBezTo>
-                      <a:pt x="964" y="1578"/>
-                      <a:pt x="964" y="1578"/>
-                      <a:pt x="964" y="1578"/>
-                    </a:cubicBezTo>
-                    <a:lnTo>
-                      <a:pt x="964" y="1578"/>
-                    </a:lnTo>
-                    <a:cubicBezTo>
-                      <a:pt x="961" y="1578"/>
-                      <a:pt x="973" y="1601"/>
-                      <a:pt x="970" y="1608"/>
-                    </a:cubicBezTo>
-                    <a:cubicBezTo>
-                      <a:pt x="970" y="1608"/>
-                      <a:pt x="970" y="1608"/>
-                      <a:pt x="970" y="1608"/>
-                    </a:cubicBezTo>
-                    <a:cubicBezTo>
-                      <a:pt x="969" y="1608"/>
-                      <a:pt x="962" y="1599"/>
-                      <a:pt x="962" y="1599"/>
-                    </a:cubicBezTo>
-                    <a:cubicBezTo>
-                      <a:pt x="947" y="1586"/>
-                      <a:pt x="938" y="1583"/>
-                      <a:pt x="931" y="1564"/>
-                    </a:cubicBezTo>
-                    <a:lnTo>
-                      <a:pt x="931" y="1564"/>
-                    </a:lnTo>
-                    <a:cubicBezTo>
-                      <a:pt x="934" y="1576"/>
-                      <a:pt x="932" y="1590"/>
-                      <a:pt x="935" y="1602"/>
-                    </a:cubicBezTo>
-                    <a:lnTo>
-                      <a:pt x="935" y="1602"/>
-                    </a:lnTo>
-                    <a:cubicBezTo>
-                      <a:pt x="933" y="1598"/>
-                      <a:pt x="931" y="1593"/>
-                      <a:pt x="930" y="1590"/>
-                    </a:cubicBezTo>
-                    <a:cubicBezTo>
-                      <a:pt x="928" y="1586"/>
-                      <a:pt x="927" y="1582"/>
-                      <a:pt x="924" y="1576"/>
-                    </a:cubicBezTo>
-                    <a:cubicBezTo>
-                      <a:pt x="922" y="1589"/>
-                      <a:pt x="921" y="1612"/>
-                      <a:pt x="912" y="1619"/>
-                    </a:cubicBezTo>
-                    <a:cubicBezTo>
-                      <a:pt x="909" y="1609"/>
-                      <a:pt x="911" y="1596"/>
-                      <a:pt x="912" y="1584"/>
-                    </a:cubicBezTo>
-                    <a:lnTo>
-                      <a:pt x="912" y="1584"/>
-                    </a:lnTo>
-                    <a:cubicBezTo>
-                      <a:pt x="910" y="1599"/>
-                      <a:pt x="903" y="1614"/>
-                      <a:pt x="896" y="1627"/>
-                    </a:cubicBezTo>
-                    <a:cubicBezTo>
-                      <a:pt x="892" y="1616"/>
-                      <a:pt x="895" y="1606"/>
-                      <a:pt x="895" y="1595"/>
-                    </a:cubicBezTo>
-                    <a:lnTo>
-                      <a:pt x="895" y="1595"/>
-                    </a:lnTo>
-                    <a:cubicBezTo>
-                      <a:pt x="889" y="1608"/>
-                      <a:pt x="877" y="1619"/>
-                      <a:pt x="870" y="1633"/>
-                    </a:cubicBezTo>
-                    <a:cubicBezTo>
-                      <a:pt x="870" y="1627"/>
-                      <a:pt x="871" y="1619"/>
-                      <a:pt x="873" y="1614"/>
-                    </a:cubicBezTo>
-                    <a:cubicBezTo>
-                      <a:pt x="874" y="1612"/>
-                      <a:pt x="875" y="1609"/>
-                      <a:pt x="875" y="1609"/>
-                    </a:cubicBezTo>
-                    <a:lnTo>
-                      <a:pt x="875" y="1609"/>
-                    </a:lnTo>
-                    <a:cubicBezTo>
-                      <a:pt x="875" y="1609"/>
-                      <a:pt x="875" y="1609"/>
-                      <a:pt x="874" y="1609"/>
-                    </a:cubicBezTo>
-                    <a:cubicBezTo>
-                      <a:pt x="871" y="1614"/>
-                      <a:pt x="864" y="1618"/>
-                      <a:pt x="863" y="1625"/>
-                    </a:cubicBezTo>
-                    <a:cubicBezTo>
-                      <a:pt x="863" y="1621"/>
-                      <a:pt x="864" y="1618"/>
-                      <a:pt x="864" y="1614"/>
-                    </a:cubicBezTo>
-                    <a:lnTo>
-                      <a:pt x="864" y="1614"/>
-                    </a:lnTo>
-                    <a:cubicBezTo>
-                      <a:pt x="863" y="1618"/>
-                      <a:pt x="860" y="1622"/>
-                      <a:pt x="857" y="1627"/>
-                    </a:cubicBezTo>
-                    <a:cubicBezTo>
-                      <a:pt x="855" y="1630"/>
-                      <a:pt x="854" y="1633"/>
-                      <a:pt x="852" y="1635"/>
-                    </a:cubicBezTo>
-                    <a:cubicBezTo>
-                      <a:pt x="852" y="1637"/>
-                      <a:pt x="851" y="1643"/>
-                      <a:pt x="851" y="1643"/>
-                    </a:cubicBezTo>
-                    <a:cubicBezTo>
-                      <a:pt x="849" y="1638"/>
-                      <a:pt x="851" y="1629"/>
-                      <a:pt x="853" y="1623"/>
-                    </a:cubicBezTo>
-                    <a:lnTo>
-                      <a:pt x="853" y="1623"/>
-                    </a:lnTo>
-                    <a:cubicBezTo>
-                      <a:pt x="851" y="1629"/>
-                      <a:pt x="846" y="1633"/>
-                      <a:pt x="844" y="1640"/>
-                    </a:cubicBezTo>
-                    <a:cubicBezTo>
-                      <a:pt x="842" y="1634"/>
-                      <a:pt x="845" y="1630"/>
-                      <a:pt x="845" y="1624"/>
-                    </a:cubicBezTo>
-                    <a:lnTo>
-                      <a:pt x="845" y="1624"/>
-                    </a:lnTo>
-                    <a:cubicBezTo>
-                      <a:pt x="845" y="1626"/>
-                      <a:pt x="840" y="1634"/>
-                      <a:pt x="839" y="1634"/>
-                    </a:cubicBezTo>
-                    <a:cubicBezTo>
-                      <a:pt x="839" y="1634"/>
-                      <a:pt x="839" y="1634"/>
-                      <a:pt x="839" y="1634"/>
-                    </a:cubicBezTo>
-                    <a:cubicBezTo>
-                      <a:pt x="839" y="1634"/>
-                      <a:pt x="839" y="1635"/>
-                      <a:pt x="839" y="1637"/>
-                    </a:cubicBezTo>
-                    <a:cubicBezTo>
-                      <a:pt x="838" y="1635"/>
-                      <a:pt x="839" y="1633"/>
-                      <a:pt x="839" y="1631"/>
-                    </a:cubicBezTo>
-                    <a:cubicBezTo>
-                      <a:pt x="839" y="1628"/>
-                      <a:pt x="836" y="1624"/>
-                      <a:pt x="835" y="1621"/>
-                    </a:cubicBezTo>
-                    <a:cubicBezTo>
-                      <a:pt x="835" y="1619"/>
-                      <a:pt x="828" y="1615"/>
-                      <a:pt x="828" y="1615"/>
-                    </a:cubicBezTo>
-                    <a:lnTo>
-                      <a:pt x="828" y="1615"/>
-                    </a:lnTo>
-                    <a:cubicBezTo>
-                      <a:pt x="828" y="1618"/>
-                      <a:pt x="832" y="1624"/>
-                      <a:pt x="834" y="1628"/>
-                    </a:cubicBezTo>
-                    <a:cubicBezTo>
-                      <a:pt x="829" y="1622"/>
-                      <a:pt x="826" y="1616"/>
-                      <a:pt x="818" y="1616"/>
-                    </a:cubicBezTo>
-                    <a:cubicBezTo>
-                      <a:pt x="819" y="1619"/>
-                      <a:pt x="831" y="1631"/>
-                      <a:pt x="825" y="1635"/>
-                    </a:cubicBezTo>
-                    <a:lnTo>
-                      <a:pt x="823" y="1635"/>
-                    </a:lnTo>
-                    <a:cubicBezTo>
-                      <a:pt x="818" y="1625"/>
-                      <a:pt x="809" y="1616"/>
-                      <a:pt x="799" y="1612"/>
-                    </a:cubicBezTo>
-                    <a:cubicBezTo>
-                      <a:pt x="796" y="1611"/>
-                      <a:pt x="793" y="1611"/>
-                      <a:pt x="790" y="1609"/>
-                    </a:cubicBezTo>
-                    <a:cubicBezTo>
-                      <a:pt x="788" y="1609"/>
-                      <a:pt x="787" y="1608"/>
-                      <a:pt x="785" y="1608"/>
-                    </a:cubicBezTo>
-                    <a:lnTo>
-                      <a:pt x="785" y="1608"/>
-                    </a:lnTo>
-                    <a:cubicBezTo>
-                      <a:pt x="791" y="1611"/>
-                      <a:pt x="799" y="1619"/>
-                      <a:pt x="803" y="1625"/>
-                    </a:cubicBezTo>
-                    <a:cubicBezTo>
-                      <a:pt x="797" y="1621"/>
-                      <a:pt x="790" y="1618"/>
-                      <a:pt x="783" y="1616"/>
-                    </a:cubicBezTo>
-                    <a:lnTo>
-                      <a:pt x="783" y="1616"/>
-                    </a:lnTo>
-                    <a:cubicBezTo>
-                      <a:pt x="785" y="1618"/>
-                      <a:pt x="790" y="1622"/>
-                      <a:pt x="791" y="1625"/>
-                    </a:cubicBezTo>
-                    <a:cubicBezTo>
-                      <a:pt x="774" y="1621"/>
-                      <a:pt x="755" y="1618"/>
-                      <a:pt x="733" y="1615"/>
-                    </a:cubicBezTo>
-                    <a:lnTo>
-                      <a:pt x="733" y="1615"/>
-                    </a:lnTo>
-                    <a:cubicBezTo>
-                      <a:pt x="755" y="1626"/>
-                      <a:pt x="773" y="1634"/>
-                      <a:pt x="755" y="1634"/>
-                    </a:cubicBezTo>
-                    <a:cubicBezTo>
-                      <a:pt x="750" y="1634"/>
-                      <a:pt x="743" y="1634"/>
-                      <a:pt x="733" y="1633"/>
-                    </a:cubicBezTo>
-                    <a:lnTo>
-                      <a:pt x="733" y="1633"/>
-                    </a:lnTo>
-                    <a:cubicBezTo>
-                      <a:pt x="747" y="1634"/>
-                      <a:pt x="758" y="1643"/>
-                      <a:pt x="771" y="1647"/>
-                    </a:cubicBezTo>
-                    <a:cubicBezTo>
-                      <a:pt x="775" y="1647"/>
-                      <a:pt x="781" y="1649"/>
-                      <a:pt x="784" y="1650"/>
-                    </a:cubicBezTo>
-                    <a:cubicBezTo>
-                      <a:pt x="780" y="1650"/>
-                      <a:pt x="775" y="1649"/>
-                      <a:pt x="771" y="1647"/>
-                    </a:cubicBezTo>
-                    <a:cubicBezTo>
-                      <a:pt x="765" y="1646"/>
-                      <a:pt x="759" y="1645"/>
-                      <a:pt x="753" y="1645"/>
-                    </a:cubicBezTo>
-                    <a:cubicBezTo>
-                      <a:pt x="745" y="1645"/>
-                      <a:pt x="739" y="1646"/>
-                      <a:pt x="736" y="1649"/>
-                    </a:cubicBezTo>
-                    <a:cubicBezTo>
-                      <a:pt x="745" y="1650"/>
-                      <a:pt x="752" y="1653"/>
-                      <a:pt x="758" y="1657"/>
-                    </a:cubicBezTo>
-                    <a:cubicBezTo>
-                      <a:pt x="747" y="1657"/>
-                      <a:pt x="737" y="1654"/>
-                      <a:pt x="732" y="1654"/>
-                    </a:cubicBezTo>
-                    <a:cubicBezTo>
-                      <a:pt x="726" y="1654"/>
-                      <a:pt x="726" y="1657"/>
-                      <a:pt x="734" y="1667"/>
-                    </a:cubicBezTo>
-                    <a:cubicBezTo>
-                      <a:pt x="726" y="1666"/>
-                      <a:pt x="720" y="1665"/>
-                      <a:pt x="716" y="1665"/>
-                    </a:cubicBezTo>
-                    <a:cubicBezTo>
-                      <a:pt x="711" y="1665"/>
-                      <a:pt x="713" y="1668"/>
-                      <a:pt x="723" y="1676"/>
-                    </a:cubicBezTo>
-                    <a:cubicBezTo>
-                      <a:pt x="719" y="1676"/>
-                      <a:pt x="714" y="1676"/>
-                      <a:pt x="711" y="1676"/>
-                    </a:cubicBezTo>
-                    <a:cubicBezTo>
-                      <a:pt x="701" y="1676"/>
-                      <a:pt x="695" y="1678"/>
-                      <a:pt x="708" y="1686"/>
-                    </a:cubicBezTo>
-                    <a:cubicBezTo>
-                      <a:pt x="706" y="1686"/>
-                      <a:pt x="704" y="1686"/>
-                      <a:pt x="702" y="1686"/>
-                    </a:cubicBezTo>
-                    <a:cubicBezTo>
-                      <a:pt x="696" y="1686"/>
-                      <a:pt x="690" y="1687"/>
-                      <a:pt x="685" y="1689"/>
-                    </a:cubicBezTo>
-                    <a:cubicBezTo>
-                      <a:pt x="689" y="1695"/>
-                      <a:pt x="700" y="1697"/>
-                      <a:pt x="704" y="1698"/>
-                    </a:cubicBezTo>
-                    <a:cubicBezTo>
-                      <a:pt x="700" y="1698"/>
-                      <a:pt x="694" y="1697"/>
-                      <a:pt x="689" y="1697"/>
-                    </a:cubicBezTo>
-                    <a:cubicBezTo>
-                      <a:pt x="678" y="1697"/>
-                      <a:pt x="666" y="1699"/>
-                      <a:pt x="657" y="1702"/>
-                    </a:cubicBezTo>
-                    <a:cubicBezTo>
-                      <a:pt x="657" y="1698"/>
-                      <a:pt x="657" y="1695"/>
-                      <a:pt x="656" y="1692"/>
-                    </a:cubicBezTo>
-                    <a:cubicBezTo>
-                      <a:pt x="646" y="1592"/>
-                      <a:pt x="653" y="1570"/>
-                      <a:pt x="666" y="1547"/>
-                    </a:cubicBezTo>
-                    <a:cubicBezTo>
-                      <a:pt x="681" y="1525"/>
-                      <a:pt x="818" y="1331"/>
-                      <a:pt x="871" y="1251"/>
-                    </a:cubicBezTo>
-                    <a:cubicBezTo>
-                      <a:pt x="925" y="1171"/>
-                      <a:pt x="1021" y="992"/>
-                      <a:pt x="1064" y="939"/>
-                    </a:cubicBezTo>
-                    <a:cubicBezTo>
-                      <a:pt x="1104" y="885"/>
-                      <a:pt x="1125" y="850"/>
-                      <a:pt x="1153" y="821"/>
-                    </a:cubicBezTo>
-                    <a:cubicBezTo>
-                      <a:pt x="1180" y="792"/>
-                      <a:pt x="1217" y="763"/>
-                      <a:pt x="1222" y="758"/>
-                    </a:cubicBezTo>
-                    <a:cubicBezTo>
-                      <a:pt x="1227" y="753"/>
-                      <a:pt x="1253" y="741"/>
-                      <a:pt x="1266" y="734"/>
-                    </a:cubicBezTo>
-                    <a:cubicBezTo>
-                      <a:pt x="1310" y="705"/>
-                      <a:pt x="1375" y="665"/>
-                      <a:pt x="1397" y="645"/>
-                    </a:cubicBezTo>
-                    <a:cubicBezTo>
-                      <a:pt x="1418" y="624"/>
-                      <a:pt x="1428" y="601"/>
-                      <a:pt x="1444" y="544"/>
-                    </a:cubicBezTo>
-                    <a:cubicBezTo>
-                      <a:pt x="1461" y="488"/>
-                      <a:pt x="1472" y="479"/>
-                      <a:pt x="1491" y="461"/>
-                    </a:cubicBezTo>
-                    <a:cubicBezTo>
-                      <a:pt x="1509" y="444"/>
-                      <a:pt x="1520" y="431"/>
-                      <a:pt x="1520" y="429"/>
-                    </a:cubicBezTo>
-                    <a:cubicBezTo>
-                      <a:pt x="1521" y="426"/>
-                      <a:pt x="1521" y="412"/>
-                      <a:pt x="1512" y="407"/>
-                    </a:cubicBezTo>
-                    <a:cubicBezTo>
-                      <a:pt x="1510" y="406"/>
-                      <a:pt x="1506" y="406"/>
-                      <a:pt x="1501" y="406"/>
-                    </a:cubicBezTo>
-                    <a:cubicBezTo>
-                      <a:pt x="1487" y="406"/>
-                      <a:pt x="1462" y="411"/>
-                      <a:pt x="1442" y="428"/>
-                    </a:cubicBezTo>
-                    <a:cubicBezTo>
-                      <a:pt x="1416" y="448"/>
-                      <a:pt x="1381" y="493"/>
-                      <a:pt x="1381" y="495"/>
-                    </a:cubicBezTo>
-                    <a:lnTo>
-                      <a:pt x="1370" y="506"/>
-                    </a:lnTo>
-                    <a:cubicBezTo>
-                      <a:pt x="1370" y="485"/>
-                      <a:pt x="1371" y="442"/>
-                      <a:pt x="1374" y="432"/>
-                    </a:cubicBezTo>
-                    <a:cubicBezTo>
-                      <a:pt x="1377" y="423"/>
-                      <a:pt x="1394" y="397"/>
-                      <a:pt x="1394" y="396"/>
-                    </a:cubicBezTo>
-                    <a:cubicBezTo>
-                      <a:pt x="1412" y="370"/>
-                      <a:pt x="1445" y="316"/>
-                      <a:pt x="1456" y="284"/>
-                    </a:cubicBezTo>
-                    <a:cubicBezTo>
-                      <a:pt x="1466" y="253"/>
-                      <a:pt x="1474" y="231"/>
-                      <a:pt x="1474" y="228"/>
-                    </a:cubicBezTo>
-                    <a:cubicBezTo>
-                      <a:pt x="1474" y="227"/>
-                      <a:pt x="1477" y="214"/>
-                      <a:pt x="1476" y="211"/>
-                    </a:cubicBezTo>
-                    <a:cubicBezTo>
-                      <a:pt x="1475" y="210"/>
-                      <a:pt x="1468" y="198"/>
-                      <a:pt x="1459" y="198"/>
-                    </a:cubicBezTo>
-                    <a:cubicBezTo>
-                      <a:pt x="1457" y="198"/>
-                      <a:pt x="1454" y="199"/>
-                      <a:pt x="1451" y="202"/>
-                    </a:cubicBezTo>
-                    <a:cubicBezTo>
-                      <a:pt x="1440" y="214"/>
-                      <a:pt x="1402" y="266"/>
-                      <a:pt x="1393" y="284"/>
-                    </a:cubicBezTo>
-                    <a:cubicBezTo>
-                      <a:pt x="1384" y="300"/>
-                      <a:pt x="1365" y="326"/>
-                      <a:pt x="1355" y="340"/>
-                    </a:cubicBezTo>
-                    <a:lnTo>
-                      <a:pt x="1335" y="352"/>
-                    </a:lnTo>
-                    <a:cubicBezTo>
-                      <a:pt x="1339" y="339"/>
-                      <a:pt x="1348" y="314"/>
-                      <a:pt x="1354" y="305"/>
-                    </a:cubicBezTo>
-                    <a:cubicBezTo>
-                      <a:pt x="1358" y="298"/>
-                      <a:pt x="1383" y="246"/>
-                      <a:pt x="1386" y="237"/>
-                    </a:cubicBezTo>
-                    <a:cubicBezTo>
-                      <a:pt x="1389" y="228"/>
-                      <a:pt x="1415" y="211"/>
-                      <a:pt x="1412" y="201"/>
-                    </a:cubicBezTo>
-                    <a:cubicBezTo>
-                      <a:pt x="1409" y="189"/>
-                      <a:pt x="1403" y="190"/>
-                      <a:pt x="1412" y="177"/>
-                    </a:cubicBezTo>
-                    <a:cubicBezTo>
-                      <a:pt x="1421" y="164"/>
-                      <a:pt x="1435" y="154"/>
-                      <a:pt x="1435" y="148"/>
-                    </a:cubicBezTo>
-                    <a:cubicBezTo>
-                      <a:pt x="1437" y="141"/>
-                      <a:pt x="1447" y="119"/>
-                      <a:pt x="1435" y="115"/>
-                    </a:cubicBezTo>
-                    <a:cubicBezTo>
-                      <a:pt x="1422" y="110"/>
-                      <a:pt x="1415" y="109"/>
-                      <a:pt x="1412" y="109"/>
-                    </a:cubicBezTo>
-                    <a:cubicBezTo>
-                      <a:pt x="1410" y="106"/>
-                      <a:pt x="1406" y="100"/>
-                      <a:pt x="1407" y="91"/>
-                    </a:cubicBezTo>
-                    <a:cubicBezTo>
-                      <a:pt x="1407" y="84"/>
-                      <a:pt x="1399" y="75"/>
-                      <a:pt x="1394" y="69"/>
-                    </a:cubicBezTo>
-                    <a:cubicBezTo>
-                      <a:pt x="1393" y="69"/>
-                      <a:pt x="1391" y="69"/>
-                      <a:pt x="1388" y="69"/>
-                    </a:cubicBezTo>
-                    <a:cubicBezTo>
-                      <a:pt x="1381" y="69"/>
-                      <a:pt x="1371" y="73"/>
-                      <a:pt x="1361" y="100"/>
-                    </a:cubicBezTo>
-                    <a:cubicBezTo>
-                      <a:pt x="1348" y="135"/>
-                      <a:pt x="1327" y="179"/>
-                      <a:pt x="1320" y="187"/>
-                    </a:cubicBezTo>
-                    <a:cubicBezTo>
-                      <a:pt x="1311" y="196"/>
-                      <a:pt x="1288" y="222"/>
-                      <a:pt x="1272" y="240"/>
-                    </a:cubicBezTo>
-                    <a:cubicBezTo>
-                      <a:pt x="1256" y="259"/>
-                      <a:pt x="1244" y="285"/>
-                      <a:pt x="1230" y="308"/>
-                    </a:cubicBezTo>
-                    <a:cubicBezTo>
-                      <a:pt x="1214" y="332"/>
-                      <a:pt x="1211" y="333"/>
-                      <a:pt x="1186" y="349"/>
-                    </a:cubicBezTo>
-                    <a:cubicBezTo>
-                      <a:pt x="1163" y="365"/>
-                      <a:pt x="1145" y="419"/>
-                      <a:pt x="1141" y="463"/>
-                    </a:cubicBezTo>
-                    <a:cubicBezTo>
-                      <a:pt x="1137" y="508"/>
-                      <a:pt x="1122" y="573"/>
-                      <a:pt x="1099" y="597"/>
-                    </a:cubicBezTo>
-                    <a:cubicBezTo>
-                      <a:pt x="1077" y="620"/>
-                      <a:pt x="1046" y="640"/>
-                      <a:pt x="1040" y="646"/>
-                    </a:cubicBezTo>
-                    <a:cubicBezTo>
-                      <a:pt x="1035" y="651"/>
-                      <a:pt x="1013" y="708"/>
-                      <a:pt x="1000" y="729"/>
-                    </a:cubicBezTo>
-                    <a:cubicBezTo>
-                      <a:pt x="987" y="750"/>
-                      <a:pt x="924" y="827"/>
-                      <a:pt x="906" y="846"/>
-                    </a:cubicBezTo>
-                    <a:cubicBezTo>
-                      <a:pt x="889" y="863"/>
-                      <a:pt x="717" y="1028"/>
-                      <a:pt x="666" y="1089"/>
-                    </a:cubicBezTo>
-                    <a:cubicBezTo>
-                      <a:pt x="614" y="1150"/>
-                      <a:pt x="519" y="1270"/>
-                      <a:pt x="481" y="1327"/>
-                    </a:cubicBezTo>
-                    <a:cubicBezTo>
-                      <a:pt x="443" y="1382"/>
-                      <a:pt x="391" y="1494"/>
-                      <a:pt x="381" y="1557"/>
-                    </a:cubicBezTo>
-                    <a:cubicBezTo>
-                      <a:pt x="370" y="1618"/>
-                      <a:pt x="314" y="1832"/>
-                      <a:pt x="306" y="1883"/>
-                    </a:cubicBezTo>
-                    <a:cubicBezTo>
-                      <a:pt x="299" y="1934"/>
-                      <a:pt x="295" y="2077"/>
-                      <a:pt x="281" y="2112"/>
-                    </a:cubicBezTo>
-                    <a:cubicBezTo>
-                      <a:pt x="270" y="2147"/>
-                      <a:pt x="242" y="2244"/>
-                      <a:pt x="235" y="2257"/>
-                    </a:cubicBezTo>
-                    <a:cubicBezTo>
-                      <a:pt x="229" y="2271"/>
-                      <a:pt x="209" y="2373"/>
-                      <a:pt x="233" y="2466"/>
-                    </a:cubicBezTo>
-                    <a:cubicBezTo>
-                      <a:pt x="260" y="2559"/>
-                      <a:pt x="276" y="2585"/>
-                      <a:pt x="280" y="2627"/>
-                    </a:cubicBezTo>
-                    <a:cubicBezTo>
-                      <a:pt x="286" y="2668"/>
-                      <a:pt x="280" y="2703"/>
-                      <a:pt x="279" y="2734"/>
-                    </a:cubicBezTo>
-                    <a:cubicBezTo>
-                      <a:pt x="277" y="2764"/>
-                      <a:pt x="261" y="2901"/>
-                      <a:pt x="273" y="2968"/>
-                    </a:cubicBezTo>
-                    <a:cubicBezTo>
-                      <a:pt x="276" y="2986"/>
-                      <a:pt x="279" y="2999"/>
-                      <a:pt x="281" y="3009"/>
-                    </a:cubicBezTo>
-                    <a:lnTo>
-                      <a:pt x="270" y="3021"/>
-                    </a:lnTo>
-                    <a:lnTo>
-                      <a:pt x="271" y="3022"/>
-                    </a:lnTo>
-                    <a:lnTo>
-                      <a:pt x="271" y="3022"/>
-                    </a:lnTo>
-                    <a:lnTo>
-                      <a:pt x="265" y="3021"/>
-                    </a:lnTo>
-                    <a:lnTo>
-                      <a:pt x="265" y="3021"/>
-                    </a:lnTo>
-                    <a:cubicBezTo>
-                      <a:pt x="265" y="3027"/>
-                      <a:pt x="267" y="3041"/>
-                      <a:pt x="271" y="3072"/>
-                    </a:cubicBezTo>
-                    <a:cubicBezTo>
-                      <a:pt x="277" y="3136"/>
-                      <a:pt x="306" y="3214"/>
-                      <a:pt x="314" y="3277"/>
-                    </a:cubicBezTo>
-                    <a:cubicBezTo>
-                      <a:pt x="319" y="3341"/>
-                      <a:pt x="295" y="3338"/>
-                      <a:pt x="305" y="3365"/>
-                    </a:cubicBezTo>
-                    <a:cubicBezTo>
-                      <a:pt x="314" y="3391"/>
-                      <a:pt x="332" y="3455"/>
-                      <a:pt x="340" y="3506"/>
-                    </a:cubicBezTo>
-                    <a:cubicBezTo>
-                      <a:pt x="347" y="3557"/>
-                      <a:pt x="321" y="3579"/>
-                      <a:pt x="316" y="3617"/>
-                    </a:cubicBezTo>
-                    <a:cubicBezTo>
-                      <a:pt x="314" y="3653"/>
-                      <a:pt x="270" y="3711"/>
-                      <a:pt x="302" y="3765"/>
-                    </a:cubicBezTo>
-                    <a:cubicBezTo>
-                      <a:pt x="334" y="3819"/>
-                      <a:pt x="344" y="3845"/>
-                      <a:pt x="340" y="3882"/>
-                    </a:cubicBezTo>
-                    <a:cubicBezTo>
-                      <a:pt x="337" y="3920"/>
-                      <a:pt x="343" y="3982"/>
-                      <a:pt x="341" y="3995"/>
-                    </a:cubicBezTo>
-                    <a:cubicBezTo>
-                      <a:pt x="341" y="3997"/>
-                      <a:pt x="347" y="4000"/>
-                      <a:pt x="357" y="4003"/>
-                    </a:cubicBezTo>
-                    <a:cubicBezTo>
-                      <a:pt x="354" y="4017"/>
-                      <a:pt x="344" y="4032"/>
-                      <a:pt x="324" y="4043"/>
-                    </a:cubicBezTo>
-                    <a:lnTo>
-                      <a:pt x="321" y="4045"/>
-                    </a:lnTo>
-                    <a:cubicBezTo>
-                      <a:pt x="319" y="4046"/>
-                      <a:pt x="316" y="4048"/>
-                      <a:pt x="314" y="4049"/>
-                    </a:cubicBezTo>
-                    <a:cubicBezTo>
-                      <a:pt x="284" y="4065"/>
-                      <a:pt x="261" y="4071"/>
-                      <a:pt x="244" y="4081"/>
-                    </a:cubicBezTo>
-                    <a:cubicBezTo>
-                      <a:pt x="232" y="4087"/>
-                      <a:pt x="223" y="4094"/>
-                      <a:pt x="217" y="4109"/>
-                    </a:cubicBezTo>
-                    <a:cubicBezTo>
-                      <a:pt x="201" y="4144"/>
-                      <a:pt x="149" y="4164"/>
-                      <a:pt x="163" y="4266"/>
-                    </a:cubicBezTo>
-                    <a:cubicBezTo>
-                      <a:pt x="178" y="4368"/>
-                      <a:pt x="187" y="4406"/>
-                      <a:pt x="171" y="4442"/>
-                    </a:cubicBezTo>
-                    <a:cubicBezTo>
-                      <a:pt x="155" y="4479"/>
-                      <a:pt x="193" y="4482"/>
-                      <a:pt x="150" y="4528"/>
-                    </a:cubicBezTo>
-                    <a:cubicBezTo>
-                      <a:pt x="108" y="4574"/>
-                      <a:pt x="101" y="4523"/>
-                      <a:pt x="117" y="4613"/>
-                    </a:cubicBezTo>
-                    <a:cubicBezTo>
-                      <a:pt x="133" y="4702"/>
-                      <a:pt x="142" y="4741"/>
-                      <a:pt x="137" y="4778"/>
-                    </a:cubicBezTo>
-                    <a:cubicBezTo>
-                      <a:pt x="133" y="4815"/>
-                      <a:pt x="200" y="4772"/>
-                      <a:pt x="142" y="4853"/>
-                    </a:cubicBezTo>
-                    <a:cubicBezTo>
-                      <a:pt x="83" y="4936"/>
-                      <a:pt x="38" y="5019"/>
-                      <a:pt x="56" y="5097"/>
-                    </a:cubicBezTo>
-                    <a:cubicBezTo>
-                      <a:pt x="72" y="5174"/>
-                      <a:pt x="40" y="5245"/>
-                      <a:pt x="21" y="5306"/>
-                    </a:cubicBezTo>
-                    <a:cubicBezTo>
-                      <a:pt x="3" y="5366"/>
-                      <a:pt x="0" y="5392"/>
-                      <a:pt x="59" y="5434"/>
-                    </a:cubicBezTo>
-                    <a:cubicBezTo>
-                      <a:pt x="111" y="5474"/>
-                      <a:pt x="178" y="5474"/>
-                      <a:pt x="179" y="5491"/>
-                    </a:cubicBezTo>
-                    <a:cubicBezTo>
-                      <a:pt x="179" y="5493"/>
-                      <a:pt x="179" y="5493"/>
-                      <a:pt x="179" y="5494"/>
-                    </a:cubicBezTo>
-                    <a:cubicBezTo>
-                      <a:pt x="179" y="5496"/>
-                      <a:pt x="178" y="5496"/>
-                      <a:pt x="178" y="5497"/>
-                    </a:cubicBezTo>
-                    <a:cubicBezTo>
-                      <a:pt x="163" y="5520"/>
-                      <a:pt x="174" y="5535"/>
-                      <a:pt x="172" y="5547"/>
-                    </a:cubicBezTo>
-                    <a:cubicBezTo>
-                      <a:pt x="172" y="5551"/>
-                      <a:pt x="191" y="5566"/>
-                      <a:pt x="222" y="5583"/>
-                    </a:cubicBezTo>
-                    <a:cubicBezTo>
-                      <a:pt x="223" y="5618"/>
-                      <a:pt x="223" y="5668"/>
-                      <a:pt x="222" y="5678"/>
-                    </a:cubicBezTo>
-                    <a:cubicBezTo>
-                      <a:pt x="222" y="5689"/>
-                      <a:pt x="222" y="5803"/>
-                      <a:pt x="229" y="5867"/>
-                    </a:cubicBezTo>
-                    <a:cubicBezTo>
-                      <a:pt x="235" y="5930"/>
-                      <a:pt x="216" y="6116"/>
-                      <a:pt x="185" y="6176"/>
-                    </a:cubicBezTo>
-                    <a:cubicBezTo>
-                      <a:pt x="153" y="6236"/>
-                      <a:pt x="111" y="6419"/>
-                      <a:pt x="112" y="6520"/>
-                    </a:cubicBezTo>
-                    <a:cubicBezTo>
-                      <a:pt x="115" y="6620"/>
-                      <a:pt x="137" y="7024"/>
-                      <a:pt x="134" y="7050"/>
-                    </a:cubicBezTo>
-                    <a:cubicBezTo>
-                      <a:pt x="133" y="7063"/>
-                      <a:pt x="131" y="7115"/>
-                      <a:pt x="129" y="7169"/>
-                    </a:cubicBezTo>
-                    <a:lnTo>
-                      <a:pt x="123" y="7169"/>
-                    </a:lnTo>
-                    <a:cubicBezTo>
-                      <a:pt x="123" y="7247"/>
-                      <a:pt x="121" y="7384"/>
-                      <a:pt x="117" y="7474"/>
-                    </a:cubicBezTo>
-                    <a:cubicBezTo>
-                      <a:pt x="117" y="7474"/>
-                      <a:pt x="117" y="7474"/>
-                      <a:pt x="117" y="7475"/>
-                    </a:cubicBezTo>
-                    <a:cubicBezTo>
-                      <a:pt x="115" y="7491"/>
-                      <a:pt x="114" y="7507"/>
-                      <a:pt x="112" y="7519"/>
-                    </a:cubicBezTo>
-                    <a:cubicBezTo>
-                      <a:pt x="112" y="7520"/>
-                      <a:pt x="112" y="7520"/>
-                      <a:pt x="112" y="7520"/>
-                    </a:cubicBezTo>
-                    <a:cubicBezTo>
-                      <a:pt x="112" y="7523"/>
-                      <a:pt x="112" y="7526"/>
-                      <a:pt x="112" y="7529"/>
-                    </a:cubicBezTo>
-                    <a:cubicBezTo>
-                      <a:pt x="104" y="7520"/>
-                      <a:pt x="98" y="7513"/>
-                      <a:pt x="95" y="7509"/>
-                    </a:cubicBezTo>
-                    <a:lnTo>
-                      <a:pt x="48" y="7605"/>
-                    </a:lnTo>
-                    <a:cubicBezTo>
-                      <a:pt x="50" y="7630"/>
-                      <a:pt x="53" y="7681"/>
-                      <a:pt x="48" y="7719"/>
-                    </a:cubicBezTo>
-                    <a:cubicBezTo>
-                      <a:pt x="45" y="7755"/>
-                      <a:pt x="31" y="7905"/>
-                      <a:pt x="40" y="7931"/>
-                    </a:cubicBezTo>
-                    <a:cubicBezTo>
-                      <a:pt x="50" y="7956"/>
-                      <a:pt x="80" y="8035"/>
-                      <a:pt x="76" y="8073"/>
-                    </a:cubicBezTo>
-                    <a:cubicBezTo>
-                      <a:pt x="73" y="8109"/>
-                      <a:pt x="82" y="8260"/>
-                      <a:pt x="142" y="8293"/>
-                    </a:cubicBezTo>
-                    <a:cubicBezTo>
-                      <a:pt x="194" y="8319"/>
-                      <a:pt x="291" y="8370"/>
-                      <a:pt x="358" y="8370"/>
-                    </a:cubicBezTo>
-                    <a:cubicBezTo>
-                      <a:pt x="368" y="8370"/>
-                      <a:pt x="377" y="8369"/>
-                      <a:pt x="385" y="8367"/>
-                    </a:cubicBezTo>
-                    <a:cubicBezTo>
-                      <a:pt x="450" y="8348"/>
-                      <a:pt x="464" y="8338"/>
-                      <a:pt x="471" y="8262"/>
-                    </a:cubicBezTo>
-                    <a:cubicBezTo>
-                      <a:pt x="478" y="8188"/>
-                      <a:pt x="480" y="8062"/>
-                      <a:pt x="437" y="7984"/>
-                    </a:cubicBezTo>
-                    <a:cubicBezTo>
-                      <a:pt x="434" y="7978"/>
-                      <a:pt x="431" y="7973"/>
-                      <a:pt x="430" y="7969"/>
-                    </a:cubicBezTo>
-                    <a:cubicBezTo>
-                      <a:pt x="429" y="7966"/>
-                      <a:pt x="427" y="7965"/>
-                      <a:pt x="427" y="7963"/>
-                    </a:cubicBezTo>
-                    <a:cubicBezTo>
-                      <a:pt x="426" y="7960"/>
-                      <a:pt x="424" y="7957"/>
-                      <a:pt x="423" y="7955"/>
-                    </a:cubicBezTo>
-                    <a:lnTo>
-                      <a:pt x="420" y="7947"/>
-                    </a:lnTo>
-                    <a:cubicBezTo>
-                      <a:pt x="418" y="7944"/>
-                      <a:pt x="417" y="7941"/>
-                      <a:pt x="417" y="7939"/>
-                    </a:cubicBezTo>
-                    <a:lnTo>
-                      <a:pt x="414" y="7933"/>
-                    </a:lnTo>
-                    <a:cubicBezTo>
-                      <a:pt x="413" y="7930"/>
-                      <a:pt x="411" y="7927"/>
-                      <a:pt x="411" y="7924"/>
-                    </a:cubicBezTo>
-                    <a:cubicBezTo>
-                      <a:pt x="410" y="7921"/>
-                      <a:pt x="410" y="7920"/>
-                      <a:pt x="408" y="7917"/>
-                    </a:cubicBezTo>
-                    <a:cubicBezTo>
-                      <a:pt x="408" y="7914"/>
-                      <a:pt x="407" y="7912"/>
-                      <a:pt x="405" y="7909"/>
-                    </a:cubicBezTo>
-                    <a:cubicBezTo>
-                      <a:pt x="405" y="7906"/>
-                      <a:pt x="404" y="7904"/>
-                      <a:pt x="404" y="7902"/>
-                    </a:cubicBezTo>
-                    <a:cubicBezTo>
-                      <a:pt x="402" y="7899"/>
-                      <a:pt x="402" y="7896"/>
-                      <a:pt x="401" y="7895"/>
-                    </a:cubicBezTo>
-                    <a:cubicBezTo>
-                      <a:pt x="401" y="7892"/>
-                      <a:pt x="399" y="7889"/>
-                      <a:pt x="399" y="7886"/>
-                    </a:cubicBezTo>
-                    <a:cubicBezTo>
-                      <a:pt x="398" y="7883"/>
-                      <a:pt x="398" y="7882"/>
-                      <a:pt x="397" y="7879"/>
-                    </a:cubicBezTo>
-                    <a:cubicBezTo>
-                      <a:pt x="397" y="7876"/>
-                      <a:pt x="397" y="7873"/>
-                      <a:pt x="395" y="7870"/>
-                    </a:cubicBezTo>
-                    <a:cubicBezTo>
-                      <a:pt x="395" y="7869"/>
-                      <a:pt x="394" y="7867"/>
-                      <a:pt x="394" y="7864"/>
-                    </a:cubicBezTo>
-                    <a:cubicBezTo>
-                      <a:pt x="394" y="7861"/>
-                      <a:pt x="392" y="7858"/>
-                      <a:pt x="392" y="7855"/>
-                    </a:cubicBezTo>
-                    <a:cubicBezTo>
-                      <a:pt x="392" y="7854"/>
-                      <a:pt x="391" y="7853"/>
-                      <a:pt x="391" y="7850"/>
-                    </a:cubicBezTo>
-                    <a:lnTo>
-                      <a:pt x="389" y="7841"/>
-                    </a:lnTo>
-                    <a:cubicBezTo>
-                      <a:pt x="389" y="7839"/>
-                      <a:pt x="389" y="7838"/>
-                      <a:pt x="389" y="7837"/>
-                    </a:cubicBezTo>
-                    <a:cubicBezTo>
-                      <a:pt x="388" y="7832"/>
-                      <a:pt x="388" y="7829"/>
-                      <a:pt x="388" y="7825"/>
-                    </a:cubicBezTo>
-                    <a:cubicBezTo>
-                      <a:pt x="388" y="7825"/>
-                      <a:pt x="388" y="7823"/>
-                      <a:pt x="388" y="7823"/>
-                    </a:cubicBezTo>
-                    <a:cubicBezTo>
-                      <a:pt x="385" y="7800"/>
-                      <a:pt x="383" y="7777"/>
-                      <a:pt x="385" y="7755"/>
-                    </a:cubicBezTo>
-                    <a:cubicBezTo>
-                      <a:pt x="385" y="7749"/>
-                      <a:pt x="385" y="7745"/>
-                      <a:pt x="386" y="7739"/>
-                    </a:cubicBezTo>
-                    <a:cubicBezTo>
-                      <a:pt x="394" y="7665"/>
-                      <a:pt x="405" y="7553"/>
-                      <a:pt x="405" y="7541"/>
-                    </a:cubicBezTo>
-                    <a:cubicBezTo>
-                      <a:pt x="407" y="7528"/>
-                      <a:pt x="401" y="7510"/>
-                      <a:pt x="398" y="7502"/>
-                    </a:cubicBezTo>
-                    <a:lnTo>
-                      <a:pt x="373" y="7487"/>
-                    </a:lnTo>
-                    <a:cubicBezTo>
-                      <a:pt x="371" y="7493"/>
-                      <a:pt x="369" y="7499"/>
-                      <a:pt x="366" y="7505"/>
-                    </a:cubicBezTo>
-                    <a:lnTo>
-                      <a:pt x="366" y="7505"/>
-                    </a:lnTo>
-                    <a:cubicBezTo>
-                      <a:pt x="375" y="7406"/>
-                      <a:pt x="379" y="7282"/>
-                      <a:pt x="382" y="7220"/>
-                    </a:cubicBezTo>
-                    <a:lnTo>
-                      <a:pt x="388" y="7158"/>
-                    </a:lnTo>
-                    <a:cubicBezTo>
-                      <a:pt x="385" y="7158"/>
-                      <a:pt x="383" y="7159"/>
-                      <a:pt x="381" y="7159"/>
-                    </a:cubicBezTo>
-                    <a:cubicBezTo>
-                      <a:pt x="388" y="7132"/>
-                      <a:pt x="399" y="7094"/>
-                      <a:pt x="410" y="7065"/>
-                    </a:cubicBezTo>
-                    <a:cubicBezTo>
-                      <a:pt x="427" y="7016"/>
-                      <a:pt x="500" y="6660"/>
-                      <a:pt x="507" y="6597"/>
-                    </a:cubicBezTo>
-                    <a:cubicBezTo>
-                      <a:pt x="513" y="6536"/>
-                      <a:pt x="533" y="6336"/>
-                      <a:pt x="538" y="6287"/>
-                    </a:cubicBezTo>
-                    <a:cubicBezTo>
-                      <a:pt x="542" y="6237"/>
-                      <a:pt x="548" y="6188"/>
-                      <a:pt x="592" y="6129"/>
-                    </a:cubicBezTo>
-                    <a:cubicBezTo>
-                      <a:pt x="635" y="6071"/>
-                      <a:pt x="646" y="5834"/>
-                      <a:pt x="653" y="5771"/>
-                    </a:cubicBezTo>
-                    <a:cubicBezTo>
-                      <a:pt x="656" y="5735"/>
-                      <a:pt x="660" y="5686"/>
-                      <a:pt x="666" y="5637"/>
-                    </a:cubicBezTo>
-                    <a:cubicBezTo>
-                      <a:pt x="697" y="5634"/>
-                      <a:pt x="730" y="5631"/>
-                      <a:pt x="730" y="5627"/>
-                    </a:cubicBezTo>
-                    <a:cubicBezTo>
-                      <a:pt x="730" y="5627"/>
-                      <a:pt x="743" y="5625"/>
-                      <a:pt x="743" y="5625"/>
-                    </a:cubicBezTo>
-                    <a:lnTo>
-                      <a:pt x="743" y="5624"/>
-                    </a:lnTo>
-                    <a:cubicBezTo>
-                      <a:pt x="743" y="5619"/>
-                      <a:pt x="730" y="5609"/>
-                      <a:pt x="732" y="5596"/>
-                    </a:cubicBezTo>
-                    <a:cubicBezTo>
-                      <a:pt x="732" y="5596"/>
-                      <a:pt x="724" y="5595"/>
-                      <a:pt x="724" y="5595"/>
-                    </a:cubicBezTo>
-                    <a:cubicBezTo>
-                      <a:pt x="724" y="5593"/>
-                      <a:pt x="721" y="5592"/>
-                      <a:pt x="721" y="5590"/>
-                    </a:cubicBezTo>
-                    <a:cubicBezTo>
-                      <a:pt x="721" y="5589"/>
-                      <a:pt x="720" y="5589"/>
-                      <a:pt x="720" y="5587"/>
-                    </a:cubicBezTo>
-                    <a:cubicBezTo>
-                      <a:pt x="720" y="5586"/>
-                      <a:pt x="732" y="5583"/>
-                      <a:pt x="732" y="5582"/>
-                    </a:cubicBezTo>
-                    <a:cubicBezTo>
-                      <a:pt x="732" y="5580"/>
-                      <a:pt x="743" y="5579"/>
-                      <a:pt x="743" y="5577"/>
-                    </a:cubicBezTo>
-                    <a:lnTo>
-                      <a:pt x="743" y="5574"/>
-                    </a:lnTo>
-                    <a:cubicBezTo>
-                      <a:pt x="743" y="5571"/>
-                      <a:pt x="732" y="5568"/>
-                      <a:pt x="732" y="5566"/>
-                    </a:cubicBezTo>
-                    <a:cubicBezTo>
-                      <a:pt x="732" y="5566"/>
-                      <a:pt x="726" y="5566"/>
-                      <a:pt x="726" y="5564"/>
-                    </a:cubicBezTo>
-                    <a:cubicBezTo>
-                      <a:pt x="726" y="5561"/>
-                      <a:pt x="724" y="5560"/>
-                      <a:pt x="724" y="5557"/>
-                    </a:cubicBezTo>
-                    <a:cubicBezTo>
-                      <a:pt x="724" y="5557"/>
-                      <a:pt x="723" y="5555"/>
-                      <a:pt x="723" y="5555"/>
-                    </a:cubicBezTo>
-                    <a:cubicBezTo>
-                      <a:pt x="723" y="5552"/>
-                      <a:pt x="723" y="5550"/>
-                      <a:pt x="723" y="5547"/>
-                    </a:cubicBezTo>
-                    <a:cubicBezTo>
-                      <a:pt x="723" y="5547"/>
-                      <a:pt x="723" y="5539"/>
-                      <a:pt x="723" y="5539"/>
-                    </a:cubicBezTo>
-                    <a:cubicBezTo>
-                      <a:pt x="723" y="5537"/>
-                      <a:pt x="723" y="5536"/>
-                      <a:pt x="724" y="5536"/>
-                    </a:cubicBezTo>
-                    <a:cubicBezTo>
-                      <a:pt x="724" y="5536"/>
-                      <a:pt x="725" y="5542"/>
-                      <a:pt x="726" y="5542"/>
-                    </a:cubicBezTo>
-                    <a:cubicBezTo>
-                      <a:pt x="727" y="5542"/>
-                      <a:pt x="729" y="5533"/>
-                      <a:pt x="730" y="5491"/>
-                    </a:cubicBezTo>
-                    <a:cubicBezTo>
-                      <a:pt x="733" y="5491"/>
-                      <a:pt x="737" y="5485"/>
-                      <a:pt x="742" y="5485"/>
-                    </a:cubicBezTo>
-                    <a:cubicBezTo>
-                      <a:pt x="742" y="5485"/>
-                      <a:pt x="743" y="5485"/>
-                      <a:pt x="743" y="5485"/>
-                    </a:cubicBezTo>
-                    <a:cubicBezTo>
-                      <a:pt x="768" y="5487"/>
-                      <a:pt x="788" y="5544"/>
-                      <a:pt x="797" y="5582"/>
-                    </a:cubicBezTo>
-                    <a:cubicBezTo>
-                      <a:pt x="806" y="5621"/>
-                      <a:pt x="812" y="5631"/>
-                      <a:pt x="816" y="5635"/>
-                    </a:cubicBezTo>
-                    <a:cubicBezTo>
-                      <a:pt x="828" y="5638"/>
-                      <a:pt x="841" y="5643"/>
-                      <a:pt x="857" y="5647"/>
-                    </a:cubicBezTo>
-                    <a:cubicBezTo>
-                      <a:pt x="852" y="5663"/>
-                      <a:pt x="850" y="5679"/>
-                      <a:pt x="848" y="5691"/>
-                    </a:cubicBezTo>
-                    <a:cubicBezTo>
-                      <a:pt x="847" y="5716"/>
-                      <a:pt x="820" y="5963"/>
-                      <a:pt x="815" y="6026"/>
-                    </a:cubicBezTo>
-                    <a:cubicBezTo>
-                      <a:pt x="809" y="6089"/>
-                      <a:pt x="831" y="6115"/>
-                      <a:pt x="826" y="6164"/>
-                    </a:cubicBezTo>
-                    <a:cubicBezTo>
-                      <a:pt x="820" y="6215"/>
-                      <a:pt x="810" y="6327"/>
-                      <a:pt x="774" y="6437"/>
-                    </a:cubicBezTo>
-                    <a:cubicBezTo>
-                      <a:pt x="737" y="6546"/>
-                      <a:pt x="749" y="6810"/>
-                      <a:pt x="758" y="6849"/>
-                    </a:cubicBezTo>
-                    <a:cubicBezTo>
-                      <a:pt x="767" y="6887"/>
-                      <a:pt x="772" y="7076"/>
-                      <a:pt x="775" y="7174"/>
-                    </a:cubicBezTo>
-                    <a:cubicBezTo>
-                      <a:pt x="772" y="7172"/>
-                      <a:pt x="771" y="7171"/>
-                      <a:pt x="768" y="7169"/>
-                    </a:cubicBezTo>
-                    <a:cubicBezTo>
-                      <a:pt x="767" y="7207"/>
-                      <a:pt x="767" y="7274"/>
-                      <a:pt x="765" y="7309"/>
-                    </a:cubicBezTo>
-                    <a:cubicBezTo>
-                      <a:pt x="764" y="7312"/>
-                      <a:pt x="762" y="7314"/>
-                      <a:pt x="761" y="7314"/>
-                    </a:cubicBezTo>
-                    <a:lnTo>
-                      <a:pt x="765" y="7314"/>
-                    </a:lnTo>
-                    <a:cubicBezTo>
-                      <a:pt x="765" y="7322"/>
-                      <a:pt x="765" y="7328"/>
-                      <a:pt x="764" y="7331"/>
-                    </a:cubicBezTo>
-                    <a:cubicBezTo>
-                      <a:pt x="764" y="7344"/>
-                      <a:pt x="772" y="7370"/>
-                      <a:pt x="742" y="7430"/>
-                    </a:cubicBezTo>
-                    <a:cubicBezTo>
-                      <a:pt x="717" y="7475"/>
-                      <a:pt x="698" y="7477"/>
-                      <a:pt x="692" y="7510"/>
-                    </a:cubicBezTo>
-                    <a:cubicBezTo>
-                      <a:pt x="692" y="7503"/>
-                      <a:pt x="694" y="7496"/>
-                      <a:pt x="694" y="7490"/>
-                    </a:cubicBezTo>
-                    <a:lnTo>
-                      <a:pt x="694" y="7490"/>
-                    </a:lnTo>
-                    <a:cubicBezTo>
-                      <a:pt x="689" y="7500"/>
-                      <a:pt x="685" y="7513"/>
-                      <a:pt x="679" y="7526"/>
-                    </a:cubicBezTo>
-                    <a:cubicBezTo>
-                      <a:pt x="679" y="7525"/>
-                      <a:pt x="679" y="7523"/>
-                      <a:pt x="678" y="7522"/>
-                    </a:cubicBezTo>
-                    <a:cubicBezTo>
-                      <a:pt x="666" y="7544"/>
-                      <a:pt x="657" y="7567"/>
-                      <a:pt x="650" y="7592"/>
-                    </a:cubicBezTo>
-                    <a:cubicBezTo>
-                      <a:pt x="641" y="7611"/>
-                      <a:pt x="634" y="7627"/>
-                      <a:pt x="630" y="7634"/>
-                    </a:cubicBezTo>
-                    <a:cubicBezTo>
-                      <a:pt x="614" y="7657"/>
-                      <a:pt x="595" y="7732"/>
-                      <a:pt x="590" y="7768"/>
-                    </a:cubicBezTo>
-                    <a:cubicBezTo>
-                      <a:pt x="586" y="7806"/>
-                      <a:pt x="630" y="7886"/>
-                      <a:pt x="625" y="7923"/>
-                    </a:cubicBezTo>
-                    <a:cubicBezTo>
-                      <a:pt x="621" y="7960"/>
-                      <a:pt x="631" y="7985"/>
-                      <a:pt x="614" y="8035"/>
-                    </a:cubicBezTo>
-                    <a:cubicBezTo>
-                      <a:pt x="596" y="8083"/>
-                      <a:pt x="579" y="8131"/>
-                      <a:pt x="598" y="8196"/>
-                    </a:cubicBezTo>
-                    <a:cubicBezTo>
-                      <a:pt x="617" y="8260"/>
-                      <a:pt x="733" y="8348"/>
-                      <a:pt x="783" y="8352"/>
-                    </a:cubicBezTo>
-                    <a:cubicBezTo>
-                      <a:pt x="803" y="8354"/>
-                      <a:pt x="836" y="8364"/>
-                      <a:pt x="867" y="8364"/>
-                    </a:cubicBezTo>
-                    <a:cubicBezTo>
-                      <a:pt x="905" y="8364"/>
-                      <a:pt x="941" y="8350"/>
-                      <a:pt x="952" y="8291"/>
-                    </a:cubicBezTo>
-                    <a:cubicBezTo>
-                      <a:pt x="960" y="8288"/>
-                      <a:pt x="968" y="8284"/>
-                      <a:pt x="970" y="8281"/>
-                    </a:cubicBezTo>
-                    <a:cubicBezTo>
-                      <a:pt x="954" y="8272"/>
-                      <a:pt x="956" y="8265"/>
-                      <a:pt x="956" y="8256"/>
-                    </a:cubicBezTo>
-                    <a:cubicBezTo>
-                      <a:pt x="957" y="8106"/>
-                      <a:pt x="952" y="8040"/>
-                      <a:pt x="946" y="7978"/>
-                    </a:cubicBezTo>
-                    <a:cubicBezTo>
-                      <a:pt x="946" y="7976"/>
-                      <a:pt x="946" y="7973"/>
-                      <a:pt x="946" y="7973"/>
-                    </a:cubicBezTo>
-                    <a:cubicBezTo>
-                      <a:pt x="946" y="7973"/>
-                      <a:pt x="944" y="7972"/>
-                      <a:pt x="944" y="7971"/>
-                    </a:cubicBezTo>
-                    <a:cubicBezTo>
-                      <a:pt x="944" y="7969"/>
-                      <a:pt x="944" y="7968"/>
-                      <a:pt x="944" y="7965"/>
-                    </a:cubicBezTo>
-                    <a:cubicBezTo>
-                      <a:pt x="943" y="7957"/>
-                      <a:pt x="941" y="7949"/>
-                      <a:pt x="940" y="7941"/>
-                    </a:cubicBezTo>
-                    <a:cubicBezTo>
-                      <a:pt x="931" y="7898"/>
-                      <a:pt x="919" y="7863"/>
-                      <a:pt x="924" y="7815"/>
-                    </a:cubicBezTo>
-                    <a:cubicBezTo>
-                      <a:pt x="931" y="7752"/>
-                      <a:pt x="924" y="7701"/>
-                      <a:pt x="938" y="7678"/>
-                    </a:cubicBezTo>
-                    <a:cubicBezTo>
-                      <a:pt x="953" y="7654"/>
-                      <a:pt x="982" y="7624"/>
-                      <a:pt x="995" y="7608"/>
-                    </a:cubicBezTo>
-                    <a:lnTo>
-                      <a:pt x="1011" y="7571"/>
-                    </a:lnTo>
-                    <a:lnTo>
-                      <a:pt x="1000" y="7571"/>
-                    </a:lnTo>
-                    <a:lnTo>
-                      <a:pt x="963" y="7555"/>
-                    </a:lnTo>
-                    <a:cubicBezTo>
-                      <a:pt x="959" y="7566"/>
-                      <a:pt x="953" y="7583"/>
-                      <a:pt x="941" y="7596"/>
-                    </a:cubicBezTo>
-                    <a:cubicBezTo>
-                      <a:pt x="954" y="7509"/>
-                      <a:pt x="978" y="7373"/>
-                      <a:pt x="989" y="7341"/>
-                    </a:cubicBezTo>
-                    <a:cubicBezTo>
-                      <a:pt x="1007" y="7293"/>
-                      <a:pt x="1029" y="7236"/>
-                      <a:pt x="1040" y="7209"/>
-                    </a:cubicBezTo>
-                    <a:lnTo>
-                      <a:pt x="1040" y="7209"/>
-                    </a:lnTo>
-                    <a:lnTo>
-                      <a:pt x="1026" y="7219"/>
-                    </a:lnTo>
-                    <a:cubicBezTo>
-                      <a:pt x="1042" y="7168"/>
-                      <a:pt x="1056" y="7118"/>
-                      <a:pt x="1059" y="7092"/>
-                    </a:cubicBezTo>
-                    <a:cubicBezTo>
-                      <a:pt x="1064" y="7043"/>
-                      <a:pt x="1106" y="6882"/>
-                      <a:pt x="1139" y="6798"/>
-                    </a:cubicBezTo>
-                    <a:cubicBezTo>
-                      <a:pt x="1173" y="6713"/>
-                      <a:pt x="1186" y="6578"/>
-                      <a:pt x="1183" y="6489"/>
-                    </a:cubicBezTo>
-                    <a:cubicBezTo>
-                      <a:pt x="1179" y="6402"/>
-                      <a:pt x="1179" y="6275"/>
-                      <a:pt x="1186" y="6201"/>
-                    </a:cubicBezTo>
-                    <a:cubicBezTo>
-                      <a:pt x="1193" y="6126"/>
-                      <a:pt x="1231" y="5879"/>
-                      <a:pt x="1249" y="5831"/>
-                    </a:cubicBezTo>
-                    <a:cubicBezTo>
-                      <a:pt x="1263" y="5793"/>
-                      <a:pt x="1279" y="5727"/>
-                      <a:pt x="1295" y="5668"/>
-                    </a:cubicBezTo>
-                    <a:cubicBezTo>
-                      <a:pt x="1311" y="5670"/>
-                      <a:pt x="1320" y="5673"/>
-                      <a:pt x="1327" y="5676"/>
-                    </a:cubicBezTo>
-                    <a:lnTo>
-                      <a:pt x="1367" y="5654"/>
-                    </a:lnTo>
-                    <a:cubicBezTo>
-                      <a:pt x="1374" y="5622"/>
-                      <a:pt x="1389" y="5557"/>
-                      <a:pt x="1380" y="5531"/>
-                    </a:cubicBezTo>
-                    <a:cubicBezTo>
-                      <a:pt x="1370" y="5504"/>
-                      <a:pt x="1425" y="5448"/>
-                      <a:pt x="1457" y="5388"/>
-                    </a:cubicBezTo>
-                    <a:cubicBezTo>
-                      <a:pt x="1488" y="5328"/>
-                      <a:pt x="1508" y="5255"/>
-                      <a:pt x="1491" y="5165"/>
-                    </a:cubicBezTo>
-                    <a:cubicBezTo>
-                      <a:pt x="1474" y="5076"/>
-                      <a:pt x="1499" y="4952"/>
-                      <a:pt x="1502" y="4928"/>
-                    </a:cubicBezTo>
-                    <a:cubicBezTo>
-                      <a:pt x="1505" y="4903"/>
-                      <a:pt x="1505" y="4778"/>
-                      <a:pt x="1528" y="4667"/>
-                    </a:cubicBezTo>
-                    <a:cubicBezTo>
-                      <a:pt x="1552" y="4556"/>
-                      <a:pt x="1537" y="4579"/>
-                      <a:pt x="1520" y="4502"/>
-                    </a:cubicBezTo>
-                    <a:cubicBezTo>
-                      <a:pt x="1502" y="4426"/>
-                      <a:pt x="1537" y="4454"/>
-                      <a:pt x="1520" y="4390"/>
-                    </a:cubicBezTo>
-                    <a:cubicBezTo>
-                      <a:pt x="1501" y="4326"/>
-                      <a:pt x="1528" y="4291"/>
-                      <a:pt x="1509" y="4239"/>
-                    </a:cubicBezTo>
-                    <a:cubicBezTo>
-                      <a:pt x="1508" y="4234"/>
-                      <a:pt x="1507" y="4231"/>
-                      <a:pt x="1505" y="4228"/>
-                    </a:cubicBezTo>
-                    <a:cubicBezTo>
-                      <a:pt x="1504" y="4227"/>
-                      <a:pt x="1504" y="4225"/>
-                      <a:pt x="1504" y="4224"/>
-                    </a:cubicBezTo>
-                    <a:cubicBezTo>
-                      <a:pt x="1485" y="4180"/>
-                      <a:pt x="1466" y="4155"/>
-                      <a:pt x="1458" y="4121"/>
-                    </a:cubicBezTo>
-                    <a:cubicBezTo>
-                      <a:pt x="1450" y="4081"/>
-                      <a:pt x="1461" y="4049"/>
-                      <a:pt x="1467" y="4033"/>
-                    </a:cubicBezTo>
-                    <a:lnTo>
-                      <a:pt x="1467" y="4033"/>
-                    </a:lnTo>
-                    <a:lnTo>
-                      <a:pt x="1461" y="4035"/>
-                    </a:lnTo>
-                    <a:cubicBezTo>
-                      <a:pt x="1464" y="4032"/>
-                      <a:pt x="1468" y="4032"/>
-                      <a:pt x="1471" y="4032"/>
-                    </a:cubicBezTo>
-                    <a:cubicBezTo>
-                      <a:pt x="1474" y="4032"/>
-                      <a:pt x="1477" y="4032"/>
-                      <a:pt x="1480" y="4032"/>
-                    </a:cubicBezTo>
-                    <a:cubicBezTo>
-                      <a:pt x="1493" y="4032"/>
-                      <a:pt x="1506" y="4026"/>
-                      <a:pt x="1512" y="3963"/>
-                    </a:cubicBezTo>
-                    <a:cubicBezTo>
-                      <a:pt x="1523" y="3851"/>
-                      <a:pt x="1440" y="3804"/>
-                      <a:pt x="1444" y="3755"/>
-                    </a:cubicBezTo>
-                    <a:cubicBezTo>
-                      <a:pt x="1450" y="3705"/>
-                      <a:pt x="1470" y="3758"/>
-                      <a:pt x="1479" y="3659"/>
-                    </a:cubicBezTo>
-                    <a:cubicBezTo>
-                      <a:pt x="1489" y="3558"/>
-                      <a:pt x="1461" y="3582"/>
-                      <a:pt x="1495" y="3509"/>
-                    </a:cubicBezTo>
-                    <a:cubicBezTo>
-                      <a:pt x="1527" y="3437"/>
-                      <a:pt x="1473" y="3344"/>
-                      <a:pt x="1493" y="3271"/>
-                    </a:cubicBezTo>
-                    <a:cubicBezTo>
-                      <a:pt x="1512" y="3197"/>
-                      <a:pt x="1515" y="3181"/>
-                      <a:pt x="1515" y="3172"/>
-                    </a:cubicBezTo>
-                    <a:cubicBezTo>
-                      <a:pt x="1514" y="3169"/>
-                      <a:pt x="1511" y="3165"/>
-                      <a:pt x="1509" y="3161"/>
-                    </a:cubicBezTo>
-                    <a:cubicBezTo>
-                      <a:pt x="1521" y="3131"/>
-                      <a:pt x="1537" y="3091"/>
-                      <a:pt x="1552" y="3048"/>
-                    </a:cubicBezTo>
-                    <a:cubicBezTo>
-                      <a:pt x="1578" y="2965"/>
-                      <a:pt x="1623" y="2793"/>
-                      <a:pt x="1646" y="2769"/>
-                    </a:cubicBezTo>
-                    <a:cubicBezTo>
-                      <a:pt x="1668" y="2743"/>
-                      <a:pt x="1750" y="2680"/>
-                      <a:pt x="1757" y="2675"/>
-                    </a:cubicBezTo>
-                    <a:cubicBezTo>
-                      <a:pt x="1764" y="2670"/>
-                      <a:pt x="2040" y="2426"/>
-                      <a:pt x="2102" y="2374"/>
-                    </a:cubicBezTo>
-                    <a:cubicBezTo>
-                      <a:pt x="2164" y="2320"/>
-                      <a:pt x="2298" y="2199"/>
-                      <a:pt x="2325" y="2145"/>
-                    </a:cubicBezTo>
-                    <a:cubicBezTo>
-                      <a:pt x="2353" y="2093"/>
-                      <a:pt x="2414" y="2017"/>
-                      <a:pt x="2410" y="1970"/>
-                    </a:cubicBezTo>
-                    <a:cubicBezTo>
-                      <a:pt x="2405" y="1925"/>
-                      <a:pt x="2381" y="1828"/>
-                      <a:pt x="2373" y="1801"/>
-                    </a:cubicBezTo>
-                    <a:cubicBezTo>
-                      <a:pt x="2367" y="1775"/>
-                      <a:pt x="2316" y="1465"/>
-                      <a:pt x="2296" y="1404"/>
-                    </a:cubicBezTo>
-                    <a:cubicBezTo>
-                      <a:pt x="2274" y="1343"/>
-                      <a:pt x="2254" y="1249"/>
-                      <a:pt x="2220" y="1190"/>
-                    </a:cubicBezTo>
-                    <a:cubicBezTo>
-                      <a:pt x="2188" y="1130"/>
-                      <a:pt x="2177" y="1051"/>
-                      <a:pt x="2174" y="1022"/>
-                    </a:cubicBezTo>
-                    <a:cubicBezTo>
-                      <a:pt x="2171" y="992"/>
-                      <a:pt x="2172" y="961"/>
-                      <a:pt x="2180" y="945"/>
-                    </a:cubicBezTo>
-                    <a:cubicBezTo>
-                      <a:pt x="2187" y="927"/>
-                      <a:pt x="2212" y="900"/>
-                      <a:pt x="2228" y="860"/>
-                    </a:cubicBezTo>
-                    <a:cubicBezTo>
-                      <a:pt x="2241" y="830"/>
-                      <a:pt x="2245" y="807"/>
-                      <a:pt x="2247" y="799"/>
-                    </a:cubicBezTo>
-                    <a:cubicBezTo>
-                      <a:pt x="2347" y="750"/>
-                      <a:pt x="2375" y="664"/>
-                      <a:pt x="2461" y="562"/>
-                    </a:cubicBezTo>
-                    <a:cubicBezTo>
-                      <a:pt x="2461" y="560"/>
-                      <a:pt x="2461" y="559"/>
-                      <a:pt x="2461" y="557"/>
-                    </a:cubicBezTo>
-                    <a:cubicBezTo>
-                      <a:pt x="2478" y="508"/>
-                      <a:pt x="2484" y="455"/>
-                      <a:pt x="2483" y="403"/>
-                    </a:cubicBezTo>
-                    <a:lnTo>
-                      <a:pt x="2481" y="403"/>
-                    </a:lnTo>
-                    <a:lnTo>
-                      <a:pt x="2478" y="358"/>
-                    </a:lnTo>
-                    <a:cubicBezTo>
-                      <a:pt x="2477" y="355"/>
-                      <a:pt x="2475" y="351"/>
-                      <a:pt x="2475" y="348"/>
-                    </a:cubicBezTo>
-                    <a:cubicBezTo>
-                      <a:pt x="2472" y="338"/>
-                      <a:pt x="2471" y="327"/>
-                      <a:pt x="2468" y="317"/>
-                    </a:cubicBezTo>
-                    <a:cubicBezTo>
-                      <a:pt x="2443" y="220"/>
-                      <a:pt x="2386" y="138"/>
-                      <a:pt x="2311" y="83"/>
-                    </a:cubicBezTo>
-                    <a:lnTo>
-                      <a:pt x="2308" y="80"/>
-                    </a:lnTo>
-                    <a:lnTo>
-                      <a:pt x="2306" y="80"/>
-                    </a:lnTo>
-                    <a:cubicBezTo>
-                      <a:pt x="2236" y="29"/>
-                      <a:pt x="2150" y="0"/>
-                      <a:pt x="2060" y="0"/>
+                      <a:pt x="0" y="0"/>
+                      <a:pt x="3" y="0"/>
+                      <a:pt x="4" y="2"/>
+                    </a:cubicBezTo>
+                    <a:cubicBezTo>
+                      <a:pt x="4" y="2"/>
+                      <a:pt x="3" y="0"/>
+                      <a:pt x="3" y="0"/>
                     </a:cubicBezTo>
                     <a:close/>
                   </a:path>
@@ -53091,6 +51118,2519 @@
             </p:nvSpPr>
             <p:spPr>
               <a:xfrm>
+                <a:off x="6411063" y="3140125"/>
+                <a:ext cx="62100" cy="209275"/>
+              </a:xfrm>
+              <a:custGeom>
+                <a:rect b="b" l="l" r="r" t="t"/>
+                <a:pathLst>
+                  <a:path extrusionOk="0" h="8371" w="2484">
+                    <a:moveTo>
+                      <a:pt x="1808" y="754"/>
+                    </a:moveTo>
+                    <a:cubicBezTo>
+                      <a:pt x="1812" y="757"/>
+                      <a:pt x="1816" y="760"/>
+                      <a:pt x="1820" y="763"/>
+                    </a:cubicBezTo>
+                    <a:cubicBezTo>
+                      <a:pt x="1813" y="759"/>
+                      <a:pt x="1809" y="756"/>
+                      <a:pt x="1808" y="754"/>
+                    </a:cubicBezTo>
+                    <a:close/>
+                    <a:moveTo>
+                      <a:pt x="912" y="1582"/>
+                    </a:moveTo>
+                    <a:cubicBezTo>
+                      <a:pt x="912" y="1582"/>
+                      <a:pt x="912" y="1583"/>
+                      <a:pt x="912" y="1584"/>
+                    </a:cubicBezTo>
+                    <a:lnTo>
+                      <a:pt x="912" y="1584"/>
+                    </a:lnTo>
+                    <a:cubicBezTo>
+                      <a:pt x="912" y="1583"/>
+                      <a:pt x="912" y="1582"/>
+                      <a:pt x="912" y="1582"/>
+                    </a:cubicBezTo>
+                    <a:close/>
+                    <a:moveTo>
+                      <a:pt x="854" y="1621"/>
+                    </a:moveTo>
+                    <a:cubicBezTo>
+                      <a:pt x="854" y="1622"/>
+                      <a:pt x="854" y="1622"/>
+                      <a:pt x="853" y="1623"/>
+                    </a:cubicBezTo>
+                    <a:lnTo>
+                      <a:pt x="853" y="1623"/>
+                    </a:lnTo>
+                    <a:cubicBezTo>
+                      <a:pt x="854" y="1623"/>
+                      <a:pt x="854" y="1622"/>
+                      <a:pt x="854" y="1621"/>
+                    </a:cubicBezTo>
+                    <a:close/>
+                    <a:moveTo>
+                      <a:pt x="732" y="1633"/>
+                    </a:moveTo>
+                    <a:cubicBezTo>
+                      <a:pt x="732" y="1633"/>
+                      <a:pt x="732" y="1633"/>
+                      <a:pt x="733" y="1633"/>
+                    </a:cubicBezTo>
+                    <a:lnTo>
+                      <a:pt x="733" y="1633"/>
+                    </a:lnTo>
+                    <a:cubicBezTo>
+                      <a:pt x="732" y="1633"/>
+                      <a:pt x="732" y="1633"/>
+                      <a:pt x="732" y="1633"/>
+                    </a:cubicBezTo>
+                    <a:close/>
+                    <a:moveTo>
+                      <a:pt x="657" y="1714"/>
+                    </a:moveTo>
+                    <a:cubicBezTo>
+                      <a:pt x="659" y="1716"/>
+                      <a:pt x="659" y="1717"/>
+                      <a:pt x="657" y="1717"/>
+                    </a:cubicBezTo>
+                    <a:cubicBezTo>
+                      <a:pt x="657" y="1716"/>
+                      <a:pt x="657" y="1714"/>
+                      <a:pt x="657" y="1714"/>
+                    </a:cubicBezTo>
+                    <a:close/>
+                    <a:moveTo>
+                      <a:pt x="643" y="2118"/>
+                    </a:moveTo>
+                    <a:lnTo>
+                      <a:pt x="643" y="2118"/>
+                    </a:lnTo>
+                    <a:cubicBezTo>
+                      <a:pt x="639" y="2127"/>
+                      <a:pt x="635" y="2136"/>
+                      <a:pt x="634" y="2143"/>
+                    </a:cubicBezTo>
+                    <a:lnTo>
+                      <a:pt x="634" y="2143"/>
+                    </a:lnTo>
+                    <a:cubicBezTo>
+                      <a:pt x="634" y="2140"/>
+                      <a:pt x="632" y="2137"/>
+                      <a:pt x="630" y="2135"/>
+                    </a:cubicBezTo>
+                    <a:lnTo>
+                      <a:pt x="630" y="2135"/>
+                    </a:lnTo>
+                    <a:cubicBezTo>
+                      <a:pt x="634" y="2129"/>
+                      <a:pt x="639" y="2124"/>
+                      <a:pt x="643" y="2118"/>
+                    </a:cubicBezTo>
+                    <a:close/>
+                    <a:moveTo>
+                      <a:pt x="639" y="2225"/>
+                    </a:moveTo>
+                    <a:cubicBezTo>
+                      <a:pt x="638" y="2226"/>
+                      <a:pt x="638" y="2227"/>
+                      <a:pt x="638" y="2228"/>
+                    </a:cubicBezTo>
+                    <a:cubicBezTo>
+                      <a:pt x="639" y="2227"/>
+                      <a:pt x="639" y="2226"/>
+                      <a:pt x="639" y="2225"/>
+                    </a:cubicBezTo>
+                    <a:close/>
+                    <a:moveTo>
+                      <a:pt x="618" y="2148"/>
+                    </a:moveTo>
+                    <a:lnTo>
+                      <a:pt x="618" y="2148"/>
+                    </a:lnTo>
+                    <a:cubicBezTo>
+                      <a:pt x="619" y="2155"/>
+                      <a:pt x="620" y="2161"/>
+                      <a:pt x="621" y="2169"/>
+                    </a:cubicBezTo>
+                    <a:cubicBezTo>
+                      <a:pt x="621" y="2167"/>
+                      <a:pt x="621" y="2167"/>
+                      <a:pt x="622" y="2167"/>
+                    </a:cubicBezTo>
+                    <a:cubicBezTo>
+                      <a:pt x="622" y="2167"/>
+                      <a:pt x="622" y="2167"/>
+                      <a:pt x="622" y="2167"/>
+                    </a:cubicBezTo>
+                    <a:cubicBezTo>
+                      <a:pt x="622" y="2167"/>
+                      <a:pt x="624" y="2180"/>
+                      <a:pt x="624" y="2182"/>
+                    </a:cubicBezTo>
+                    <a:cubicBezTo>
+                      <a:pt x="622" y="2177"/>
+                      <a:pt x="622" y="2173"/>
+                      <a:pt x="621" y="2169"/>
+                    </a:cubicBezTo>
+                    <a:lnTo>
+                      <a:pt x="621" y="2169"/>
+                    </a:lnTo>
+                    <a:cubicBezTo>
+                      <a:pt x="617" y="2174"/>
+                      <a:pt x="627" y="2195"/>
+                      <a:pt x="627" y="2201"/>
+                    </a:cubicBezTo>
+                    <a:cubicBezTo>
+                      <a:pt x="628" y="2205"/>
+                      <a:pt x="629" y="2207"/>
+                      <a:pt x="629" y="2207"/>
+                    </a:cubicBezTo>
+                    <a:cubicBezTo>
+                      <a:pt x="630" y="2207"/>
+                      <a:pt x="630" y="2206"/>
+                      <a:pt x="630" y="2205"/>
+                    </a:cubicBezTo>
+                    <a:cubicBezTo>
+                      <a:pt x="627" y="2198"/>
+                      <a:pt x="624" y="2190"/>
+                      <a:pt x="628" y="2183"/>
+                    </a:cubicBezTo>
+                    <a:cubicBezTo>
+                      <a:pt x="628" y="2183"/>
+                      <a:pt x="628" y="2183"/>
+                      <a:pt x="628" y="2183"/>
+                    </a:cubicBezTo>
+                    <a:cubicBezTo>
+                      <a:pt x="628" y="2183"/>
+                      <a:pt x="630" y="2198"/>
+                      <a:pt x="630" y="2205"/>
+                    </a:cubicBezTo>
+                    <a:cubicBezTo>
+                      <a:pt x="633" y="2211"/>
+                      <a:pt x="638" y="2218"/>
+                      <a:pt x="639" y="2225"/>
+                    </a:cubicBezTo>
+                    <a:lnTo>
+                      <a:pt x="639" y="2225"/>
+                    </a:lnTo>
+                    <a:cubicBezTo>
+                      <a:pt x="639" y="2217"/>
+                      <a:pt x="639" y="2214"/>
+                      <a:pt x="639" y="2214"/>
+                    </a:cubicBezTo>
+                    <a:cubicBezTo>
+                      <a:pt x="639" y="2214"/>
+                      <a:pt x="641" y="2226"/>
+                      <a:pt x="647" y="2237"/>
+                    </a:cubicBezTo>
+                    <a:cubicBezTo>
+                      <a:pt x="647" y="2228"/>
+                      <a:pt x="647" y="2220"/>
+                      <a:pt x="649" y="2211"/>
+                    </a:cubicBezTo>
+                    <a:lnTo>
+                      <a:pt x="649" y="2211"/>
+                    </a:lnTo>
+                    <a:cubicBezTo>
+                      <a:pt x="647" y="2224"/>
+                      <a:pt x="653" y="2234"/>
+                      <a:pt x="653" y="2246"/>
+                    </a:cubicBezTo>
+                    <a:lnTo>
+                      <a:pt x="653" y="2225"/>
+                    </a:lnTo>
+                    <a:cubicBezTo>
+                      <a:pt x="653" y="2238"/>
+                      <a:pt x="662" y="2250"/>
+                      <a:pt x="666" y="2260"/>
+                    </a:cubicBezTo>
+                    <a:cubicBezTo>
+                      <a:pt x="667" y="2255"/>
+                      <a:pt x="667" y="2247"/>
+                      <a:pt x="669" y="2241"/>
+                    </a:cubicBezTo>
+                    <a:cubicBezTo>
+                      <a:pt x="670" y="2249"/>
+                      <a:pt x="672" y="2253"/>
+                      <a:pt x="675" y="2259"/>
+                    </a:cubicBezTo>
+                    <a:cubicBezTo>
+                      <a:pt x="676" y="2256"/>
+                      <a:pt x="678" y="2252"/>
+                      <a:pt x="678" y="2247"/>
+                    </a:cubicBezTo>
+                    <a:cubicBezTo>
+                      <a:pt x="679" y="2254"/>
+                      <a:pt x="682" y="2261"/>
+                      <a:pt x="685" y="2261"/>
+                    </a:cubicBezTo>
+                    <a:cubicBezTo>
+                      <a:pt x="686" y="2261"/>
+                      <a:pt x="687" y="2258"/>
+                      <a:pt x="688" y="2250"/>
+                    </a:cubicBezTo>
+                    <a:cubicBezTo>
+                      <a:pt x="689" y="2256"/>
+                      <a:pt x="692" y="2260"/>
+                      <a:pt x="695" y="2265"/>
+                    </a:cubicBezTo>
+                    <a:cubicBezTo>
+                      <a:pt x="696" y="2261"/>
+                      <a:pt x="697" y="2258"/>
+                      <a:pt x="698" y="2254"/>
+                    </a:cubicBezTo>
+                    <a:lnTo>
+                      <a:pt x="698" y="2254"/>
+                    </a:lnTo>
+                    <a:cubicBezTo>
+                      <a:pt x="698" y="2260"/>
+                      <a:pt x="700" y="2265"/>
+                      <a:pt x="703" y="2265"/>
+                    </a:cubicBezTo>
+                    <a:cubicBezTo>
+                      <a:pt x="705" y="2265"/>
+                      <a:pt x="708" y="2263"/>
+                      <a:pt x="710" y="2257"/>
+                    </a:cubicBezTo>
+                    <a:cubicBezTo>
+                      <a:pt x="714" y="2262"/>
+                      <a:pt x="714" y="2266"/>
+                      <a:pt x="717" y="2271"/>
+                    </a:cubicBezTo>
+                    <a:cubicBezTo>
+                      <a:pt x="720" y="2267"/>
+                      <a:pt x="722" y="2266"/>
+                      <a:pt x="723" y="2266"/>
+                    </a:cubicBezTo>
+                    <a:cubicBezTo>
+                      <a:pt x="727" y="2266"/>
+                      <a:pt x="727" y="2274"/>
+                      <a:pt x="730" y="2274"/>
+                    </a:cubicBezTo>
+                    <a:cubicBezTo>
+                      <a:pt x="731" y="2274"/>
+                      <a:pt x="731" y="2274"/>
+                      <a:pt x="732" y="2273"/>
+                    </a:cubicBezTo>
+                    <a:cubicBezTo>
+                      <a:pt x="733" y="2272"/>
+                      <a:pt x="734" y="2265"/>
+                      <a:pt x="736" y="2263"/>
+                    </a:cubicBezTo>
+                    <a:cubicBezTo>
+                      <a:pt x="737" y="2266"/>
+                      <a:pt x="738" y="2268"/>
+                      <a:pt x="739" y="2268"/>
+                    </a:cubicBezTo>
+                    <a:cubicBezTo>
+                      <a:pt x="741" y="2268"/>
+                      <a:pt x="742" y="2264"/>
+                      <a:pt x="742" y="2259"/>
+                    </a:cubicBezTo>
+                    <a:cubicBezTo>
+                      <a:pt x="742" y="2260"/>
+                      <a:pt x="742" y="2260"/>
+                      <a:pt x="743" y="2262"/>
+                    </a:cubicBezTo>
+                    <a:cubicBezTo>
+                      <a:pt x="743" y="2260"/>
+                      <a:pt x="743" y="2259"/>
+                      <a:pt x="740" y="2253"/>
+                    </a:cubicBezTo>
+                    <a:cubicBezTo>
+                      <a:pt x="741" y="2252"/>
+                      <a:pt x="742" y="2251"/>
+                      <a:pt x="744" y="2251"/>
+                    </a:cubicBezTo>
+                    <a:cubicBezTo>
+                      <a:pt x="747" y="2251"/>
+                      <a:pt x="753" y="2257"/>
+                      <a:pt x="762" y="2287"/>
+                    </a:cubicBezTo>
+                    <a:cubicBezTo>
+                      <a:pt x="774" y="2320"/>
+                      <a:pt x="762" y="2378"/>
+                      <a:pt x="753" y="2418"/>
+                    </a:cubicBezTo>
+                    <a:cubicBezTo>
+                      <a:pt x="752" y="2418"/>
+                      <a:pt x="751" y="2416"/>
+                      <a:pt x="749" y="2416"/>
+                    </a:cubicBezTo>
+                    <a:cubicBezTo>
+                      <a:pt x="737" y="2416"/>
+                      <a:pt x="713" y="2375"/>
+                      <a:pt x="689" y="2361"/>
+                    </a:cubicBezTo>
+                    <a:cubicBezTo>
+                      <a:pt x="688" y="2361"/>
+                      <a:pt x="682" y="2359"/>
+                      <a:pt x="682" y="2358"/>
+                    </a:cubicBezTo>
+                    <a:cubicBezTo>
+                      <a:pt x="682" y="2354"/>
+                      <a:pt x="672" y="2346"/>
+                      <a:pt x="667" y="2339"/>
+                    </a:cubicBezTo>
+                    <a:lnTo>
+                      <a:pt x="669" y="2336"/>
+                    </a:lnTo>
+                    <a:cubicBezTo>
+                      <a:pt x="666" y="2332"/>
+                      <a:pt x="663" y="2326"/>
+                      <a:pt x="660" y="2320"/>
+                    </a:cubicBezTo>
+                    <a:cubicBezTo>
+                      <a:pt x="657" y="2314"/>
+                      <a:pt x="656" y="2310"/>
+                      <a:pt x="653" y="2307"/>
+                    </a:cubicBezTo>
+                    <a:cubicBezTo>
+                      <a:pt x="643" y="2291"/>
+                      <a:pt x="631" y="2271"/>
+                      <a:pt x="618" y="2247"/>
+                    </a:cubicBezTo>
+                    <a:cubicBezTo>
+                      <a:pt x="595" y="2209"/>
+                      <a:pt x="603" y="2196"/>
+                      <a:pt x="608" y="2164"/>
+                    </a:cubicBezTo>
+                    <a:cubicBezTo>
+                      <a:pt x="608" y="2160"/>
+                      <a:pt x="612" y="2156"/>
+                      <a:pt x="616" y="2150"/>
+                    </a:cubicBezTo>
+                    <a:lnTo>
+                      <a:pt x="616" y="2150"/>
+                    </a:lnTo>
+                    <a:cubicBezTo>
+                      <a:pt x="616" y="2150"/>
+                      <a:pt x="616" y="2151"/>
+                      <a:pt x="617" y="2151"/>
+                    </a:cubicBezTo>
+                    <a:cubicBezTo>
+                      <a:pt x="617" y="2151"/>
+                      <a:pt x="616" y="2150"/>
+                      <a:pt x="616" y="2150"/>
+                    </a:cubicBezTo>
+                    <a:lnTo>
+                      <a:pt x="616" y="2150"/>
+                    </a:lnTo>
+                    <a:cubicBezTo>
+                      <a:pt x="617" y="2149"/>
+                      <a:pt x="617" y="2149"/>
+                      <a:pt x="618" y="2148"/>
+                    </a:cubicBezTo>
+                    <a:close/>
+                    <a:moveTo>
+                      <a:pt x="2060" y="0"/>
+                    </a:moveTo>
+                    <a:cubicBezTo>
+                      <a:pt x="2027" y="0"/>
+                      <a:pt x="1992" y="4"/>
+                      <a:pt x="1958" y="13"/>
+                    </a:cubicBezTo>
+                    <a:cubicBezTo>
+                      <a:pt x="1878" y="33"/>
+                      <a:pt x="1810" y="75"/>
+                      <a:pt x="1757" y="132"/>
+                    </a:cubicBezTo>
+                    <a:lnTo>
+                      <a:pt x="1756" y="132"/>
+                    </a:lnTo>
+                    <a:lnTo>
+                      <a:pt x="1754" y="135"/>
+                    </a:lnTo>
+                    <a:cubicBezTo>
+                      <a:pt x="1728" y="163"/>
+                      <a:pt x="1706" y="193"/>
+                      <a:pt x="1689" y="228"/>
+                    </a:cubicBezTo>
+                    <a:lnTo>
+                      <a:pt x="1687" y="230"/>
+                    </a:lnTo>
+                    <a:cubicBezTo>
+                      <a:pt x="1643" y="317"/>
+                      <a:pt x="1629" y="421"/>
+                      <a:pt x="1655" y="524"/>
+                    </a:cubicBezTo>
+                    <a:cubicBezTo>
+                      <a:pt x="1679" y="619"/>
+                      <a:pt x="1735" y="699"/>
+                      <a:pt x="1808" y="754"/>
+                    </a:cubicBezTo>
+                    <a:lnTo>
+                      <a:pt x="1808" y="754"/>
+                    </a:lnTo>
+                    <a:cubicBezTo>
+                      <a:pt x="1808" y="769"/>
+                      <a:pt x="1811" y="796"/>
+                      <a:pt x="1821" y="808"/>
+                    </a:cubicBezTo>
+                    <a:cubicBezTo>
+                      <a:pt x="1831" y="820"/>
+                      <a:pt x="1885" y="881"/>
+                      <a:pt x="1898" y="903"/>
+                    </a:cubicBezTo>
+                    <a:cubicBezTo>
+                      <a:pt x="1913" y="926"/>
+                      <a:pt x="1949" y="984"/>
+                      <a:pt x="1964" y="1027"/>
+                    </a:cubicBezTo>
+                    <a:cubicBezTo>
+                      <a:pt x="1979" y="1070"/>
+                      <a:pt x="2030" y="1316"/>
+                      <a:pt x="2038" y="1369"/>
+                    </a:cubicBezTo>
+                    <a:cubicBezTo>
+                      <a:pt x="2046" y="1420"/>
+                      <a:pt x="2075" y="1618"/>
+                      <a:pt x="2085" y="1701"/>
+                    </a:cubicBezTo>
+                    <a:cubicBezTo>
+                      <a:pt x="2095" y="1784"/>
+                      <a:pt x="2107" y="1871"/>
+                      <a:pt x="2108" y="1889"/>
+                    </a:cubicBezTo>
+                    <a:cubicBezTo>
+                      <a:pt x="2110" y="1906"/>
+                      <a:pt x="2114" y="1937"/>
+                      <a:pt x="2089" y="1957"/>
+                    </a:cubicBezTo>
+                    <a:cubicBezTo>
+                      <a:pt x="2063" y="1976"/>
+                      <a:pt x="1971" y="2036"/>
+                      <a:pt x="1914" y="2110"/>
+                    </a:cubicBezTo>
+                    <a:cubicBezTo>
+                      <a:pt x="1856" y="2186"/>
+                      <a:pt x="1801" y="2282"/>
+                      <a:pt x="1759" y="2289"/>
+                    </a:cubicBezTo>
+                    <a:cubicBezTo>
+                      <a:pt x="1716" y="2295"/>
+                      <a:pt x="1693" y="2300"/>
+                      <a:pt x="1610" y="2329"/>
+                    </a:cubicBezTo>
+                    <a:cubicBezTo>
+                      <a:pt x="1527" y="2358"/>
+                      <a:pt x="1445" y="2396"/>
+                      <a:pt x="1394" y="2440"/>
+                    </a:cubicBezTo>
+                    <a:cubicBezTo>
+                      <a:pt x="1370" y="2460"/>
+                      <a:pt x="1346" y="2477"/>
+                      <a:pt x="1327" y="2492"/>
+                    </a:cubicBezTo>
+                    <a:cubicBezTo>
+                      <a:pt x="1323" y="2483"/>
+                      <a:pt x="1322" y="2477"/>
+                      <a:pt x="1322" y="2474"/>
+                    </a:cubicBezTo>
+                    <a:cubicBezTo>
+                      <a:pt x="1323" y="2461"/>
+                      <a:pt x="1300" y="2426"/>
+                      <a:pt x="1288" y="2407"/>
+                    </a:cubicBezTo>
+                    <a:cubicBezTo>
+                      <a:pt x="1287" y="2409"/>
+                      <a:pt x="1285" y="2409"/>
+                      <a:pt x="1285" y="2409"/>
+                    </a:cubicBezTo>
+                    <a:lnTo>
+                      <a:pt x="1284" y="2409"/>
+                    </a:lnTo>
+                    <a:cubicBezTo>
+                      <a:pt x="1284" y="2410"/>
+                      <a:pt x="1282" y="2410"/>
+                      <a:pt x="1282" y="2410"/>
+                    </a:cubicBezTo>
+                    <a:cubicBezTo>
+                      <a:pt x="1277" y="2414"/>
+                      <a:pt x="1283" y="2416"/>
+                      <a:pt x="1281" y="2416"/>
+                    </a:cubicBezTo>
+                    <a:cubicBezTo>
+                      <a:pt x="1280" y="2416"/>
+                      <a:pt x="1276" y="2416"/>
+                      <a:pt x="1263" y="2413"/>
+                    </a:cubicBezTo>
+                    <a:cubicBezTo>
+                      <a:pt x="1263" y="2412"/>
+                      <a:pt x="1253" y="2409"/>
+                      <a:pt x="1244" y="2406"/>
+                    </a:cubicBezTo>
+                    <a:cubicBezTo>
+                      <a:pt x="1195" y="2390"/>
+                      <a:pt x="1161" y="2384"/>
+                      <a:pt x="1145" y="2380"/>
+                    </a:cubicBezTo>
+                    <a:cubicBezTo>
+                      <a:pt x="1142" y="2387"/>
+                      <a:pt x="1141" y="2397"/>
+                      <a:pt x="1138" y="2407"/>
+                    </a:cubicBezTo>
+                    <a:cubicBezTo>
+                      <a:pt x="1137" y="2409"/>
+                      <a:pt x="1137" y="2410"/>
+                      <a:pt x="1137" y="2412"/>
+                    </a:cubicBezTo>
+                    <a:cubicBezTo>
+                      <a:pt x="1131" y="2386"/>
+                      <a:pt x="1122" y="2351"/>
+                      <a:pt x="1119" y="2323"/>
+                    </a:cubicBezTo>
+                    <a:cubicBezTo>
+                      <a:pt x="1116" y="2281"/>
+                      <a:pt x="1141" y="2282"/>
+                      <a:pt x="1174" y="2275"/>
+                    </a:cubicBezTo>
+                    <a:cubicBezTo>
+                      <a:pt x="1206" y="2269"/>
+                      <a:pt x="1205" y="2252"/>
+                      <a:pt x="1208" y="2233"/>
+                    </a:cubicBezTo>
+                    <a:cubicBezTo>
+                      <a:pt x="1211" y="2214"/>
+                      <a:pt x="1205" y="2186"/>
+                      <a:pt x="1222" y="2163"/>
+                    </a:cubicBezTo>
+                    <a:cubicBezTo>
+                      <a:pt x="1240" y="2139"/>
+                      <a:pt x="1231" y="2075"/>
+                      <a:pt x="1221" y="2046"/>
+                    </a:cubicBezTo>
+                    <a:cubicBezTo>
+                      <a:pt x="1209" y="2019"/>
+                      <a:pt x="1198" y="1973"/>
+                      <a:pt x="1201" y="1941"/>
+                    </a:cubicBezTo>
+                    <a:cubicBezTo>
+                      <a:pt x="1202" y="1908"/>
+                      <a:pt x="1204" y="1870"/>
+                      <a:pt x="1196" y="1852"/>
+                    </a:cubicBezTo>
+                    <a:cubicBezTo>
+                      <a:pt x="1189" y="1835"/>
+                      <a:pt x="1148" y="1761"/>
+                      <a:pt x="1148" y="1756"/>
+                    </a:cubicBezTo>
+                    <a:cubicBezTo>
+                      <a:pt x="1167" y="1734"/>
+                      <a:pt x="1193" y="1700"/>
+                      <a:pt x="1183" y="1665"/>
+                    </a:cubicBezTo>
+                    <a:cubicBezTo>
+                      <a:pt x="1182" y="1660"/>
+                      <a:pt x="1180" y="1637"/>
+                      <a:pt x="1176" y="1635"/>
+                    </a:cubicBezTo>
+                    <a:cubicBezTo>
+                      <a:pt x="1173" y="1635"/>
+                      <a:pt x="1176" y="1641"/>
+                      <a:pt x="1176" y="1641"/>
+                    </a:cubicBezTo>
+                    <a:cubicBezTo>
+                      <a:pt x="1179" y="1649"/>
+                      <a:pt x="1179" y="1654"/>
+                      <a:pt x="1177" y="1662"/>
+                    </a:cubicBezTo>
+                    <a:cubicBezTo>
+                      <a:pt x="1177" y="1673"/>
+                      <a:pt x="1169" y="1685"/>
+                      <a:pt x="1161" y="1692"/>
+                    </a:cubicBezTo>
+                    <a:cubicBezTo>
+                      <a:pt x="1158" y="1696"/>
+                      <a:pt x="1156" y="1698"/>
+                      <a:pt x="1155" y="1698"/>
+                    </a:cubicBezTo>
+                    <a:cubicBezTo>
+                      <a:pt x="1151" y="1698"/>
+                      <a:pt x="1164" y="1667"/>
+                      <a:pt x="1166" y="1654"/>
+                    </a:cubicBezTo>
+                    <a:cubicBezTo>
+                      <a:pt x="1166" y="1648"/>
+                      <a:pt x="1154" y="1627"/>
+                      <a:pt x="1153" y="1627"/>
+                    </a:cubicBezTo>
+                    <a:lnTo>
+                      <a:pt x="1153" y="1627"/>
+                    </a:lnTo>
+                    <a:cubicBezTo>
+                      <a:pt x="1152" y="1627"/>
+                      <a:pt x="1152" y="1628"/>
+                      <a:pt x="1153" y="1630"/>
+                    </a:cubicBezTo>
+                    <a:cubicBezTo>
+                      <a:pt x="1157" y="1650"/>
+                      <a:pt x="1153" y="1665"/>
+                      <a:pt x="1141" y="1682"/>
+                    </a:cubicBezTo>
+                    <a:cubicBezTo>
+                      <a:pt x="1144" y="1665"/>
+                      <a:pt x="1153" y="1651"/>
+                      <a:pt x="1148" y="1633"/>
+                    </a:cubicBezTo>
+                    <a:cubicBezTo>
+                      <a:pt x="1145" y="1621"/>
+                      <a:pt x="1138" y="1612"/>
+                      <a:pt x="1134" y="1600"/>
+                    </a:cubicBezTo>
+                    <a:lnTo>
+                      <a:pt x="1134" y="1600"/>
+                    </a:lnTo>
+                    <a:cubicBezTo>
+                      <a:pt x="1132" y="1611"/>
+                      <a:pt x="1135" y="1621"/>
+                      <a:pt x="1134" y="1631"/>
+                    </a:cubicBezTo>
+                    <a:cubicBezTo>
+                      <a:pt x="1131" y="1660"/>
+                      <a:pt x="1128" y="1666"/>
+                      <a:pt x="1123" y="1666"/>
+                    </a:cubicBezTo>
+                    <a:cubicBezTo>
+                      <a:pt x="1123" y="1659"/>
+                      <a:pt x="1125" y="1650"/>
+                      <a:pt x="1125" y="1641"/>
+                    </a:cubicBezTo>
+                    <a:cubicBezTo>
+                      <a:pt x="1126" y="1635"/>
+                      <a:pt x="1123" y="1630"/>
+                      <a:pt x="1122" y="1625"/>
+                    </a:cubicBezTo>
+                    <a:lnTo>
+                      <a:pt x="1122" y="1625"/>
+                    </a:lnTo>
+                    <a:cubicBezTo>
+                      <a:pt x="1123" y="1633"/>
+                      <a:pt x="1119" y="1646"/>
+                      <a:pt x="1116" y="1651"/>
+                    </a:cubicBezTo>
+                    <a:cubicBezTo>
+                      <a:pt x="1115" y="1646"/>
+                      <a:pt x="1118" y="1638"/>
+                      <a:pt x="1116" y="1633"/>
+                    </a:cubicBezTo>
+                    <a:cubicBezTo>
+                      <a:pt x="1116" y="1631"/>
+                      <a:pt x="1115" y="1630"/>
+                      <a:pt x="1115" y="1627"/>
+                    </a:cubicBezTo>
+                    <a:cubicBezTo>
+                      <a:pt x="1113" y="1631"/>
+                      <a:pt x="1115" y="1635"/>
+                      <a:pt x="1113" y="1638"/>
+                    </a:cubicBezTo>
+                    <a:cubicBezTo>
+                      <a:pt x="1112" y="1643"/>
+                      <a:pt x="1109" y="1644"/>
+                      <a:pt x="1104" y="1647"/>
+                    </a:cubicBezTo>
+                    <a:cubicBezTo>
+                      <a:pt x="1100" y="1633"/>
+                      <a:pt x="1094" y="1619"/>
+                      <a:pt x="1090" y="1603"/>
+                    </a:cubicBezTo>
+                    <a:cubicBezTo>
+                      <a:pt x="1089" y="1599"/>
+                      <a:pt x="1086" y="1576"/>
+                      <a:pt x="1086" y="1576"/>
+                    </a:cubicBezTo>
+                    <a:cubicBezTo>
+                      <a:pt x="1086" y="1576"/>
+                      <a:pt x="1086" y="1577"/>
+                      <a:pt x="1086" y="1577"/>
+                    </a:cubicBezTo>
+                    <a:cubicBezTo>
+                      <a:pt x="1086" y="1596"/>
+                      <a:pt x="1071" y="1614"/>
+                      <a:pt x="1077" y="1631"/>
+                    </a:cubicBezTo>
+                    <a:cubicBezTo>
+                      <a:pt x="1067" y="1621"/>
+                      <a:pt x="1058" y="1592"/>
+                      <a:pt x="1059" y="1576"/>
+                    </a:cubicBezTo>
+                    <a:lnTo>
+                      <a:pt x="1059" y="1576"/>
+                    </a:lnTo>
+                    <a:cubicBezTo>
+                      <a:pt x="1058" y="1592"/>
+                      <a:pt x="1054" y="1603"/>
+                      <a:pt x="1052" y="1619"/>
+                    </a:cubicBezTo>
+                    <a:cubicBezTo>
+                      <a:pt x="1049" y="1603"/>
+                      <a:pt x="1030" y="1565"/>
+                      <a:pt x="1013" y="1564"/>
+                    </a:cubicBezTo>
+                    <a:lnTo>
+                      <a:pt x="1013" y="1564"/>
+                    </a:lnTo>
+                    <a:cubicBezTo>
+                      <a:pt x="1017" y="1571"/>
+                      <a:pt x="1029" y="1611"/>
+                      <a:pt x="1019" y="1619"/>
+                    </a:cubicBezTo>
+                    <a:cubicBezTo>
+                      <a:pt x="1016" y="1614"/>
+                      <a:pt x="1017" y="1606"/>
+                      <a:pt x="1014" y="1600"/>
+                    </a:cubicBezTo>
+                    <a:cubicBezTo>
+                      <a:pt x="1013" y="1595"/>
+                      <a:pt x="1007" y="1590"/>
+                      <a:pt x="1003" y="1587"/>
+                    </a:cubicBezTo>
+                    <a:lnTo>
+                      <a:pt x="1003" y="1587"/>
+                    </a:lnTo>
+                    <a:cubicBezTo>
+                      <a:pt x="1004" y="1590"/>
+                      <a:pt x="1008" y="1599"/>
+                      <a:pt x="1005" y="1603"/>
+                    </a:cubicBezTo>
+                    <a:cubicBezTo>
+                      <a:pt x="1005" y="1603"/>
+                      <a:pt x="1001" y="1592"/>
+                      <a:pt x="998" y="1589"/>
+                    </a:cubicBezTo>
+                    <a:cubicBezTo>
+                      <a:pt x="994" y="1583"/>
+                      <a:pt x="987" y="1577"/>
+                      <a:pt x="978" y="1574"/>
+                    </a:cubicBezTo>
+                    <a:lnTo>
+                      <a:pt x="978" y="1574"/>
+                    </a:lnTo>
+                    <a:cubicBezTo>
+                      <a:pt x="978" y="1574"/>
+                      <a:pt x="979" y="1576"/>
+                      <a:pt x="979" y="1576"/>
+                    </a:cubicBezTo>
+                    <a:cubicBezTo>
+                      <a:pt x="982" y="1580"/>
+                      <a:pt x="987" y="1583"/>
+                      <a:pt x="989" y="1586"/>
+                    </a:cubicBezTo>
+                    <a:cubicBezTo>
+                      <a:pt x="989" y="1587"/>
+                      <a:pt x="989" y="1590"/>
+                      <a:pt x="989" y="1592"/>
+                    </a:cubicBezTo>
+                    <a:cubicBezTo>
+                      <a:pt x="991" y="1592"/>
+                      <a:pt x="991" y="1593"/>
+                      <a:pt x="989" y="1593"/>
+                    </a:cubicBezTo>
+                    <a:cubicBezTo>
+                      <a:pt x="988" y="1593"/>
+                      <a:pt x="988" y="1590"/>
+                      <a:pt x="988" y="1589"/>
+                    </a:cubicBezTo>
+                    <a:cubicBezTo>
+                      <a:pt x="984" y="1584"/>
+                      <a:pt x="979" y="1579"/>
+                      <a:pt x="973" y="1576"/>
+                    </a:cubicBezTo>
+                    <a:lnTo>
+                      <a:pt x="973" y="1576"/>
+                    </a:lnTo>
+                    <a:cubicBezTo>
+                      <a:pt x="975" y="1579"/>
+                      <a:pt x="976" y="1583"/>
+                      <a:pt x="976" y="1587"/>
+                    </a:cubicBezTo>
+                    <a:cubicBezTo>
+                      <a:pt x="972" y="1584"/>
+                      <a:pt x="969" y="1582"/>
+                      <a:pt x="965" y="1579"/>
+                    </a:cubicBezTo>
+                    <a:cubicBezTo>
+                      <a:pt x="964" y="1578"/>
+                      <a:pt x="964" y="1578"/>
+                      <a:pt x="964" y="1578"/>
+                    </a:cubicBezTo>
+                    <a:lnTo>
+                      <a:pt x="964" y="1578"/>
+                    </a:lnTo>
+                    <a:cubicBezTo>
+                      <a:pt x="961" y="1578"/>
+                      <a:pt x="973" y="1601"/>
+                      <a:pt x="970" y="1608"/>
+                    </a:cubicBezTo>
+                    <a:cubicBezTo>
+                      <a:pt x="970" y="1608"/>
+                      <a:pt x="970" y="1608"/>
+                      <a:pt x="970" y="1608"/>
+                    </a:cubicBezTo>
+                    <a:cubicBezTo>
+                      <a:pt x="969" y="1608"/>
+                      <a:pt x="962" y="1599"/>
+                      <a:pt x="962" y="1599"/>
+                    </a:cubicBezTo>
+                    <a:cubicBezTo>
+                      <a:pt x="947" y="1586"/>
+                      <a:pt x="938" y="1583"/>
+                      <a:pt x="931" y="1564"/>
+                    </a:cubicBezTo>
+                    <a:lnTo>
+                      <a:pt x="931" y="1564"/>
+                    </a:lnTo>
+                    <a:cubicBezTo>
+                      <a:pt x="934" y="1576"/>
+                      <a:pt x="932" y="1590"/>
+                      <a:pt x="935" y="1602"/>
+                    </a:cubicBezTo>
+                    <a:lnTo>
+                      <a:pt x="935" y="1602"/>
+                    </a:lnTo>
+                    <a:cubicBezTo>
+                      <a:pt x="933" y="1598"/>
+                      <a:pt x="931" y="1593"/>
+                      <a:pt x="930" y="1590"/>
+                    </a:cubicBezTo>
+                    <a:cubicBezTo>
+                      <a:pt x="928" y="1586"/>
+                      <a:pt x="927" y="1582"/>
+                      <a:pt x="924" y="1576"/>
+                    </a:cubicBezTo>
+                    <a:cubicBezTo>
+                      <a:pt x="922" y="1589"/>
+                      <a:pt x="921" y="1612"/>
+                      <a:pt x="912" y="1619"/>
+                    </a:cubicBezTo>
+                    <a:cubicBezTo>
+                      <a:pt x="909" y="1609"/>
+                      <a:pt x="911" y="1596"/>
+                      <a:pt x="912" y="1584"/>
+                    </a:cubicBezTo>
+                    <a:lnTo>
+                      <a:pt x="912" y="1584"/>
+                    </a:lnTo>
+                    <a:cubicBezTo>
+                      <a:pt x="910" y="1599"/>
+                      <a:pt x="903" y="1614"/>
+                      <a:pt x="896" y="1627"/>
+                    </a:cubicBezTo>
+                    <a:cubicBezTo>
+                      <a:pt x="892" y="1616"/>
+                      <a:pt x="895" y="1606"/>
+                      <a:pt x="895" y="1595"/>
+                    </a:cubicBezTo>
+                    <a:lnTo>
+                      <a:pt x="895" y="1595"/>
+                    </a:lnTo>
+                    <a:cubicBezTo>
+                      <a:pt x="889" y="1608"/>
+                      <a:pt x="877" y="1619"/>
+                      <a:pt x="870" y="1633"/>
+                    </a:cubicBezTo>
+                    <a:cubicBezTo>
+                      <a:pt x="870" y="1627"/>
+                      <a:pt x="871" y="1619"/>
+                      <a:pt x="873" y="1614"/>
+                    </a:cubicBezTo>
+                    <a:cubicBezTo>
+                      <a:pt x="874" y="1612"/>
+                      <a:pt x="875" y="1609"/>
+                      <a:pt x="875" y="1609"/>
+                    </a:cubicBezTo>
+                    <a:lnTo>
+                      <a:pt x="875" y="1609"/>
+                    </a:lnTo>
+                    <a:cubicBezTo>
+                      <a:pt x="875" y="1609"/>
+                      <a:pt x="875" y="1609"/>
+                      <a:pt x="874" y="1609"/>
+                    </a:cubicBezTo>
+                    <a:cubicBezTo>
+                      <a:pt x="871" y="1614"/>
+                      <a:pt x="864" y="1618"/>
+                      <a:pt x="863" y="1625"/>
+                    </a:cubicBezTo>
+                    <a:cubicBezTo>
+                      <a:pt x="863" y="1621"/>
+                      <a:pt x="864" y="1618"/>
+                      <a:pt x="864" y="1614"/>
+                    </a:cubicBezTo>
+                    <a:lnTo>
+                      <a:pt x="864" y="1614"/>
+                    </a:lnTo>
+                    <a:cubicBezTo>
+                      <a:pt x="863" y="1618"/>
+                      <a:pt x="860" y="1622"/>
+                      <a:pt x="857" y="1627"/>
+                    </a:cubicBezTo>
+                    <a:cubicBezTo>
+                      <a:pt x="855" y="1630"/>
+                      <a:pt x="854" y="1633"/>
+                      <a:pt x="852" y="1635"/>
+                    </a:cubicBezTo>
+                    <a:cubicBezTo>
+                      <a:pt x="852" y="1637"/>
+                      <a:pt x="851" y="1643"/>
+                      <a:pt x="851" y="1643"/>
+                    </a:cubicBezTo>
+                    <a:cubicBezTo>
+                      <a:pt x="849" y="1638"/>
+                      <a:pt x="851" y="1629"/>
+                      <a:pt x="853" y="1623"/>
+                    </a:cubicBezTo>
+                    <a:lnTo>
+                      <a:pt x="853" y="1623"/>
+                    </a:lnTo>
+                    <a:cubicBezTo>
+                      <a:pt x="851" y="1629"/>
+                      <a:pt x="846" y="1633"/>
+                      <a:pt x="844" y="1640"/>
+                    </a:cubicBezTo>
+                    <a:cubicBezTo>
+                      <a:pt x="842" y="1634"/>
+                      <a:pt x="845" y="1630"/>
+                      <a:pt x="845" y="1624"/>
+                    </a:cubicBezTo>
+                    <a:lnTo>
+                      <a:pt x="845" y="1624"/>
+                    </a:lnTo>
+                    <a:cubicBezTo>
+                      <a:pt x="845" y="1626"/>
+                      <a:pt x="840" y="1634"/>
+                      <a:pt x="839" y="1634"/>
+                    </a:cubicBezTo>
+                    <a:cubicBezTo>
+                      <a:pt x="839" y="1634"/>
+                      <a:pt x="839" y="1634"/>
+                      <a:pt x="839" y="1634"/>
+                    </a:cubicBezTo>
+                    <a:cubicBezTo>
+                      <a:pt x="839" y="1634"/>
+                      <a:pt x="839" y="1635"/>
+                      <a:pt x="839" y="1637"/>
+                    </a:cubicBezTo>
+                    <a:cubicBezTo>
+                      <a:pt x="838" y="1635"/>
+                      <a:pt x="839" y="1633"/>
+                      <a:pt x="839" y="1631"/>
+                    </a:cubicBezTo>
+                    <a:cubicBezTo>
+                      <a:pt x="839" y="1628"/>
+                      <a:pt x="836" y="1624"/>
+                      <a:pt x="835" y="1621"/>
+                    </a:cubicBezTo>
+                    <a:cubicBezTo>
+                      <a:pt x="835" y="1619"/>
+                      <a:pt x="828" y="1615"/>
+                      <a:pt x="828" y="1615"/>
+                    </a:cubicBezTo>
+                    <a:lnTo>
+                      <a:pt x="828" y="1615"/>
+                    </a:lnTo>
+                    <a:cubicBezTo>
+                      <a:pt x="828" y="1618"/>
+                      <a:pt x="832" y="1624"/>
+                      <a:pt x="834" y="1628"/>
+                    </a:cubicBezTo>
+                    <a:cubicBezTo>
+                      <a:pt x="829" y="1622"/>
+                      <a:pt x="826" y="1616"/>
+                      <a:pt x="818" y="1616"/>
+                    </a:cubicBezTo>
+                    <a:cubicBezTo>
+                      <a:pt x="819" y="1619"/>
+                      <a:pt x="831" y="1631"/>
+                      <a:pt x="825" y="1635"/>
+                    </a:cubicBezTo>
+                    <a:lnTo>
+                      <a:pt x="823" y="1635"/>
+                    </a:lnTo>
+                    <a:cubicBezTo>
+                      <a:pt x="818" y="1625"/>
+                      <a:pt x="809" y="1616"/>
+                      <a:pt x="799" y="1612"/>
+                    </a:cubicBezTo>
+                    <a:cubicBezTo>
+                      <a:pt x="796" y="1611"/>
+                      <a:pt x="793" y="1611"/>
+                      <a:pt x="790" y="1609"/>
+                    </a:cubicBezTo>
+                    <a:cubicBezTo>
+                      <a:pt x="788" y="1609"/>
+                      <a:pt x="787" y="1608"/>
+                      <a:pt x="785" y="1608"/>
+                    </a:cubicBezTo>
+                    <a:lnTo>
+                      <a:pt x="785" y="1608"/>
+                    </a:lnTo>
+                    <a:cubicBezTo>
+                      <a:pt x="791" y="1611"/>
+                      <a:pt x="799" y="1619"/>
+                      <a:pt x="803" y="1625"/>
+                    </a:cubicBezTo>
+                    <a:cubicBezTo>
+                      <a:pt x="797" y="1621"/>
+                      <a:pt x="790" y="1618"/>
+                      <a:pt x="783" y="1616"/>
+                    </a:cubicBezTo>
+                    <a:lnTo>
+                      <a:pt x="783" y="1616"/>
+                    </a:lnTo>
+                    <a:cubicBezTo>
+                      <a:pt x="785" y="1618"/>
+                      <a:pt x="790" y="1622"/>
+                      <a:pt x="791" y="1625"/>
+                    </a:cubicBezTo>
+                    <a:cubicBezTo>
+                      <a:pt x="774" y="1621"/>
+                      <a:pt x="755" y="1618"/>
+                      <a:pt x="733" y="1615"/>
+                    </a:cubicBezTo>
+                    <a:lnTo>
+                      <a:pt x="733" y="1615"/>
+                    </a:lnTo>
+                    <a:cubicBezTo>
+                      <a:pt x="755" y="1626"/>
+                      <a:pt x="773" y="1634"/>
+                      <a:pt x="755" y="1634"/>
+                    </a:cubicBezTo>
+                    <a:cubicBezTo>
+                      <a:pt x="750" y="1634"/>
+                      <a:pt x="743" y="1634"/>
+                      <a:pt x="733" y="1633"/>
+                    </a:cubicBezTo>
+                    <a:lnTo>
+                      <a:pt x="733" y="1633"/>
+                    </a:lnTo>
+                    <a:cubicBezTo>
+                      <a:pt x="747" y="1634"/>
+                      <a:pt x="758" y="1643"/>
+                      <a:pt x="771" y="1647"/>
+                    </a:cubicBezTo>
+                    <a:cubicBezTo>
+                      <a:pt x="775" y="1647"/>
+                      <a:pt x="781" y="1649"/>
+                      <a:pt x="784" y="1650"/>
+                    </a:cubicBezTo>
+                    <a:cubicBezTo>
+                      <a:pt x="780" y="1650"/>
+                      <a:pt x="775" y="1649"/>
+                      <a:pt x="771" y="1647"/>
+                    </a:cubicBezTo>
+                    <a:cubicBezTo>
+                      <a:pt x="765" y="1646"/>
+                      <a:pt x="759" y="1645"/>
+                      <a:pt x="753" y="1645"/>
+                    </a:cubicBezTo>
+                    <a:cubicBezTo>
+                      <a:pt x="745" y="1645"/>
+                      <a:pt x="739" y="1646"/>
+                      <a:pt x="736" y="1649"/>
+                    </a:cubicBezTo>
+                    <a:cubicBezTo>
+                      <a:pt x="745" y="1650"/>
+                      <a:pt x="752" y="1653"/>
+                      <a:pt x="758" y="1657"/>
+                    </a:cubicBezTo>
+                    <a:cubicBezTo>
+                      <a:pt x="747" y="1657"/>
+                      <a:pt x="737" y="1654"/>
+                      <a:pt x="732" y="1654"/>
+                    </a:cubicBezTo>
+                    <a:cubicBezTo>
+                      <a:pt x="726" y="1654"/>
+                      <a:pt x="726" y="1657"/>
+                      <a:pt x="734" y="1667"/>
+                    </a:cubicBezTo>
+                    <a:cubicBezTo>
+                      <a:pt x="726" y="1666"/>
+                      <a:pt x="720" y="1665"/>
+                      <a:pt x="716" y="1665"/>
+                    </a:cubicBezTo>
+                    <a:cubicBezTo>
+                      <a:pt x="711" y="1665"/>
+                      <a:pt x="713" y="1668"/>
+                      <a:pt x="723" y="1676"/>
+                    </a:cubicBezTo>
+                    <a:cubicBezTo>
+                      <a:pt x="719" y="1676"/>
+                      <a:pt x="714" y="1676"/>
+                      <a:pt x="711" y="1676"/>
+                    </a:cubicBezTo>
+                    <a:cubicBezTo>
+                      <a:pt x="701" y="1676"/>
+                      <a:pt x="695" y="1678"/>
+                      <a:pt x="708" y="1686"/>
+                    </a:cubicBezTo>
+                    <a:cubicBezTo>
+                      <a:pt x="706" y="1686"/>
+                      <a:pt x="704" y="1686"/>
+                      <a:pt x="702" y="1686"/>
+                    </a:cubicBezTo>
+                    <a:cubicBezTo>
+                      <a:pt x="696" y="1686"/>
+                      <a:pt x="690" y="1687"/>
+                      <a:pt x="685" y="1689"/>
+                    </a:cubicBezTo>
+                    <a:cubicBezTo>
+                      <a:pt x="689" y="1695"/>
+                      <a:pt x="700" y="1697"/>
+                      <a:pt x="704" y="1698"/>
+                    </a:cubicBezTo>
+                    <a:cubicBezTo>
+                      <a:pt x="700" y="1698"/>
+                      <a:pt x="694" y="1697"/>
+                      <a:pt x="689" y="1697"/>
+                    </a:cubicBezTo>
+                    <a:cubicBezTo>
+                      <a:pt x="678" y="1697"/>
+                      <a:pt x="666" y="1699"/>
+                      <a:pt x="657" y="1702"/>
+                    </a:cubicBezTo>
+                    <a:cubicBezTo>
+                      <a:pt x="657" y="1698"/>
+                      <a:pt x="657" y="1695"/>
+                      <a:pt x="656" y="1692"/>
+                    </a:cubicBezTo>
+                    <a:cubicBezTo>
+                      <a:pt x="646" y="1592"/>
+                      <a:pt x="653" y="1570"/>
+                      <a:pt x="666" y="1547"/>
+                    </a:cubicBezTo>
+                    <a:cubicBezTo>
+                      <a:pt x="681" y="1525"/>
+                      <a:pt x="818" y="1331"/>
+                      <a:pt x="871" y="1251"/>
+                    </a:cubicBezTo>
+                    <a:cubicBezTo>
+                      <a:pt x="925" y="1171"/>
+                      <a:pt x="1021" y="992"/>
+                      <a:pt x="1064" y="939"/>
+                    </a:cubicBezTo>
+                    <a:cubicBezTo>
+                      <a:pt x="1104" y="885"/>
+                      <a:pt x="1125" y="850"/>
+                      <a:pt x="1153" y="821"/>
+                    </a:cubicBezTo>
+                    <a:cubicBezTo>
+                      <a:pt x="1180" y="792"/>
+                      <a:pt x="1217" y="763"/>
+                      <a:pt x="1222" y="758"/>
+                    </a:cubicBezTo>
+                    <a:cubicBezTo>
+                      <a:pt x="1227" y="753"/>
+                      <a:pt x="1253" y="741"/>
+                      <a:pt x="1266" y="734"/>
+                    </a:cubicBezTo>
+                    <a:cubicBezTo>
+                      <a:pt x="1310" y="705"/>
+                      <a:pt x="1375" y="665"/>
+                      <a:pt x="1397" y="645"/>
+                    </a:cubicBezTo>
+                    <a:cubicBezTo>
+                      <a:pt x="1418" y="624"/>
+                      <a:pt x="1428" y="601"/>
+                      <a:pt x="1444" y="544"/>
+                    </a:cubicBezTo>
+                    <a:cubicBezTo>
+                      <a:pt x="1461" y="488"/>
+                      <a:pt x="1472" y="479"/>
+                      <a:pt x="1491" y="461"/>
+                    </a:cubicBezTo>
+                    <a:cubicBezTo>
+                      <a:pt x="1509" y="444"/>
+                      <a:pt x="1520" y="431"/>
+                      <a:pt x="1520" y="429"/>
+                    </a:cubicBezTo>
+                    <a:cubicBezTo>
+                      <a:pt x="1521" y="426"/>
+                      <a:pt x="1521" y="412"/>
+                      <a:pt x="1512" y="407"/>
+                    </a:cubicBezTo>
+                    <a:cubicBezTo>
+                      <a:pt x="1510" y="406"/>
+                      <a:pt x="1506" y="406"/>
+                      <a:pt x="1501" y="406"/>
+                    </a:cubicBezTo>
+                    <a:cubicBezTo>
+                      <a:pt x="1487" y="406"/>
+                      <a:pt x="1462" y="411"/>
+                      <a:pt x="1442" y="428"/>
+                    </a:cubicBezTo>
+                    <a:cubicBezTo>
+                      <a:pt x="1416" y="448"/>
+                      <a:pt x="1381" y="493"/>
+                      <a:pt x="1381" y="495"/>
+                    </a:cubicBezTo>
+                    <a:lnTo>
+                      <a:pt x="1370" y="506"/>
+                    </a:lnTo>
+                    <a:cubicBezTo>
+                      <a:pt x="1370" y="485"/>
+                      <a:pt x="1371" y="442"/>
+                      <a:pt x="1374" y="432"/>
+                    </a:cubicBezTo>
+                    <a:cubicBezTo>
+                      <a:pt x="1377" y="423"/>
+                      <a:pt x="1394" y="397"/>
+                      <a:pt x="1394" y="396"/>
+                    </a:cubicBezTo>
+                    <a:cubicBezTo>
+                      <a:pt x="1412" y="370"/>
+                      <a:pt x="1445" y="316"/>
+                      <a:pt x="1456" y="284"/>
+                    </a:cubicBezTo>
+                    <a:cubicBezTo>
+                      <a:pt x="1466" y="253"/>
+                      <a:pt x="1474" y="231"/>
+                      <a:pt x="1474" y="228"/>
+                    </a:cubicBezTo>
+                    <a:cubicBezTo>
+                      <a:pt x="1474" y="227"/>
+                      <a:pt x="1477" y="214"/>
+                      <a:pt x="1476" y="211"/>
+                    </a:cubicBezTo>
+                    <a:cubicBezTo>
+                      <a:pt x="1475" y="210"/>
+                      <a:pt x="1468" y="198"/>
+                      <a:pt x="1459" y="198"/>
+                    </a:cubicBezTo>
+                    <a:cubicBezTo>
+                      <a:pt x="1457" y="198"/>
+                      <a:pt x="1454" y="199"/>
+                      <a:pt x="1451" y="202"/>
+                    </a:cubicBezTo>
+                    <a:cubicBezTo>
+                      <a:pt x="1440" y="214"/>
+                      <a:pt x="1402" y="266"/>
+                      <a:pt x="1393" y="284"/>
+                    </a:cubicBezTo>
+                    <a:cubicBezTo>
+                      <a:pt x="1384" y="300"/>
+                      <a:pt x="1365" y="326"/>
+                      <a:pt x="1355" y="340"/>
+                    </a:cubicBezTo>
+                    <a:lnTo>
+                      <a:pt x="1335" y="352"/>
+                    </a:lnTo>
+                    <a:cubicBezTo>
+                      <a:pt x="1339" y="339"/>
+                      <a:pt x="1348" y="314"/>
+                      <a:pt x="1354" y="305"/>
+                    </a:cubicBezTo>
+                    <a:cubicBezTo>
+                      <a:pt x="1358" y="298"/>
+                      <a:pt x="1383" y="246"/>
+                      <a:pt x="1386" y="237"/>
+                    </a:cubicBezTo>
+                    <a:cubicBezTo>
+                      <a:pt x="1389" y="228"/>
+                      <a:pt x="1415" y="211"/>
+                      <a:pt x="1412" y="201"/>
+                    </a:cubicBezTo>
+                    <a:cubicBezTo>
+                      <a:pt x="1409" y="189"/>
+                      <a:pt x="1403" y="190"/>
+                      <a:pt x="1412" y="177"/>
+                    </a:cubicBezTo>
+                    <a:cubicBezTo>
+                      <a:pt x="1421" y="164"/>
+                      <a:pt x="1435" y="154"/>
+                      <a:pt x="1435" y="148"/>
+                    </a:cubicBezTo>
+                    <a:cubicBezTo>
+                      <a:pt x="1437" y="141"/>
+                      <a:pt x="1447" y="119"/>
+                      <a:pt x="1435" y="115"/>
+                    </a:cubicBezTo>
+                    <a:cubicBezTo>
+                      <a:pt x="1422" y="110"/>
+                      <a:pt x="1415" y="109"/>
+                      <a:pt x="1412" y="109"/>
+                    </a:cubicBezTo>
+                    <a:cubicBezTo>
+                      <a:pt x="1410" y="106"/>
+                      <a:pt x="1406" y="100"/>
+                      <a:pt x="1407" y="91"/>
+                    </a:cubicBezTo>
+                    <a:cubicBezTo>
+                      <a:pt x="1407" y="84"/>
+                      <a:pt x="1399" y="75"/>
+                      <a:pt x="1394" y="69"/>
+                    </a:cubicBezTo>
+                    <a:cubicBezTo>
+                      <a:pt x="1393" y="69"/>
+                      <a:pt x="1391" y="69"/>
+                      <a:pt x="1388" y="69"/>
+                    </a:cubicBezTo>
+                    <a:cubicBezTo>
+                      <a:pt x="1381" y="69"/>
+                      <a:pt x="1371" y="73"/>
+                      <a:pt x="1361" y="100"/>
+                    </a:cubicBezTo>
+                    <a:cubicBezTo>
+                      <a:pt x="1348" y="135"/>
+                      <a:pt x="1327" y="179"/>
+                      <a:pt x="1320" y="187"/>
+                    </a:cubicBezTo>
+                    <a:cubicBezTo>
+                      <a:pt x="1311" y="196"/>
+                      <a:pt x="1288" y="222"/>
+                      <a:pt x="1272" y="240"/>
+                    </a:cubicBezTo>
+                    <a:cubicBezTo>
+                      <a:pt x="1256" y="259"/>
+                      <a:pt x="1244" y="285"/>
+                      <a:pt x="1230" y="308"/>
+                    </a:cubicBezTo>
+                    <a:cubicBezTo>
+                      <a:pt x="1214" y="332"/>
+                      <a:pt x="1211" y="333"/>
+                      <a:pt x="1186" y="349"/>
+                    </a:cubicBezTo>
+                    <a:cubicBezTo>
+                      <a:pt x="1163" y="365"/>
+                      <a:pt x="1145" y="419"/>
+                      <a:pt x="1141" y="463"/>
+                    </a:cubicBezTo>
+                    <a:cubicBezTo>
+                      <a:pt x="1137" y="508"/>
+                      <a:pt x="1122" y="573"/>
+                      <a:pt x="1099" y="597"/>
+                    </a:cubicBezTo>
+                    <a:cubicBezTo>
+                      <a:pt x="1077" y="620"/>
+                      <a:pt x="1046" y="640"/>
+                      <a:pt x="1040" y="646"/>
+                    </a:cubicBezTo>
+                    <a:cubicBezTo>
+                      <a:pt x="1035" y="651"/>
+                      <a:pt x="1013" y="708"/>
+                      <a:pt x="1000" y="729"/>
+                    </a:cubicBezTo>
+                    <a:cubicBezTo>
+                      <a:pt x="987" y="750"/>
+                      <a:pt x="924" y="827"/>
+                      <a:pt x="906" y="846"/>
+                    </a:cubicBezTo>
+                    <a:cubicBezTo>
+                      <a:pt x="889" y="863"/>
+                      <a:pt x="717" y="1028"/>
+                      <a:pt x="666" y="1089"/>
+                    </a:cubicBezTo>
+                    <a:cubicBezTo>
+                      <a:pt x="614" y="1150"/>
+                      <a:pt x="519" y="1270"/>
+                      <a:pt x="481" y="1327"/>
+                    </a:cubicBezTo>
+                    <a:cubicBezTo>
+                      <a:pt x="443" y="1382"/>
+                      <a:pt x="391" y="1494"/>
+                      <a:pt x="381" y="1557"/>
+                    </a:cubicBezTo>
+                    <a:cubicBezTo>
+                      <a:pt x="370" y="1618"/>
+                      <a:pt x="314" y="1832"/>
+                      <a:pt x="306" y="1883"/>
+                    </a:cubicBezTo>
+                    <a:cubicBezTo>
+                      <a:pt x="299" y="1934"/>
+                      <a:pt x="295" y="2077"/>
+                      <a:pt x="281" y="2112"/>
+                    </a:cubicBezTo>
+                    <a:cubicBezTo>
+                      <a:pt x="270" y="2147"/>
+                      <a:pt x="242" y="2244"/>
+                      <a:pt x="235" y="2257"/>
+                    </a:cubicBezTo>
+                    <a:cubicBezTo>
+                      <a:pt x="229" y="2271"/>
+                      <a:pt x="209" y="2373"/>
+                      <a:pt x="233" y="2466"/>
+                    </a:cubicBezTo>
+                    <a:cubicBezTo>
+                      <a:pt x="260" y="2559"/>
+                      <a:pt x="276" y="2585"/>
+                      <a:pt x="280" y="2627"/>
+                    </a:cubicBezTo>
+                    <a:cubicBezTo>
+                      <a:pt x="286" y="2668"/>
+                      <a:pt x="280" y="2703"/>
+                      <a:pt x="279" y="2734"/>
+                    </a:cubicBezTo>
+                    <a:cubicBezTo>
+                      <a:pt x="277" y="2764"/>
+                      <a:pt x="261" y="2901"/>
+                      <a:pt x="273" y="2968"/>
+                    </a:cubicBezTo>
+                    <a:cubicBezTo>
+                      <a:pt x="276" y="2986"/>
+                      <a:pt x="279" y="2999"/>
+                      <a:pt x="281" y="3009"/>
+                    </a:cubicBezTo>
+                    <a:lnTo>
+                      <a:pt x="270" y="3021"/>
+                    </a:lnTo>
+                    <a:lnTo>
+                      <a:pt x="271" y="3022"/>
+                    </a:lnTo>
+                    <a:lnTo>
+                      <a:pt x="271" y="3022"/>
+                    </a:lnTo>
+                    <a:lnTo>
+                      <a:pt x="265" y="3021"/>
+                    </a:lnTo>
+                    <a:lnTo>
+                      <a:pt x="265" y="3021"/>
+                    </a:lnTo>
+                    <a:cubicBezTo>
+                      <a:pt x="265" y="3027"/>
+                      <a:pt x="267" y="3041"/>
+                      <a:pt x="271" y="3072"/>
+                    </a:cubicBezTo>
+                    <a:cubicBezTo>
+                      <a:pt x="277" y="3136"/>
+                      <a:pt x="306" y="3214"/>
+                      <a:pt x="314" y="3277"/>
+                    </a:cubicBezTo>
+                    <a:cubicBezTo>
+                      <a:pt x="319" y="3341"/>
+                      <a:pt x="295" y="3338"/>
+                      <a:pt x="305" y="3365"/>
+                    </a:cubicBezTo>
+                    <a:cubicBezTo>
+                      <a:pt x="314" y="3391"/>
+                      <a:pt x="332" y="3455"/>
+                      <a:pt x="340" y="3506"/>
+                    </a:cubicBezTo>
+                    <a:cubicBezTo>
+                      <a:pt x="347" y="3557"/>
+                      <a:pt x="321" y="3579"/>
+                      <a:pt x="316" y="3617"/>
+                    </a:cubicBezTo>
+                    <a:cubicBezTo>
+                      <a:pt x="314" y="3653"/>
+                      <a:pt x="270" y="3711"/>
+                      <a:pt x="302" y="3765"/>
+                    </a:cubicBezTo>
+                    <a:cubicBezTo>
+                      <a:pt x="334" y="3819"/>
+                      <a:pt x="344" y="3845"/>
+                      <a:pt x="340" y="3882"/>
+                    </a:cubicBezTo>
+                    <a:cubicBezTo>
+                      <a:pt x="337" y="3920"/>
+                      <a:pt x="343" y="3982"/>
+                      <a:pt x="341" y="3995"/>
+                    </a:cubicBezTo>
+                    <a:cubicBezTo>
+                      <a:pt x="341" y="3997"/>
+                      <a:pt x="347" y="4000"/>
+                      <a:pt x="357" y="4003"/>
+                    </a:cubicBezTo>
+                    <a:cubicBezTo>
+                      <a:pt x="354" y="4017"/>
+                      <a:pt x="344" y="4032"/>
+                      <a:pt x="324" y="4043"/>
+                    </a:cubicBezTo>
+                    <a:lnTo>
+                      <a:pt x="321" y="4045"/>
+                    </a:lnTo>
+                    <a:cubicBezTo>
+                      <a:pt x="319" y="4046"/>
+                      <a:pt x="316" y="4048"/>
+                      <a:pt x="314" y="4049"/>
+                    </a:cubicBezTo>
+                    <a:cubicBezTo>
+                      <a:pt x="284" y="4065"/>
+                      <a:pt x="261" y="4071"/>
+                      <a:pt x="244" y="4081"/>
+                    </a:cubicBezTo>
+                    <a:cubicBezTo>
+                      <a:pt x="232" y="4087"/>
+                      <a:pt x="223" y="4094"/>
+                      <a:pt x="217" y="4109"/>
+                    </a:cubicBezTo>
+                    <a:cubicBezTo>
+                      <a:pt x="201" y="4144"/>
+                      <a:pt x="149" y="4164"/>
+                      <a:pt x="163" y="4266"/>
+                    </a:cubicBezTo>
+                    <a:cubicBezTo>
+                      <a:pt x="178" y="4368"/>
+                      <a:pt x="187" y="4406"/>
+                      <a:pt x="171" y="4442"/>
+                    </a:cubicBezTo>
+                    <a:cubicBezTo>
+                      <a:pt x="155" y="4479"/>
+                      <a:pt x="193" y="4482"/>
+                      <a:pt x="150" y="4528"/>
+                    </a:cubicBezTo>
+                    <a:cubicBezTo>
+                      <a:pt x="108" y="4574"/>
+                      <a:pt x="101" y="4523"/>
+                      <a:pt x="117" y="4613"/>
+                    </a:cubicBezTo>
+                    <a:cubicBezTo>
+                      <a:pt x="133" y="4702"/>
+                      <a:pt x="142" y="4741"/>
+                      <a:pt x="137" y="4778"/>
+                    </a:cubicBezTo>
+                    <a:cubicBezTo>
+                      <a:pt x="133" y="4815"/>
+                      <a:pt x="200" y="4772"/>
+                      <a:pt x="142" y="4853"/>
+                    </a:cubicBezTo>
+                    <a:cubicBezTo>
+                      <a:pt x="83" y="4936"/>
+                      <a:pt x="38" y="5019"/>
+                      <a:pt x="56" y="5097"/>
+                    </a:cubicBezTo>
+                    <a:cubicBezTo>
+                      <a:pt x="72" y="5174"/>
+                      <a:pt x="40" y="5245"/>
+                      <a:pt x="21" y="5306"/>
+                    </a:cubicBezTo>
+                    <a:cubicBezTo>
+                      <a:pt x="3" y="5366"/>
+                      <a:pt x="0" y="5392"/>
+                      <a:pt x="59" y="5434"/>
+                    </a:cubicBezTo>
+                    <a:cubicBezTo>
+                      <a:pt x="111" y="5474"/>
+                      <a:pt x="178" y="5474"/>
+                      <a:pt x="179" y="5491"/>
+                    </a:cubicBezTo>
+                    <a:cubicBezTo>
+                      <a:pt x="179" y="5493"/>
+                      <a:pt x="179" y="5493"/>
+                      <a:pt x="179" y="5494"/>
+                    </a:cubicBezTo>
+                    <a:cubicBezTo>
+                      <a:pt x="179" y="5496"/>
+                      <a:pt x="178" y="5496"/>
+                      <a:pt x="178" y="5497"/>
+                    </a:cubicBezTo>
+                    <a:cubicBezTo>
+                      <a:pt x="163" y="5520"/>
+                      <a:pt x="174" y="5535"/>
+                      <a:pt x="172" y="5547"/>
+                    </a:cubicBezTo>
+                    <a:cubicBezTo>
+                      <a:pt x="172" y="5551"/>
+                      <a:pt x="191" y="5566"/>
+                      <a:pt x="222" y="5583"/>
+                    </a:cubicBezTo>
+                    <a:cubicBezTo>
+                      <a:pt x="223" y="5618"/>
+                      <a:pt x="223" y="5668"/>
+                      <a:pt x="222" y="5678"/>
+                    </a:cubicBezTo>
+                    <a:cubicBezTo>
+                      <a:pt x="222" y="5689"/>
+                      <a:pt x="222" y="5803"/>
+                      <a:pt x="229" y="5867"/>
+                    </a:cubicBezTo>
+                    <a:cubicBezTo>
+                      <a:pt x="235" y="5930"/>
+                      <a:pt x="216" y="6116"/>
+                      <a:pt x="185" y="6176"/>
+                    </a:cubicBezTo>
+                    <a:cubicBezTo>
+                      <a:pt x="153" y="6236"/>
+                      <a:pt x="111" y="6419"/>
+                      <a:pt x="112" y="6520"/>
+                    </a:cubicBezTo>
+                    <a:cubicBezTo>
+                      <a:pt x="115" y="6620"/>
+                      <a:pt x="137" y="7024"/>
+                      <a:pt x="134" y="7050"/>
+                    </a:cubicBezTo>
+                    <a:cubicBezTo>
+                      <a:pt x="133" y="7063"/>
+                      <a:pt x="131" y="7115"/>
+                      <a:pt x="129" y="7169"/>
+                    </a:cubicBezTo>
+                    <a:lnTo>
+                      <a:pt x="123" y="7169"/>
+                    </a:lnTo>
+                    <a:cubicBezTo>
+                      <a:pt x="123" y="7247"/>
+                      <a:pt x="121" y="7384"/>
+                      <a:pt x="117" y="7474"/>
+                    </a:cubicBezTo>
+                    <a:cubicBezTo>
+                      <a:pt x="117" y="7474"/>
+                      <a:pt x="117" y="7474"/>
+                      <a:pt x="117" y="7475"/>
+                    </a:cubicBezTo>
+                    <a:cubicBezTo>
+                      <a:pt x="115" y="7491"/>
+                      <a:pt x="114" y="7507"/>
+                      <a:pt x="112" y="7519"/>
+                    </a:cubicBezTo>
+                    <a:cubicBezTo>
+                      <a:pt x="112" y="7520"/>
+                      <a:pt x="112" y="7520"/>
+                      <a:pt x="112" y="7520"/>
+                    </a:cubicBezTo>
+                    <a:cubicBezTo>
+                      <a:pt x="112" y="7523"/>
+                      <a:pt x="112" y="7526"/>
+                      <a:pt x="112" y="7529"/>
+                    </a:cubicBezTo>
+                    <a:cubicBezTo>
+                      <a:pt x="104" y="7520"/>
+                      <a:pt x="98" y="7513"/>
+                      <a:pt x="95" y="7509"/>
+                    </a:cubicBezTo>
+                    <a:lnTo>
+                      <a:pt x="48" y="7605"/>
+                    </a:lnTo>
+                    <a:cubicBezTo>
+                      <a:pt x="50" y="7630"/>
+                      <a:pt x="53" y="7681"/>
+                      <a:pt x="48" y="7719"/>
+                    </a:cubicBezTo>
+                    <a:cubicBezTo>
+                      <a:pt x="45" y="7755"/>
+                      <a:pt x="31" y="7905"/>
+                      <a:pt x="40" y="7931"/>
+                    </a:cubicBezTo>
+                    <a:cubicBezTo>
+                      <a:pt x="50" y="7956"/>
+                      <a:pt x="80" y="8035"/>
+                      <a:pt x="76" y="8073"/>
+                    </a:cubicBezTo>
+                    <a:cubicBezTo>
+                      <a:pt x="73" y="8109"/>
+                      <a:pt x="82" y="8260"/>
+                      <a:pt x="142" y="8293"/>
+                    </a:cubicBezTo>
+                    <a:cubicBezTo>
+                      <a:pt x="194" y="8319"/>
+                      <a:pt x="291" y="8370"/>
+                      <a:pt x="358" y="8370"/>
+                    </a:cubicBezTo>
+                    <a:cubicBezTo>
+                      <a:pt x="368" y="8370"/>
+                      <a:pt x="377" y="8369"/>
+                      <a:pt x="385" y="8367"/>
+                    </a:cubicBezTo>
+                    <a:cubicBezTo>
+                      <a:pt x="450" y="8348"/>
+                      <a:pt x="464" y="8338"/>
+                      <a:pt x="471" y="8262"/>
+                    </a:cubicBezTo>
+                    <a:cubicBezTo>
+                      <a:pt x="478" y="8188"/>
+                      <a:pt x="480" y="8062"/>
+                      <a:pt x="437" y="7984"/>
+                    </a:cubicBezTo>
+                    <a:cubicBezTo>
+                      <a:pt x="434" y="7978"/>
+                      <a:pt x="431" y="7973"/>
+                      <a:pt x="430" y="7969"/>
+                    </a:cubicBezTo>
+                    <a:cubicBezTo>
+                      <a:pt x="429" y="7966"/>
+                      <a:pt x="427" y="7965"/>
+                      <a:pt x="427" y="7963"/>
+                    </a:cubicBezTo>
+                    <a:cubicBezTo>
+                      <a:pt x="426" y="7960"/>
+                      <a:pt x="424" y="7957"/>
+                      <a:pt x="423" y="7955"/>
+                    </a:cubicBezTo>
+                    <a:lnTo>
+                      <a:pt x="420" y="7947"/>
+                    </a:lnTo>
+                    <a:cubicBezTo>
+                      <a:pt x="418" y="7944"/>
+                      <a:pt x="417" y="7941"/>
+                      <a:pt x="417" y="7939"/>
+                    </a:cubicBezTo>
+                    <a:lnTo>
+                      <a:pt x="414" y="7933"/>
+                    </a:lnTo>
+                    <a:cubicBezTo>
+                      <a:pt x="413" y="7930"/>
+                      <a:pt x="411" y="7927"/>
+                      <a:pt x="411" y="7924"/>
+                    </a:cubicBezTo>
+                    <a:cubicBezTo>
+                      <a:pt x="410" y="7921"/>
+                      <a:pt x="410" y="7920"/>
+                      <a:pt x="408" y="7917"/>
+                    </a:cubicBezTo>
+                    <a:cubicBezTo>
+                      <a:pt x="408" y="7914"/>
+                      <a:pt x="407" y="7912"/>
+                      <a:pt x="405" y="7909"/>
+                    </a:cubicBezTo>
+                    <a:cubicBezTo>
+                      <a:pt x="405" y="7906"/>
+                      <a:pt x="404" y="7904"/>
+                      <a:pt x="404" y="7902"/>
+                    </a:cubicBezTo>
+                    <a:cubicBezTo>
+                      <a:pt x="402" y="7899"/>
+                      <a:pt x="402" y="7896"/>
+                      <a:pt x="401" y="7895"/>
+                    </a:cubicBezTo>
+                    <a:cubicBezTo>
+                      <a:pt x="401" y="7892"/>
+                      <a:pt x="399" y="7889"/>
+                      <a:pt x="399" y="7886"/>
+                    </a:cubicBezTo>
+                    <a:cubicBezTo>
+                      <a:pt x="398" y="7883"/>
+                      <a:pt x="398" y="7882"/>
+                      <a:pt x="397" y="7879"/>
+                    </a:cubicBezTo>
+                    <a:cubicBezTo>
+                      <a:pt x="397" y="7876"/>
+                      <a:pt x="397" y="7873"/>
+                      <a:pt x="395" y="7870"/>
+                    </a:cubicBezTo>
+                    <a:cubicBezTo>
+                      <a:pt x="395" y="7869"/>
+                      <a:pt x="394" y="7867"/>
+                      <a:pt x="394" y="7864"/>
+                    </a:cubicBezTo>
+                    <a:cubicBezTo>
+                      <a:pt x="394" y="7861"/>
+                      <a:pt x="392" y="7858"/>
+                      <a:pt x="392" y="7855"/>
+                    </a:cubicBezTo>
+                    <a:cubicBezTo>
+                      <a:pt x="392" y="7854"/>
+                      <a:pt x="391" y="7853"/>
+                      <a:pt x="391" y="7850"/>
+                    </a:cubicBezTo>
+                    <a:lnTo>
+                      <a:pt x="389" y="7841"/>
+                    </a:lnTo>
+                    <a:cubicBezTo>
+                      <a:pt x="389" y="7839"/>
+                      <a:pt x="389" y="7838"/>
+                      <a:pt x="389" y="7837"/>
+                    </a:cubicBezTo>
+                    <a:cubicBezTo>
+                      <a:pt x="388" y="7832"/>
+                      <a:pt x="388" y="7829"/>
+                      <a:pt x="388" y="7825"/>
+                    </a:cubicBezTo>
+                    <a:cubicBezTo>
+                      <a:pt x="388" y="7825"/>
+                      <a:pt x="388" y="7823"/>
+                      <a:pt x="388" y="7823"/>
+                    </a:cubicBezTo>
+                    <a:cubicBezTo>
+                      <a:pt x="385" y="7800"/>
+                      <a:pt x="383" y="7777"/>
+                      <a:pt x="385" y="7755"/>
+                    </a:cubicBezTo>
+                    <a:cubicBezTo>
+                      <a:pt x="385" y="7749"/>
+                      <a:pt x="385" y="7745"/>
+                      <a:pt x="386" y="7739"/>
+                    </a:cubicBezTo>
+                    <a:cubicBezTo>
+                      <a:pt x="394" y="7665"/>
+                      <a:pt x="405" y="7553"/>
+                      <a:pt x="405" y="7541"/>
+                    </a:cubicBezTo>
+                    <a:cubicBezTo>
+                      <a:pt x="407" y="7528"/>
+                      <a:pt x="401" y="7510"/>
+                      <a:pt x="398" y="7502"/>
+                    </a:cubicBezTo>
+                    <a:lnTo>
+                      <a:pt x="373" y="7487"/>
+                    </a:lnTo>
+                    <a:cubicBezTo>
+                      <a:pt x="371" y="7493"/>
+                      <a:pt x="369" y="7499"/>
+                      <a:pt x="366" y="7505"/>
+                    </a:cubicBezTo>
+                    <a:lnTo>
+                      <a:pt x="366" y="7505"/>
+                    </a:lnTo>
+                    <a:cubicBezTo>
+                      <a:pt x="375" y="7406"/>
+                      <a:pt x="379" y="7282"/>
+                      <a:pt x="382" y="7220"/>
+                    </a:cubicBezTo>
+                    <a:lnTo>
+                      <a:pt x="388" y="7158"/>
+                    </a:lnTo>
+                    <a:cubicBezTo>
+                      <a:pt x="385" y="7158"/>
+                      <a:pt x="383" y="7159"/>
+                      <a:pt x="381" y="7159"/>
+                    </a:cubicBezTo>
+                    <a:cubicBezTo>
+                      <a:pt x="388" y="7132"/>
+                      <a:pt x="399" y="7094"/>
+                      <a:pt x="410" y="7065"/>
+                    </a:cubicBezTo>
+                    <a:cubicBezTo>
+                      <a:pt x="427" y="7016"/>
+                      <a:pt x="500" y="6660"/>
+                      <a:pt x="507" y="6597"/>
+                    </a:cubicBezTo>
+                    <a:cubicBezTo>
+                      <a:pt x="513" y="6536"/>
+                      <a:pt x="533" y="6336"/>
+                      <a:pt x="538" y="6287"/>
+                    </a:cubicBezTo>
+                    <a:cubicBezTo>
+                      <a:pt x="542" y="6237"/>
+                      <a:pt x="548" y="6188"/>
+                      <a:pt x="592" y="6129"/>
+                    </a:cubicBezTo>
+                    <a:cubicBezTo>
+                      <a:pt x="635" y="6071"/>
+                      <a:pt x="646" y="5834"/>
+                      <a:pt x="653" y="5771"/>
+                    </a:cubicBezTo>
+                    <a:cubicBezTo>
+                      <a:pt x="656" y="5735"/>
+                      <a:pt x="660" y="5686"/>
+                      <a:pt x="666" y="5637"/>
+                    </a:cubicBezTo>
+                    <a:cubicBezTo>
+                      <a:pt x="697" y="5634"/>
+                      <a:pt x="730" y="5631"/>
+                      <a:pt x="730" y="5627"/>
+                    </a:cubicBezTo>
+                    <a:cubicBezTo>
+                      <a:pt x="730" y="5627"/>
+                      <a:pt x="743" y="5625"/>
+                      <a:pt x="743" y="5625"/>
+                    </a:cubicBezTo>
+                    <a:lnTo>
+                      <a:pt x="743" y="5624"/>
+                    </a:lnTo>
+                    <a:cubicBezTo>
+                      <a:pt x="743" y="5619"/>
+                      <a:pt x="730" y="5609"/>
+                      <a:pt x="732" y="5596"/>
+                    </a:cubicBezTo>
+                    <a:cubicBezTo>
+                      <a:pt x="732" y="5596"/>
+                      <a:pt x="724" y="5595"/>
+                      <a:pt x="724" y="5595"/>
+                    </a:cubicBezTo>
+                    <a:cubicBezTo>
+                      <a:pt x="724" y="5593"/>
+                      <a:pt x="721" y="5592"/>
+                      <a:pt x="721" y="5590"/>
+                    </a:cubicBezTo>
+                    <a:cubicBezTo>
+                      <a:pt x="721" y="5589"/>
+                      <a:pt x="720" y="5589"/>
+                      <a:pt x="720" y="5587"/>
+                    </a:cubicBezTo>
+                    <a:cubicBezTo>
+                      <a:pt x="720" y="5586"/>
+                      <a:pt x="732" y="5583"/>
+                      <a:pt x="732" y="5582"/>
+                    </a:cubicBezTo>
+                    <a:cubicBezTo>
+                      <a:pt x="732" y="5580"/>
+                      <a:pt x="743" y="5579"/>
+                      <a:pt x="743" y="5577"/>
+                    </a:cubicBezTo>
+                    <a:lnTo>
+                      <a:pt x="743" y="5574"/>
+                    </a:lnTo>
+                    <a:cubicBezTo>
+                      <a:pt x="743" y="5571"/>
+                      <a:pt x="732" y="5568"/>
+                      <a:pt x="732" y="5566"/>
+                    </a:cubicBezTo>
+                    <a:cubicBezTo>
+                      <a:pt x="732" y="5566"/>
+                      <a:pt x="726" y="5566"/>
+                      <a:pt x="726" y="5564"/>
+                    </a:cubicBezTo>
+                    <a:cubicBezTo>
+                      <a:pt x="726" y="5561"/>
+                      <a:pt x="724" y="5560"/>
+                      <a:pt x="724" y="5557"/>
+                    </a:cubicBezTo>
+                    <a:cubicBezTo>
+                      <a:pt x="724" y="5557"/>
+                      <a:pt x="723" y="5555"/>
+                      <a:pt x="723" y="5555"/>
+                    </a:cubicBezTo>
+                    <a:cubicBezTo>
+                      <a:pt x="723" y="5552"/>
+                      <a:pt x="723" y="5550"/>
+                      <a:pt x="723" y="5547"/>
+                    </a:cubicBezTo>
+                    <a:cubicBezTo>
+                      <a:pt x="723" y="5547"/>
+                      <a:pt x="723" y="5539"/>
+                      <a:pt x="723" y="5539"/>
+                    </a:cubicBezTo>
+                    <a:cubicBezTo>
+                      <a:pt x="723" y="5537"/>
+                      <a:pt x="723" y="5536"/>
+                      <a:pt x="724" y="5536"/>
+                    </a:cubicBezTo>
+                    <a:cubicBezTo>
+                      <a:pt x="724" y="5536"/>
+                      <a:pt x="725" y="5542"/>
+                      <a:pt x="726" y="5542"/>
+                    </a:cubicBezTo>
+                    <a:cubicBezTo>
+                      <a:pt x="727" y="5542"/>
+                      <a:pt x="729" y="5533"/>
+                      <a:pt x="730" y="5491"/>
+                    </a:cubicBezTo>
+                    <a:cubicBezTo>
+                      <a:pt x="733" y="5491"/>
+                      <a:pt x="737" y="5485"/>
+                      <a:pt x="742" y="5485"/>
+                    </a:cubicBezTo>
+                    <a:cubicBezTo>
+                      <a:pt x="742" y="5485"/>
+                      <a:pt x="743" y="5485"/>
+                      <a:pt x="743" y="5485"/>
+                    </a:cubicBezTo>
+                    <a:cubicBezTo>
+                      <a:pt x="768" y="5487"/>
+                      <a:pt x="788" y="5544"/>
+                      <a:pt x="797" y="5582"/>
+                    </a:cubicBezTo>
+                    <a:cubicBezTo>
+                      <a:pt x="806" y="5621"/>
+                      <a:pt x="812" y="5631"/>
+                      <a:pt x="816" y="5635"/>
+                    </a:cubicBezTo>
+                    <a:cubicBezTo>
+                      <a:pt x="828" y="5638"/>
+                      <a:pt x="841" y="5643"/>
+                      <a:pt x="857" y="5647"/>
+                    </a:cubicBezTo>
+                    <a:cubicBezTo>
+                      <a:pt x="852" y="5663"/>
+                      <a:pt x="850" y="5679"/>
+                      <a:pt x="848" y="5691"/>
+                    </a:cubicBezTo>
+                    <a:cubicBezTo>
+                      <a:pt x="847" y="5716"/>
+                      <a:pt x="820" y="5963"/>
+                      <a:pt x="815" y="6026"/>
+                    </a:cubicBezTo>
+                    <a:cubicBezTo>
+                      <a:pt x="809" y="6089"/>
+                      <a:pt x="831" y="6115"/>
+                      <a:pt x="826" y="6164"/>
+                    </a:cubicBezTo>
+                    <a:cubicBezTo>
+                      <a:pt x="820" y="6215"/>
+                      <a:pt x="810" y="6327"/>
+                      <a:pt x="774" y="6437"/>
+                    </a:cubicBezTo>
+                    <a:cubicBezTo>
+                      <a:pt x="737" y="6546"/>
+                      <a:pt x="749" y="6810"/>
+                      <a:pt x="758" y="6849"/>
+                    </a:cubicBezTo>
+                    <a:cubicBezTo>
+                      <a:pt x="767" y="6887"/>
+                      <a:pt x="772" y="7076"/>
+                      <a:pt x="775" y="7174"/>
+                    </a:cubicBezTo>
+                    <a:cubicBezTo>
+                      <a:pt x="772" y="7172"/>
+                      <a:pt x="771" y="7171"/>
+                      <a:pt x="768" y="7169"/>
+                    </a:cubicBezTo>
+                    <a:cubicBezTo>
+                      <a:pt x="767" y="7207"/>
+                      <a:pt x="767" y="7274"/>
+                      <a:pt x="765" y="7309"/>
+                    </a:cubicBezTo>
+                    <a:cubicBezTo>
+                      <a:pt x="764" y="7312"/>
+                      <a:pt x="762" y="7314"/>
+                      <a:pt x="761" y="7314"/>
+                    </a:cubicBezTo>
+                    <a:lnTo>
+                      <a:pt x="765" y="7314"/>
+                    </a:lnTo>
+                    <a:cubicBezTo>
+                      <a:pt x="765" y="7322"/>
+                      <a:pt x="765" y="7328"/>
+                      <a:pt x="764" y="7331"/>
+                    </a:cubicBezTo>
+                    <a:cubicBezTo>
+                      <a:pt x="764" y="7344"/>
+                      <a:pt x="772" y="7370"/>
+                      <a:pt x="742" y="7430"/>
+                    </a:cubicBezTo>
+                    <a:cubicBezTo>
+                      <a:pt x="717" y="7475"/>
+                      <a:pt x="698" y="7477"/>
+                      <a:pt x="692" y="7510"/>
+                    </a:cubicBezTo>
+                    <a:cubicBezTo>
+                      <a:pt x="692" y="7503"/>
+                      <a:pt x="694" y="7496"/>
+                      <a:pt x="694" y="7490"/>
+                    </a:cubicBezTo>
+                    <a:lnTo>
+                      <a:pt x="694" y="7490"/>
+                    </a:lnTo>
+                    <a:cubicBezTo>
+                      <a:pt x="689" y="7500"/>
+                      <a:pt x="685" y="7513"/>
+                      <a:pt x="679" y="7526"/>
+                    </a:cubicBezTo>
+                    <a:cubicBezTo>
+                      <a:pt x="679" y="7525"/>
+                      <a:pt x="679" y="7523"/>
+                      <a:pt x="678" y="7522"/>
+                    </a:cubicBezTo>
+                    <a:cubicBezTo>
+                      <a:pt x="666" y="7544"/>
+                      <a:pt x="657" y="7567"/>
+                      <a:pt x="650" y="7592"/>
+                    </a:cubicBezTo>
+                    <a:cubicBezTo>
+                      <a:pt x="641" y="7611"/>
+                      <a:pt x="634" y="7627"/>
+                      <a:pt x="630" y="7634"/>
+                    </a:cubicBezTo>
+                    <a:cubicBezTo>
+                      <a:pt x="614" y="7657"/>
+                      <a:pt x="595" y="7732"/>
+                      <a:pt x="590" y="7768"/>
+                    </a:cubicBezTo>
+                    <a:cubicBezTo>
+                      <a:pt x="586" y="7806"/>
+                      <a:pt x="630" y="7886"/>
+                      <a:pt x="625" y="7923"/>
+                    </a:cubicBezTo>
+                    <a:cubicBezTo>
+                      <a:pt x="621" y="7960"/>
+                      <a:pt x="631" y="7985"/>
+                      <a:pt x="614" y="8035"/>
+                    </a:cubicBezTo>
+                    <a:cubicBezTo>
+                      <a:pt x="596" y="8083"/>
+                      <a:pt x="579" y="8131"/>
+                      <a:pt x="598" y="8196"/>
+                    </a:cubicBezTo>
+                    <a:cubicBezTo>
+                      <a:pt x="617" y="8260"/>
+                      <a:pt x="733" y="8348"/>
+                      <a:pt x="783" y="8352"/>
+                    </a:cubicBezTo>
+                    <a:cubicBezTo>
+                      <a:pt x="803" y="8354"/>
+                      <a:pt x="836" y="8364"/>
+                      <a:pt x="867" y="8364"/>
+                    </a:cubicBezTo>
+                    <a:cubicBezTo>
+                      <a:pt x="905" y="8364"/>
+                      <a:pt x="941" y="8350"/>
+                      <a:pt x="952" y="8291"/>
+                    </a:cubicBezTo>
+                    <a:cubicBezTo>
+                      <a:pt x="960" y="8288"/>
+                      <a:pt x="968" y="8284"/>
+                      <a:pt x="970" y="8281"/>
+                    </a:cubicBezTo>
+                    <a:cubicBezTo>
+                      <a:pt x="954" y="8272"/>
+                      <a:pt x="956" y="8265"/>
+                      <a:pt x="956" y="8256"/>
+                    </a:cubicBezTo>
+                    <a:cubicBezTo>
+                      <a:pt x="957" y="8106"/>
+                      <a:pt x="952" y="8040"/>
+                      <a:pt x="946" y="7978"/>
+                    </a:cubicBezTo>
+                    <a:cubicBezTo>
+                      <a:pt x="946" y="7976"/>
+                      <a:pt x="946" y="7973"/>
+                      <a:pt x="946" y="7973"/>
+                    </a:cubicBezTo>
+                    <a:cubicBezTo>
+                      <a:pt x="946" y="7973"/>
+                      <a:pt x="944" y="7972"/>
+                      <a:pt x="944" y="7971"/>
+                    </a:cubicBezTo>
+                    <a:cubicBezTo>
+                      <a:pt x="944" y="7969"/>
+                      <a:pt x="944" y="7968"/>
+                      <a:pt x="944" y="7965"/>
+                    </a:cubicBezTo>
+                    <a:cubicBezTo>
+                      <a:pt x="943" y="7957"/>
+                      <a:pt x="941" y="7949"/>
+                      <a:pt x="940" y="7941"/>
+                    </a:cubicBezTo>
+                    <a:cubicBezTo>
+                      <a:pt x="931" y="7898"/>
+                      <a:pt x="919" y="7863"/>
+                      <a:pt x="924" y="7815"/>
+                    </a:cubicBezTo>
+                    <a:cubicBezTo>
+                      <a:pt x="931" y="7752"/>
+                      <a:pt x="924" y="7701"/>
+                      <a:pt x="938" y="7678"/>
+                    </a:cubicBezTo>
+                    <a:cubicBezTo>
+                      <a:pt x="953" y="7654"/>
+                      <a:pt x="982" y="7624"/>
+                      <a:pt x="995" y="7608"/>
+                    </a:cubicBezTo>
+                    <a:lnTo>
+                      <a:pt x="1011" y="7571"/>
+                    </a:lnTo>
+                    <a:lnTo>
+                      <a:pt x="1000" y="7571"/>
+                    </a:lnTo>
+                    <a:lnTo>
+                      <a:pt x="963" y="7555"/>
+                    </a:lnTo>
+                    <a:cubicBezTo>
+                      <a:pt x="959" y="7566"/>
+                      <a:pt x="953" y="7583"/>
+                      <a:pt x="941" y="7596"/>
+                    </a:cubicBezTo>
+                    <a:cubicBezTo>
+                      <a:pt x="954" y="7509"/>
+                      <a:pt x="978" y="7373"/>
+                      <a:pt x="989" y="7341"/>
+                    </a:cubicBezTo>
+                    <a:cubicBezTo>
+                      <a:pt x="1007" y="7293"/>
+                      <a:pt x="1029" y="7236"/>
+                      <a:pt x="1040" y="7209"/>
+                    </a:cubicBezTo>
+                    <a:lnTo>
+                      <a:pt x="1040" y="7209"/>
+                    </a:lnTo>
+                    <a:lnTo>
+                      <a:pt x="1026" y="7219"/>
+                    </a:lnTo>
+                    <a:cubicBezTo>
+                      <a:pt x="1042" y="7168"/>
+                      <a:pt x="1056" y="7118"/>
+                      <a:pt x="1059" y="7092"/>
+                    </a:cubicBezTo>
+                    <a:cubicBezTo>
+                      <a:pt x="1064" y="7043"/>
+                      <a:pt x="1106" y="6882"/>
+                      <a:pt x="1139" y="6798"/>
+                    </a:cubicBezTo>
+                    <a:cubicBezTo>
+                      <a:pt x="1173" y="6713"/>
+                      <a:pt x="1186" y="6578"/>
+                      <a:pt x="1183" y="6489"/>
+                    </a:cubicBezTo>
+                    <a:cubicBezTo>
+                      <a:pt x="1179" y="6402"/>
+                      <a:pt x="1179" y="6275"/>
+                      <a:pt x="1186" y="6201"/>
+                    </a:cubicBezTo>
+                    <a:cubicBezTo>
+                      <a:pt x="1193" y="6126"/>
+                      <a:pt x="1231" y="5879"/>
+                      <a:pt x="1249" y="5831"/>
+                    </a:cubicBezTo>
+                    <a:cubicBezTo>
+                      <a:pt x="1263" y="5793"/>
+                      <a:pt x="1279" y="5727"/>
+                      <a:pt x="1295" y="5668"/>
+                    </a:cubicBezTo>
+                    <a:cubicBezTo>
+                      <a:pt x="1311" y="5670"/>
+                      <a:pt x="1320" y="5673"/>
+                      <a:pt x="1327" y="5676"/>
+                    </a:cubicBezTo>
+                    <a:lnTo>
+                      <a:pt x="1367" y="5654"/>
+                    </a:lnTo>
+                    <a:cubicBezTo>
+                      <a:pt x="1374" y="5622"/>
+                      <a:pt x="1389" y="5557"/>
+                      <a:pt x="1380" y="5531"/>
+                    </a:cubicBezTo>
+                    <a:cubicBezTo>
+                      <a:pt x="1370" y="5504"/>
+                      <a:pt x="1425" y="5448"/>
+                      <a:pt x="1457" y="5388"/>
+                    </a:cubicBezTo>
+                    <a:cubicBezTo>
+                      <a:pt x="1488" y="5328"/>
+                      <a:pt x="1508" y="5255"/>
+                      <a:pt x="1491" y="5165"/>
+                    </a:cubicBezTo>
+                    <a:cubicBezTo>
+                      <a:pt x="1474" y="5076"/>
+                      <a:pt x="1499" y="4952"/>
+                      <a:pt x="1502" y="4928"/>
+                    </a:cubicBezTo>
+                    <a:cubicBezTo>
+                      <a:pt x="1505" y="4903"/>
+                      <a:pt x="1505" y="4778"/>
+                      <a:pt x="1528" y="4667"/>
+                    </a:cubicBezTo>
+                    <a:cubicBezTo>
+                      <a:pt x="1552" y="4556"/>
+                      <a:pt x="1537" y="4579"/>
+                      <a:pt x="1520" y="4502"/>
+                    </a:cubicBezTo>
+                    <a:cubicBezTo>
+                      <a:pt x="1502" y="4426"/>
+                      <a:pt x="1537" y="4454"/>
+                      <a:pt x="1520" y="4390"/>
+                    </a:cubicBezTo>
+                    <a:cubicBezTo>
+                      <a:pt x="1501" y="4326"/>
+                      <a:pt x="1528" y="4291"/>
+                      <a:pt x="1509" y="4239"/>
+                    </a:cubicBezTo>
+                    <a:cubicBezTo>
+                      <a:pt x="1508" y="4234"/>
+                      <a:pt x="1507" y="4231"/>
+                      <a:pt x="1505" y="4228"/>
+                    </a:cubicBezTo>
+                    <a:cubicBezTo>
+                      <a:pt x="1504" y="4227"/>
+                      <a:pt x="1504" y="4225"/>
+                      <a:pt x="1504" y="4224"/>
+                    </a:cubicBezTo>
+                    <a:cubicBezTo>
+                      <a:pt x="1485" y="4180"/>
+                      <a:pt x="1466" y="4155"/>
+                      <a:pt x="1458" y="4121"/>
+                    </a:cubicBezTo>
+                    <a:cubicBezTo>
+                      <a:pt x="1450" y="4081"/>
+                      <a:pt x="1461" y="4049"/>
+                      <a:pt x="1467" y="4033"/>
+                    </a:cubicBezTo>
+                    <a:lnTo>
+                      <a:pt x="1467" y="4033"/>
+                    </a:lnTo>
+                    <a:lnTo>
+                      <a:pt x="1461" y="4035"/>
+                    </a:lnTo>
+                    <a:cubicBezTo>
+                      <a:pt x="1464" y="4032"/>
+                      <a:pt x="1468" y="4032"/>
+                      <a:pt x="1471" y="4032"/>
+                    </a:cubicBezTo>
+                    <a:cubicBezTo>
+                      <a:pt x="1474" y="4032"/>
+                      <a:pt x="1477" y="4032"/>
+                      <a:pt x="1480" y="4032"/>
+                    </a:cubicBezTo>
+                    <a:cubicBezTo>
+                      <a:pt x="1493" y="4032"/>
+                      <a:pt x="1506" y="4026"/>
+                      <a:pt x="1512" y="3963"/>
+                    </a:cubicBezTo>
+                    <a:cubicBezTo>
+                      <a:pt x="1523" y="3851"/>
+                      <a:pt x="1440" y="3804"/>
+                      <a:pt x="1444" y="3755"/>
+                    </a:cubicBezTo>
+                    <a:cubicBezTo>
+                      <a:pt x="1450" y="3705"/>
+                      <a:pt x="1470" y="3758"/>
+                      <a:pt x="1479" y="3659"/>
+                    </a:cubicBezTo>
+                    <a:cubicBezTo>
+                      <a:pt x="1489" y="3558"/>
+                      <a:pt x="1461" y="3582"/>
+                      <a:pt x="1495" y="3509"/>
+                    </a:cubicBezTo>
+                    <a:cubicBezTo>
+                      <a:pt x="1527" y="3437"/>
+                      <a:pt x="1473" y="3344"/>
+                      <a:pt x="1493" y="3271"/>
+                    </a:cubicBezTo>
+                    <a:cubicBezTo>
+                      <a:pt x="1512" y="3197"/>
+                      <a:pt x="1515" y="3181"/>
+                      <a:pt x="1515" y="3172"/>
+                    </a:cubicBezTo>
+                    <a:cubicBezTo>
+                      <a:pt x="1514" y="3169"/>
+                      <a:pt x="1511" y="3165"/>
+                      <a:pt x="1509" y="3161"/>
+                    </a:cubicBezTo>
+                    <a:cubicBezTo>
+                      <a:pt x="1521" y="3131"/>
+                      <a:pt x="1537" y="3091"/>
+                      <a:pt x="1552" y="3048"/>
+                    </a:cubicBezTo>
+                    <a:cubicBezTo>
+                      <a:pt x="1578" y="2965"/>
+                      <a:pt x="1623" y="2793"/>
+                      <a:pt x="1646" y="2769"/>
+                    </a:cubicBezTo>
+                    <a:cubicBezTo>
+                      <a:pt x="1668" y="2743"/>
+                      <a:pt x="1750" y="2680"/>
+                      <a:pt x="1757" y="2675"/>
+                    </a:cubicBezTo>
+                    <a:cubicBezTo>
+                      <a:pt x="1764" y="2670"/>
+                      <a:pt x="2040" y="2426"/>
+                      <a:pt x="2102" y="2374"/>
+                    </a:cubicBezTo>
+                    <a:cubicBezTo>
+                      <a:pt x="2164" y="2320"/>
+                      <a:pt x="2298" y="2199"/>
+                      <a:pt x="2325" y="2145"/>
+                    </a:cubicBezTo>
+                    <a:cubicBezTo>
+                      <a:pt x="2353" y="2093"/>
+                      <a:pt x="2414" y="2017"/>
+                      <a:pt x="2410" y="1970"/>
+                    </a:cubicBezTo>
+                    <a:cubicBezTo>
+                      <a:pt x="2405" y="1925"/>
+                      <a:pt x="2381" y="1828"/>
+                      <a:pt x="2373" y="1801"/>
+                    </a:cubicBezTo>
+                    <a:cubicBezTo>
+                      <a:pt x="2367" y="1775"/>
+                      <a:pt x="2316" y="1465"/>
+                      <a:pt x="2296" y="1404"/>
+                    </a:cubicBezTo>
+                    <a:cubicBezTo>
+                      <a:pt x="2274" y="1343"/>
+                      <a:pt x="2254" y="1249"/>
+                      <a:pt x="2220" y="1190"/>
+                    </a:cubicBezTo>
+                    <a:cubicBezTo>
+                      <a:pt x="2188" y="1130"/>
+                      <a:pt x="2177" y="1051"/>
+                      <a:pt x="2174" y="1022"/>
+                    </a:cubicBezTo>
+                    <a:cubicBezTo>
+                      <a:pt x="2171" y="992"/>
+                      <a:pt x="2172" y="961"/>
+                      <a:pt x="2180" y="945"/>
+                    </a:cubicBezTo>
+                    <a:cubicBezTo>
+                      <a:pt x="2187" y="927"/>
+                      <a:pt x="2212" y="900"/>
+                      <a:pt x="2228" y="860"/>
+                    </a:cubicBezTo>
+                    <a:cubicBezTo>
+                      <a:pt x="2241" y="830"/>
+                      <a:pt x="2245" y="807"/>
+                      <a:pt x="2247" y="799"/>
+                    </a:cubicBezTo>
+                    <a:cubicBezTo>
+                      <a:pt x="2347" y="750"/>
+                      <a:pt x="2375" y="664"/>
+                      <a:pt x="2461" y="562"/>
+                    </a:cubicBezTo>
+                    <a:cubicBezTo>
+                      <a:pt x="2461" y="560"/>
+                      <a:pt x="2461" y="559"/>
+                      <a:pt x="2461" y="557"/>
+                    </a:cubicBezTo>
+                    <a:cubicBezTo>
+                      <a:pt x="2478" y="508"/>
+                      <a:pt x="2484" y="455"/>
+                      <a:pt x="2483" y="403"/>
+                    </a:cubicBezTo>
+                    <a:lnTo>
+                      <a:pt x="2481" y="403"/>
+                    </a:lnTo>
+                    <a:lnTo>
+                      <a:pt x="2478" y="358"/>
+                    </a:lnTo>
+                    <a:cubicBezTo>
+                      <a:pt x="2477" y="355"/>
+                      <a:pt x="2475" y="351"/>
+                      <a:pt x="2475" y="348"/>
+                    </a:cubicBezTo>
+                    <a:cubicBezTo>
+                      <a:pt x="2472" y="338"/>
+                      <a:pt x="2471" y="327"/>
+                      <a:pt x="2468" y="317"/>
+                    </a:cubicBezTo>
+                    <a:cubicBezTo>
+                      <a:pt x="2443" y="220"/>
+                      <a:pt x="2386" y="138"/>
+                      <a:pt x="2311" y="83"/>
+                    </a:cubicBezTo>
+                    <a:lnTo>
+                      <a:pt x="2308" y="80"/>
+                    </a:lnTo>
+                    <a:lnTo>
+                      <a:pt x="2306" y="80"/>
+                    </a:lnTo>
+                    <a:cubicBezTo>
+                      <a:pt x="2236" y="29"/>
+                      <a:pt x="2150" y="0"/>
+                      <a:pt x="2060" y="0"/>
+                    </a:cubicBezTo>
+                    <a:close/>
+                  </a:path>
+                </a:pathLst>
+              </a:custGeom>
+              <a:solidFill>
+                <a:schemeClr val="accent4"/>
+              </a:solidFill>
+              <a:ln>
+                <a:noFill/>
+              </a:ln>
+            </p:spPr>
+            <p:txBody>
+              <a:bodyPr anchorCtr="0" anchor="ctr" bIns="91425" lIns="91425" spcFirstLastPara="1" rIns="91425" wrap="square" tIns="91425">
+                <a:noAutofit/>
+              </a:bodyPr>
+              <a:lstStyle/>
+              <a:p>
+                <a:pPr indent="0" lvl="0" marL="0" rtl="0" algn="l">
+                  <a:spcBef>
+                    <a:spcPts val="0"/>
+                  </a:spcBef>
+                  <a:spcAft>
+                    <a:spcPts val="0"/>
+                  </a:spcAft>
+                  <a:buNone/>
+                </a:pPr>
+                <a:r>
+                  <a:t/>
+                </a:r>
+                <a:endParaRPr/>
+              </a:p>
+            </p:txBody>
+          </p:sp>
+          <p:sp>
+            <p:nvSpPr>
+              <p:cNvPr id="366" name="Google Shape;366;p34"/>
+              <p:cNvSpPr/>
+              <p:nvPr/>
+            </p:nvSpPr>
+            <p:spPr>
+              <a:xfrm>
                 <a:off x="6417613" y="3215550"/>
                 <a:ext cx="50" cy="100"/>
               </a:xfrm>
@@ -53150,7 +53690,7 @@
         </p:grpSp>
         <p:sp>
           <p:nvSpPr>
-            <p:cNvPr id="366" name="Google Shape;366;p34"/>
+            <p:cNvPr id="367" name="Google Shape;367;p34"/>
             <p:cNvSpPr/>
             <p:nvPr/>
           </p:nvSpPr>
@@ -53205,7 +53745,7 @@
   <p:cSld>
     <p:spTree>
       <p:nvGrpSpPr>
-        <p:cNvPr id="370" name="Shape 370"/>
+        <p:cNvPr id="371" name="Shape 371"/>
         <p:cNvGrpSpPr/>
         <p:nvPr/>
       </p:nvGrpSpPr>
@@ -53219,7 +53759,7 @@
       </p:grpSpPr>
       <p:sp>
         <p:nvSpPr>
-          <p:cNvPr id="371" name="Google Shape;371;p35"/>
+          <p:cNvPr id="372" name="Google Shape;372;p35"/>
           <p:cNvSpPr txBox="1"/>
           <p:nvPr>
             <p:ph idx="1" type="subTitle"/>
@@ -53259,7 +53799,7 @@
       </p:sp>
       <p:sp>
         <p:nvSpPr>
-          <p:cNvPr id="372" name="Google Shape;372;p35"/>
+          <p:cNvPr id="373" name="Google Shape;373;p35"/>
           <p:cNvSpPr txBox="1"/>
           <p:nvPr>
             <p:ph type="title"/>
@@ -53299,7 +53839,7 @@
       </p:sp>
       <p:grpSp>
         <p:nvGrpSpPr>
-          <p:cNvPr id="373" name="Google Shape;373;p35"/>
+          <p:cNvPr id="374" name="Google Shape;374;p35"/>
           <p:cNvGrpSpPr/>
           <p:nvPr/>
         </p:nvGrpSpPr>
@@ -53313,7 +53853,7 @@
         </p:grpSpPr>
         <p:sp>
           <p:nvSpPr>
-            <p:cNvPr id="374" name="Google Shape;374;p35"/>
+            <p:cNvPr id="375" name="Google Shape;375;p35"/>
             <p:cNvSpPr/>
             <p:nvPr/>
           </p:nvSpPr>
@@ -53940,7 +54480,7 @@
         </p:sp>
         <p:sp>
           <p:nvSpPr>
-            <p:cNvPr id="375" name="Google Shape;375;p35"/>
+            <p:cNvPr id="376" name="Google Shape;376;p35"/>
             <p:cNvSpPr/>
             <p:nvPr/>
           </p:nvSpPr>
@@ -53995,7 +54535,7 @@
   <p:cSld>
     <p:spTree>
       <p:nvGrpSpPr>
-        <p:cNvPr id="379" name="Shape 379"/>
+        <p:cNvPr id="380" name="Shape 380"/>
         <p:cNvGrpSpPr/>
         <p:nvPr/>
       </p:nvGrpSpPr>
@@ -54009,7 +54549,7 @@
       </p:grpSpPr>
       <p:sp>
         <p:nvSpPr>
-          <p:cNvPr id="380" name="Google Shape;380;p36"/>
+          <p:cNvPr id="381" name="Google Shape;381;p36"/>
           <p:cNvSpPr/>
           <p:nvPr/>
         </p:nvSpPr>
@@ -54075,7 +54615,7 @@
       </p:sp>
       <p:sp>
         <p:nvSpPr>
-          <p:cNvPr id="381" name="Google Shape;381;p36"/>
+          <p:cNvPr id="382" name="Google Shape;382;p36"/>
           <p:cNvSpPr txBox="1"/>
           <p:nvPr>
             <p:ph type="ctrTitle"/>
@@ -54115,7 +54655,7 @@
       </p:sp>
       <p:sp>
         <p:nvSpPr>
-          <p:cNvPr id="382" name="Google Shape;382;p36"/>
+          <p:cNvPr id="383" name="Google Shape;383;p36"/>
           <p:cNvSpPr txBox="1"/>
           <p:nvPr>
             <p:ph idx="2" type="title"/>
@@ -54166,7 +54706,7 @@
   <p:cSld>
     <p:spTree>
       <p:nvGrpSpPr>
-        <p:cNvPr id="386" name="Shape 386"/>
+        <p:cNvPr id="387" name="Shape 387"/>
         <p:cNvGrpSpPr/>
         <p:nvPr/>
       </p:nvGrpSpPr>
@@ -54180,7 +54720,7 @@
       </p:grpSpPr>
       <p:sp>
         <p:nvSpPr>
-          <p:cNvPr id="387" name="Google Shape;387;p37"/>
+          <p:cNvPr id="388" name="Google Shape;388;p37"/>
           <p:cNvSpPr txBox="1"/>
           <p:nvPr>
             <p:ph type="title"/>
@@ -54220,7 +54760,7 @@
       </p:sp>
       <p:sp>
         <p:nvSpPr>
-          <p:cNvPr id="388" name="Google Shape;388;p37"/>
+          <p:cNvPr id="389" name="Google Shape;389;p37"/>
           <p:cNvSpPr txBox="1"/>
           <p:nvPr>
             <p:ph idx="1" type="subTitle"/>
@@ -54228,7 +54768,7 @@
         </p:nvSpPr>
         <p:spPr>
           <a:xfrm>
-            <a:off x="865488" y="1627474"/>
+            <a:off x="3268438" y="1461199"/>
             <a:ext cx="2753400" cy="505800"/>
           </a:xfrm>
           <a:prstGeom prst="rect">
@@ -54257,16 +54797,7 @@
                 </a:solidFill>
                 <a:hlinkClick r:id="rId3"/>
               </a:rPr>
-              <a:t>b</a:t>
-            </a:r>
-            <a:r>
-              <a:rPr lang="en" sz="2000" u="sng">
-                <a:solidFill>
-                  <a:schemeClr val="hlink"/>
-                </a:solidFill>
-                <a:hlinkClick r:id="rId4"/>
-              </a:rPr>
-              <a:t>asketball-reference.com</a:t>
+              <a:t>basketball-reference.com</a:t>
             </a:r>
             <a:r>
               <a:rPr lang="en" sz="2000"/>
@@ -54278,7 +54809,35 @@
       </p:sp>
       <p:pic>
         <p:nvPicPr>
-          <p:cNvPr id="389" name="Google Shape;389;p37"/>
+          <p:cNvPr id="390" name="Google Shape;390;p37"/>
+          <p:cNvPicPr preferRelativeResize="0"/>
+          <p:nvPr/>
+        </p:nvPicPr>
+        <p:blipFill>
+          <a:blip r:embed="rId4">
+            <a:alphaModFix/>
+          </a:blip>
+          <a:stretch>
+            <a:fillRect/>
+          </a:stretch>
+        </p:blipFill>
+        <p:spPr>
+          <a:xfrm>
+            <a:off x="142475" y="2236725"/>
+            <a:ext cx="4393598" cy="2310999"/>
+          </a:xfrm>
+          <a:prstGeom prst="rect">
+            <a:avLst/>
+          </a:prstGeom>
+          <a:noFill/>
+          <a:ln>
+            <a:noFill/>
+          </a:ln>
+        </p:spPr>
+      </p:pic>
+      <p:pic>
+        <p:nvPicPr>
+          <p:cNvPr id="391" name="Google Shape;391;p37"/>
           <p:cNvPicPr preferRelativeResize="0"/>
           <p:nvPr/>
         </p:nvPicPr>
@@ -54292,81 +54851,8 @@
         </p:blipFill>
         <p:spPr>
           <a:xfrm>
-            <a:off x="224800" y="2236725"/>
-            <a:ext cx="4034774" cy="2173926"/>
-          </a:xfrm>
-          <a:prstGeom prst="rect">
-            <a:avLst/>
-          </a:prstGeom>
-          <a:noFill/>
-          <a:ln>
-            <a:noFill/>
-          </a:ln>
-        </p:spPr>
-      </p:pic>
-      <p:sp>
-        <p:nvSpPr>
-          <p:cNvPr id="390" name="Google Shape;390;p37"/>
-          <p:cNvSpPr txBox="1"/>
-          <p:nvPr>
-            <p:ph idx="1" type="subTitle"/>
-          </p:nvPr>
-        </p:nvSpPr>
-        <p:spPr>
-          <a:xfrm>
-            <a:off x="5245788" y="1627475"/>
-            <a:ext cx="2950200" cy="505800"/>
-          </a:xfrm>
-          <a:prstGeom prst="rect">
-            <a:avLst/>
-          </a:prstGeom>
-        </p:spPr>
-        <p:txBody>
-          <a:bodyPr anchorCtr="0" anchor="b" bIns="91425" lIns="91425" spcFirstLastPara="1" rIns="91425" wrap="square" tIns="91425">
-            <a:noAutofit/>
-          </a:bodyPr>
-          <a:lstStyle/>
-          <a:p>
-            <a:pPr indent="0" lvl="0" marL="0" rtl="0" algn="ctr">
-              <a:spcBef>
-                <a:spcPts val="0"/>
-              </a:spcBef>
-              <a:spcAft>
-                <a:spcPts val="0"/>
-              </a:spcAft>
-              <a:buNone/>
-            </a:pPr>
-            <a:r>
-              <a:rPr lang="en" sz="2000" u="sng">
-                <a:solidFill>
-                  <a:schemeClr val="hlink"/>
-                </a:solidFill>
-                <a:hlinkClick r:id="rId6"/>
-              </a:rPr>
-              <a:t>projects.fivethirtyeight.com</a:t>
-            </a:r>
-            <a:endParaRPr/>
-          </a:p>
-        </p:txBody>
-      </p:sp>
-      <p:pic>
-        <p:nvPicPr>
-          <p:cNvPr id="391" name="Google Shape;391;p37"/>
-          <p:cNvPicPr preferRelativeResize="0"/>
-          <p:nvPr/>
-        </p:nvPicPr>
-        <p:blipFill>
-          <a:blip r:embed="rId7">
-            <a:alphaModFix/>
-          </a:blip>
-          <a:stretch>
-            <a:fillRect/>
-          </a:stretch>
-        </p:blipFill>
-        <p:spPr>
-          <a:xfrm>
-            <a:off x="4703500" y="2236725"/>
-            <a:ext cx="4034776" cy="2173925"/>
+            <a:off x="4598700" y="2236725"/>
+            <a:ext cx="4393602" cy="2303479"/>
           </a:xfrm>
           <a:prstGeom prst="rect">
             <a:avLst/>
@@ -54407,6 +54893,144 @@
           <p:cNvPr id="396" name="Google Shape;396;p38"/>
           <p:cNvSpPr txBox="1"/>
           <p:nvPr>
+            <p:ph type="title"/>
+          </p:nvPr>
+        </p:nvSpPr>
+        <p:spPr>
+          <a:xfrm>
+            <a:off x="2642550" y="607975"/>
+            <a:ext cx="3858900" cy="583500"/>
+          </a:xfrm>
+          <a:prstGeom prst="rect">
+            <a:avLst/>
+          </a:prstGeom>
+        </p:spPr>
+        <p:txBody>
+          <a:bodyPr anchorCtr="0" anchor="t" bIns="91425" lIns="91425" spcFirstLastPara="1" rIns="91425" wrap="square" tIns="91425">
+            <a:noAutofit/>
+          </a:bodyPr>
+          <a:lstStyle/>
+          <a:p>
+            <a:pPr indent="0" lvl="0" marL="0" rtl="0" algn="ctr">
+              <a:spcBef>
+                <a:spcPts val="0"/>
+              </a:spcBef>
+              <a:spcAft>
+                <a:spcPts val="0"/>
+              </a:spcAft>
+              <a:buNone/>
+            </a:pPr>
+            <a:r>
+              <a:rPr lang="en" sz="3200"/>
+              <a:t>DATA SOURCE</a:t>
+            </a:r>
+            <a:endParaRPr sz="3200"/>
+          </a:p>
+        </p:txBody>
+      </p:sp>
+      <p:sp>
+        <p:nvSpPr>
+          <p:cNvPr id="397" name="Google Shape;397;p38"/>
+          <p:cNvSpPr txBox="1"/>
+          <p:nvPr>
+            <p:ph idx="1" type="subTitle"/>
+          </p:nvPr>
+        </p:nvSpPr>
+        <p:spPr>
+          <a:xfrm>
+            <a:off x="3096888" y="1461200"/>
+            <a:ext cx="2950200" cy="505800"/>
+          </a:xfrm>
+          <a:prstGeom prst="rect">
+            <a:avLst/>
+          </a:prstGeom>
+        </p:spPr>
+        <p:txBody>
+          <a:bodyPr anchorCtr="0" anchor="b" bIns="91425" lIns="91425" spcFirstLastPara="1" rIns="91425" wrap="square" tIns="91425">
+            <a:noAutofit/>
+          </a:bodyPr>
+          <a:lstStyle/>
+          <a:p>
+            <a:pPr indent="0" lvl="0" marL="0" rtl="0" algn="ctr">
+              <a:spcBef>
+                <a:spcPts val="0"/>
+              </a:spcBef>
+              <a:spcAft>
+                <a:spcPts val="0"/>
+              </a:spcAft>
+              <a:buNone/>
+            </a:pPr>
+            <a:r>
+              <a:rPr lang="en" sz="2000" u="sng">
+                <a:solidFill>
+                  <a:schemeClr val="hlink"/>
+                </a:solidFill>
+                <a:hlinkClick r:id="rId3"/>
+              </a:rPr>
+              <a:t>projects.fivethirtyeight.com</a:t>
+            </a:r>
+            <a:endParaRPr/>
+          </a:p>
+        </p:txBody>
+      </p:sp>
+      <p:pic>
+        <p:nvPicPr>
+          <p:cNvPr id="398" name="Google Shape;398;p38"/>
+          <p:cNvPicPr preferRelativeResize="0"/>
+          <p:nvPr/>
+        </p:nvPicPr>
+        <p:blipFill>
+          <a:blip r:embed="rId4">
+            <a:alphaModFix/>
+          </a:blip>
+          <a:stretch>
+            <a:fillRect/>
+          </a:stretch>
+        </p:blipFill>
+        <p:spPr>
+          <a:xfrm>
+            <a:off x="2238200" y="2236725"/>
+            <a:ext cx="4667599" cy="2514890"/>
+          </a:xfrm>
+          <a:prstGeom prst="rect">
+            <a:avLst/>
+          </a:prstGeom>
+          <a:noFill/>
+          <a:ln>
+            <a:noFill/>
+          </a:ln>
+        </p:spPr>
+      </p:pic>
+    </p:spTree>
+  </p:cSld>
+  <p:clrMapOvr>
+    <a:masterClrMapping/>
+  </p:clrMapOvr>
+</p:sld>
+</file>
+
+<file path=ppt/slides/slide9.xml><?xml version="1.0" encoding="utf-8"?>
+<p:sld xmlns:a="http://schemas.openxmlformats.org/drawingml/2006/main" xmlns:r="http://schemas.openxmlformats.org/officeDocument/2006/relationships" xmlns:mc="http://schemas.openxmlformats.org/markup-compatibility/2006" xmlns:mv="urn:schemas-microsoft-com:mac:vml" xmlns:p="http://schemas.openxmlformats.org/presentationml/2006/main" xmlns:c="http://schemas.openxmlformats.org/drawingml/2006/chart" xmlns:dgm="http://schemas.openxmlformats.org/drawingml/2006/diagram" xmlns:o="urn:schemas-microsoft-com:office:office" xmlns:v="urn:schemas-microsoft-com:vml" xmlns:pvml="urn:schemas-microsoft-com:office:powerpoint" xmlns:com="http://schemas.openxmlformats.org/drawingml/2006/compatibility" xmlns:p14="http://schemas.microsoft.com/office/powerpoint/2010/main" xmlns:p15="http://schemas.microsoft.com/office/powerpoint/2012/main" xmlns:ahyp="http://schemas.microsoft.com/office/drawing/2018/hyperlinkcolor">
+  <p:cSld>
+    <p:spTree>
+      <p:nvGrpSpPr>
+        <p:cNvPr id="402" name="Shape 402"/>
+        <p:cNvGrpSpPr/>
+        <p:nvPr/>
+      </p:nvGrpSpPr>
+      <p:grpSpPr>
+        <a:xfrm>
+          <a:off x="0" y="0"/>
+          <a:ext cx="0" cy="0"/>
+          <a:chOff x="0" y="0"/>
+          <a:chExt cx="0" cy="0"/>
+        </a:xfrm>
+      </p:grpSpPr>
+      <p:sp>
+        <p:nvSpPr>
+          <p:cNvPr id="403" name="Google Shape;403;p39"/>
+          <p:cNvSpPr txBox="1"/>
+          <p:nvPr>
             <p:ph idx="1" type="subTitle"/>
           </p:nvPr>
         </p:nvSpPr>
@@ -54632,7 +55256,7 @@
       </p:sp>
       <p:sp>
         <p:nvSpPr>
-          <p:cNvPr id="397" name="Google Shape;397;p38"/>
+          <p:cNvPr id="404" name="Google Shape;404;p39"/>
           <p:cNvSpPr txBox="1"/>
           <p:nvPr>
             <p:ph type="title"/>
@@ -54678,210 +55302,286 @@
 </p:sld>
 </file>
 
-<file path=ppt/slides/slide9.xml><?xml version="1.0" encoding="utf-8"?>
-<p:sld xmlns:a="http://schemas.openxmlformats.org/drawingml/2006/main" xmlns:r="http://schemas.openxmlformats.org/officeDocument/2006/relationships" xmlns:mc="http://schemas.openxmlformats.org/markup-compatibility/2006" xmlns:mv="urn:schemas-microsoft-com:mac:vml" xmlns:p="http://schemas.openxmlformats.org/presentationml/2006/main" xmlns:c="http://schemas.openxmlformats.org/drawingml/2006/chart" xmlns:dgm="http://schemas.openxmlformats.org/drawingml/2006/diagram" xmlns:o="urn:schemas-microsoft-com:office:office" xmlns:v="urn:schemas-microsoft-com:vml" xmlns:pvml="urn:schemas-microsoft-com:office:powerpoint" xmlns:com="http://schemas.openxmlformats.org/drawingml/2006/compatibility" xmlns:p14="http://schemas.microsoft.com/office/powerpoint/2010/main" xmlns:p15="http://schemas.microsoft.com/office/powerpoint/2012/main" xmlns:ahyp="http://schemas.microsoft.com/office/drawing/2018/hyperlinkcolor">
-  <p:cSld>
-    <p:spTree>
-      <p:nvGrpSpPr>
-        <p:cNvPr id="401" name="Shape 401"/>
-        <p:cNvGrpSpPr/>
-        <p:nvPr/>
-      </p:nvGrpSpPr>
-      <p:grpSpPr>
-        <a:xfrm>
-          <a:off x="0" y="0"/>
-          <a:ext cx="0" cy="0"/>
-          <a:chOff x="0" y="0"/>
-          <a:chExt cx="0" cy="0"/>
-        </a:xfrm>
-      </p:grpSpPr>
-      <p:sp>
-        <p:nvSpPr>
-          <p:cNvPr id="402" name="Google Shape;402;p39"/>
-          <p:cNvSpPr/>
-          <p:nvPr/>
-        </p:nvSpPr>
-        <p:spPr>
-          <a:xfrm>
-            <a:off x="1321225" y="2269200"/>
-            <a:ext cx="1703548" cy="997717"/>
-          </a:xfrm>
-          <a:custGeom>
-            <a:rect b="b" l="l" r="r" t="t"/>
-            <a:pathLst>
-              <a:path extrusionOk="0" h="15735" w="29046">
-                <a:moveTo>
-                  <a:pt x="1" y="0"/>
-                </a:moveTo>
-                <a:lnTo>
-                  <a:pt x="4600" y="7867"/>
-                </a:lnTo>
-                <a:lnTo>
-                  <a:pt x="1" y="15735"/>
-                </a:lnTo>
-                <a:lnTo>
-                  <a:pt x="29045" y="15735"/>
-                </a:lnTo>
-                <a:lnTo>
-                  <a:pt x="24444" y="7867"/>
-                </a:lnTo>
-                <a:lnTo>
-                  <a:pt x="29045" y="0"/>
-                </a:lnTo>
-                <a:close/>
-              </a:path>
-            </a:pathLst>
-          </a:custGeom>
+<file path=ppt/theme/theme1.xml><?xml version="1.0" encoding="utf-8"?>
+<a:theme xmlns:a="http://schemas.openxmlformats.org/drawingml/2006/main" xmlns:r="http://schemas.openxmlformats.org/officeDocument/2006/relationships" name="Basketball Lesson by Slidesgo">
+  <a:themeElements>
+    <a:clrScheme name="Simple Light">
+      <a:dk1>
+        <a:srgbClr val="000000"/>
+      </a:dk1>
+      <a:lt1>
+        <a:srgbClr val="FFFFFF"/>
+      </a:lt1>
+      <a:dk2>
+        <a:srgbClr val="FF6363"/>
+      </a:dk2>
+      <a:lt2>
+        <a:srgbClr val="543864"/>
+      </a:lt2>
+      <a:accent1>
+        <a:srgbClr val="FFBD69"/>
+      </a:accent1>
+      <a:accent2>
+        <a:srgbClr val="FF8A8A"/>
+      </a:accent2>
+      <a:accent3>
+        <a:srgbClr val="D13535"/>
+      </a:accent3>
+      <a:accent4>
+        <a:srgbClr val="3A1C4B"/>
+      </a:accent4>
+      <a:accent5>
+        <a:srgbClr val="F47536"/>
+      </a:accent5>
+      <a:accent6>
+        <a:srgbClr val="D25227"/>
+      </a:accent6>
+      <a:hlink>
+        <a:srgbClr val="FFFFFF"/>
+      </a:hlink>
+      <a:folHlink>
+        <a:srgbClr val="0097A7"/>
+      </a:folHlink>
+    </a:clrScheme>
+    <a:fontScheme name="Office">
+      <a:majorFont>
+        <a:latin typeface="Arial"/>
+        <a:ea typeface=""/>
+        <a:cs typeface=""/>
+        <a:font script="Jpan" typeface="ＭＳ Ｐゴシック"/>
+        <a:font script="Hang" typeface="맑은 고딕"/>
+        <a:font script="Hans" typeface="宋体"/>
+        <a:font script="Hant" typeface="新細明體"/>
+        <a:font script="Arab" typeface="Times New Roman"/>
+        <a:font script="Hebr" typeface="Times New Roman"/>
+        <a:font script="Thai" typeface="Angsana New"/>
+        <a:font script="Ethi" typeface="Nyala"/>
+        <a:font script="Beng" typeface="Vrinda"/>
+        <a:font script="Gujr" typeface="Shruti"/>
+        <a:font script="Khmr" typeface="MoolBoran"/>
+        <a:font script="Knda" typeface="Tunga"/>
+        <a:font script="Guru" typeface="Raavi"/>
+        <a:font script="Cans" typeface="Euphemia"/>
+        <a:font script="Cher" typeface="Plantagenet Cherokee"/>
+        <a:font script="Yiii" typeface="Microsoft Yi Baiti"/>
+        <a:font script="Tibt" typeface="Microsoft Himalaya"/>
+        <a:font script="Thaa" typeface="MV Boli"/>
+        <a:font script="Deva" typeface="Mangal"/>
+        <a:font script="Telu" typeface="Gautami"/>
+        <a:font script="Taml" typeface="Latha"/>
+        <a:font script="Syrc" typeface="Estrangelo Edessa"/>
+        <a:font script="Orya" typeface="Kalinga"/>
+        <a:font script="Mlym" typeface="Kartika"/>
+        <a:font script="Laoo" typeface="DokChampa"/>
+        <a:font script="Sinh" typeface="Iskoola Pota"/>
+        <a:font script="Mong" typeface="Mongolian Baiti"/>
+        <a:font script="Viet" typeface="Times New Roman"/>
+        <a:font script="Uigh" typeface="Microsoft Uighur"/>
+        <a:font script="Geor" typeface="Sylfaen"/>
+      </a:majorFont>
+      <a:minorFont>
+        <a:latin typeface="Arial"/>
+        <a:ea typeface=""/>
+        <a:cs typeface=""/>
+        <a:font script="Jpan" typeface="ＭＳ Ｐゴシック"/>
+        <a:font script="Hang" typeface="맑은 고딕"/>
+        <a:font script="Hans" typeface="宋体"/>
+        <a:font script="Hant" typeface="新細明體"/>
+        <a:font script="Arab" typeface="Arial"/>
+        <a:font script="Hebr" typeface="Arial"/>
+        <a:font script="Thai" typeface="Cordia New"/>
+        <a:font script="Ethi" typeface="Nyala"/>
+        <a:font script="Beng" typeface="Vrinda"/>
+        <a:font script="Gujr" typeface="Shruti"/>
+        <a:font script="Khmr" typeface="DaunPenh"/>
+        <a:font script="Knda" typeface="Tunga"/>
+        <a:font script="Guru" typeface="Raavi"/>
+        <a:font script="Cans" typeface="Euphemia"/>
+        <a:font script="Cher" typeface="Plantagenet Cherokee"/>
+        <a:font script="Yiii" typeface="Microsoft Yi Baiti"/>
+        <a:font script="Tibt" typeface="Microsoft Himalaya"/>
+        <a:font script="Thaa" typeface="MV Boli"/>
+        <a:font script="Deva" typeface="Mangal"/>
+        <a:font script="Telu" typeface="Gautami"/>
+        <a:font script="Taml" typeface="Latha"/>
+        <a:font script="Syrc" typeface="Estrangelo Edessa"/>
+        <a:font script="Orya" typeface="Kalinga"/>
+        <a:font script="Mlym" typeface="Kartika"/>
+        <a:font script="Laoo" typeface="DokChampa"/>
+        <a:font script="Sinh" typeface="Iskoola Pota"/>
+        <a:font script="Mong" typeface="Mongolian Baiti"/>
+        <a:font script="Viet" typeface="Arial"/>
+        <a:font script="Uigh" typeface="Microsoft Uighur"/>
+        <a:font script="Geor" typeface="Sylfaen"/>
+      </a:minorFont>
+    </a:fontScheme>
+    <a:fmtScheme name="Office">
+      <a:fillStyleLst>
+        <a:solidFill>
+          <a:schemeClr val="phClr"/>
+        </a:solidFill>
+        <a:gradFill rotWithShape="1">
+          <a:gsLst>
+            <a:gs pos="0">
+              <a:schemeClr val="phClr">
+                <a:tint val="50000"/>
+                <a:satMod val="300000"/>
+              </a:schemeClr>
+            </a:gs>
+            <a:gs pos="35000">
+              <a:schemeClr val="phClr">
+                <a:tint val="37000"/>
+                <a:satMod val="300000"/>
+              </a:schemeClr>
+            </a:gs>
+            <a:gs pos="100000">
+              <a:schemeClr val="phClr">
+                <a:tint val="15000"/>
+                <a:satMod val="350000"/>
+              </a:schemeClr>
+            </a:gs>
+          </a:gsLst>
+          <a:lin ang="16200000" scaled="1"/>
+        </a:gradFill>
+        <a:gradFill rotWithShape="1">
+          <a:gsLst>
+            <a:gs pos="0">
+              <a:schemeClr val="phClr">
+                <a:tint val="100000"/>
+                <a:shade val="100000"/>
+                <a:satMod val="130000"/>
+              </a:schemeClr>
+            </a:gs>
+            <a:gs pos="100000">
+              <a:schemeClr val="phClr">
+                <a:tint val="50000"/>
+                <a:shade val="100000"/>
+                <a:satMod val="350000"/>
+              </a:schemeClr>
+            </a:gs>
+          </a:gsLst>
+          <a:lin ang="16200000" scaled="0"/>
+        </a:gradFill>
+      </a:fillStyleLst>
+      <a:lnStyleLst>
+        <a:ln w="9525" cap="flat" cmpd="sng" algn="ctr">
           <a:solidFill>
-            <a:schemeClr val="lt1"/>
+            <a:schemeClr val="phClr">
+              <a:shade val="95000"/>
+              <a:satMod val="105000"/>
+            </a:schemeClr>
           </a:solidFill>
-          <a:ln>
-            <a:noFill/>
-          </a:ln>
-        </p:spPr>
-        <p:txBody>
-          <a:bodyPr anchorCtr="0" anchor="ctr" bIns="91425" lIns="91425" spcFirstLastPara="1" rIns="91425" wrap="square" tIns="91425">
-            <a:noAutofit/>
-          </a:bodyPr>
-          <a:lstStyle/>
-          <a:p>
-            <a:pPr indent="0" lvl="0" marL="0" rtl="0" algn="ctr">
-              <a:spcBef>
-                <a:spcPts val="0"/>
-              </a:spcBef>
-              <a:spcAft>
-                <a:spcPts val="0"/>
-              </a:spcAft>
-              <a:buNone/>
-            </a:pPr>
-            <a:r>
-              <a:t/>
-            </a:r>
-            <a:endParaRPr/>
-          </a:p>
-        </p:txBody>
-      </p:sp>
-      <p:sp>
-        <p:nvSpPr>
-          <p:cNvPr id="403" name="Google Shape;403;p39"/>
-          <p:cNvSpPr txBox="1"/>
-          <p:nvPr>
-            <p:ph type="ctrTitle"/>
-          </p:nvPr>
-        </p:nvSpPr>
-        <p:spPr>
-          <a:xfrm>
-            <a:off x="3092250" y="1813127"/>
-            <a:ext cx="5137200" cy="1901700"/>
-          </a:xfrm>
-          <a:prstGeom prst="rect">
-            <a:avLst/>
-          </a:prstGeom>
-        </p:spPr>
-        <p:txBody>
-          <a:bodyPr anchorCtr="0" anchor="b" bIns="91425" lIns="91425" spcFirstLastPara="1" rIns="91425" wrap="square" tIns="91425">
-            <a:noAutofit/>
-          </a:bodyPr>
-          <a:lstStyle/>
-          <a:p>
-            <a:pPr indent="0" lvl="0" marL="0" rtl="0" algn="ctr">
-              <a:spcBef>
-                <a:spcPts val="0"/>
-              </a:spcBef>
-              <a:spcAft>
-                <a:spcPts val="0"/>
-              </a:spcAft>
-              <a:buNone/>
-            </a:pPr>
-            <a:r>
-              <a:rPr lang="en" sz="3900"/>
-              <a:t>CLEANING </a:t>
-            </a:r>
-            <a:endParaRPr sz="3900"/>
-          </a:p>
-          <a:p>
-            <a:pPr indent="0" lvl="0" marL="0" rtl="0" algn="ctr">
-              <a:spcBef>
-                <a:spcPts val="0"/>
-              </a:spcBef>
-              <a:spcAft>
-                <a:spcPts val="0"/>
-              </a:spcAft>
-              <a:buNone/>
-            </a:pPr>
-            <a:r>
-              <a:rPr lang="en" sz="3900"/>
-              <a:t>AND</a:t>
-            </a:r>
-            <a:endParaRPr sz="3900"/>
-          </a:p>
-          <a:p>
-            <a:pPr indent="0" lvl="0" marL="0" rtl="0" algn="ctr">
-              <a:spcBef>
-                <a:spcPts val="0"/>
-              </a:spcBef>
-              <a:spcAft>
-                <a:spcPts val="0"/>
-              </a:spcAft>
-              <a:buNone/>
-            </a:pPr>
-            <a:r>
-              <a:rPr lang="en" sz="3900"/>
-              <a:t>PROCESSING</a:t>
-            </a:r>
-            <a:endParaRPr sz="3900"/>
-          </a:p>
-        </p:txBody>
-      </p:sp>
-      <p:sp>
-        <p:nvSpPr>
-          <p:cNvPr id="404" name="Google Shape;404;p39"/>
-          <p:cNvSpPr txBox="1"/>
-          <p:nvPr>
-            <p:ph idx="2" type="title"/>
-          </p:nvPr>
-        </p:nvSpPr>
-        <p:spPr>
-          <a:xfrm>
-            <a:off x="1241538" y="2091225"/>
-            <a:ext cx="1850700" cy="1345500"/>
-          </a:xfrm>
-          <a:prstGeom prst="rect">
-            <a:avLst/>
-          </a:prstGeom>
-        </p:spPr>
-        <p:txBody>
-          <a:bodyPr anchorCtr="0" anchor="ctr" bIns="91425" lIns="91425" spcFirstLastPara="1" rIns="91425" wrap="square" tIns="91425">
-            <a:noAutofit/>
-          </a:bodyPr>
-          <a:lstStyle/>
-          <a:p>
-            <a:pPr indent="0" lvl="0" marL="0" rtl="0" algn="ctr">
-              <a:spcBef>
-                <a:spcPts val="0"/>
-              </a:spcBef>
-              <a:spcAft>
-                <a:spcPts val="0"/>
-              </a:spcAft>
-              <a:buNone/>
-            </a:pPr>
-            <a:r>
-              <a:rPr lang="en"/>
-              <a:t>03</a:t>
-            </a:r>
-            <a:endParaRPr/>
-          </a:p>
-        </p:txBody>
-      </p:sp>
-    </p:spTree>
-  </p:cSld>
-  <p:clrMapOvr>
-    <a:masterClrMapping/>
-  </p:clrMapOvr>
-</p:sld>
+          <a:prstDash val="solid"/>
+        </a:ln>
+        <a:ln w="25400" cap="flat" cmpd="sng" algn="ctr">
+          <a:solidFill>
+            <a:schemeClr val="phClr"/>
+          </a:solidFill>
+          <a:prstDash val="solid"/>
+        </a:ln>
+        <a:ln w="38100" cap="flat" cmpd="sng" algn="ctr">
+          <a:solidFill>
+            <a:schemeClr val="phClr"/>
+          </a:solidFill>
+          <a:prstDash val="solid"/>
+        </a:ln>
+      </a:lnStyleLst>
+      <a:effectStyleLst>
+        <a:effectStyle>
+          <a:effectLst>
+            <a:outerShdw blurRad="40000" dist="20000" dir="5400000" rotWithShape="0">
+              <a:srgbClr val="000000">
+                <a:alpha val="38000"/>
+              </a:srgbClr>
+            </a:outerShdw>
+          </a:effectLst>
+        </a:effectStyle>
+        <a:effectStyle>
+          <a:effectLst>
+            <a:outerShdw blurRad="40000" dist="23000" dir="5400000" rotWithShape="0">
+              <a:srgbClr val="000000">
+                <a:alpha val="35000"/>
+              </a:srgbClr>
+            </a:outerShdw>
+          </a:effectLst>
+        </a:effectStyle>
+        <a:effectStyle>
+          <a:effectLst>
+            <a:outerShdw blurRad="40000" dist="23000" dir="5400000" rotWithShape="0">
+              <a:srgbClr val="000000">
+                <a:alpha val="35000"/>
+              </a:srgbClr>
+            </a:outerShdw>
+          </a:effectLst>
+          <a:scene3d>
+            <a:camera prst="orthographicFront">
+              <a:rot lat="0" lon="0" rev="0"/>
+            </a:camera>
+            <a:lightRig rig="threePt" dir="t">
+              <a:rot lat="0" lon="0" rev="1200000"/>
+            </a:lightRig>
+          </a:scene3d>
+          <a:sp3d>
+            <a:bevelT w="63500" h="25400"/>
+          </a:sp3d>
+        </a:effectStyle>
+      </a:effectStyleLst>
+      <a:bgFillStyleLst>
+        <a:solidFill>
+          <a:schemeClr val="phClr"/>
+        </a:solidFill>
+        <a:gradFill rotWithShape="1">
+          <a:gsLst>
+            <a:gs pos="0">
+              <a:schemeClr val="phClr">
+                <a:tint val="40000"/>
+                <a:satMod val="350000"/>
+              </a:schemeClr>
+            </a:gs>
+            <a:gs pos="40000">
+              <a:schemeClr val="phClr">
+                <a:tint val="45000"/>
+                <a:shade val="99000"/>
+                <a:satMod val="350000"/>
+              </a:schemeClr>
+            </a:gs>
+            <a:gs pos="100000">
+              <a:schemeClr val="phClr">
+                <a:shade val="20000"/>
+                <a:satMod val="255000"/>
+              </a:schemeClr>
+            </a:gs>
+          </a:gsLst>
+          <a:path path="circle">
+            <a:fillToRect l="50000" t="-80000" r="50000" b="180000"/>
+          </a:path>
+        </a:gradFill>
+        <a:gradFill rotWithShape="1">
+          <a:gsLst>
+            <a:gs pos="0">
+              <a:schemeClr val="phClr">
+                <a:tint val="80000"/>
+                <a:satMod val="300000"/>
+              </a:schemeClr>
+            </a:gs>
+            <a:gs pos="100000">
+              <a:schemeClr val="phClr">
+                <a:shade val="30000"/>
+                <a:satMod val="200000"/>
+              </a:schemeClr>
+            </a:gs>
+          </a:gsLst>
+          <a:path path="circle">
+            <a:fillToRect l="50000" t="50000" r="50000" b="50000"/>
+          </a:path>
+        </a:gradFill>
+      </a:bgFillStyleLst>
+    </a:fmtScheme>
+  </a:themeElements>
+</a:theme>
 </file>
 
-<file path=ppt/theme/theme1.xml><?xml version="1.0" encoding="utf-8"?>
+<file path=ppt/theme/theme2.xml><?xml version="1.0" encoding="utf-8"?>
 <a:theme xmlns:a="http://schemas.openxmlformats.org/drawingml/2006/main" xmlns:r="http://schemas.openxmlformats.org/officeDocument/2006/relationships">
   <a:themeElements>
     <a:clrScheme name="Default">
@@ -55158,283 +55858,4 @@
     </a:fmtScheme>
   </a:themeElements>
 </a:theme>
-</file>
-
-<file path=ppt/theme/theme2.xml><?xml version="1.0" encoding="utf-8"?>
-<a:theme xmlns:a="http://schemas.openxmlformats.org/drawingml/2006/main" xmlns:r="http://schemas.openxmlformats.org/officeDocument/2006/relationships" name="Basketball Lesson by Slidesgo">
-  <a:themeElements>
-    <a:clrScheme name="Simple Light">
-      <a:dk1>
-        <a:srgbClr val="000000"/>
-      </a:dk1>
-      <a:lt1>
-        <a:srgbClr val="FFFFFF"/>
-      </a:lt1>
-      <a:dk2>
-        <a:srgbClr val="FF6363"/>
-      </a:dk2>
-      <a:lt2>
-        <a:srgbClr val="543864"/>
-      </a:lt2>
-      <a:accent1>
-        <a:srgbClr val="FFBD69"/>
-      </a:accent1>
-      <a:accent2>
-        <a:srgbClr val="FF8A8A"/>
-      </a:accent2>
-      <a:accent3>
-        <a:srgbClr val="D13535"/>
-      </a:accent3>
-      <a:accent4>
-        <a:srgbClr val="3A1C4B"/>
-      </a:accent4>
-      <a:accent5>
-        <a:srgbClr val="F47536"/>
-      </a:accent5>
-      <a:accent6>
-        <a:srgbClr val="D25227"/>
-      </a:accent6>
-      <a:hlink>
-        <a:srgbClr val="FFFFFF"/>
-      </a:hlink>
-      <a:folHlink>
-        <a:srgbClr val="0097A7"/>
-      </a:folHlink>
-    </a:clrScheme>
-    <a:fontScheme name="Office">
-      <a:majorFont>
-        <a:latin typeface="Arial"/>
-        <a:ea typeface=""/>
-        <a:cs typeface=""/>
-        <a:font script="Jpan" typeface="ＭＳ Ｐゴシック"/>
-        <a:font script="Hang" typeface="맑은 고딕"/>
-        <a:font script="Hans" typeface="宋体"/>
-        <a:font script="Hant" typeface="新細明體"/>
-        <a:font script="Arab" typeface="Times New Roman"/>
-        <a:font script="Hebr" typeface="Times New Roman"/>
-        <a:font script="Thai" typeface="Angsana New"/>
-        <a:font script="Ethi" typeface="Nyala"/>
-        <a:font script="Beng" typeface="Vrinda"/>
-        <a:font script="Gujr" typeface="Shruti"/>
-        <a:font script="Khmr" typeface="MoolBoran"/>
-        <a:font script="Knda" typeface="Tunga"/>
-        <a:font script="Guru" typeface="Raavi"/>
-        <a:font script="Cans" typeface="Euphemia"/>
-        <a:font script="Cher" typeface="Plantagenet Cherokee"/>
-        <a:font script="Yiii" typeface="Microsoft Yi Baiti"/>
-        <a:font script="Tibt" typeface="Microsoft Himalaya"/>
-        <a:font script="Thaa" typeface="MV Boli"/>
-        <a:font script="Deva" typeface="Mangal"/>
-        <a:font script="Telu" typeface="Gautami"/>
-        <a:font script="Taml" typeface="Latha"/>
-        <a:font script="Syrc" typeface="Estrangelo Edessa"/>
-        <a:font script="Orya" typeface="Kalinga"/>
-        <a:font script="Mlym" typeface="Kartika"/>
-        <a:font script="Laoo" typeface="DokChampa"/>
-        <a:font script="Sinh" typeface="Iskoola Pota"/>
-        <a:font script="Mong" typeface="Mongolian Baiti"/>
-        <a:font script="Viet" typeface="Times New Roman"/>
-        <a:font script="Uigh" typeface="Microsoft Uighur"/>
-        <a:font script="Geor" typeface="Sylfaen"/>
-      </a:majorFont>
-      <a:minorFont>
-        <a:latin typeface="Arial"/>
-        <a:ea typeface=""/>
-        <a:cs typeface=""/>
-        <a:font script="Jpan" typeface="ＭＳ Ｐゴシック"/>
-        <a:font script="Hang" typeface="맑은 고딕"/>
-        <a:font script="Hans" typeface="宋体"/>
-        <a:font script="Hant" typeface="新細明體"/>
-        <a:font script="Arab" typeface="Arial"/>
-        <a:font script="Hebr" typeface="Arial"/>
-        <a:font script="Thai" typeface="Cordia New"/>
-        <a:font script="Ethi" typeface="Nyala"/>
-        <a:font script="Beng" typeface="Vrinda"/>
-        <a:font script="Gujr" typeface="Shruti"/>
-        <a:font script="Khmr" typeface="DaunPenh"/>
-        <a:font script="Knda" typeface="Tunga"/>
-        <a:font script="Guru" typeface="Raavi"/>
-        <a:font script="Cans" typeface="Euphemia"/>
-        <a:font script="Cher" typeface="Plantagenet Cherokee"/>
-        <a:font script="Yiii" typeface="Microsoft Yi Baiti"/>
-        <a:font script="Tibt" typeface="Microsoft Himalaya"/>
-        <a:font script="Thaa" typeface="MV Boli"/>
-        <a:font script="Deva" typeface="Mangal"/>
-        <a:font script="Telu" typeface="Gautami"/>
-        <a:font script="Taml" typeface="Latha"/>
-        <a:font script="Syrc" typeface="Estrangelo Edessa"/>
-        <a:font script="Orya" typeface="Kalinga"/>
-        <a:font script="Mlym" typeface="Kartika"/>
-        <a:font script="Laoo" typeface="DokChampa"/>
-        <a:font script="Sinh" typeface="Iskoola Pota"/>
-        <a:font script="Mong" typeface="Mongolian Baiti"/>
-        <a:font script="Viet" typeface="Arial"/>
-        <a:font script="Uigh" typeface="Microsoft Uighur"/>
-        <a:font script="Geor" typeface="Sylfaen"/>
-      </a:minorFont>
-    </a:fontScheme>
-    <a:fmtScheme name="Office">
-      <a:fillStyleLst>
-        <a:solidFill>
-          <a:schemeClr val="phClr"/>
-        </a:solidFill>
-        <a:gradFill rotWithShape="1">
-          <a:gsLst>
-            <a:gs pos="0">
-              <a:schemeClr val="phClr">
-                <a:tint val="50000"/>
-                <a:satMod val="300000"/>
-              </a:schemeClr>
-            </a:gs>
-            <a:gs pos="35000">
-              <a:schemeClr val="phClr">
-                <a:tint val="37000"/>
-                <a:satMod val="300000"/>
-              </a:schemeClr>
-            </a:gs>
-            <a:gs pos="100000">
-              <a:schemeClr val="phClr">
-                <a:tint val="15000"/>
-                <a:satMod val="350000"/>
-              </a:schemeClr>
-            </a:gs>
-          </a:gsLst>
-          <a:lin ang="16200000" scaled="1"/>
-        </a:gradFill>
-        <a:gradFill rotWithShape="1">
-          <a:gsLst>
-            <a:gs pos="0">
-              <a:schemeClr val="phClr">
-                <a:tint val="100000"/>
-                <a:shade val="100000"/>
-                <a:satMod val="130000"/>
-              </a:schemeClr>
-            </a:gs>
-            <a:gs pos="100000">
-              <a:schemeClr val="phClr">
-                <a:tint val="50000"/>
-                <a:shade val="100000"/>
-                <a:satMod val="350000"/>
-              </a:schemeClr>
-            </a:gs>
-          </a:gsLst>
-          <a:lin ang="16200000" scaled="0"/>
-        </a:gradFill>
-      </a:fillStyleLst>
-      <a:lnStyleLst>
-        <a:ln w="9525" cap="flat" cmpd="sng" algn="ctr">
-          <a:solidFill>
-            <a:schemeClr val="phClr">
-              <a:shade val="95000"/>
-              <a:satMod val="105000"/>
-            </a:schemeClr>
-          </a:solidFill>
-          <a:prstDash val="solid"/>
-        </a:ln>
-        <a:ln w="25400" cap="flat" cmpd="sng" algn="ctr">
-          <a:solidFill>
-            <a:schemeClr val="phClr"/>
-          </a:solidFill>
-          <a:prstDash val="solid"/>
-        </a:ln>
-        <a:ln w="38100" cap="flat" cmpd="sng" algn="ctr">
-          <a:solidFill>
-            <a:schemeClr val="phClr"/>
-          </a:solidFill>
-          <a:prstDash val="solid"/>
-        </a:ln>
-      </a:lnStyleLst>
-      <a:effectStyleLst>
-        <a:effectStyle>
-          <a:effectLst>
-            <a:outerShdw blurRad="40000" dist="20000" dir="5400000" rotWithShape="0">
-              <a:srgbClr val="000000">
-                <a:alpha val="38000"/>
-              </a:srgbClr>
-            </a:outerShdw>
-          </a:effectLst>
-        </a:effectStyle>
-        <a:effectStyle>
-          <a:effectLst>
-            <a:outerShdw blurRad="40000" dist="23000" dir="5400000" rotWithShape="0">
-              <a:srgbClr val="000000">
-                <a:alpha val="35000"/>
-              </a:srgbClr>
-            </a:outerShdw>
-          </a:effectLst>
-        </a:effectStyle>
-        <a:effectStyle>
-          <a:effectLst>
-            <a:outerShdw blurRad="40000" dist="23000" dir="5400000" rotWithShape="0">
-              <a:srgbClr val="000000">
-                <a:alpha val="35000"/>
-              </a:srgbClr>
-            </a:outerShdw>
-          </a:effectLst>
-          <a:scene3d>
-            <a:camera prst="orthographicFront">
-              <a:rot lat="0" lon="0" rev="0"/>
-            </a:camera>
-            <a:lightRig rig="threePt" dir="t">
-              <a:rot lat="0" lon="0" rev="1200000"/>
-            </a:lightRig>
-          </a:scene3d>
-          <a:sp3d>
-            <a:bevelT w="63500" h="25400"/>
-          </a:sp3d>
-        </a:effectStyle>
-      </a:effectStyleLst>
-      <a:bgFillStyleLst>
-        <a:solidFill>
-          <a:schemeClr val="phClr"/>
-        </a:solidFill>
-        <a:gradFill rotWithShape="1">
-          <a:gsLst>
-            <a:gs pos="0">
-              <a:schemeClr val="phClr">
-                <a:tint val="40000"/>
-                <a:satMod val="350000"/>
-              </a:schemeClr>
-            </a:gs>
-            <a:gs pos="40000">
-              <a:schemeClr val="phClr">
-                <a:tint val="45000"/>
-                <a:shade val="99000"/>
-                <a:satMod val="350000"/>
-              </a:schemeClr>
-            </a:gs>
-            <a:gs pos="100000">
-              <a:schemeClr val="phClr">
-                <a:shade val="20000"/>
-                <a:satMod val="255000"/>
-              </a:schemeClr>
-            </a:gs>
-          </a:gsLst>
-          <a:path path="circle">
-            <a:fillToRect l="50000" t="-80000" r="50000" b="180000"/>
-          </a:path>
-        </a:gradFill>
-        <a:gradFill rotWithShape="1">
-          <a:gsLst>
-            <a:gs pos="0">
-              <a:schemeClr val="phClr">
-                <a:tint val="80000"/>
-                <a:satMod val="300000"/>
-              </a:schemeClr>
-            </a:gs>
-            <a:gs pos="100000">
-              <a:schemeClr val="phClr">
-                <a:shade val="30000"/>
-                <a:satMod val="200000"/>
-              </a:schemeClr>
-            </a:gs>
-          </a:gsLst>
-          <a:path path="circle">
-            <a:fillToRect l="50000" t="50000" r="50000" b="50000"/>
-          </a:path>
-        </a:gradFill>
-      </a:bgFillStyleLst>
-    </a:fmtScheme>
-  </a:themeElements>
-</a:theme>
 </file>